--- a/Docs/ClassMeetings/2022_02_21_ClassMeeting.pptx
+++ b/Docs/ClassMeetings/2022_02_21_ClassMeeting.pptx
@@ -4,6 +4,9 @@
   <p:sldMasterIdLst>
     <p:sldMasterId id="2147483660" r:id="rId1"/>
   </p:sldMasterIdLst>
+  <p:notesMasterIdLst>
+    <p:notesMasterId r:id="rId12"/>
+  </p:notesMasterIdLst>
   <p:sldIdLst>
     <p:sldId id="256" r:id="rId2"/>
     <p:sldId id="271" r:id="rId3"/>
@@ -162,14 +165,192 @@
 <file path=ppt/revisionInfo.xml><?xml version="1.0" encoding="utf-8"?>
 <p1510:revInfo xmlns:a="http://schemas.openxmlformats.org/drawingml/2006/main" xmlns:r="http://schemas.openxmlformats.org/officeDocument/2006/relationships" xmlns:p1510="http://schemas.microsoft.com/office/powerpoint/2015/10/main">
   <p1510:revLst>
-    <p1510:client id="{663D9D2E-5DB7-4221-A955-ED2D93C6264E}" v="5" dt="2022-02-09T22:08:06.630"/>
-    <p1510:client id="{9CC3991B-F5D6-4BA0-A07F-5F4ED1E6EF64}" v="13" dt="2022-02-09T21:27:24.550"/>
+    <p1510:client id="{D79CA1E1-9813-4F18-B9A1-91FE1AAB81A4}" v="28" dt="2022-02-16T20:30:58.790"/>
   </p1510:revLst>
 </p1510:revInfo>
 </file>
 
 <file path=ppt/changesInfos/changesInfo1.xml><?xml version="1.0" encoding="utf-8"?>
 <pc:chgInfo xmlns:a="http://schemas.openxmlformats.org/drawingml/2006/main" xmlns:r="http://schemas.openxmlformats.org/officeDocument/2006/relationships" xmlns:ac="http://schemas.microsoft.com/office/drawing/2013/main/command" xmlns:pc="http://schemas.microsoft.com/office/powerpoint/2013/main/command">
+  <pc:docChgLst>
+    <pc:chgData name="Derek Caramella" userId="286e2ff89c220aa4" providerId="LiveId" clId="{D79CA1E1-9813-4F18-B9A1-91FE1AAB81A4}"/>
+    <pc:docChg chg="undo custSel modSld">
+      <pc:chgData name="Derek Caramella" userId="286e2ff89c220aa4" providerId="LiveId" clId="{D79CA1E1-9813-4F18-B9A1-91FE1AAB81A4}" dt="2022-02-16T20:31:28.329" v="700" actId="20577"/>
+      <pc:docMkLst>
+        <pc:docMk/>
+      </pc:docMkLst>
+      <pc:sldChg chg="modSp mod">
+        <pc:chgData name="Derek Caramella" userId="286e2ff89c220aa4" providerId="LiveId" clId="{D79CA1E1-9813-4F18-B9A1-91FE1AAB81A4}" dt="2022-02-16T20:31:28.329" v="700" actId="20577"/>
+        <pc:sldMkLst>
+          <pc:docMk/>
+          <pc:sldMk cId="4070774991" sldId="256"/>
+        </pc:sldMkLst>
+        <pc:spChg chg="mod">
+          <ac:chgData name="Derek Caramella" userId="286e2ff89c220aa4" providerId="LiveId" clId="{D79CA1E1-9813-4F18-B9A1-91FE1AAB81A4}" dt="2022-02-16T20:31:28.329" v="700" actId="20577"/>
+          <ac:spMkLst>
+            <pc:docMk/>
+            <pc:sldMk cId="4070774991" sldId="256"/>
+            <ac:spMk id="3" creationId="{3379CBCF-7E9E-45F5-AB5C-7C3031C0ADF2}"/>
+          </ac:spMkLst>
+        </pc:spChg>
+      </pc:sldChg>
+      <pc:sldChg chg="modSp mod">
+        <pc:chgData name="Derek Caramella" userId="286e2ff89c220aa4" providerId="LiveId" clId="{D79CA1E1-9813-4F18-B9A1-91FE1AAB81A4}" dt="2022-02-16T20:31:10.626" v="696" actId="20577"/>
+        <pc:sldMkLst>
+          <pc:docMk/>
+          <pc:sldMk cId="437308345" sldId="263"/>
+        </pc:sldMkLst>
+        <pc:spChg chg="mod">
+          <ac:chgData name="Derek Caramella" userId="286e2ff89c220aa4" providerId="LiveId" clId="{D79CA1E1-9813-4F18-B9A1-91FE1AAB81A4}" dt="2022-02-16T20:31:10.626" v="696" actId="20577"/>
+          <ac:spMkLst>
+            <pc:docMk/>
+            <pc:sldMk cId="437308345" sldId="263"/>
+            <ac:spMk id="3" creationId="{3DA9E65B-F549-4843-AF20-8620532D132A}"/>
+          </ac:spMkLst>
+        </pc:spChg>
+      </pc:sldChg>
+      <pc:sldChg chg="addSp modSp mod">
+        <pc:chgData name="Derek Caramella" userId="286e2ff89c220aa4" providerId="LiveId" clId="{D79CA1E1-9813-4F18-B9A1-91FE1AAB81A4}" dt="2022-02-16T20:25:51.093" v="208" actId="14100"/>
+        <pc:sldMkLst>
+          <pc:docMk/>
+          <pc:sldMk cId="3327278647" sldId="271"/>
+        </pc:sldMkLst>
+        <pc:picChg chg="add mod">
+          <ac:chgData name="Derek Caramella" userId="286e2ff89c220aa4" providerId="LiveId" clId="{D79CA1E1-9813-4F18-B9A1-91FE1AAB81A4}" dt="2022-02-16T20:25:51.093" v="208" actId="14100"/>
+          <ac:picMkLst>
+            <pc:docMk/>
+            <pc:sldMk cId="3327278647" sldId="271"/>
+            <ac:picMk id="4" creationId="{B263E7CC-65A6-41BD-B8AD-4813E328560C}"/>
+          </ac:picMkLst>
+        </pc:picChg>
+      </pc:sldChg>
+      <pc:sldChg chg="addSp modSp mod">
+        <pc:chgData name="Derek Caramella" userId="286e2ff89c220aa4" providerId="LiveId" clId="{D79CA1E1-9813-4F18-B9A1-91FE1AAB81A4}" dt="2022-02-16T20:30:47.102" v="667" actId="20577"/>
+        <pc:sldMkLst>
+          <pc:docMk/>
+          <pc:sldMk cId="1292194066" sldId="272"/>
+        </pc:sldMkLst>
+        <pc:spChg chg="mod">
+          <ac:chgData name="Derek Caramella" userId="286e2ff89c220aa4" providerId="LiveId" clId="{D79CA1E1-9813-4F18-B9A1-91FE1AAB81A4}" dt="2022-02-16T20:30:47.102" v="667" actId="20577"/>
+          <ac:spMkLst>
+            <pc:docMk/>
+            <pc:sldMk cId="1292194066" sldId="272"/>
+            <ac:spMk id="3" creationId="{3DA9E65B-F549-4843-AF20-8620532D132A}"/>
+          </ac:spMkLst>
+        </pc:spChg>
+        <pc:picChg chg="add mod">
+          <ac:chgData name="Derek Caramella" userId="286e2ff89c220aa4" providerId="LiveId" clId="{D79CA1E1-9813-4F18-B9A1-91FE1AAB81A4}" dt="2022-02-16T20:26:38.602" v="227" actId="1076"/>
+          <ac:picMkLst>
+            <pc:docMk/>
+            <pc:sldMk cId="1292194066" sldId="272"/>
+            <ac:picMk id="4" creationId="{4F9F7F2D-182B-4321-BB4D-FBA86C74B858}"/>
+          </ac:picMkLst>
+        </pc:picChg>
+      </pc:sldChg>
+      <pc:sldChg chg="addSp delSp modSp mod">
+        <pc:chgData name="Derek Caramella" userId="286e2ff89c220aa4" providerId="LiveId" clId="{D79CA1E1-9813-4F18-B9A1-91FE1AAB81A4}" dt="2022-02-16T20:30:16.786" v="602" actId="113"/>
+        <pc:sldMkLst>
+          <pc:docMk/>
+          <pc:sldMk cId="4200272784" sldId="273"/>
+        </pc:sldMkLst>
+        <pc:spChg chg="del mod">
+          <ac:chgData name="Derek Caramella" userId="286e2ff89c220aa4" providerId="LiveId" clId="{D79CA1E1-9813-4F18-B9A1-91FE1AAB81A4}" dt="2022-02-16T20:30:10.359" v="601" actId="26606"/>
+          <ac:spMkLst>
+            <pc:docMk/>
+            <pc:sldMk cId="4200272784" sldId="273"/>
+            <ac:spMk id="3" creationId="{3DA9E65B-F549-4843-AF20-8620532D132A}"/>
+          </ac:spMkLst>
+        </pc:spChg>
+        <pc:graphicFrameChg chg="add mod">
+          <ac:chgData name="Derek Caramella" userId="286e2ff89c220aa4" providerId="LiveId" clId="{D79CA1E1-9813-4F18-B9A1-91FE1AAB81A4}" dt="2022-02-16T20:30:16.786" v="602" actId="113"/>
+          <ac:graphicFrameMkLst>
+            <pc:docMk/>
+            <pc:sldMk cId="4200272784" sldId="273"/>
+            <ac:graphicFrameMk id="5" creationId="{3B634C81-2472-4D76-99A0-EBDFC6EA5A15}"/>
+          </ac:graphicFrameMkLst>
+        </pc:graphicFrameChg>
+      </pc:sldChg>
+      <pc:sldChg chg="addSp delSp modSp mod setBg">
+        <pc:chgData name="Derek Caramella" userId="286e2ff89c220aa4" providerId="LiveId" clId="{D79CA1E1-9813-4F18-B9A1-91FE1AAB81A4}" dt="2022-02-16T20:30:58.790" v="692" actId="20577"/>
+        <pc:sldMkLst>
+          <pc:docMk/>
+          <pc:sldMk cId="1761143524" sldId="274"/>
+        </pc:sldMkLst>
+        <pc:spChg chg="mod">
+          <ac:chgData name="Derek Caramella" userId="286e2ff89c220aa4" providerId="LiveId" clId="{D79CA1E1-9813-4F18-B9A1-91FE1AAB81A4}" dt="2022-02-16T20:29:54.340" v="599" actId="26606"/>
+          <ac:spMkLst>
+            <pc:docMk/>
+            <pc:sldMk cId="1761143524" sldId="274"/>
+            <ac:spMk id="2" creationId="{C3663143-7595-4B6A-ACBB-D63506DC6D59}"/>
+          </ac:spMkLst>
+        </pc:spChg>
+        <pc:spChg chg="add del mod">
+          <ac:chgData name="Derek Caramella" userId="286e2ff89c220aa4" providerId="LiveId" clId="{D79CA1E1-9813-4F18-B9A1-91FE1AAB81A4}" dt="2022-02-16T20:29:54.340" v="599" actId="26606"/>
+          <ac:spMkLst>
+            <pc:docMk/>
+            <pc:sldMk cId="1761143524" sldId="274"/>
+            <ac:spMk id="3" creationId="{3DA9E65B-F549-4843-AF20-8620532D132A}"/>
+          </ac:spMkLst>
+        </pc:spChg>
+        <pc:spChg chg="add del">
+          <ac:chgData name="Derek Caramella" userId="286e2ff89c220aa4" providerId="LiveId" clId="{D79CA1E1-9813-4F18-B9A1-91FE1AAB81A4}" dt="2022-02-16T20:29:54.271" v="598" actId="26606"/>
+          <ac:spMkLst>
+            <pc:docMk/>
+            <pc:sldMk cId="1761143524" sldId="274"/>
+            <ac:spMk id="9" creationId="{68575C10-8187-4AC4-AD72-C754EAFD2867}"/>
+          </ac:spMkLst>
+        </pc:spChg>
+        <pc:spChg chg="add">
+          <ac:chgData name="Derek Caramella" userId="286e2ff89c220aa4" providerId="LiveId" clId="{D79CA1E1-9813-4F18-B9A1-91FE1AAB81A4}" dt="2022-02-16T20:29:54.340" v="599" actId="26606"/>
+          <ac:spMkLst>
+            <pc:docMk/>
+            <pc:sldMk cId="1761143524" sldId="274"/>
+            <ac:spMk id="13" creationId="{C27271CB-4E66-4C22-A01B-C1BBC3CFE6C6}"/>
+          </ac:spMkLst>
+        </pc:spChg>
+        <pc:spChg chg="add">
+          <ac:chgData name="Derek Caramella" userId="286e2ff89c220aa4" providerId="LiveId" clId="{D79CA1E1-9813-4F18-B9A1-91FE1AAB81A4}" dt="2022-02-16T20:29:54.340" v="599" actId="26606"/>
+          <ac:spMkLst>
+            <pc:docMk/>
+            <pc:sldMk cId="1761143524" sldId="274"/>
+            <ac:spMk id="14" creationId="{4E5D0BBB-3DC3-4295-988E-3AE51E700031}"/>
+          </ac:spMkLst>
+        </pc:spChg>
+        <pc:graphicFrameChg chg="add del">
+          <ac:chgData name="Derek Caramella" userId="286e2ff89c220aa4" providerId="LiveId" clId="{D79CA1E1-9813-4F18-B9A1-91FE1AAB81A4}" dt="2022-02-16T20:29:54.271" v="598" actId="26606"/>
+          <ac:graphicFrameMkLst>
+            <pc:docMk/>
+            <pc:sldMk cId="1761143524" sldId="274"/>
+            <ac:graphicFrameMk id="5" creationId="{78F01671-5797-442F-B8F6-8E384961A8BA}"/>
+          </ac:graphicFrameMkLst>
+        </pc:graphicFrameChg>
+        <pc:graphicFrameChg chg="add mod">
+          <ac:chgData name="Derek Caramella" userId="286e2ff89c220aa4" providerId="LiveId" clId="{D79CA1E1-9813-4F18-B9A1-91FE1AAB81A4}" dt="2022-02-16T20:30:58.790" v="692" actId="20577"/>
+          <ac:graphicFrameMkLst>
+            <pc:docMk/>
+            <pc:sldMk cId="1761143524" sldId="274"/>
+            <ac:graphicFrameMk id="16" creationId="{A7D40852-7654-4E22-8ACD-A70A426B6335}"/>
+          </ac:graphicFrameMkLst>
+        </pc:graphicFrameChg>
+        <pc:cxnChg chg="add del">
+          <ac:chgData name="Derek Caramella" userId="286e2ff89c220aa4" providerId="LiveId" clId="{D79CA1E1-9813-4F18-B9A1-91FE1AAB81A4}" dt="2022-02-16T20:29:54.271" v="598" actId="26606"/>
+          <ac:cxnSpMkLst>
+            <pc:docMk/>
+            <pc:sldMk cId="1761143524" sldId="274"/>
+            <ac:cxnSpMk id="11" creationId="{74E776C9-ED67-41B7-B3A3-4DF76EF3ACEE}"/>
+          </ac:cxnSpMkLst>
+        </pc:cxnChg>
+        <pc:cxnChg chg="add">
+          <ac:chgData name="Derek Caramella" userId="286e2ff89c220aa4" providerId="LiveId" clId="{D79CA1E1-9813-4F18-B9A1-91FE1AAB81A4}" dt="2022-02-16T20:29:54.340" v="599" actId="26606"/>
+          <ac:cxnSpMkLst>
+            <pc:docMk/>
+            <pc:sldMk cId="1761143524" sldId="274"/>
+            <ac:cxnSpMk id="15" creationId="{3E650E83-BC4B-4446-939C-BEE5A892F823}"/>
+          </ac:cxnSpMkLst>
+        </pc:cxnChg>
+      </pc:sldChg>
+    </pc:docChg>
+  </pc:docChgLst>
   <pc:docChgLst>
     <pc:chgData name="Derek Caramella" userId="286e2ff89c220aa4" providerId="LiveId" clId="{9CC3991B-F5D6-4BA0-A07F-5F4ED1E6EF64}"/>
     <pc:docChg chg="undo redo custSel addSld delSld modSld addSection modSection">
@@ -1830,6 +2011,6267 @@
     </pc:docChg>
   </pc:docChgLst>
 </pc:chgInfo>
+</file>
+
+<file path=ppt/diagrams/colors1.xml><?xml version="1.0" encoding="utf-8"?>
+<dgm:colorsDef xmlns:dgm="http://schemas.openxmlformats.org/drawingml/2006/diagram" xmlns:a="http://schemas.openxmlformats.org/drawingml/2006/main" uniqueId="urn:microsoft.com/office/officeart/2005/8/colors/accent1_2">
+  <dgm:title val=""/>
+  <dgm:desc val=""/>
+  <dgm:catLst>
+    <dgm:cat type="accent1" pri="11200"/>
+  </dgm:catLst>
+  <dgm:styleLbl name="node0">
+    <dgm:fillClrLst meth="repeat">
+      <a:schemeClr val="accent1"/>
+    </dgm:fillClrLst>
+    <dgm:linClrLst meth="repeat">
+      <a:schemeClr val="lt1"/>
+    </dgm:linClrLst>
+    <dgm:effectClrLst/>
+    <dgm:txLinClrLst/>
+    <dgm:txFillClrLst/>
+    <dgm:txEffectClrLst/>
+  </dgm:styleLbl>
+  <dgm:styleLbl name="alignNode1">
+    <dgm:fillClrLst meth="repeat">
+      <a:schemeClr val="accent1"/>
+    </dgm:fillClrLst>
+    <dgm:linClrLst meth="repeat">
+      <a:schemeClr val="accent1"/>
+    </dgm:linClrLst>
+    <dgm:effectClrLst/>
+    <dgm:txLinClrLst/>
+    <dgm:txFillClrLst/>
+    <dgm:txEffectClrLst/>
+  </dgm:styleLbl>
+  <dgm:styleLbl name="node1">
+    <dgm:fillClrLst meth="repeat">
+      <a:schemeClr val="accent1"/>
+    </dgm:fillClrLst>
+    <dgm:linClrLst meth="repeat">
+      <a:schemeClr val="lt1"/>
+    </dgm:linClrLst>
+    <dgm:effectClrLst/>
+    <dgm:txLinClrLst/>
+    <dgm:txFillClrLst/>
+    <dgm:txEffectClrLst/>
+  </dgm:styleLbl>
+  <dgm:styleLbl name="lnNode1">
+    <dgm:fillClrLst meth="repeat">
+      <a:schemeClr val="accent1"/>
+    </dgm:fillClrLst>
+    <dgm:linClrLst meth="repeat">
+      <a:schemeClr val="lt1"/>
+    </dgm:linClrLst>
+    <dgm:effectClrLst/>
+    <dgm:txLinClrLst/>
+    <dgm:txFillClrLst/>
+    <dgm:txEffectClrLst/>
+  </dgm:styleLbl>
+  <dgm:styleLbl name="vennNode1">
+    <dgm:fillClrLst meth="repeat">
+      <a:schemeClr val="accent1">
+        <a:alpha val="50000"/>
+      </a:schemeClr>
+    </dgm:fillClrLst>
+    <dgm:linClrLst meth="repeat">
+      <a:schemeClr val="lt1"/>
+    </dgm:linClrLst>
+    <dgm:effectClrLst/>
+    <dgm:txLinClrLst/>
+    <dgm:txFillClrLst/>
+    <dgm:txEffectClrLst/>
+  </dgm:styleLbl>
+  <dgm:styleLbl name="node2">
+    <dgm:fillClrLst meth="repeat">
+      <a:schemeClr val="accent1"/>
+    </dgm:fillClrLst>
+    <dgm:linClrLst meth="repeat">
+      <a:schemeClr val="lt1"/>
+    </dgm:linClrLst>
+    <dgm:effectClrLst/>
+    <dgm:txLinClrLst/>
+    <dgm:txFillClrLst/>
+    <dgm:txEffectClrLst/>
+  </dgm:styleLbl>
+  <dgm:styleLbl name="node3">
+    <dgm:fillClrLst meth="repeat">
+      <a:schemeClr val="accent1"/>
+    </dgm:fillClrLst>
+    <dgm:linClrLst meth="repeat">
+      <a:schemeClr val="lt1"/>
+    </dgm:linClrLst>
+    <dgm:effectClrLst/>
+    <dgm:txLinClrLst/>
+    <dgm:txFillClrLst/>
+    <dgm:txEffectClrLst/>
+  </dgm:styleLbl>
+  <dgm:styleLbl name="node4">
+    <dgm:fillClrLst meth="repeat">
+      <a:schemeClr val="accent1"/>
+    </dgm:fillClrLst>
+    <dgm:linClrLst meth="repeat">
+      <a:schemeClr val="lt1"/>
+    </dgm:linClrLst>
+    <dgm:effectClrLst/>
+    <dgm:txLinClrLst/>
+    <dgm:txFillClrLst/>
+    <dgm:txEffectClrLst/>
+  </dgm:styleLbl>
+  <dgm:styleLbl name="fgImgPlace1">
+    <dgm:fillClrLst meth="repeat">
+      <a:schemeClr val="accent1">
+        <a:tint val="50000"/>
+      </a:schemeClr>
+    </dgm:fillClrLst>
+    <dgm:linClrLst meth="repeat">
+      <a:schemeClr val="lt1"/>
+    </dgm:linClrLst>
+    <dgm:effectClrLst/>
+    <dgm:txLinClrLst/>
+    <dgm:txFillClrLst meth="repeat">
+      <a:schemeClr val="lt1"/>
+    </dgm:txFillClrLst>
+    <dgm:txEffectClrLst/>
+  </dgm:styleLbl>
+  <dgm:styleLbl name="alignImgPlace1">
+    <dgm:fillClrLst meth="repeat">
+      <a:schemeClr val="accent1">
+        <a:tint val="50000"/>
+      </a:schemeClr>
+    </dgm:fillClrLst>
+    <dgm:linClrLst meth="repeat">
+      <a:schemeClr val="lt1"/>
+    </dgm:linClrLst>
+    <dgm:effectClrLst/>
+    <dgm:txLinClrLst/>
+    <dgm:txFillClrLst meth="repeat">
+      <a:schemeClr val="lt1"/>
+    </dgm:txFillClrLst>
+    <dgm:txEffectClrLst/>
+  </dgm:styleLbl>
+  <dgm:styleLbl name="bgImgPlace1">
+    <dgm:fillClrLst meth="repeat">
+      <a:schemeClr val="accent1">
+        <a:tint val="50000"/>
+      </a:schemeClr>
+    </dgm:fillClrLst>
+    <dgm:linClrLst meth="repeat">
+      <a:schemeClr val="lt1"/>
+    </dgm:linClrLst>
+    <dgm:effectClrLst/>
+    <dgm:txLinClrLst/>
+    <dgm:txFillClrLst meth="repeat">
+      <a:schemeClr val="lt1"/>
+    </dgm:txFillClrLst>
+    <dgm:txEffectClrLst/>
+  </dgm:styleLbl>
+  <dgm:styleLbl name="sibTrans2D1">
+    <dgm:fillClrLst meth="repeat">
+      <a:schemeClr val="accent1">
+        <a:tint val="60000"/>
+      </a:schemeClr>
+    </dgm:fillClrLst>
+    <dgm:linClrLst meth="repeat">
+      <a:schemeClr val="accent1">
+        <a:tint val="60000"/>
+      </a:schemeClr>
+    </dgm:linClrLst>
+    <dgm:effectClrLst/>
+    <dgm:txLinClrLst/>
+    <dgm:txFillClrLst/>
+    <dgm:txEffectClrLst/>
+  </dgm:styleLbl>
+  <dgm:styleLbl name="fgSibTrans2D1">
+    <dgm:fillClrLst meth="repeat">
+      <a:schemeClr val="accent1">
+        <a:tint val="60000"/>
+      </a:schemeClr>
+    </dgm:fillClrLst>
+    <dgm:linClrLst meth="repeat">
+      <a:schemeClr val="accent1">
+        <a:tint val="60000"/>
+      </a:schemeClr>
+    </dgm:linClrLst>
+    <dgm:effectClrLst/>
+    <dgm:txLinClrLst/>
+    <dgm:txFillClrLst/>
+    <dgm:txEffectClrLst/>
+  </dgm:styleLbl>
+  <dgm:styleLbl name="bgSibTrans2D1">
+    <dgm:fillClrLst meth="repeat">
+      <a:schemeClr val="accent1">
+        <a:tint val="60000"/>
+      </a:schemeClr>
+    </dgm:fillClrLst>
+    <dgm:linClrLst meth="repeat">
+      <a:schemeClr val="accent1">
+        <a:tint val="60000"/>
+      </a:schemeClr>
+    </dgm:linClrLst>
+    <dgm:effectClrLst/>
+    <dgm:txLinClrLst/>
+    <dgm:txFillClrLst/>
+    <dgm:txEffectClrLst/>
+  </dgm:styleLbl>
+  <dgm:styleLbl name="sibTrans1D1">
+    <dgm:fillClrLst meth="repeat">
+      <a:schemeClr val="accent1"/>
+    </dgm:fillClrLst>
+    <dgm:linClrLst meth="repeat">
+      <a:schemeClr val="accent1"/>
+    </dgm:linClrLst>
+    <dgm:effectClrLst/>
+    <dgm:txLinClrLst/>
+    <dgm:txFillClrLst meth="repeat">
+      <a:schemeClr val="tx1"/>
+    </dgm:txFillClrLst>
+    <dgm:txEffectClrLst/>
+  </dgm:styleLbl>
+  <dgm:styleLbl name="callout">
+    <dgm:fillClrLst meth="repeat">
+      <a:schemeClr val="accent1"/>
+    </dgm:fillClrLst>
+    <dgm:linClrLst meth="repeat">
+      <a:schemeClr val="accent1">
+        <a:tint val="50000"/>
+      </a:schemeClr>
+    </dgm:linClrLst>
+    <dgm:effectClrLst/>
+    <dgm:txLinClrLst/>
+    <dgm:txFillClrLst meth="repeat">
+      <a:schemeClr val="tx1"/>
+    </dgm:txFillClrLst>
+    <dgm:txEffectClrLst/>
+  </dgm:styleLbl>
+  <dgm:styleLbl name="asst0">
+    <dgm:fillClrLst meth="repeat">
+      <a:schemeClr val="accent1"/>
+    </dgm:fillClrLst>
+    <dgm:linClrLst meth="repeat">
+      <a:schemeClr val="lt1"/>
+    </dgm:linClrLst>
+    <dgm:effectClrLst/>
+    <dgm:txLinClrLst/>
+    <dgm:txFillClrLst/>
+    <dgm:txEffectClrLst/>
+  </dgm:styleLbl>
+  <dgm:styleLbl name="asst1">
+    <dgm:fillClrLst meth="repeat">
+      <a:schemeClr val="accent1"/>
+    </dgm:fillClrLst>
+    <dgm:linClrLst meth="repeat">
+      <a:schemeClr val="lt1"/>
+    </dgm:linClrLst>
+    <dgm:effectClrLst/>
+    <dgm:txLinClrLst/>
+    <dgm:txFillClrLst/>
+    <dgm:txEffectClrLst/>
+  </dgm:styleLbl>
+  <dgm:styleLbl name="asst2">
+    <dgm:fillClrLst meth="repeat">
+      <a:schemeClr val="accent1"/>
+    </dgm:fillClrLst>
+    <dgm:linClrLst meth="repeat">
+      <a:schemeClr val="lt1"/>
+    </dgm:linClrLst>
+    <dgm:effectClrLst/>
+    <dgm:txLinClrLst/>
+    <dgm:txFillClrLst/>
+    <dgm:txEffectClrLst/>
+  </dgm:styleLbl>
+  <dgm:styleLbl name="asst3">
+    <dgm:fillClrLst meth="repeat">
+      <a:schemeClr val="accent1"/>
+    </dgm:fillClrLst>
+    <dgm:linClrLst meth="repeat">
+      <a:schemeClr val="lt1"/>
+    </dgm:linClrLst>
+    <dgm:effectClrLst/>
+    <dgm:txLinClrLst/>
+    <dgm:txFillClrLst/>
+    <dgm:txEffectClrLst/>
+  </dgm:styleLbl>
+  <dgm:styleLbl name="asst4">
+    <dgm:fillClrLst meth="repeat">
+      <a:schemeClr val="accent1"/>
+    </dgm:fillClrLst>
+    <dgm:linClrLst meth="repeat">
+      <a:schemeClr val="lt1"/>
+    </dgm:linClrLst>
+    <dgm:effectClrLst/>
+    <dgm:txLinClrLst/>
+    <dgm:txFillClrLst/>
+    <dgm:txEffectClrLst/>
+  </dgm:styleLbl>
+  <dgm:styleLbl name="parChTrans2D1">
+    <dgm:fillClrLst meth="repeat">
+      <a:schemeClr val="accent1">
+        <a:tint val="60000"/>
+      </a:schemeClr>
+    </dgm:fillClrLst>
+    <dgm:linClrLst meth="repeat">
+      <a:schemeClr val="accent1">
+        <a:tint val="60000"/>
+      </a:schemeClr>
+    </dgm:linClrLst>
+    <dgm:effectClrLst/>
+    <dgm:txLinClrLst/>
+    <dgm:txFillClrLst meth="repeat">
+      <a:schemeClr val="lt1"/>
+    </dgm:txFillClrLst>
+    <dgm:txEffectClrLst/>
+  </dgm:styleLbl>
+  <dgm:styleLbl name="parChTrans2D2">
+    <dgm:fillClrLst meth="repeat">
+      <a:schemeClr val="accent1"/>
+    </dgm:fillClrLst>
+    <dgm:linClrLst meth="repeat">
+      <a:schemeClr val="accent1"/>
+    </dgm:linClrLst>
+    <dgm:effectClrLst/>
+    <dgm:txLinClrLst/>
+    <dgm:txFillClrLst meth="repeat">
+      <a:schemeClr val="lt1"/>
+    </dgm:txFillClrLst>
+    <dgm:txEffectClrLst/>
+  </dgm:styleLbl>
+  <dgm:styleLbl name="parChTrans2D3">
+    <dgm:fillClrLst meth="repeat">
+      <a:schemeClr val="accent1"/>
+    </dgm:fillClrLst>
+    <dgm:linClrLst meth="repeat">
+      <a:schemeClr val="accent1"/>
+    </dgm:linClrLst>
+    <dgm:effectClrLst/>
+    <dgm:txLinClrLst/>
+    <dgm:txFillClrLst meth="repeat">
+      <a:schemeClr val="lt1"/>
+    </dgm:txFillClrLst>
+    <dgm:txEffectClrLst/>
+  </dgm:styleLbl>
+  <dgm:styleLbl name="parChTrans2D4">
+    <dgm:fillClrLst meth="repeat">
+      <a:schemeClr val="accent1"/>
+    </dgm:fillClrLst>
+    <dgm:linClrLst meth="repeat">
+      <a:schemeClr val="accent1"/>
+    </dgm:linClrLst>
+    <dgm:effectClrLst/>
+    <dgm:txLinClrLst/>
+    <dgm:txFillClrLst meth="repeat">
+      <a:schemeClr val="lt1"/>
+    </dgm:txFillClrLst>
+    <dgm:txEffectClrLst/>
+  </dgm:styleLbl>
+  <dgm:styleLbl name="parChTrans1D1">
+    <dgm:fillClrLst meth="repeat">
+      <a:schemeClr val="accent1"/>
+    </dgm:fillClrLst>
+    <dgm:linClrLst meth="repeat">
+      <a:schemeClr val="accent1">
+        <a:shade val="60000"/>
+      </a:schemeClr>
+    </dgm:linClrLst>
+    <dgm:effectClrLst/>
+    <dgm:txLinClrLst/>
+    <dgm:txFillClrLst meth="repeat">
+      <a:schemeClr val="tx1"/>
+    </dgm:txFillClrLst>
+    <dgm:txEffectClrLst/>
+  </dgm:styleLbl>
+  <dgm:styleLbl name="parChTrans1D2">
+    <dgm:fillClrLst meth="repeat">
+      <a:schemeClr val="accent1"/>
+    </dgm:fillClrLst>
+    <dgm:linClrLst meth="repeat">
+      <a:schemeClr val="accent1">
+        <a:shade val="60000"/>
+      </a:schemeClr>
+    </dgm:linClrLst>
+    <dgm:effectClrLst/>
+    <dgm:txLinClrLst/>
+    <dgm:txFillClrLst meth="repeat">
+      <a:schemeClr val="tx1"/>
+    </dgm:txFillClrLst>
+    <dgm:txEffectClrLst/>
+  </dgm:styleLbl>
+  <dgm:styleLbl name="parChTrans1D3">
+    <dgm:fillClrLst meth="repeat">
+      <a:schemeClr val="accent1"/>
+    </dgm:fillClrLst>
+    <dgm:linClrLst meth="repeat">
+      <a:schemeClr val="accent1">
+        <a:shade val="80000"/>
+      </a:schemeClr>
+    </dgm:linClrLst>
+    <dgm:effectClrLst/>
+    <dgm:txLinClrLst/>
+    <dgm:txFillClrLst meth="repeat">
+      <a:schemeClr val="tx1"/>
+    </dgm:txFillClrLst>
+    <dgm:txEffectClrLst/>
+  </dgm:styleLbl>
+  <dgm:styleLbl name="parChTrans1D4">
+    <dgm:fillClrLst meth="repeat">
+      <a:schemeClr val="accent1"/>
+    </dgm:fillClrLst>
+    <dgm:linClrLst meth="repeat">
+      <a:schemeClr val="accent1">
+        <a:shade val="80000"/>
+      </a:schemeClr>
+    </dgm:linClrLst>
+    <dgm:effectClrLst/>
+    <dgm:txLinClrLst/>
+    <dgm:txFillClrLst meth="repeat">
+      <a:schemeClr val="tx1"/>
+    </dgm:txFillClrLst>
+    <dgm:txEffectClrLst/>
+  </dgm:styleLbl>
+  <dgm:styleLbl name="fgAcc1">
+    <dgm:fillClrLst meth="repeat">
+      <a:schemeClr val="lt1">
+        <a:alpha val="90000"/>
+      </a:schemeClr>
+    </dgm:fillClrLst>
+    <dgm:linClrLst meth="repeat">
+      <a:schemeClr val="accent1"/>
+    </dgm:linClrLst>
+    <dgm:effectClrLst/>
+    <dgm:txLinClrLst/>
+    <dgm:txFillClrLst meth="repeat">
+      <a:schemeClr val="dk1"/>
+    </dgm:txFillClrLst>
+    <dgm:txEffectClrLst/>
+  </dgm:styleLbl>
+  <dgm:styleLbl name="conFgAcc1">
+    <dgm:fillClrLst meth="repeat">
+      <a:schemeClr val="lt1">
+        <a:alpha val="90000"/>
+      </a:schemeClr>
+    </dgm:fillClrLst>
+    <dgm:linClrLst meth="repeat">
+      <a:schemeClr val="accent1"/>
+    </dgm:linClrLst>
+    <dgm:effectClrLst/>
+    <dgm:txLinClrLst/>
+    <dgm:txFillClrLst meth="repeat">
+      <a:schemeClr val="dk1"/>
+    </dgm:txFillClrLst>
+    <dgm:txEffectClrLst/>
+  </dgm:styleLbl>
+  <dgm:styleLbl name="alignAcc1">
+    <dgm:fillClrLst meth="repeat">
+      <a:schemeClr val="lt1">
+        <a:alpha val="90000"/>
+      </a:schemeClr>
+    </dgm:fillClrLst>
+    <dgm:linClrLst meth="repeat">
+      <a:schemeClr val="accent1"/>
+    </dgm:linClrLst>
+    <dgm:effectClrLst/>
+    <dgm:txLinClrLst/>
+    <dgm:txFillClrLst meth="repeat">
+      <a:schemeClr val="dk1"/>
+    </dgm:txFillClrLst>
+    <dgm:txEffectClrLst/>
+  </dgm:styleLbl>
+  <dgm:styleLbl name="trAlignAcc1">
+    <dgm:fillClrLst meth="repeat">
+      <a:schemeClr val="lt1">
+        <a:alpha val="40000"/>
+      </a:schemeClr>
+    </dgm:fillClrLst>
+    <dgm:linClrLst meth="repeat">
+      <a:schemeClr val="accent1"/>
+    </dgm:linClrLst>
+    <dgm:effectClrLst/>
+    <dgm:txLinClrLst/>
+    <dgm:txFillClrLst meth="repeat">
+      <a:schemeClr val="dk1"/>
+    </dgm:txFillClrLst>
+    <dgm:txEffectClrLst/>
+  </dgm:styleLbl>
+  <dgm:styleLbl name="bgAcc1">
+    <dgm:fillClrLst meth="repeat">
+      <a:schemeClr val="lt1">
+        <a:alpha val="90000"/>
+      </a:schemeClr>
+    </dgm:fillClrLst>
+    <dgm:linClrLst meth="repeat">
+      <a:schemeClr val="accent1"/>
+    </dgm:linClrLst>
+    <dgm:effectClrLst/>
+    <dgm:txLinClrLst/>
+    <dgm:txFillClrLst meth="repeat">
+      <a:schemeClr val="dk1"/>
+    </dgm:txFillClrLst>
+    <dgm:txEffectClrLst/>
+  </dgm:styleLbl>
+  <dgm:styleLbl name="solidFgAcc1">
+    <dgm:fillClrLst meth="repeat">
+      <a:schemeClr val="lt1"/>
+    </dgm:fillClrLst>
+    <dgm:linClrLst meth="repeat">
+      <a:schemeClr val="accent1"/>
+    </dgm:linClrLst>
+    <dgm:effectClrLst/>
+    <dgm:txLinClrLst/>
+    <dgm:txFillClrLst meth="repeat">
+      <a:schemeClr val="dk1"/>
+    </dgm:txFillClrLst>
+    <dgm:txEffectClrLst/>
+  </dgm:styleLbl>
+  <dgm:styleLbl name="solidAlignAcc1">
+    <dgm:fillClrLst meth="repeat">
+      <a:schemeClr val="lt1"/>
+    </dgm:fillClrLst>
+    <dgm:linClrLst meth="repeat">
+      <a:schemeClr val="accent1"/>
+    </dgm:linClrLst>
+    <dgm:effectClrLst/>
+    <dgm:txLinClrLst/>
+    <dgm:txFillClrLst meth="repeat">
+      <a:schemeClr val="dk1"/>
+    </dgm:txFillClrLst>
+    <dgm:txEffectClrLst/>
+  </dgm:styleLbl>
+  <dgm:styleLbl name="solidBgAcc1">
+    <dgm:fillClrLst meth="repeat">
+      <a:schemeClr val="lt1"/>
+    </dgm:fillClrLst>
+    <dgm:linClrLst meth="repeat">
+      <a:schemeClr val="accent1"/>
+    </dgm:linClrLst>
+    <dgm:effectClrLst/>
+    <dgm:txLinClrLst/>
+    <dgm:txFillClrLst meth="repeat">
+      <a:schemeClr val="dk1"/>
+    </dgm:txFillClrLst>
+    <dgm:txEffectClrLst/>
+  </dgm:styleLbl>
+  <dgm:styleLbl name="fgAccFollowNode1">
+    <dgm:fillClrLst meth="repeat">
+      <a:schemeClr val="accent1">
+        <a:alpha val="90000"/>
+        <a:tint val="40000"/>
+      </a:schemeClr>
+    </dgm:fillClrLst>
+    <dgm:linClrLst meth="repeat">
+      <a:schemeClr val="accent1">
+        <a:alpha val="90000"/>
+        <a:tint val="40000"/>
+      </a:schemeClr>
+    </dgm:linClrLst>
+    <dgm:effectClrLst/>
+    <dgm:txLinClrLst/>
+    <dgm:txFillClrLst meth="repeat">
+      <a:schemeClr val="dk1"/>
+    </dgm:txFillClrLst>
+    <dgm:txEffectClrLst/>
+  </dgm:styleLbl>
+  <dgm:styleLbl name="alignAccFollowNode1">
+    <dgm:fillClrLst meth="repeat">
+      <a:schemeClr val="accent1">
+        <a:alpha val="90000"/>
+        <a:tint val="40000"/>
+      </a:schemeClr>
+    </dgm:fillClrLst>
+    <dgm:linClrLst meth="repeat">
+      <a:schemeClr val="accent1">
+        <a:alpha val="90000"/>
+        <a:tint val="40000"/>
+      </a:schemeClr>
+    </dgm:linClrLst>
+    <dgm:effectClrLst/>
+    <dgm:txLinClrLst/>
+    <dgm:txFillClrLst meth="repeat">
+      <a:schemeClr val="dk1"/>
+    </dgm:txFillClrLst>
+    <dgm:txEffectClrLst/>
+  </dgm:styleLbl>
+  <dgm:styleLbl name="bgAccFollowNode1">
+    <dgm:fillClrLst meth="repeat">
+      <a:schemeClr val="accent1">
+        <a:alpha val="90000"/>
+        <a:tint val="40000"/>
+      </a:schemeClr>
+    </dgm:fillClrLst>
+    <dgm:linClrLst meth="repeat">
+      <a:schemeClr val="accent1">
+        <a:alpha val="90000"/>
+        <a:tint val="40000"/>
+      </a:schemeClr>
+    </dgm:linClrLst>
+    <dgm:effectClrLst/>
+    <dgm:txLinClrLst/>
+    <dgm:txFillClrLst meth="repeat">
+      <a:schemeClr val="dk1"/>
+    </dgm:txFillClrLst>
+    <dgm:txEffectClrLst/>
+  </dgm:styleLbl>
+  <dgm:styleLbl name="fgAcc0">
+    <dgm:fillClrLst meth="repeat">
+      <a:schemeClr val="lt1">
+        <a:alpha val="90000"/>
+      </a:schemeClr>
+    </dgm:fillClrLst>
+    <dgm:linClrLst meth="repeat">
+      <a:schemeClr val="accent1"/>
+    </dgm:linClrLst>
+    <dgm:effectClrLst/>
+    <dgm:txLinClrLst/>
+    <dgm:txFillClrLst meth="repeat">
+      <a:schemeClr val="dk1"/>
+    </dgm:txFillClrLst>
+    <dgm:txEffectClrLst/>
+  </dgm:styleLbl>
+  <dgm:styleLbl name="fgAcc2">
+    <dgm:fillClrLst meth="repeat">
+      <a:schemeClr val="lt1">
+        <a:alpha val="90000"/>
+      </a:schemeClr>
+    </dgm:fillClrLst>
+    <dgm:linClrLst meth="repeat">
+      <a:schemeClr val="accent1"/>
+    </dgm:linClrLst>
+    <dgm:effectClrLst/>
+    <dgm:txLinClrLst/>
+    <dgm:txFillClrLst meth="repeat">
+      <a:schemeClr val="dk1"/>
+    </dgm:txFillClrLst>
+    <dgm:txEffectClrLst/>
+  </dgm:styleLbl>
+  <dgm:styleLbl name="fgAcc3">
+    <dgm:fillClrLst meth="repeat">
+      <a:schemeClr val="lt1">
+        <a:alpha val="90000"/>
+      </a:schemeClr>
+    </dgm:fillClrLst>
+    <dgm:linClrLst meth="repeat">
+      <a:schemeClr val="accent1"/>
+    </dgm:linClrLst>
+    <dgm:effectClrLst/>
+    <dgm:txLinClrLst/>
+    <dgm:txFillClrLst meth="repeat">
+      <a:schemeClr val="dk1"/>
+    </dgm:txFillClrLst>
+    <dgm:txEffectClrLst/>
+  </dgm:styleLbl>
+  <dgm:styleLbl name="fgAcc4">
+    <dgm:fillClrLst meth="repeat">
+      <a:schemeClr val="lt1">
+        <a:alpha val="90000"/>
+      </a:schemeClr>
+    </dgm:fillClrLst>
+    <dgm:linClrLst meth="repeat">
+      <a:schemeClr val="accent1"/>
+    </dgm:linClrLst>
+    <dgm:effectClrLst/>
+    <dgm:txLinClrLst/>
+    <dgm:txFillClrLst meth="repeat">
+      <a:schemeClr val="dk1"/>
+    </dgm:txFillClrLst>
+    <dgm:txEffectClrLst/>
+  </dgm:styleLbl>
+  <dgm:styleLbl name="bgShp">
+    <dgm:fillClrLst meth="repeat">
+      <a:schemeClr val="accent1">
+        <a:tint val="40000"/>
+      </a:schemeClr>
+    </dgm:fillClrLst>
+    <dgm:linClrLst meth="repeat">
+      <a:schemeClr val="accent1"/>
+    </dgm:linClrLst>
+    <dgm:effectClrLst/>
+    <dgm:txLinClrLst/>
+    <dgm:txFillClrLst meth="repeat">
+      <a:schemeClr val="dk1"/>
+    </dgm:txFillClrLst>
+    <dgm:txEffectClrLst/>
+  </dgm:styleLbl>
+  <dgm:styleLbl name="dkBgShp">
+    <dgm:fillClrLst meth="repeat">
+      <a:schemeClr val="accent1">
+        <a:shade val="80000"/>
+      </a:schemeClr>
+    </dgm:fillClrLst>
+    <dgm:linClrLst meth="repeat">
+      <a:schemeClr val="accent1"/>
+    </dgm:linClrLst>
+    <dgm:effectClrLst/>
+    <dgm:txLinClrLst/>
+    <dgm:txFillClrLst meth="repeat">
+      <a:schemeClr val="lt1"/>
+    </dgm:txFillClrLst>
+    <dgm:txEffectClrLst/>
+  </dgm:styleLbl>
+  <dgm:styleLbl name="trBgShp">
+    <dgm:fillClrLst meth="repeat">
+      <a:schemeClr val="accent1">
+        <a:tint val="50000"/>
+        <a:alpha val="40000"/>
+      </a:schemeClr>
+    </dgm:fillClrLst>
+    <dgm:linClrLst meth="repeat">
+      <a:schemeClr val="accent1"/>
+    </dgm:linClrLst>
+    <dgm:effectClrLst/>
+    <dgm:txLinClrLst/>
+    <dgm:txFillClrLst meth="repeat">
+      <a:schemeClr val="lt1"/>
+    </dgm:txFillClrLst>
+    <dgm:txEffectClrLst/>
+  </dgm:styleLbl>
+  <dgm:styleLbl name="fgShp">
+    <dgm:fillClrLst meth="repeat">
+      <a:schemeClr val="accent1">
+        <a:tint val="60000"/>
+      </a:schemeClr>
+    </dgm:fillClrLst>
+    <dgm:linClrLst meth="repeat">
+      <a:schemeClr val="lt1"/>
+    </dgm:linClrLst>
+    <dgm:effectClrLst/>
+    <dgm:txLinClrLst/>
+    <dgm:txFillClrLst meth="repeat">
+      <a:schemeClr val="dk1"/>
+    </dgm:txFillClrLst>
+    <dgm:txEffectClrLst/>
+  </dgm:styleLbl>
+  <dgm:styleLbl name="revTx">
+    <dgm:fillClrLst meth="repeat">
+      <a:schemeClr val="lt1">
+        <a:alpha val="0"/>
+      </a:schemeClr>
+    </dgm:fillClrLst>
+    <dgm:linClrLst meth="repeat">
+      <a:schemeClr val="dk1">
+        <a:alpha val="0"/>
+      </a:schemeClr>
+    </dgm:linClrLst>
+    <dgm:effectClrLst/>
+    <dgm:txLinClrLst/>
+    <dgm:txFillClrLst meth="repeat">
+      <a:schemeClr val="tx1"/>
+    </dgm:txFillClrLst>
+    <dgm:txEffectClrLst/>
+  </dgm:styleLbl>
+</dgm:colorsDef>
+</file>
+
+<file path=ppt/diagrams/colors2.xml><?xml version="1.0" encoding="utf-8"?>
+<dgm:colorsDef xmlns:dgm="http://schemas.openxmlformats.org/drawingml/2006/diagram" xmlns:a="http://schemas.openxmlformats.org/drawingml/2006/main" uniqueId="urn:microsoft.com/office/officeart/2005/8/colors/accent1_2">
+  <dgm:title val=""/>
+  <dgm:desc val=""/>
+  <dgm:catLst>
+    <dgm:cat type="accent1" pri="11200"/>
+  </dgm:catLst>
+  <dgm:styleLbl name="node0">
+    <dgm:fillClrLst meth="repeat">
+      <a:schemeClr val="accent1"/>
+    </dgm:fillClrLst>
+    <dgm:linClrLst meth="repeat">
+      <a:schemeClr val="lt1"/>
+    </dgm:linClrLst>
+    <dgm:effectClrLst/>
+    <dgm:txLinClrLst/>
+    <dgm:txFillClrLst/>
+    <dgm:txEffectClrLst/>
+  </dgm:styleLbl>
+  <dgm:styleLbl name="alignNode1">
+    <dgm:fillClrLst meth="repeat">
+      <a:schemeClr val="accent1"/>
+    </dgm:fillClrLst>
+    <dgm:linClrLst meth="repeat">
+      <a:schemeClr val="accent1"/>
+    </dgm:linClrLst>
+    <dgm:effectClrLst/>
+    <dgm:txLinClrLst/>
+    <dgm:txFillClrLst/>
+    <dgm:txEffectClrLst/>
+  </dgm:styleLbl>
+  <dgm:styleLbl name="node1">
+    <dgm:fillClrLst meth="repeat">
+      <a:schemeClr val="accent1"/>
+    </dgm:fillClrLst>
+    <dgm:linClrLst meth="repeat">
+      <a:schemeClr val="lt1"/>
+    </dgm:linClrLst>
+    <dgm:effectClrLst/>
+    <dgm:txLinClrLst/>
+    <dgm:txFillClrLst/>
+    <dgm:txEffectClrLst/>
+  </dgm:styleLbl>
+  <dgm:styleLbl name="lnNode1">
+    <dgm:fillClrLst meth="repeat">
+      <a:schemeClr val="accent1"/>
+    </dgm:fillClrLst>
+    <dgm:linClrLst meth="repeat">
+      <a:schemeClr val="lt1"/>
+    </dgm:linClrLst>
+    <dgm:effectClrLst/>
+    <dgm:txLinClrLst/>
+    <dgm:txFillClrLst/>
+    <dgm:txEffectClrLst/>
+  </dgm:styleLbl>
+  <dgm:styleLbl name="vennNode1">
+    <dgm:fillClrLst meth="repeat">
+      <a:schemeClr val="accent1">
+        <a:alpha val="50000"/>
+      </a:schemeClr>
+    </dgm:fillClrLst>
+    <dgm:linClrLst meth="repeat">
+      <a:schemeClr val="lt1"/>
+    </dgm:linClrLst>
+    <dgm:effectClrLst/>
+    <dgm:txLinClrLst/>
+    <dgm:txFillClrLst/>
+    <dgm:txEffectClrLst/>
+  </dgm:styleLbl>
+  <dgm:styleLbl name="node2">
+    <dgm:fillClrLst meth="repeat">
+      <a:schemeClr val="accent1"/>
+    </dgm:fillClrLst>
+    <dgm:linClrLst meth="repeat">
+      <a:schemeClr val="lt1"/>
+    </dgm:linClrLst>
+    <dgm:effectClrLst/>
+    <dgm:txLinClrLst/>
+    <dgm:txFillClrLst/>
+    <dgm:txEffectClrLst/>
+  </dgm:styleLbl>
+  <dgm:styleLbl name="node3">
+    <dgm:fillClrLst meth="repeat">
+      <a:schemeClr val="accent1"/>
+    </dgm:fillClrLst>
+    <dgm:linClrLst meth="repeat">
+      <a:schemeClr val="lt1"/>
+    </dgm:linClrLst>
+    <dgm:effectClrLst/>
+    <dgm:txLinClrLst/>
+    <dgm:txFillClrLst/>
+    <dgm:txEffectClrLst/>
+  </dgm:styleLbl>
+  <dgm:styleLbl name="node4">
+    <dgm:fillClrLst meth="repeat">
+      <a:schemeClr val="accent1"/>
+    </dgm:fillClrLst>
+    <dgm:linClrLst meth="repeat">
+      <a:schemeClr val="lt1"/>
+    </dgm:linClrLst>
+    <dgm:effectClrLst/>
+    <dgm:txLinClrLst/>
+    <dgm:txFillClrLst/>
+    <dgm:txEffectClrLst/>
+  </dgm:styleLbl>
+  <dgm:styleLbl name="fgImgPlace1">
+    <dgm:fillClrLst meth="repeat">
+      <a:schemeClr val="accent1">
+        <a:tint val="50000"/>
+      </a:schemeClr>
+    </dgm:fillClrLst>
+    <dgm:linClrLst meth="repeat">
+      <a:schemeClr val="lt1"/>
+    </dgm:linClrLst>
+    <dgm:effectClrLst/>
+    <dgm:txLinClrLst/>
+    <dgm:txFillClrLst meth="repeat">
+      <a:schemeClr val="lt1"/>
+    </dgm:txFillClrLst>
+    <dgm:txEffectClrLst/>
+  </dgm:styleLbl>
+  <dgm:styleLbl name="alignImgPlace1">
+    <dgm:fillClrLst meth="repeat">
+      <a:schemeClr val="accent1">
+        <a:tint val="50000"/>
+      </a:schemeClr>
+    </dgm:fillClrLst>
+    <dgm:linClrLst meth="repeat">
+      <a:schemeClr val="lt1"/>
+    </dgm:linClrLst>
+    <dgm:effectClrLst/>
+    <dgm:txLinClrLst/>
+    <dgm:txFillClrLst meth="repeat">
+      <a:schemeClr val="lt1"/>
+    </dgm:txFillClrLst>
+    <dgm:txEffectClrLst/>
+  </dgm:styleLbl>
+  <dgm:styleLbl name="bgImgPlace1">
+    <dgm:fillClrLst meth="repeat">
+      <a:schemeClr val="accent1">
+        <a:tint val="50000"/>
+      </a:schemeClr>
+    </dgm:fillClrLst>
+    <dgm:linClrLst meth="repeat">
+      <a:schemeClr val="lt1"/>
+    </dgm:linClrLst>
+    <dgm:effectClrLst/>
+    <dgm:txLinClrLst/>
+    <dgm:txFillClrLst meth="repeat">
+      <a:schemeClr val="lt1"/>
+    </dgm:txFillClrLst>
+    <dgm:txEffectClrLst/>
+  </dgm:styleLbl>
+  <dgm:styleLbl name="sibTrans2D1">
+    <dgm:fillClrLst meth="repeat">
+      <a:schemeClr val="accent1">
+        <a:tint val="60000"/>
+      </a:schemeClr>
+    </dgm:fillClrLst>
+    <dgm:linClrLst meth="repeat">
+      <a:schemeClr val="accent1">
+        <a:tint val="60000"/>
+      </a:schemeClr>
+    </dgm:linClrLst>
+    <dgm:effectClrLst/>
+    <dgm:txLinClrLst/>
+    <dgm:txFillClrLst/>
+    <dgm:txEffectClrLst/>
+  </dgm:styleLbl>
+  <dgm:styleLbl name="fgSibTrans2D1">
+    <dgm:fillClrLst meth="repeat">
+      <a:schemeClr val="accent1">
+        <a:tint val="60000"/>
+      </a:schemeClr>
+    </dgm:fillClrLst>
+    <dgm:linClrLst meth="repeat">
+      <a:schemeClr val="accent1">
+        <a:tint val="60000"/>
+      </a:schemeClr>
+    </dgm:linClrLst>
+    <dgm:effectClrLst/>
+    <dgm:txLinClrLst/>
+    <dgm:txFillClrLst/>
+    <dgm:txEffectClrLst/>
+  </dgm:styleLbl>
+  <dgm:styleLbl name="bgSibTrans2D1">
+    <dgm:fillClrLst meth="repeat">
+      <a:schemeClr val="accent1">
+        <a:tint val="60000"/>
+      </a:schemeClr>
+    </dgm:fillClrLst>
+    <dgm:linClrLst meth="repeat">
+      <a:schemeClr val="accent1">
+        <a:tint val="60000"/>
+      </a:schemeClr>
+    </dgm:linClrLst>
+    <dgm:effectClrLst/>
+    <dgm:txLinClrLst/>
+    <dgm:txFillClrLst/>
+    <dgm:txEffectClrLst/>
+  </dgm:styleLbl>
+  <dgm:styleLbl name="sibTrans1D1">
+    <dgm:fillClrLst meth="repeat">
+      <a:schemeClr val="accent1"/>
+    </dgm:fillClrLst>
+    <dgm:linClrLst meth="repeat">
+      <a:schemeClr val="accent1"/>
+    </dgm:linClrLst>
+    <dgm:effectClrLst/>
+    <dgm:txLinClrLst/>
+    <dgm:txFillClrLst meth="repeat">
+      <a:schemeClr val="tx1"/>
+    </dgm:txFillClrLst>
+    <dgm:txEffectClrLst/>
+  </dgm:styleLbl>
+  <dgm:styleLbl name="callout">
+    <dgm:fillClrLst meth="repeat">
+      <a:schemeClr val="accent1"/>
+    </dgm:fillClrLst>
+    <dgm:linClrLst meth="repeat">
+      <a:schemeClr val="accent1">
+        <a:tint val="50000"/>
+      </a:schemeClr>
+    </dgm:linClrLst>
+    <dgm:effectClrLst/>
+    <dgm:txLinClrLst/>
+    <dgm:txFillClrLst meth="repeat">
+      <a:schemeClr val="tx1"/>
+    </dgm:txFillClrLst>
+    <dgm:txEffectClrLst/>
+  </dgm:styleLbl>
+  <dgm:styleLbl name="asst0">
+    <dgm:fillClrLst meth="repeat">
+      <a:schemeClr val="accent1"/>
+    </dgm:fillClrLst>
+    <dgm:linClrLst meth="repeat">
+      <a:schemeClr val="lt1"/>
+    </dgm:linClrLst>
+    <dgm:effectClrLst/>
+    <dgm:txLinClrLst/>
+    <dgm:txFillClrLst/>
+    <dgm:txEffectClrLst/>
+  </dgm:styleLbl>
+  <dgm:styleLbl name="asst1">
+    <dgm:fillClrLst meth="repeat">
+      <a:schemeClr val="accent1"/>
+    </dgm:fillClrLst>
+    <dgm:linClrLst meth="repeat">
+      <a:schemeClr val="lt1"/>
+    </dgm:linClrLst>
+    <dgm:effectClrLst/>
+    <dgm:txLinClrLst/>
+    <dgm:txFillClrLst/>
+    <dgm:txEffectClrLst/>
+  </dgm:styleLbl>
+  <dgm:styleLbl name="asst2">
+    <dgm:fillClrLst meth="repeat">
+      <a:schemeClr val="accent1"/>
+    </dgm:fillClrLst>
+    <dgm:linClrLst meth="repeat">
+      <a:schemeClr val="lt1"/>
+    </dgm:linClrLst>
+    <dgm:effectClrLst/>
+    <dgm:txLinClrLst/>
+    <dgm:txFillClrLst/>
+    <dgm:txEffectClrLst/>
+  </dgm:styleLbl>
+  <dgm:styleLbl name="asst3">
+    <dgm:fillClrLst meth="repeat">
+      <a:schemeClr val="accent1"/>
+    </dgm:fillClrLst>
+    <dgm:linClrLst meth="repeat">
+      <a:schemeClr val="lt1"/>
+    </dgm:linClrLst>
+    <dgm:effectClrLst/>
+    <dgm:txLinClrLst/>
+    <dgm:txFillClrLst/>
+    <dgm:txEffectClrLst/>
+  </dgm:styleLbl>
+  <dgm:styleLbl name="asst4">
+    <dgm:fillClrLst meth="repeat">
+      <a:schemeClr val="accent1"/>
+    </dgm:fillClrLst>
+    <dgm:linClrLst meth="repeat">
+      <a:schemeClr val="lt1"/>
+    </dgm:linClrLst>
+    <dgm:effectClrLst/>
+    <dgm:txLinClrLst/>
+    <dgm:txFillClrLst/>
+    <dgm:txEffectClrLst/>
+  </dgm:styleLbl>
+  <dgm:styleLbl name="parChTrans2D1">
+    <dgm:fillClrLst meth="repeat">
+      <a:schemeClr val="accent1">
+        <a:tint val="60000"/>
+      </a:schemeClr>
+    </dgm:fillClrLst>
+    <dgm:linClrLst meth="repeat">
+      <a:schemeClr val="accent1">
+        <a:tint val="60000"/>
+      </a:schemeClr>
+    </dgm:linClrLst>
+    <dgm:effectClrLst/>
+    <dgm:txLinClrLst/>
+    <dgm:txFillClrLst meth="repeat">
+      <a:schemeClr val="lt1"/>
+    </dgm:txFillClrLst>
+    <dgm:txEffectClrLst/>
+  </dgm:styleLbl>
+  <dgm:styleLbl name="parChTrans2D2">
+    <dgm:fillClrLst meth="repeat">
+      <a:schemeClr val="accent1"/>
+    </dgm:fillClrLst>
+    <dgm:linClrLst meth="repeat">
+      <a:schemeClr val="accent1"/>
+    </dgm:linClrLst>
+    <dgm:effectClrLst/>
+    <dgm:txLinClrLst/>
+    <dgm:txFillClrLst meth="repeat">
+      <a:schemeClr val="lt1"/>
+    </dgm:txFillClrLst>
+    <dgm:txEffectClrLst/>
+  </dgm:styleLbl>
+  <dgm:styleLbl name="parChTrans2D3">
+    <dgm:fillClrLst meth="repeat">
+      <a:schemeClr val="accent1"/>
+    </dgm:fillClrLst>
+    <dgm:linClrLst meth="repeat">
+      <a:schemeClr val="accent1"/>
+    </dgm:linClrLst>
+    <dgm:effectClrLst/>
+    <dgm:txLinClrLst/>
+    <dgm:txFillClrLst meth="repeat">
+      <a:schemeClr val="lt1"/>
+    </dgm:txFillClrLst>
+    <dgm:txEffectClrLst/>
+  </dgm:styleLbl>
+  <dgm:styleLbl name="parChTrans2D4">
+    <dgm:fillClrLst meth="repeat">
+      <a:schemeClr val="accent1"/>
+    </dgm:fillClrLst>
+    <dgm:linClrLst meth="repeat">
+      <a:schemeClr val="accent1"/>
+    </dgm:linClrLst>
+    <dgm:effectClrLst/>
+    <dgm:txLinClrLst/>
+    <dgm:txFillClrLst meth="repeat">
+      <a:schemeClr val="lt1"/>
+    </dgm:txFillClrLst>
+    <dgm:txEffectClrLst/>
+  </dgm:styleLbl>
+  <dgm:styleLbl name="parChTrans1D1">
+    <dgm:fillClrLst meth="repeat">
+      <a:schemeClr val="accent1"/>
+    </dgm:fillClrLst>
+    <dgm:linClrLst meth="repeat">
+      <a:schemeClr val="accent1">
+        <a:shade val="60000"/>
+      </a:schemeClr>
+    </dgm:linClrLst>
+    <dgm:effectClrLst/>
+    <dgm:txLinClrLst/>
+    <dgm:txFillClrLst meth="repeat">
+      <a:schemeClr val="tx1"/>
+    </dgm:txFillClrLst>
+    <dgm:txEffectClrLst/>
+  </dgm:styleLbl>
+  <dgm:styleLbl name="parChTrans1D2">
+    <dgm:fillClrLst meth="repeat">
+      <a:schemeClr val="accent1"/>
+    </dgm:fillClrLst>
+    <dgm:linClrLst meth="repeat">
+      <a:schemeClr val="accent1">
+        <a:shade val="60000"/>
+      </a:schemeClr>
+    </dgm:linClrLst>
+    <dgm:effectClrLst/>
+    <dgm:txLinClrLst/>
+    <dgm:txFillClrLst meth="repeat">
+      <a:schemeClr val="tx1"/>
+    </dgm:txFillClrLst>
+    <dgm:txEffectClrLst/>
+  </dgm:styleLbl>
+  <dgm:styleLbl name="parChTrans1D3">
+    <dgm:fillClrLst meth="repeat">
+      <a:schemeClr val="accent1"/>
+    </dgm:fillClrLst>
+    <dgm:linClrLst meth="repeat">
+      <a:schemeClr val="accent1">
+        <a:shade val="80000"/>
+      </a:schemeClr>
+    </dgm:linClrLst>
+    <dgm:effectClrLst/>
+    <dgm:txLinClrLst/>
+    <dgm:txFillClrLst meth="repeat">
+      <a:schemeClr val="tx1"/>
+    </dgm:txFillClrLst>
+    <dgm:txEffectClrLst/>
+  </dgm:styleLbl>
+  <dgm:styleLbl name="parChTrans1D4">
+    <dgm:fillClrLst meth="repeat">
+      <a:schemeClr val="accent1"/>
+    </dgm:fillClrLst>
+    <dgm:linClrLst meth="repeat">
+      <a:schemeClr val="accent1">
+        <a:shade val="80000"/>
+      </a:schemeClr>
+    </dgm:linClrLst>
+    <dgm:effectClrLst/>
+    <dgm:txLinClrLst/>
+    <dgm:txFillClrLst meth="repeat">
+      <a:schemeClr val="tx1"/>
+    </dgm:txFillClrLst>
+    <dgm:txEffectClrLst/>
+  </dgm:styleLbl>
+  <dgm:styleLbl name="fgAcc1">
+    <dgm:fillClrLst meth="repeat">
+      <a:schemeClr val="lt1">
+        <a:alpha val="90000"/>
+      </a:schemeClr>
+    </dgm:fillClrLst>
+    <dgm:linClrLst meth="repeat">
+      <a:schemeClr val="accent1"/>
+    </dgm:linClrLst>
+    <dgm:effectClrLst/>
+    <dgm:txLinClrLst/>
+    <dgm:txFillClrLst meth="repeat">
+      <a:schemeClr val="dk1"/>
+    </dgm:txFillClrLst>
+    <dgm:txEffectClrLst/>
+  </dgm:styleLbl>
+  <dgm:styleLbl name="conFgAcc1">
+    <dgm:fillClrLst meth="repeat">
+      <a:schemeClr val="lt1">
+        <a:alpha val="90000"/>
+      </a:schemeClr>
+    </dgm:fillClrLst>
+    <dgm:linClrLst meth="repeat">
+      <a:schemeClr val="accent1"/>
+    </dgm:linClrLst>
+    <dgm:effectClrLst/>
+    <dgm:txLinClrLst/>
+    <dgm:txFillClrLst meth="repeat">
+      <a:schemeClr val="dk1"/>
+    </dgm:txFillClrLst>
+    <dgm:txEffectClrLst/>
+  </dgm:styleLbl>
+  <dgm:styleLbl name="alignAcc1">
+    <dgm:fillClrLst meth="repeat">
+      <a:schemeClr val="lt1">
+        <a:alpha val="90000"/>
+      </a:schemeClr>
+    </dgm:fillClrLst>
+    <dgm:linClrLst meth="repeat">
+      <a:schemeClr val="accent1"/>
+    </dgm:linClrLst>
+    <dgm:effectClrLst/>
+    <dgm:txLinClrLst/>
+    <dgm:txFillClrLst meth="repeat">
+      <a:schemeClr val="dk1"/>
+    </dgm:txFillClrLst>
+    <dgm:txEffectClrLst/>
+  </dgm:styleLbl>
+  <dgm:styleLbl name="trAlignAcc1">
+    <dgm:fillClrLst meth="repeat">
+      <a:schemeClr val="lt1">
+        <a:alpha val="40000"/>
+      </a:schemeClr>
+    </dgm:fillClrLst>
+    <dgm:linClrLst meth="repeat">
+      <a:schemeClr val="accent1"/>
+    </dgm:linClrLst>
+    <dgm:effectClrLst/>
+    <dgm:txLinClrLst/>
+    <dgm:txFillClrLst meth="repeat">
+      <a:schemeClr val="dk1"/>
+    </dgm:txFillClrLst>
+    <dgm:txEffectClrLst/>
+  </dgm:styleLbl>
+  <dgm:styleLbl name="bgAcc1">
+    <dgm:fillClrLst meth="repeat">
+      <a:schemeClr val="lt1">
+        <a:alpha val="90000"/>
+      </a:schemeClr>
+    </dgm:fillClrLst>
+    <dgm:linClrLst meth="repeat">
+      <a:schemeClr val="accent1"/>
+    </dgm:linClrLst>
+    <dgm:effectClrLst/>
+    <dgm:txLinClrLst/>
+    <dgm:txFillClrLst meth="repeat">
+      <a:schemeClr val="dk1"/>
+    </dgm:txFillClrLst>
+    <dgm:txEffectClrLst/>
+  </dgm:styleLbl>
+  <dgm:styleLbl name="solidFgAcc1">
+    <dgm:fillClrLst meth="repeat">
+      <a:schemeClr val="lt1"/>
+    </dgm:fillClrLst>
+    <dgm:linClrLst meth="repeat">
+      <a:schemeClr val="accent1"/>
+    </dgm:linClrLst>
+    <dgm:effectClrLst/>
+    <dgm:txLinClrLst/>
+    <dgm:txFillClrLst meth="repeat">
+      <a:schemeClr val="dk1"/>
+    </dgm:txFillClrLst>
+    <dgm:txEffectClrLst/>
+  </dgm:styleLbl>
+  <dgm:styleLbl name="solidAlignAcc1">
+    <dgm:fillClrLst meth="repeat">
+      <a:schemeClr val="lt1"/>
+    </dgm:fillClrLst>
+    <dgm:linClrLst meth="repeat">
+      <a:schemeClr val="accent1"/>
+    </dgm:linClrLst>
+    <dgm:effectClrLst/>
+    <dgm:txLinClrLst/>
+    <dgm:txFillClrLst meth="repeat">
+      <a:schemeClr val="dk1"/>
+    </dgm:txFillClrLst>
+    <dgm:txEffectClrLst/>
+  </dgm:styleLbl>
+  <dgm:styleLbl name="solidBgAcc1">
+    <dgm:fillClrLst meth="repeat">
+      <a:schemeClr val="lt1"/>
+    </dgm:fillClrLst>
+    <dgm:linClrLst meth="repeat">
+      <a:schemeClr val="accent1"/>
+    </dgm:linClrLst>
+    <dgm:effectClrLst/>
+    <dgm:txLinClrLst/>
+    <dgm:txFillClrLst meth="repeat">
+      <a:schemeClr val="dk1"/>
+    </dgm:txFillClrLst>
+    <dgm:txEffectClrLst/>
+  </dgm:styleLbl>
+  <dgm:styleLbl name="fgAccFollowNode1">
+    <dgm:fillClrLst meth="repeat">
+      <a:schemeClr val="accent1">
+        <a:alpha val="90000"/>
+        <a:tint val="40000"/>
+      </a:schemeClr>
+    </dgm:fillClrLst>
+    <dgm:linClrLst meth="repeat">
+      <a:schemeClr val="accent1">
+        <a:alpha val="90000"/>
+        <a:tint val="40000"/>
+      </a:schemeClr>
+    </dgm:linClrLst>
+    <dgm:effectClrLst/>
+    <dgm:txLinClrLst/>
+    <dgm:txFillClrLst meth="repeat">
+      <a:schemeClr val="dk1"/>
+    </dgm:txFillClrLst>
+    <dgm:txEffectClrLst/>
+  </dgm:styleLbl>
+  <dgm:styleLbl name="alignAccFollowNode1">
+    <dgm:fillClrLst meth="repeat">
+      <a:schemeClr val="accent1">
+        <a:alpha val="90000"/>
+        <a:tint val="40000"/>
+      </a:schemeClr>
+    </dgm:fillClrLst>
+    <dgm:linClrLst meth="repeat">
+      <a:schemeClr val="accent1">
+        <a:alpha val="90000"/>
+        <a:tint val="40000"/>
+      </a:schemeClr>
+    </dgm:linClrLst>
+    <dgm:effectClrLst/>
+    <dgm:txLinClrLst/>
+    <dgm:txFillClrLst meth="repeat">
+      <a:schemeClr val="dk1"/>
+    </dgm:txFillClrLst>
+    <dgm:txEffectClrLst/>
+  </dgm:styleLbl>
+  <dgm:styleLbl name="bgAccFollowNode1">
+    <dgm:fillClrLst meth="repeat">
+      <a:schemeClr val="accent1">
+        <a:alpha val="90000"/>
+        <a:tint val="40000"/>
+      </a:schemeClr>
+    </dgm:fillClrLst>
+    <dgm:linClrLst meth="repeat">
+      <a:schemeClr val="accent1">
+        <a:alpha val="90000"/>
+        <a:tint val="40000"/>
+      </a:schemeClr>
+    </dgm:linClrLst>
+    <dgm:effectClrLst/>
+    <dgm:txLinClrLst/>
+    <dgm:txFillClrLst meth="repeat">
+      <a:schemeClr val="dk1"/>
+    </dgm:txFillClrLst>
+    <dgm:txEffectClrLst/>
+  </dgm:styleLbl>
+  <dgm:styleLbl name="fgAcc0">
+    <dgm:fillClrLst meth="repeat">
+      <a:schemeClr val="lt1">
+        <a:alpha val="90000"/>
+      </a:schemeClr>
+    </dgm:fillClrLst>
+    <dgm:linClrLst meth="repeat">
+      <a:schemeClr val="accent1"/>
+    </dgm:linClrLst>
+    <dgm:effectClrLst/>
+    <dgm:txLinClrLst/>
+    <dgm:txFillClrLst meth="repeat">
+      <a:schemeClr val="dk1"/>
+    </dgm:txFillClrLst>
+    <dgm:txEffectClrLst/>
+  </dgm:styleLbl>
+  <dgm:styleLbl name="fgAcc2">
+    <dgm:fillClrLst meth="repeat">
+      <a:schemeClr val="lt1">
+        <a:alpha val="90000"/>
+      </a:schemeClr>
+    </dgm:fillClrLst>
+    <dgm:linClrLst meth="repeat">
+      <a:schemeClr val="accent1"/>
+    </dgm:linClrLst>
+    <dgm:effectClrLst/>
+    <dgm:txLinClrLst/>
+    <dgm:txFillClrLst meth="repeat">
+      <a:schemeClr val="dk1"/>
+    </dgm:txFillClrLst>
+    <dgm:txEffectClrLst/>
+  </dgm:styleLbl>
+  <dgm:styleLbl name="fgAcc3">
+    <dgm:fillClrLst meth="repeat">
+      <a:schemeClr val="lt1">
+        <a:alpha val="90000"/>
+      </a:schemeClr>
+    </dgm:fillClrLst>
+    <dgm:linClrLst meth="repeat">
+      <a:schemeClr val="accent1"/>
+    </dgm:linClrLst>
+    <dgm:effectClrLst/>
+    <dgm:txLinClrLst/>
+    <dgm:txFillClrLst meth="repeat">
+      <a:schemeClr val="dk1"/>
+    </dgm:txFillClrLst>
+    <dgm:txEffectClrLst/>
+  </dgm:styleLbl>
+  <dgm:styleLbl name="fgAcc4">
+    <dgm:fillClrLst meth="repeat">
+      <a:schemeClr val="lt1">
+        <a:alpha val="90000"/>
+      </a:schemeClr>
+    </dgm:fillClrLst>
+    <dgm:linClrLst meth="repeat">
+      <a:schemeClr val="accent1"/>
+    </dgm:linClrLst>
+    <dgm:effectClrLst/>
+    <dgm:txLinClrLst/>
+    <dgm:txFillClrLst meth="repeat">
+      <a:schemeClr val="dk1"/>
+    </dgm:txFillClrLst>
+    <dgm:txEffectClrLst/>
+  </dgm:styleLbl>
+  <dgm:styleLbl name="bgShp">
+    <dgm:fillClrLst meth="repeat">
+      <a:schemeClr val="accent1">
+        <a:tint val="40000"/>
+      </a:schemeClr>
+    </dgm:fillClrLst>
+    <dgm:linClrLst meth="repeat">
+      <a:schemeClr val="accent1"/>
+    </dgm:linClrLst>
+    <dgm:effectClrLst/>
+    <dgm:txLinClrLst/>
+    <dgm:txFillClrLst meth="repeat">
+      <a:schemeClr val="dk1"/>
+    </dgm:txFillClrLst>
+    <dgm:txEffectClrLst/>
+  </dgm:styleLbl>
+  <dgm:styleLbl name="dkBgShp">
+    <dgm:fillClrLst meth="repeat">
+      <a:schemeClr val="accent1">
+        <a:shade val="80000"/>
+      </a:schemeClr>
+    </dgm:fillClrLst>
+    <dgm:linClrLst meth="repeat">
+      <a:schemeClr val="accent1"/>
+    </dgm:linClrLst>
+    <dgm:effectClrLst/>
+    <dgm:txLinClrLst/>
+    <dgm:txFillClrLst meth="repeat">
+      <a:schemeClr val="lt1"/>
+    </dgm:txFillClrLst>
+    <dgm:txEffectClrLst/>
+  </dgm:styleLbl>
+  <dgm:styleLbl name="trBgShp">
+    <dgm:fillClrLst meth="repeat">
+      <a:schemeClr val="accent1">
+        <a:tint val="50000"/>
+        <a:alpha val="40000"/>
+      </a:schemeClr>
+    </dgm:fillClrLst>
+    <dgm:linClrLst meth="repeat">
+      <a:schemeClr val="accent1"/>
+    </dgm:linClrLst>
+    <dgm:effectClrLst/>
+    <dgm:txLinClrLst/>
+    <dgm:txFillClrLst meth="repeat">
+      <a:schemeClr val="lt1"/>
+    </dgm:txFillClrLst>
+    <dgm:txEffectClrLst/>
+  </dgm:styleLbl>
+  <dgm:styleLbl name="fgShp">
+    <dgm:fillClrLst meth="repeat">
+      <a:schemeClr val="accent1">
+        <a:tint val="60000"/>
+      </a:schemeClr>
+    </dgm:fillClrLst>
+    <dgm:linClrLst meth="repeat">
+      <a:schemeClr val="lt1"/>
+    </dgm:linClrLst>
+    <dgm:effectClrLst/>
+    <dgm:txLinClrLst/>
+    <dgm:txFillClrLst meth="repeat">
+      <a:schemeClr val="dk1"/>
+    </dgm:txFillClrLst>
+    <dgm:txEffectClrLst/>
+  </dgm:styleLbl>
+  <dgm:styleLbl name="revTx">
+    <dgm:fillClrLst meth="repeat">
+      <a:schemeClr val="lt1">
+        <a:alpha val="0"/>
+      </a:schemeClr>
+    </dgm:fillClrLst>
+    <dgm:linClrLst meth="repeat">
+      <a:schemeClr val="dk1">
+        <a:alpha val="0"/>
+      </a:schemeClr>
+    </dgm:linClrLst>
+    <dgm:effectClrLst/>
+    <dgm:txLinClrLst/>
+    <dgm:txFillClrLst meth="repeat">
+      <a:schemeClr val="tx1"/>
+    </dgm:txFillClrLst>
+    <dgm:txEffectClrLst/>
+  </dgm:styleLbl>
+</dgm:colorsDef>
+</file>
+
+<file path=ppt/diagrams/data1.xml><?xml version="1.0" encoding="utf-8"?>
+<dgm:dataModel xmlns:dgm="http://schemas.openxmlformats.org/drawingml/2006/diagram" xmlns:a="http://schemas.openxmlformats.org/drawingml/2006/main">
+  <dgm:ptLst>
+    <dgm:pt modelId="{D2C08520-01F1-40FC-99FD-92B2061FD77F}" type="doc">
+      <dgm:prSet loTypeId="urn:microsoft.com/office/officeart/2005/8/layout/list1" loCatId="list" qsTypeId="urn:microsoft.com/office/officeart/2005/8/quickstyle/simple1" qsCatId="simple" csTypeId="urn:microsoft.com/office/officeart/2005/8/colors/accent1_2" csCatId="accent1"/>
+      <dgm:spPr/>
+      <dgm:t>
+        <a:bodyPr/>
+        <a:lstStyle/>
+        <a:p>
+          <a:endParaRPr lang="en-US"/>
+        </a:p>
+      </dgm:t>
+    </dgm:pt>
+    <dgm:pt modelId="{ECFA1B1C-E3FD-4F60-8056-BA03DDB2807D}">
+      <dgm:prSet/>
+      <dgm:spPr/>
+      <dgm:t>
+        <a:bodyPr/>
+        <a:lstStyle/>
+        <a:p>
+          <a:r>
+            <a:rPr lang="en-US" b="0" dirty="0"/>
+            <a:t>Poor foreign key relationships</a:t>
+          </a:r>
+        </a:p>
+      </dgm:t>
+    </dgm:pt>
+    <dgm:pt modelId="{36543DF6-611D-40BC-ABE1-D9E74BEC7E0B}" type="parTrans" cxnId="{29C0D37C-6468-48A9-8536-3E5378EE7DB2}">
+      <dgm:prSet/>
+      <dgm:spPr/>
+      <dgm:t>
+        <a:bodyPr/>
+        <a:lstStyle/>
+        <a:p>
+          <a:endParaRPr lang="en-US"/>
+        </a:p>
+      </dgm:t>
+    </dgm:pt>
+    <dgm:pt modelId="{0BBA9FB2-BEFF-46E4-8356-F7ADB5DD8532}" type="sibTrans" cxnId="{29C0D37C-6468-48A9-8536-3E5378EE7DB2}">
+      <dgm:prSet/>
+      <dgm:spPr/>
+      <dgm:t>
+        <a:bodyPr/>
+        <a:lstStyle/>
+        <a:p>
+          <a:endParaRPr lang="en-US"/>
+        </a:p>
+      </dgm:t>
+    </dgm:pt>
+    <dgm:pt modelId="{9222621F-D6AE-4088-979D-91E64C3CF308}">
+      <dgm:prSet/>
+      <dgm:spPr/>
+      <dgm:t>
+        <a:bodyPr/>
+        <a:lstStyle/>
+        <a:p>
+          <a:r>
+            <a:rPr lang="en-US"/>
+            <a:t>Too many races &amp; insurance types</a:t>
+          </a:r>
+        </a:p>
+      </dgm:t>
+    </dgm:pt>
+    <dgm:pt modelId="{BE73FC1C-F53E-49AF-A58E-939DF5BD83F9}" type="parTrans" cxnId="{62D18956-CE8F-4E88-87E8-31C23CD40E15}">
+      <dgm:prSet/>
+      <dgm:spPr/>
+      <dgm:t>
+        <a:bodyPr/>
+        <a:lstStyle/>
+        <a:p>
+          <a:endParaRPr lang="en-US"/>
+        </a:p>
+      </dgm:t>
+    </dgm:pt>
+    <dgm:pt modelId="{2BB896F3-2FB7-4429-84B0-982ECE49D81A}" type="sibTrans" cxnId="{62D18956-CE8F-4E88-87E8-31C23CD40E15}">
+      <dgm:prSet/>
+      <dgm:spPr/>
+      <dgm:t>
+        <a:bodyPr/>
+        <a:lstStyle/>
+        <a:p>
+          <a:endParaRPr lang="en-US"/>
+        </a:p>
+      </dgm:t>
+    </dgm:pt>
+    <dgm:pt modelId="{E29EE08C-3181-4DC9-A4F7-72BDFA6E8C5F}">
+      <dgm:prSet/>
+      <dgm:spPr/>
+      <dgm:t>
+        <a:bodyPr/>
+        <a:lstStyle/>
+        <a:p>
+          <a:r>
+            <a:rPr lang="en-US"/>
+            <a:t>Obstacle for model integrability</a:t>
+          </a:r>
+        </a:p>
+      </dgm:t>
+    </dgm:pt>
+    <dgm:pt modelId="{C2C5FF97-E1D7-4BC8-B6E0-0D4B906A2CD4}" type="parTrans" cxnId="{CD16BE1E-3A7A-42DC-AEDA-D2AE67074D6C}">
+      <dgm:prSet/>
+      <dgm:spPr/>
+      <dgm:t>
+        <a:bodyPr/>
+        <a:lstStyle/>
+        <a:p>
+          <a:endParaRPr lang="en-US"/>
+        </a:p>
+      </dgm:t>
+    </dgm:pt>
+    <dgm:pt modelId="{19EF7931-1B0D-46E7-BC30-DDC932983310}" type="sibTrans" cxnId="{CD16BE1E-3A7A-42DC-AEDA-D2AE67074D6C}">
+      <dgm:prSet/>
+      <dgm:spPr/>
+      <dgm:t>
+        <a:bodyPr/>
+        <a:lstStyle/>
+        <a:p>
+          <a:endParaRPr lang="en-US"/>
+        </a:p>
+      </dgm:t>
+    </dgm:pt>
+    <dgm:pt modelId="{38678064-1CD2-466D-870B-C618495F5A43}" type="pres">
+      <dgm:prSet presAssocID="{D2C08520-01F1-40FC-99FD-92B2061FD77F}" presName="linear" presStyleCnt="0">
+        <dgm:presLayoutVars>
+          <dgm:dir/>
+          <dgm:animLvl val="lvl"/>
+          <dgm:resizeHandles val="exact"/>
+        </dgm:presLayoutVars>
+      </dgm:prSet>
+      <dgm:spPr/>
+    </dgm:pt>
+    <dgm:pt modelId="{B9198DA2-4763-4363-8815-B83B3125A663}" type="pres">
+      <dgm:prSet presAssocID="{ECFA1B1C-E3FD-4F60-8056-BA03DDB2807D}" presName="parentLin" presStyleCnt="0"/>
+      <dgm:spPr/>
+    </dgm:pt>
+    <dgm:pt modelId="{CFCCE9D6-0E0D-4129-959D-0FF7655548BF}" type="pres">
+      <dgm:prSet presAssocID="{ECFA1B1C-E3FD-4F60-8056-BA03DDB2807D}" presName="parentLeftMargin" presStyleLbl="node1" presStyleIdx="0" presStyleCnt="2"/>
+      <dgm:spPr/>
+    </dgm:pt>
+    <dgm:pt modelId="{3F7E3496-F3E9-41B5-B492-23E23BEDF50F}" type="pres">
+      <dgm:prSet presAssocID="{ECFA1B1C-E3FD-4F60-8056-BA03DDB2807D}" presName="parentText" presStyleLbl="node1" presStyleIdx="0" presStyleCnt="2">
+        <dgm:presLayoutVars>
+          <dgm:chMax val="0"/>
+          <dgm:bulletEnabled val="1"/>
+        </dgm:presLayoutVars>
+      </dgm:prSet>
+      <dgm:spPr/>
+    </dgm:pt>
+    <dgm:pt modelId="{97EA7E92-F43F-437B-AF78-9948C75271C2}" type="pres">
+      <dgm:prSet presAssocID="{ECFA1B1C-E3FD-4F60-8056-BA03DDB2807D}" presName="negativeSpace" presStyleCnt="0"/>
+      <dgm:spPr/>
+    </dgm:pt>
+    <dgm:pt modelId="{9E3C4FEB-5715-481F-9BC5-AE28C08B22A1}" type="pres">
+      <dgm:prSet presAssocID="{ECFA1B1C-E3FD-4F60-8056-BA03DDB2807D}" presName="childText" presStyleLbl="conFgAcc1" presStyleIdx="0" presStyleCnt="2">
+        <dgm:presLayoutVars>
+          <dgm:bulletEnabled val="1"/>
+        </dgm:presLayoutVars>
+      </dgm:prSet>
+      <dgm:spPr/>
+    </dgm:pt>
+    <dgm:pt modelId="{1B3D68CE-0019-48D7-B688-490753D69F82}" type="pres">
+      <dgm:prSet presAssocID="{0BBA9FB2-BEFF-46E4-8356-F7ADB5DD8532}" presName="spaceBetweenRectangles" presStyleCnt="0"/>
+      <dgm:spPr/>
+    </dgm:pt>
+    <dgm:pt modelId="{DFB32C20-AAE5-4252-991A-404CFE7865A4}" type="pres">
+      <dgm:prSet presAssocID="{9222621F-D6AE-4088-979D-91E64C3CF308}" presName="parentLin" presStyleCnt="0"/>
+      <dgm:spPr/>
+    </dgm:pt>
+    <dgm:pt modelId="{9B054AAF-BD98-44F8-8D91-B50A55A72889}" type="pres">
+      <dgm:prSet presAssocID="{9222621F-D6AE-4088-979D-91E64C3CF308}" presName="parentLeftMargin" presStyleLbl="node1" presStyleIdx="0" presStyleCnt="2"/>
+      <dgm:spPr/>
+    </dgm:pt>
+    <dgm:pt modelId="{A25693A6-A957-404A-AAD9-5026A3BE9595}" type="pres">
+      <dgm:prSet presAssocID="{9222621F-D6AE-4088-979D-91E64C3CF308}" presName="parentText" presStyleLbl="node1" presStyleIdx="1" presStyleCnt="2">
+        <dgm:presLayoutVars>
+          <dgm:chMax val="0"/>
+          <dgm:bulletEnabled val="1"/>
+        </dgm:presLayoutVars>
+      </dgm:prSet>
+      <dgm:spPr/>
+    </dgm:pt>
+    <dgm:pt modelId="{1671D89F-05EE-45F2-A9B0-3EEA131CFE8E}" type="pres">
+      <dgm:prSet presAssocID="{9222621F-D6AE-4088-979D-91E64C3CF308}" presName="negativeSpace" presStyleCnt="0"/>
+      <dgm:spPr/>
+    </dgm:pt>
+    <dgm:pt modelId="{E2F56EE2-94C3-484B-851A-3BBCABDDB9F5}" type="pres">
+      <dgm:prSet presAssocID="{9222621F-D6AE-4088-979D-91E64C3CF308}" presName="childText" presStyleLbl="conFgAcc1" presStyleIdx="1" presStyleCnt="2">
+        <dgm:presLayoutVars>
+          <dgm:bulletEnabled val="1"/>
+        </dgm:presLayoutVars>
+      </dgm:prSet>
+      <dgm:spPr/>
+    </dgm:pt>
+  </dgm:ptLst>
+  <dgm:cxnLst>
+    <dgm:cxn modelId="{CD16BE1E-3A7A-42DC-AEDA-D2AE67074D6C}" srcId="{9222621F-D6AE-4088-979D-91E64C3CF308}" destId="{E29EE08C-3181-4DC9-A4F7-72BDFA6E8C5F}" srcOrd="0" destOrd="0" parTransId="{C2C5FF97-E1D7-4BC8-B6E0-0D4B906A2CD4}" sibTransId="{19EF7931-1B0D-46E7-BC30-DDC932983310}"/>
+    <dgm:cxn modelId="{F8D01E31-1CCB-4F3E-8C1D-07BC01AA694E}" type="presOf" srcId="{ECFA1B1C-E3FD-4F60-8056-BA03DDB2807D}" destId="{3F7E3496-F3E9-41B5-B492-23E23BEDF50F}" srcOrd="1" destOrd="0" presId="urn:microsoft.com/office/officeart/2005/8/layout/list1"/>
+    <dgm:cxn modelId="{A4DB7971-AC5B-478A-97A2-C679F010086C}" type="presOf" srcId="{D2C08520-01F1-40FC-99FD-92B2061FD77F}" destId="{38678064-1CD2-466D-870B-C618495F5A43}" srcOrd="0" destOrd="0" presId="urn:microsoft.com/office/officeart/2005/8/layout/list1"/>
+    <dgm:cxn modelId="{62D18956-CE8F-4E88-87E8-31C23CD40E15}" srcId="{D2C08520-01F1-40FC-99FD-92B2061FD77F}" destId="{9222621F-D6AE-4088-979D-91E64C3CF308}" srcOrd="1" destOrd="0" parTransId="{BE73FC1C-F53E-49AF-A58E-939DF5BD83F9}" sibTransId="{2BB896F3-2FB7-4429-84B0-982ECE49D81A}"/>
+    <dgm:cxn modelId="{29C0D37C-6468-48A9-8536-3E5378EE7DB2}" srcId="{D2C08520-01F1-40FC-99FD-92B2061FD77F}" destId="{ECFA1B1C-E3FD-4F60-8056-BA03DDB2807D}" srcOrd="0" destOrd="0" parTransId="{36543DF6-611D-40BC-ABE1-D9E74BEC7E0B}" sibTransId="{0BBA9FB2-BEFF-46E4-8356-F7ADB5DD8532}"/>
+    <dgm:cxn modelId="{949AAA90-3CEB-4917-BF50-8DDEF7621675}" type="presOf" srcId="{9222621F-D6AE-4088-979D-91E64C3CF308}" destId="{9B054AAF-BD98-44F8-8D91-B50A55A72889}" srcOrd="0" destOrd="0" presId="urn:microsoft.com/office/officeart/2005/8/layout/list1"/>
+    <dgm:cxn modelId="{B1C584B4-F275-4D72-B7EB-86C7BC1E128C}" type="presOf" srcId="{E29EE08C-3181-4DC9-A4F7-72BDFA6E8C5F}" destId="{E2F56EE2-94C3-484B-851A-3BBCABDDB9F5}" srcOrd="0" destOrd="0" presId="urn:microsoft.com/office/officeart/2005/8/layout/list1"/>
+    <dgm:cxn modelId="{0185C1BA-CE9F-47D5-B9DA-0D7B9BAB22E3}" type="presOf" srcId="{ECFA1B1C-E3FD-4F60-8056-BA03DDB2807D}" destId="{CFCCE9D6-0E0D-4129-959D-0FF7655548BF}" srcOrd="0" destOrd="0" presId="urn:microsoft.com/office/officeart/2005/8/layout/list1"/>
+    <dgm:cxn modelId="{158024CD-410B-4771-B97E-60A43645827F}" type="presOf" srcId="{9222621F-D6AE-4088-979D-91E64C3CF308}" destId="{A25693A6-A957-404A-AAD9-5026A3BE9595}" srcOrd="1" destOrd="0" presId="urn:microsoft.com/office/officeart/2005/8/layout/list1"/>
+    <dgm:cxn modelId="{295F7922-F566-4B92-9E64-E2C4CFC298CB}" type="presParOf" srcId="{38678064-1CD2-466D-870B-C618495F5A43}" destId="{B9198DA2-4763-4363-8815-B83B3125A663}" srcOrd="0" destOrd="0" presId="urn:microsoft.com/office/officeart/2005/8/layout/list1"/>
+    <dgm:cxn modelId="{180075CC-3252-4967-B8A0-B67F3D76DA0B}" type="presParOf" srcId="{B9198DA2-4763-4363-8815-B83B3125A663}" destId="{CFCCE9D6-0E0D-4129-959D-0FF7655548BF}" srcOrd="0" destOrd="0" presId="urn:microsoft.com/office/officeart/2005/8/layout/list1"/>
+    <dgm:cxn modelId="{1E086E85-B538-4721-96C6-AA38EB500061}" type="presParOf" srcId="{B9198DA2-4763-4363-8815-B83B3125A663}" destId="{3F7E3496-F3E9-41B5-B492-23E23BEDF50F}" srcOrd="1" destOrd="0" presId="urn:microsoft.com/office/officeart/2005/8/layout/list1"/>
+    <dgm:cxn modelId="{4DD09BF2-6610-4CF1-A190-50DBB4F93265}" type="presParOf" srcId="{38678064-1CD2-466D-870B-C618495F5A43}" destId="{97EA7E92-F43F-437B-AF78-9948C75271C2}" srcOrd="1" destOrd="0" presId="urn:microsoft.com/office/officeart/2005/8/layout/list1"/>
+    <dgm:cxn modelId="{B4BC14A0-C5DD-4DC3-A97E-9F8AA9AAAED1}" type="presParOf" srcId="{38678064-1CD2-466D-870B-C618495F5A43}" destId="{9E3C4FEB-5715-481F-9BC5-AE28C08B22A1}" srcOrd="2" destOrd="0" presId="urn:microsoft.com/office/officeart/2005/8/layout/list1"/>
+    <dgm:cxn modelId="{BBD2E0D9-AF0B-4C7F-8A35-AC0A72505754}" type="presParOf" srcId="{38678064-1CD2-466D-870B-C618495F5A43}" destId="{1B3D68CE-0019-48D7-B688-490753D69F82}" srcOrd="3" destOrd="0" presId="urn:microsoft.com/office/officeart/2005/8/layout/list1"/>
+    <dgm:cxn modelId="{BCD5AC08-88E8-4519-972F-E0BAD623FCFE}" type="presParOf" srcId="{38678064-1CD2-466D-870B-C618495F5A43}" destId="{DFB32C20-AAE5-4252-991A-404CFE7865A4}" srcOrd="4" destOrd="0" presId="urn:microsoft.com/office/officeart/2005/8/layout/list1"/>
+    <dgm:cxn modelId="{3A5716EA-0805-40A0-B4D8-44D159A605ED}" type="presParOf" srcId="{DFB32C20-AAE5-4252-991A-404CFE7865A4}" destId="{9B054AAF-BD98-44F8-8D91-B50A55A72889}" srcOrd="0" destOrd="0" presId="urn:microsoft.com/office/officeart/2005/8/layout/list1"/>
+    <dgm:cxn modelId="{633D6751-220B-4934-804B-25068B3C42DC}" type="presParOf" srcId="{DFB32C20-AAE5-4252-991A-404CFE7865A4}" destId="{A25693A6-A957-404A-AAD9-5026A3BE9595}" srcOrd="1" destOrd="0" presId="urn:microsoft.com/office/officeart/2005/8/layout/list1"/>
+    <dgm:cxn modelId="{0D433027-2302-437E-B189-207AC3FEA764}" type="presParOf" srcId="{38678064-1CD2-466D-870B-C618495F5A43}" destId="{1671D89F-05EE-45F2-A9B0-3EEA131CFE8E}" srcOrd="5" destOrd="0" presId="urn:microsoft.com/office/officeart/2005/8/layout/list1"/>
+    <dgm:cxn modelId="{39F523BF-F397-45E7-83A7-A2D64C3EEFA8}" type="presParOf" srcId="{38678064-1CD2-466D-870B-C618495F5A43}" destId="{E2F56EE2-94C3-484B-851A-3BBCABDDB9F5}" srcOrd="6" destOrd="0" presId="urn:microsoft.com/office/officeart/2005/8/layout/list1"/>
+  </dgm:cxnLst>
+  <dgm:bg/>
+  <dgm:whole/>
+  <dgm:extLst>
+    <a:ext uri="http://schemas.microsoft.com/office/drawing/2008/diagram">
+      <dsp:dataModelExt xmlns:dsp="http://schemas.microsoft.com/office/drawing/2008/diagram" relId="rId6" minVer="http://schemas.openxmlformats.org/drawingml/2006/diagram"/>
+    </a:ext>
+  </dgm:extLst>
+</dgm:dataModel>
+</file>
+
+<file path=ppt/diagrams/data2.xml><?xml version="1.0" encoding="utf-8"?>
+<dgm:dataModel xmlns:dgm="http://schemas.openxmlformats.org/drawingml/2006/diagram" xmlns:a="http://schemas.openxmlformats.org/drawingml/2006/main">
+  <dgm:ptLst>
+    <dgm:pt modelId="{93C516BB-3CD4-4CD5-A27C-394A0E3E885C}" type="doc">
+      <dgm:prSet loTypeId="urn:microsoft.com/office/officeart/2016/7/layout/BasicLinearProcessNumbered" loCatId="process" qsTypeId="urn:microsoft.com/office/officeart/2005/8/quickstyle/simple1" qsCatId="simple" csTypeId="urn:microsoft.com/office/officeart/2005/8/colors/accent1_2" csCatId="accent1" phldr="1"/>
+      <dgm:spPr/>
+      <dgm:t>
+        <a:bodyPr/>
+        <a:lstStyle/>
+        <a:p>
+          <a:endParaRPr lang="en-US"/>
+        </a:p>
+      </dgm:t>
+    </dgm:pt>
+    <dgm:pt modelId="{5B94D14B-23B3-4714-88BE-73F9455B1C55}">
+      <dgm:prSet/>
+      <dgm:spPr/>
+      <dgm:t>
+        <a:bodyPr/>
+        <a:lstStyle/>
+        <a:p>
+          <a:r>
+            <a:rPr lang="en-US" u="none" baseline="0" dirty="0"/>
+            <a:t>Develop </a:t>
+          </a:r>
+          <a:r>
+            <a:rPr lang="en-US" u="none" baseline="0" dirty="0" err="1"/>
+            <a:t>SQLLite</a:t>
+          </a:r>
+          <a:r>
+            <a:rPr lang="en-US" u="none" baseline="0" dirty="0"/>
+            <a:t> database</a:t>
+          </a:r>
+          <a:endParaRPr lang="en-US" u="none" dirty="0"/>
+        </a:p>
+      </dgm:t>
+    </dgm:pt>
+    <dgm:pt modelId="{6AB2EDB8-CB45-4048-AD06-9EB474CD9CB5}" type="parTrans" cxnId="{6A415EC1-5803-4942-B0A4-A9D76B5027D5}">
+      <dgm:prSet/>
+      <dgm:spPr/>
+      <dgm:t>
+        <a:bodyPr/>
+        <a:lstStyle/>
+        <a:p>
+          <a:endParaRPr lang="en-US"/>
+        </a:p>
+      </dgm:t>
+    </dgm:pt>
+    <dgm:pt modelId="{3708AE3D-EDC3-48DD-A7A4-6EA54A920A63}" type="sibTrans" cxnId="{6A415EC1-5803-4942-B0A4-A9D76B5027D5}">
+      <dgm:prSet phldrT="1" phldr="0"/>
+      <dgm:spPr/>
+      <dgm:t>
+        <a:bodyPr/>
+        <a:lstStyle/>
+        <a:p>
+          <a:r>
+            <a:rPr lang="en-US"/>
+            <a:t>1</a:t>
+          </a:r>
+        </a:p>
+      </dgm:t>
+    </dgm:pt>
+    <dgm:pt modelId="{C7060828-7C0F-468D-9894-2B7987E798E6}">
+      <dgm:prSet/>
+      <dgm:spPr/>
+      <dgm:t>
+        <a:bodyPr/>
+        <a:lstStyle/>
+        <a:p>
+          <a:r>
+            <a:rPr lang="en-US" baseline="0"/>
+            <a:t>Deploy onto SQLLite database to AWS MySQL server</a:t>
+          </a:r>
+          <a:endParaRPr lang="en-US"/>
+        </a:p>
+      </dgm:t>
+    </dgm:pt>
+    <dgm:pt modelId="{8412DA66-8F6E-44D0-A18A-A750F3E43552}" type="parTrans" cxnId="{E0BE1E0D-AB84-4D35-A0FB-755444CE8F37}">
+      <dgm:prSet/>
+      <dgm:spPr/>
+      <dgm:t>
+        <a:bodyPr/>
+        <a:lstStyle/>
+        <a:p>
+          <a:endParaRPr lang="en-US"/>
+        </a:p>
+      </dgm:t>
+    </dgm:pt>
+    <dgm:pt modelId="{D44E7D66-4410-4E2D-AF4E-55703E9EA7BB}" type="sibTrans" cxnId="{E0BE1E0D-AB84-4D35-A0FB-755444CE8F37}">
+      <dgm:prSet phldrT="2" phldr="0"/>
+      <dgm:spPr/>
+      <dgm:t>
+        <a:bodyPr/>
+        <a:lstStyle/>
+        <a:p>
+          <a:r>
+            <a:rPr lang="en-US"/>
+            <a:t>2</a:t>
+          </a:r>
+        </a:p>
+      </dgm:t>
+    </dgm:pt>
+    <dgm:pt modelId="{5457031D-8094-49CE-B6BD-C947D1C9EEC2}">
+      <dgm:prSet/>
+      <dgm:spPr/>
+      <dgm:t>
+        <a:bodyPr/>
+        <a:lstStyle/>
+        <a:p>
+          <a:r>
+            <a:rPr lang="en-US" baseline="0" dirty="0"/>
+            <a:t>Deploy </a:t>
+          </a:r>
+          <a:r>
+            <a:rPr lang="en-US" baseline="0" dirty="0" err="1"/>
+            <a:t>Plolty</a:t>
+          </a:r>
+          <a:r>
+            <a:rPr lang="en-US" baseline="0" dirty="0"/>
+            <a:t> Dashboard to AWS</a:t>
+          </a:r>
+          <a:endParaRPr lang="en-US" dirty="0"/>
+        </a:p>
+      </dgm:t>
+    </dgm:pt>
+    <dgm:pt modelId="{5C2D562D-032B-4C48-854E-B32DA8C96B8A}" type="parTrans" cxnId="{954037A4-489C-4E3F-9D55-297F77BA3B3C}">
+      <dgm:prSet/>
+      <dgm:spPr/>
+      <dgm:t>
+        <a:bodyPr/>
+        <a:lstStyle/>
+        <a:p>
+          <a:endParaRPr lang="en-US"/>
+        </a:p>
+      </dgm:t>
+    </dgm:pt>
+    <dgm:pt modelId="{4815E8B3-AE0A-4D37-BB24-AFCA482F7093}" type="sibTrans" cxnId="{954037A4-489C-4E3F-9D55-297F77BA3B3C}">
+      <dgm:prSet phldrT="3" phldr="0"/>
+      <dgm:spPr/>
+      <dgm:t>
+        <a:bodyPr/>
+        <a:lstStyle/>
+        <a:p>
+          <a:r>
+            <a:rPr lang="en-US"/>
+            <a:t>3</a:t>
+          </a:r>
+        </a:p>
+      </dgm:t>
+    </dgm:pt>
+    <dgm:pt modelId="{43C67B2C-D1E2-46F0-9350-93CE17343541}">
+      <dgm:prSet/>
+      <dgm:spPr/>
+      <dgm:t>
+        <a:bodyPr/>
+        <a:lstStyle/>
+        <a:p>
+          <a:r>
+            <a:rPr lang="en-US" dirty="0"/>
+            <a:t>Acquire Charter Approval</a:t>
+          </a:r>
+        </a:p>
+      </dgm:t>
+    </dgm:pt>
+    <dgm:pt modelId="{B953F1A7-4D8F-4768-B6E7-BAF8A7DAAA14}" type="parTrans" cxnId="{C6C47765-92EF-418D-A196-516A48A42CB3}">
+      <dgm:prSet/>
+      <dgm:spPr/>
+    </dgm:pt>
+    <dgm:pt modelId="{4124690B-B1F5-4AD6-8A7C-EA72304A9AAA}" type="sibTrans" cxnId="{C6C47765-92EF-418D-A196-516A48A42CB3}">
+      <dgm:prSet phldrT="4" phldr="0"/>
+      <dgm:spPr/>
+      <dgm:t>
+        <a:bodyPr/>
+        <a:lstStyle/>
+        <a:p>
+          <a:r>
+            <a:rPr lang="en-US"/>
+            <a:t>4</a:t>
+          </a:r>
+        </a:p>
+      </dgm:t>
+    </dgm:pt>
+    <dgm:pt modelId="{9F72DFA5-4BF7-4D00-9678-34B0681A5922}" type="pres">
+      <dgm:prSet presAssocID="{93C516BB-3CD4-4CD5-A27C-394A0E3E885C}" presName="Name0" presStyleCnt="0">
+        <dgm:presLayoutVars>
+          <dgm:animLvl val="lvl"/>
+          <dgm:resizeHandles val="exact"/>
+        </dgm:presLayoutVars>
+      </dgm:prSet>
+      <dgm:spPr/>
+    </dgm:pt>
+    <dgm:pt modelId="{27F8700F-2827-4D08-A5C9-52C5B1E827DF}" type="pres">
+      <dgm:prSet presAssocID="{5B94D14B-23B3-4714-88BE-73F9455B1C55}" presName="compositeNode" presStyleCnt="0">
+        <dgm:presLayoutVars>
+          <dgm:bulletEnabled val="1"/>
+        </dgm:presLayoutVars>
+      </dgm:prSet>
+      <dgm:spPr/>
+    </dgm:pt>
+    <dgm:pt modelId="{2EC2483E-3BF5-4D19-A765-6E0E93E39F24}" type="pres">
+      <dgm:prSet presAssocID="{5B94D14B-23B3-4714-88BE-73F9455B1C55}" presName="bgRect" presStyleLbl="bgAccFollowNode1" presStyleIdx="0" presStyleCnt="4"/>
+      <dgm:spPr/>
+    </dgm:pt>
+    <dgm:pt modelId="{17F44804-A7D4-4BE4-8298-10136539A828}" type="pres">
+      <dgm:prSet presAssocID="{3708AE3D-EDC3-48DD-A7A4-6EA54A920A63}" presName="sibTransNodeCircle" presStyleLbl="alignNode1" presStyleIdx="0" presStyleCnt="8">
+        <dgm:presLayoutVars>
+          <dgm:chMax val="0"/>
+          <dgm:bulletEnabled/>
+        </dgm:presLayoutVars>
+      </dgm:prSet>
+      <dgm:spPr/>
+    </dgm:pt>
+    <dgm:pt modelId="{A9FFFE51-EAF6-4BAE-B457-8CF6251220FC}" type="pres">
+      <dgm:prSet presAssocID="{5B94D14B-23B3-4714-88BE-73F9455B1C55}" presName="bottomLine" presStyleLbl="alignNode1" presStyleIdx="1" presStyleCnt="8">
+        <dgm:presLayoutVars/>
+      </dgm:prSet>
+      <dgm:spPr/>
+    </dgm:pt>
+    <dgm:pt modelId="{0B9B596B-E5BD-4608-8099-8B81229386FC}" type="pres">
+      <dgm:prSet presAssocID="{5B94D14B-23B3-4714-88BE-73F9455B1C55}" presName="nodeText" presStyleLbl="bgAccFollowNode1" presStyleIdx="0" presStyleCnt="4">
+        <dgm:presLayoutVars>
+          <dgm:bulletEnabled val="1"/>
+        </dgm:presLayoutVars>
+      </dgm:prSet>
+      <dgm:spPr/>
+    </dgm:pt>
+    <dgm:pt modelId="{940670C3-D063-44AF-8CD2-1C91EEE8B81A}" type="pres">
+      <dgm:prSet presAssocID="{3708AE3D-EDC3-48DD-A7A4-6EA54A920A63}" presName="sibTrans" presStyleCnt="0"/>
+      <dgm:spPr/>
+    </dgm:pt>
+    <dgm:pt modelId="{BB41CC49-2EB1-42D7-BABE-B608F36535D5}" type="pres">
+      <dgm:prSet presAssocID="{C7060828-7C0F-468D-9894-2B7987E798E6}" presName="compositeNode" presStyleCnt="0">
+        <dgm:presLayoutVars>
+          <dgm:bulletEnabled val="1"/>
+        </dgm:presLayoutVars>
+      </dgm:prSet>
+      <dgm:spPr/>
+    </dgm:pt>
+    <dgm:pt modelId="{33A45C80-26B9-41EA-AE25-B345F530DAA2}" type="pres">
+      <dgm:prSet presAssocID="{C7060828-7C0F-468D-9894-2B7987E798E6}" presName="bgRect" presStyleLbl="bgAccFollowNode1" presStyleIdx="1" presStyleCnt="4"/>
+      <dgm:spPr/>
+    </dgm:pt>
+    <dgm:pt modelId="{441076CA-52A8-4552-A778-FFDA7313D443}" type="pres">
+      <dgm:prSet presAssocID="{D44E7D66-4410-4E2D-AF4E-55703E9EA7BB}" presName="sibTransNodeCircle" presStyleLbl="alignNode1" presStyleIdx="2" presStyleCnt="8">
+        <dgm:presLayoutVars>
+          <dgm:chMax val="0"/>
+          <dgm:bulletEnabled/>
+        </dgm:presLayoutVars>
+      </dgm:prSet>
+      <dgm:spPr/>
+    </dgm:pt>
+    <dgm:pt modelId="{A0B25325-1514-4AFA-BCF1-C3443A2063A2}" type="pres">
+      <dgm:prSet presAssocID="{C7060828-7C0F-468D-9894-2B7987E798E6}" presName="bottomLine" presStyleLbl="alignNode1" presStyleIdx="3" presStyleCnt="8">
+        <dgm:presLayoutVars/>
+      </dgm:prSet>
+      <dgm:spPr/>
+    </dgm:pt>
+    <dgm:pt modelId="{4CACCB30-9852-4B9A-9697-D43CE4E40911}" type="pres">
+      <dgm:prSet presAssocID="{C7060828-7C0F-468D-9894-2B7987E798E6}" presName="nodeText" presStyleLbl="bgAccFollowNode1" presStyleIdx="1" presStyleCnt="4">
+        <dgm:presLayoutVars>
+          <dgm:bulletEnabled val="1"/>
+        </dgm:presLayoutVars>
+      </dgm:prSet>
+      <dgm:spPr/>
+    </dgm:pt>
+    <dgm:pt modelId="{FD3B43E4-AD04-49BF-A5C3-C82F94BB7F3C}" type="pres">
+      <dgm:prSet presAssocID="{D44E7D66-4410-4E2D-AF4E-55703E9EA7BB}" presName="sibTrans" presStyleCnt="0"/>
+      <dgm:spPr/>
+    </dgm:pt>
+    <dgm:pt modelId="{861FF572-B908-4BE2-98CC-90124658691A}" type="pres">
+      <dgm:prSet presAssocID="{5457031D-8094-49CE-B6BD-C947D1C9EEC2}" presName="compositeNode" presStyleCnt="0">
+        <dgm:presLayoutVars>
+          <dgm:bulletEnabled val="1"/>
+        </dgm:presLayoutVars>
+      </dgm:prSet>
+      <dgm:spPr/>
+    </dgm:pt>
+    <dgm:pt modelId="{CD521EC8-9E56-4B55-9369-E5195EAC381F}" type="pres">
+      <dgm:prSet presAssocID="{5457031D-8094-49CE-B6BD-C947D1C9EEC2}" presName="bgRect" presStyleLbl="bgAccFollowNode1" presStyleIdx="2" presStyleCnt="4"/>
+      <dgm:spPr/>
+    </dgm:pt>
+    <dgm:pt modelId="{3E86B5E2-6F63-4436-BF56-F29187628333}" type="pres">
+      <dgm:prSet presAssocID="{4815E8B3-AE0A-4D37-BB24-AFCA482F7093}" presName="sibTransNodeCircle" presStyleLbl="alignNode1" presStyleIdx="4" presStyleCnt="8">
+        <dgm:presLayoutVars>
+          <dgm:chMax val="0"/>
+          <dgm:bulletEnabled/>
+        </dgm:presLayoutVars>
+      </dgm:prSet>
+      <dgm:spPr/>
+    </dgm:pt>
+    <dgm:pt modelId="{76A053B6-CEBC-41AA-A804-3A2FF29E7306}" type="pres">
+      <dgm:prSet presAssocID="{5457031D-8094-49CE-B6BD-C947D1C9EEC2}" presName="bottomLine" presStyleLbl="alignNode1" presStyleIdx="5" presStyleCnt="8">
+        <dgm:presLayoutVars/>
+      </dgm:prSet>
+      <dgm:spPr/>
+    </dgm:pt>
+    <dgm:pt modelId="{DDABE18C-56BE-4975-A9EE-595378A9EAC5}" type="pres">
+      <dgm:prSet presAssocID="{5457031D-8094-49CE-B6BD-C947D1C9EEC2}" presName="nodeText" presStyleLbl="bgAccFollowNode1" presStyleIdx="2" presStyleCnt="4">
+        <dgm:presLayoutVars>
+          <dgm:bulletEnabled val="1"/>
+        </dgm:presLayoutVars>
+      </dgm:prSet>
+      <dgm:spPr/>
+    </dgm:pt>
+    <dgm:pt modelId="{FBC537F1-24EF-4CE6-9965-0D4C1F2FE993}" type="pres">
+      <dgm:prSet presAssocID="{4815E8B3-AE0A-4D37-BB24-AFCA482F7093}" presName="sibTrans" presStyleCnt="0"/>
+      <dgm:spPr/>
+    </dgm:pt>
+    <dgm:pt modelId="{DDDD272C-6358-4825-B7A4-CD8FAC3D2CF1}" type="pres">
+      <dgm:prSet presAssocID="{43C67B2C-D1E2-46F0-9350-93CE17343541}" presName="compositeNode" presStyleCnt="0">
+        <dgm:presLayoutVars>
+          <dgm:bulletEnabled val="1"/>
+        </dgm:presLayoutVars>
+      </dgm:prSet>
+      <dgm:spPr/>
+    </dgm:pt>
+    <dgm:pt modelId="{CC862D38-49D8-4FC5-8B81-E683E374905F}" type="pres">
+      <dgm:prSet presAssocID="{43C67B2C-D1E2-46F0-9350-93CE17343541}" presName="bgRect" presStyleLbl="bgAccFollowNode1" presStyleIdx="3" presStyleCnt="4"/>
+      <dgm:spPr/>
+    </dgm:pt>
+    <dgm:pt modelId="{333C96A9-7011-46CF-8DEC-E63C668C46FF}" type="pres">
+      <dgm:prSet presAssocID="{4124690B-B1F5-4AD6-8A7C-EA72304A9AAA}" presName="sibTransNodeCircle" presStyleLbl="alignNode1" presStyleIdx="6" presStyleCnt="8">
+        <dgm:presLayoutVars>
+          <dgm:chMax val="0"/>
+          <dgm:bulletEnabled/>
+        </dgm:presLayoutVars>
+      </dgm:prSet>
+      <dgm:spPr/>
+    </dgm:pt>
+    <dgm:pt modelId="{59218BC5-8C41-423B-95AC-666D9F9E01A5}" type="pres">
+      <dgm:prSet presAssocID="{43C67B2C-D1E2-46F0-9350-93CE17343541}" presName="bottomLine" presStyleLbl="alignNode1" presStyleIdx="7" presStyleCnt="8">
+        <dgm:presLayoutVars/>
+      </dgm:prSet>
+      <dgm:spPr/>
+    </dgm:pt>
+    <dgm:pt modelId="{BC626CE5-DFD2-4EB7-B794-E72D052399DA}" type="pres">
+      <dgm:prSet presAssocID="{43C67B2C-D1E2-46F0-9350-93CE17343541}" presName="nodeText" presStyleLbl="bgAccFollowNode1" presStyleIdx="3" presStyleCnt="4">
+        <dgm:presLayoutVars>
+          <dgm:bulletEnabled val="1"/>
+        </dgm:presLayoutVars>
+      </dgm:prSet>
+      <dgm:spPr/>
+    </dgm:pt>
+  </dgm:ptLst>
+  <dgm:cxnLst>
+    <dgm:cxn modelId="{E0BE1E0D-AB84-4D35-A0FB-755444CE8F37}" srcId="{93C516BB-3CD4-4CD5-A27C-394A0E3E885C}" destId="{C7060828-7C0F-468D-9894-2B7987E798E6}" srcOrd="1" destOrd="0" parTransId="{8412DA66-8F6E-44D0-A18A-A750F3E43552}" sibTransId="{D44E7D66-4410-4E2D-AF4E-55703E9EA7BB}"/>
+    <dgm:cxn modelId="{CD9CC415-991B-42BC-9539-CA257278ED16}" type="presOf" srcId="{43C67B2C-D1E2-46F0-9350-93CE17343541}" destId="{CC862D38-49D8-4FC5-8B81-E683E374905F}" srcOrd="0" destOrd="0" presId="urn:microsoft.com/office/officeart/2016/7/layout/BasicLinearProcessNumbered"/>
+    <dgm:cxn modelId="{E2214F26-9D17-4C3D-AD61-602EC980EAF7}" type="presOf" srcId="{43C67B2C-D1E2-46F0-9350-93CE17343541}" destId="{BC626CE5-DFD2-4EB7-B794-E72D052399DA}" srcOrd="1" destOrd="0" presId="urn:microsoft.com/office/officeart/2016/7/layout/BasicLinearProcessNumbered"/>
+    <dgm:cxn modelId="{E0D30527-8656-4AD0-9E4C-D170DAF12E65}" type="presOf" srcId="{93C516BB-3CD4-4CD5-A27C-394A0E3E885C}" destId="{9F72DFA5-4BF7-4D00-9678-34B0681A5922}" srcOrd="0" destOrd="0" presId="urn:microsoft.com/office/officeart/2016/7/layout/BasicLinearProcessNumbered"/>
+    <dgm:cxn modelId="{9902515F-0373-41FA-81BB-6D1A8AD9F599}" type="presOf" srcId="{4124690B-B1F5-4AD6-8A7C-EA72304A9AAA}" destId="{333C96A9-7011-46CF-8DEC-E63C668C46FF}" srcOrd="0" destOrd="0" presId="urn:microsoft.com/office/officeart/2016/7/layout/BasicLinearProcessNumbered"/>
+    <dgm:cxn modelId="{72D27E42-94A9-404C-A7FC-0B5AB5D0F338}" type="presOf" srcId="{3708AE3D-EDC3-48DD-A7A4-6EA54A920A63}" destId="{17F44804-A7D4-4BE4-8298-10136539A828}" srcOrd="0" destOrd="0" presId="urn:microsoft.com/office/officeart/2016/7/layout/BasicLinearProcessNumbered"/>
+    <dgm:cxn modelId="{C6C47765-92EF-418D-A196-516A48A42CB3}" srcId="{93C516BB-3CD4-4CD5-A27C-394A0E3E885C}" destId="{43C67B2C-D1E2-46F0-9350-93CE17343541}" srcOrd="3" destOrd="0" parTransId="{B953F1A7-4D8F-4768-B6E7-BAF8A7DAAA14}" sibTransId="{4124690B-B1F5-4AD6-8A7C-EA72304A9AAA}"/>
+    <dgm:cxn modelId="{CD22F24B-9310-4CBD-BD01-70449EB6DD0B}" type="presOf" srcId="{C7060828-7C0F-468D-9894-2B7987E798E6}" destId="{33A45C80-26B9-41EA-AE25-B345F530DAA2}" srcOrd="0" destOrd="0" presId="urn:microsoft.com/office/officeart/2016/7/layout/BasicLinearProcessNumbered"/>
+    <dgm:cxn modelId="{C4E8244C-8C1D-4C4E-980A-03969A73DA2F}" type="presOf" srcId="{5457031D-8094-49CE-B6BD-C947D1C9EEC2}" destId="{CD521EC8-9E56-4B55-9369-E5195EAC381F}" srcOrd="0" destOrd="0" presId="urn:microsoft.com/office/officeart/2016/7/layout/BasicLinearProcessNumbered"/>
+    <dgm:cxn modelId="{AA096C55-3747-4A3F-A385-0D3D9ED51776}" type="presOf" srcId="{5457031D-8094-49CE-B6BD-C947D1C9EEC2}" destId="{DDABE18C-56BE-4975-A9EE-595378A9EAC5}" srcOrd="1" destOrd="0" presId="urn:microsoft.com/office/officeart/2016/7/layout/BasicLinearProcessNumbered"/>
+    <dgm:cxn modelId="{B7DA9684-78A3-48F1-AF25-D54A7021010D}" type="presOf" srcId="{5B94D14B-23B3-4714-88BE-73F9455B1C55}" destId="{2EC2483E-3BF5-4D19-A765-6E0E93E39F24}" srcOrd="0" destOrd="0" presId="urn:microsoft.com/office/officeart/2016/7/layout/BasicLinearProcessNumbered"/>
+    <dgm:cxn modelId="{954037A4-489C-4E3F-9D55-297F77BA3B3C}" srcId="{93C516BB-3CD4-4CD5-A27C-394A0E3E885C}" destId="{5457031D-8094-49CE-B6BD-C947D1C9EEC2}" srcOrd="2" destOrd="0" parTransId="{5C2D562D-032B-4C48-854E-B32DA8C96B8A}" sibTransId="{4815E8B3-AE0A-4D37-BB24-AFCA482F7093}"/>
+    <dgm:cxn modelId="{AE9CE5A7-DE52-4AB3-A75C-632DE49D4873}" type="presOf" srcId="{4815E8B3-AE0A-4D37-BB24-AFCA482F7093}" destId="{3E86B5E2-6F63-4436-BF56-F29187628333}" srcOrd="0" destOrd="0" presId="urn:microsoft.com/office/officeart/2016/7/layout/BasicLinearProcessNumbered"/>
+    <dgm:cxn modelId="{6A415EC1-5803-4942-B0A4-A9D76B5027D5}" srcId="{93C516BB-3CD4-4CD5-A27C-394A0E3E885C}" destId="{5B94D14B-23B3-4714-88BE-73F9455B1C55}" srcOrd="0" destOrd="0" parTransId="{6AB2EDB8-CB45-4048-AD06-9EB474CD9CB5}" sibTransId="{3708AE3D-EDC3-48DD-A7A4-6EA54A920A63}"/>
+    <dgm:cxn modelId="{1D9B86D5-6E4E-42A9-AB7B-99A1EB02AA30}" type="presOf" srcId="{5B94D14B-23B3-4714-88BE-73F9455B1C55}" destId="{0B9B596B-E5BD-4608-8099-8B81229386FC}" srcOrd="1" destOrd="0" presId="urn:microsoft.com/office/officeart/2016/7/layout/BasicLinearProcessNumbered"/>
+    <dgm:cxn modelId="{A4A279DA-939F-431C-8D5E-E78ABB2C3E2D}" type="presOf" srcId="{D44E7D66-4410-4E2D-AF4E-55703E9EA7BB}" destId="{441076CA-52A8-4552-A778-FFDA7313D443}" srcOrd="0" destOrd="0" presId="urn:microsoft.com/office/officeart/2016/7/layout/BasicLinearProcessNumbered"/>
+    <dgm:cxn modelId="{49A282FF-4FBD-4D84-A997-E205E678051F}" type="presOf" srcId="{C7060828-7C0F-468D-9894-2B7987E798E6}" destId="{4CACCB30-9852-4B9A-9697-D43CE4E40911}" srcOrd="1" destOrd="0" presId="urn:microsoft.com/office/officeart/2016/7/layout/BasicLinearProcessNumbered"/>
+    <dgm:cxn modelId="{3E674BC9-1677-43BF-99DF-4F2DB4236E8D}" type="presParOf" srcId="{9F72DFA5-4BF7-4D00-9678-34B0681A5922}" destId="{27F8700F-2827-4D08-A5C9-52C5B1E827DF}" srcOrd="0" destOrd="0" presId="urn:microsoft.com/office/officeart/2016/7/layout/BasicLinearProcessNumbered"/>
+    <dgm:cxn modelId="{077426AB-138C-49E0-A545-91ECC72B05A3}" type="presParOf" srcId="{27F8700F-2827-4D08-A5C9-52C5B1E827DF}" destId="{2EC2483E-3BF5-4D19-A765-6E0E93E39F24}" srcOrd="0" destOrd="0" presId="urn:microsoft.com/office/officeart/2016/7/layout/BasicLinearProcessNumbered"/>
+    <dgm:cxn modelId="{CCB87C26-E177-46BC-ABEE-A8E380425408}" type="presParOf" srcId="{27F8700F-2827-4D08-A5C9-52C5B1E827DF}" destId="{17F44804-A7D4-4BE4-8298-10136539A828}" srcOrd="1" destOrd="0" presId="urn:microsoft.com/office/officeart/2016/7/layout/BasicLinearProcessNumbered"/>
+    <dgm:cxn modelId="{BD8790EF-ED03-4B82-894E-102C6AAD79CA}" type="presParOf" srcId="{27F8700F-2827-4D08-A5C9-52C5B1E827DF}" destId="{A9FFFE51-EAF6-4BAE-B457-8CF6251220FC}" srcOrd="2" destOrd="0" presId="urn:microsoft.com/office/officeart/2016/7/layout/BasicLinearProcessNumbered"/>
+    <dgm:cxn modelId="{5BA76F2C-30DB-4EA7-8A33-E881390CD5A9}" type="presParOf" srcId="{27F8700F-2827-4D08-A5C9-52C5B1E827DF}" destId="{0B9B596B-E5BD-4608-8099-8B81229386FC}" srcOrd="3" destOrd="0" presId="urn:microsoft.com/office/officeart/2016/7/layout/BasicLinearProcessNumbered"/>
+    <dgm:cxn modelId="{C7F42A1D-B428-4D50-BC73-7C55707A30FF}" type="presParOf" srcId="{9F72DFA5-4BF7-4D00-9678-34B0681A5922}" destId="{940670C3-D063-44AF-8CD2-1C91EEE8B81A}" srcOrd="1" destOrd="0" presId="urn:microsoft.com/office/officeart/2016/7/layout/BasicLinearProcessNumbered"/>
+    <dgm:cxn modelId="{CCCEA2CE-1D44-4AD4-873F-DE53D9FDDB6F}" type="presParOf" srcId="{9F72DFA5-4BF7-4D00-9678-34B0681A5922}" destId="{BB41CC49-2EB1-42D7-BABE-B608F36535D5}" srcOrd="2" destOrd="0" presId="urn:microsoft.com/office/officeart/2016/7/layout/BasicLinearProcessNumbered"/>
+    <dgm:cxn modelId="{184B4CDC-02CE-4C32-A7D2-25B217F01BBC}" type="presParOf" srcId="{BB41CC49-2EB1-42D7-BABE-B608F36535D5}" destId="{33A45C80-26B9-41EA-AE25-B345F530DAA2}" srcOrd="0" destOrd="0" presId="urn:microsoft.com/office/officeart/2016/7/layout/BasicLinearProcessNumbered"/>
+    <dgm:cxn modelId="{BDC9FC85-7B50-43C0-A645-27B48CB9081A}" type="presParOf" srcId="{BB41CC49-2EB1-42D7-BABE-B608F36535D5}" destId="{441076CA-52A8-4552-A778-FFDA7313D443}" srcOrd="1" destOrd="0" presId="urn:microsoft.com/office/officeart/2016/7/layout/BasicLinearProcessNumbered"/>
+    <dgm:cxn modelId="{E5C020C4-4694-45BE-B4CD-13CDBAF5B900}" type="presParOf" srcId="{BB41CC49-2EB1-42D7-BABE-B608F36535D5}" destId="{A0B25325-1514-4AFA-BCF1-C3443A2063A2}" srcOrd="2" destOrd="0" presId="urn:microsoft.com/office/officeart/2016/7/layout/BasicLinearProcessNumbered"/>
+    <dgm:cxn modelId="{1418AFB0-35E2-4613-8DD0-E7A60E73FFB6}" type="presParOf" srcId="{BB41CC49-2EB1-42D7-BABE-B608F36535D5}" destId="{4CACCB30-9852-4B9A-9697-D43CE4E40911}" srcOrd="3" destOrd="0" presId="urn:microsoft.com/office/officeart/2016/7/layout/BasicLinearProcessNumbered"/>
+    <dgm:cxn modelId="{FF15E2FD-F8A8-4FF1-AF9C-22C78718FDC4}" type="presParOf" srcId="{9F72DFA5-4BF7-4D00-9678-34B0681A5922}" destId="{FD3B43E4-AD04-49BF-A5C3-C82F94BB7F3C}" srcOrd="3" destOrd="0" presId="urn:microsoft.com/office/officeart/2016/7/layout/BasicLinearProcessNumbered"/>
+    <dgm:cxn modelId="{37103C87-7F9A-4083-9EBA-9FB6B76A529F}" type="presParOf" srcId="{9F72DFA5-4BF7-4D00-9678-34B0681A5922}" destId="{861FF572-B908-4BE2-98CC-90124658691A}" srcOrd="4" destOrd="0" presId="urn:microsoft.com/office/officeart/2016/7/layout/BasicLinearProcessNumbered"/>
+    <dgm:cxn modelId="{75D937B1-26F4-4326-A95C-376602223DA6}" type="presParOf" srcId="{861FF572-B908-4BE2-98CC-90124658691A}" destId="{CD521EC8-9E56-4B55-9369-E5195EAC381F}" srcOrd="0" destOrd="0" presId="urn:microsoft.com/office/officeart/2016/7/layout/BasicLinearProcessNumbered"/>
+    <dgm:cxn modelId="{38FEC303-11EA-4AC6-BA57-E6671585FAB6}" type="presParOf" srcId="{861FF572-B908-4BE2-98CC-90124658691A}" destId="{3E86B5E2-6F63-4436-BF56-F29187628333}" srcOrd="1" destOrd="0" presId="urn:microsoft.com/office/officeart/2016/7/layout/BasicLinearProcessNumbered"/>
+    <dgm:cxn modelId="{1F173D7D-8D11-40CA-AFEE-0AED622F74EC}" type="presParOf" srcId="{861FF572-B908-4BE2-98CC-90124658691A}" destId="{76A053B6-CEBC-41AA-A804-3A2FF29E7306}" srcOrd="2" destOrd="0" presId="urn:microsoft.com/office/officeart/2016/7/layout/BasicLinearProcessNumbered"/>
+    <dgm:cxn modelId="{6FFC868D-8E6F-4D88-9D42-EB82A6AD1F33}" type="presParOf" srcId="{861FF572-B908-4BE2-98CC-90124658691A}" destId="{DDABE18C-56BE-4975-A9EE-595378A9EAC5}" srcOrd="3" destOrd="0" presId="urn:microsoft.com/office/officeart/2016/7/layout/BasicLinearProcessNumbered"/>
+    <dgm:cxn modelId="{027728DD-8122-4CFF-9D55-68FC1B12B891}" type="presParOf" srcId="{9F72DFA5-4BF7-4D00-9678-34B0681A5922}" destId="{FBC537F1-24EF-4CE6-9965-0D4C1F2FE993}" srcOrd="5" destOrd="0" presId="urn:microsoft.com/office/officeart/2016/7/layout/BasicLinearProcessNumbered"/>
+    <dgm:cxn modelId="{91B1C606-86F8-46C7-85BF-EFA822D3167C}" type="presParOf" srcId="{9F72DFA5-4BF7-4D00-9678-34B0681A5922}" destId="{DDDD272C-6358-4825-B7A4-CD8FAC3D2CF1}" srcOrd="6" destOrd="0" presId="urn:microsoft.com/office/officeart/2016/7/layout/BasicLinearProcessNumbered"/>
+    <dgm:cxn modelId="{510B9F10-2072-405C-B0DA-098E6002C02A}" type="presParOf" srcId="{DDDD272C-6358-4825-B7A4-CD8FAC3D2CF1}" destId="{CC862D38-49D8-4FC5-8B81-E683E374905F}" srcOrd="0" destOrd="0" presId="urn:microsoft.com/office/officeart/2016/7/layout/BasicLinearProcessNumbered"/>
+    <dgm:cxn modelId="{FF49796F-D9A0-4F3B-B1DD-09A075A41700}" type="presParOf" srcId="{DDDD272C-6358-4825-B7A4-CD8FAC3D2CF1}" destId="{333C96A9-7011-46CF-8DEC-E63C668C46FF}" srcOrd="1" destOrd="0" presId="urn:microsoft.com/office/officeart/2016/7/layout/BasicLinearProcessNumbered"/>
+    <dgm:cxn modelId="{D1028EA5-28B0-4B5C-B1B5-D79C629E9930}" type="presParOf" srcId="{DDDD272C-6358-4825-B7A4-CD8FAC3D2CF1}" destId="{59218BC5-8C41-423B-95AC-666D9F9E01A5}" srcOrd="2" destOrd="0" presId="urn:microsoft.com/office/officeart/2016/7/layout/BasicLinearProcessNumbered"/>
+    <dgm:cxn modelId="{BB0A7090-55EC-4EA9-A368-4175DCA927E8}" type="presParOf" srcId="{DDDD272C-6358-4825-B7A4-CD8FAC3D2CF1}" destId="{BC626CE5-DFD2-4EB7-B794-E72D052399DA}" srcOrd="3" destOrd="0" presId="urn:microsoft.com/office/officeart/2016/7/layout/BasicLinearProcessNumbered"/>
+  </dgm:cxnLst>
+  <dgm:bg/>
+  <dgm:whole/>
+  <dgm:extLst>
+    <a:ext uri="http://schemas.microsoft.com/office/drawing/2008/diagram">
+      <dsp:dataModelExt xmlns:dsp="http://schemas.microsoft.com/office/drawing/2008/diagram" relId="rId6" minVer="http://schemas.openxmlformats.org/drawingml/2006/diagram"/>
+    </a:ext>
+  </dgm:extLst>
+</dgm:dataModel>
+</file>
+
+<file path=ppt/diagrams/drawing1.xml><?xml version="1.0" encoding="utf-8"?>
+<dsp:drawing xmlns:dgm="http://schemas.openxmlformats.org/drawingml/2006/diagram" xmlns:dsp="http://schemas.microsoft.com/office/drawing/2008/diagram" xmlns:a="http://schemas.openxmlformats.org/drawingml/2006/main">
+  <dsp:spTree>
+    <dsp:nvGrpSpPr>
+      <dsp:cNvPr id="0" name=""/>
+      <dsp:cNvGrpSpPr/>
+    </dsp:nvGrpSpPr>
+    <dsp:grpSpPr/>
+    <dsp:sp modelId="{9E3C4FEB-5715-481F-9BC5-AE28C08B22A1}">
+      <dsp:nvSpPr>
+        <dsp:cNvPr id="0" name=""/>
+        <dsp:cNvSpPr/>
+      </dsp:nvSpPr>
+      <dsp:spPr>
+        <a:xfrm>
+          <a:off x="0" y="2023203"/>
+          <a:ext cx="6248398" cy="554400"/>
+        </a:xfrm>
+        <a:prstGeom prst="rect">
+          <a:avLst/>
+        </a:prstGeom>
+        <a:solidFill>
+          <a:schemeClr val="lt1">
+            <a:alpha val="90000"/>
+            <a:hueOff val="0"/>
+            <a:satOff val="0"/>
+            <a:lumOff val="0"/>
+            <a:alphaOff val="0"/>
+          </a:schemeClr>
+        </a:solidFill>
+        <a:ln w="12700" cap="flat" cmpd="sng" algn="in">
+          <a:solidFill>
+            <a:schemeClr val="accent1">
+              <a:hueOff val="0"/>
+              <a:satOff val="0"/>
+              <a:lumOff val="0"/>
+              <a:alphaOff val="0"/>
+            </a:schemeClr>
+          </a:solidFill>
+          <a:prstDash val="solid"/>
+        </a:ln>
+        <a:effectLst/>
+      </dsp:spPr>
+      <dsp:style>
+        <a:lnRef idx="2">
+          <a:scrgbClr r="0" g="0" b="0"/>
+        </a:lnRef>
+        <a:fillRef idx="1">
+          <a:scrgbClr r="0" g="0" b="0"/>
+        </a:fillRef>
+        <a:effectRef idx="0">
+          <a:scrgbClr r="0" g="0" b="0"/>
+        </a:effectRef>
+        <a:fontRef idx="minor"/>
+      </dsp:style>
+    </dsp:sp>
+    <dsp:sp modelId="{3F7E3496-F3E9-41B5-B492-23E23BEDF50F}">
+      <dsp:nvSpPr>
+        <dsp:cNvPr id="0" name=""/>
+        <dsp:cNvSpPr/>
+      </dsp:nvSpPr>
+      <dsp:spPr>
+        <a:xfrm>
+          <a:off x="312419" y="1698483"/>
+          <a:ext cx="4373878" cy="649440"/>
+        </a:xfrm>
+        <a:prstGeom prst="roundRect">
+          <a:avLst/>
+        </a:prstGeom>
+        <a:solidFill>
+          <a:schemeClr val="accent1">
+            <a:hueOff val="0"/>
+            <a:satOff val="0"/>
+            <a:lumOff val="0"/>
+            <a:alphaOff val="0"/>
+          </a:schemeClr>
+        </a:solidFill>
+        <a:ln w="12700" cap="flat" cmpd="sng" algn="in">
+          <a:solidFill>
+            <a:schemeClr val="lt1">
+              <a:hueOff val="0"/>
+              <a:satOff val="0"/>
+              <a:lumOff val="0"/>
+              <a:alphaOff val="0"/>
+            </a:schemeClr>
+          </a:solidFill>
+          <a:prstDash val="solid"/>
+        </a:ln>
+        <a:effectLst/>
+      </dsp:spPr>
+      <dsp:style>
+        <a:lnRef idx="2">
+          <a:scrgbClr r="0" g="0" b="0"/>
+        </a:lnRef>
+        <a:fillRef idx="1">
+          <a:scrgbClr r="0" g="0" b="0"/>
+        </a:fillRef>
+        <a:effectRef idx="0">
+          <a:scrgbClr r="0" g="0" b="0"/>
+        </a:effectRef>
+        <a:fontRef idx="minor">
+          <a:schemeClr val="lt1"/>
+        </a:fontRef>
+      </dsp:style>
+      <dsp:txBody>
+        <a:bodyPr spcFirstLastPara="0" vert="horz" wrap="square" lIns="165322" tIns="0" rIns="165322" bIns="0" numCol="1" spcCol="1270" anchor="ctr" anchorCtr="0">
+          <a:noAutofit/>
+        </a:bodyPr>
+        <a:lstStyle/>
+        <a:p>
+          <a:pPr marL="0" lvl="0" indent="0" algn="l" defTabSz="977900">
+            <a:lnSpc>
+              <a:spcPct val="90000"/>
+            </a:lnSpc>
+            <a:spcBef>
+              <a:spcPct val="0"/>
+            </a:spcBef>
+            <a:spcAft>
+              <a:spcPct val="35000"/>
+            </a:spcAft>
+            <a:buNone/>
+          </a:pPr>
+          <a:r>
+            <a:rPr lang="en-US" sz="2200" b="0" kern="1200" dirty="0"/>
+            <a:t>Poor foreign key relationships</a:t>
+          </a:r>
+        </a:p>
+      </dsp:txBody>
+      <dsp:txXfrm>
+        <a:off x="344122" y="1730186"/>
+        <a:ext cx="4310472" cy="586034"/>
+      </dsp:txXfrm>
+    </dsp:sp>
+    <dsp:sp modelId="{E2F56EE2-94C3-484B-851A-3BBCABDDB9F5}">
+      <dsp:nvSpPr>
+        <dsp:cNvPr id="0" name=""/>
+        <dsp:cNvSpPr/>
+      </dsp:nvSpPr>
+      <dsp:spPr>
+        <a:xfrm>
+          <a:off x="0" y="3021123"/>
+          <a:ext cx="6248398" cy="935550"/>
+        </a:xfrm>
+        <a:prstGeom prst="rect">
+          <a:avLst/>
+        </a:prstGeom>
+        <a:solidFill>
+          <a:schemeClr val="lt1">
+            <a:alpha val="90000"/>
+            <a:hueOff val="0"/>
+            <a:satOff val="0"/>
+            <a:lumOff val="0"/>
+            <a:alphaOff val="0"/>
+          </a:schemeClr>
+        </a:solidFill>
+        <a:ln w="12700" cap="flat" cmpd="sng" algn="in">
+          <a:solidFill>
+            <a:schemeClr val="accent1">
+              <a:hueOff val="0"/>
+              <a:satOff val="0"/>
+              <a:lumOff val="0"/>
+              <a:alphaOff val="0"/>
+            </a:schemeClr>
+          </a:solidFill>
+          <a:prstDash val="solid"/>
+        </a:ln>
+        <a:effectLst/>
+      </dsp:spPr>
+      <dsp:style>
+        <a:lnRef idx="2">
+          <a:scrgbClr r="0" g="0" b="0"/>
+        </a:lnRef>
+        <a:fillRef idx="1">
+          <a:scrgbClr r="0" g="0" b="0"/>
+        </a:fillRef>
+        <a:effectRef idx="0">
+          <a:scrgbClr r="0" g="0" b="0"/>
+        </a:effectRef>
+        <a:fontRef idx="minor"/>
+      </dsp:style>
+      <dsp:txBody>
+        <a:bodyPr spcFirstLastPara="0" vert="horz" wrap="square" lIns="484945" tIns="458216" rIns="484945" bIns="156464" numCol="1" spcCol="1270" anchor="t" anchorCtr="0">
+          <a:noAutofit/>
+        </a:bodyPr>
+        <a:lstStyle/>
+        <a:p>
+          <a:pPr marL="228600" lvl="1" indent="-228600" algn="l" defTabSz="977900">
+            <a:lnSpc>
+              <a:spcPct val="90000"/>
+            </a:lnSpc>
+            <a:spcBef>
+              <a:spcPct val="0"/>
+            </a:spcBef>
+            <a:spcAft>
+              <a:spcPct val="15000"/>
+            </a:spcAft>
+            <a:buChar char="•"/>
+          </a:pPr>
+          <a:r>
+            <a:rPr lang="en-US" sz="2200" kern="1200"/>
+            <a:t>Obstacle for model integrability</a:t>
+          </a:r>
+        </a:p>
+      </dsp:txBody>
+      <dsp:txXfrm>
+        <a:off x="0" y="3021123"/>
+        <a:ext cx="6248398" cy="935550"/>
+      </dsp:txXfrm>
+    </dsp:sp>
+    <dsp:sp modelId="{A25693A6-A957-404A-AAD9-5026A3BE9595}">
+      <dsp:nvSpPr>
+        <dsp:cNvPr id="0" name=""/>
+        <dsp:cNvSpPr/>
+      </dsp:nvSpPr>
+      <dsp:spPr>
+        <a:xfrm>
+          <a:off x="312419" y="2696402"/>
+          <a:ext cx="4373878" cy="649440"/>
+        </a:xfrm>
+        <a:prstGeom prst="roundRect">
+          <a:avLst/>
+        </a:prstGeom>
+        <a:solidFill>
+          <a:schemeClr val="accent1">
+            <a:hueOff val="0"/>
+            <a:satOff val="0"/>
+            <a:lumOff val="0"/>
+            <a:alphaOff val="0"/>
+          </a:schemeClr>
+        </a:solidFill>
+        <a:ln w="12700" cap="flat" cmpd="sng" algn="in">
+          <a:solidFill>
+            <a:schemeClr val="lt1">
+              <a:hueOff val="0"/>
+              <a:satOff val="0"/>
+              <a:lumOff val="0"/>
+              <a:alphaOff val="0"/>
+            </a:schemeClr>
+          </a:solidFill>
+          <a:prstDash val="solid"/>
+        </a:ln>
+        <a:effectLst/>
+      </dsp:spPr>
+      <dsp:style>
+        <a:lnRef idx="2">
+          <a:scrgbClr r="0" g="0" b="0"/>
+        </a:lnRef>
+        <a:fillRef idx="1">
+          <a:scrgbClr r="0" g="0" b="0"/>
+        </a:fillRef>
+        <a:effectRef idx="0">
+          <a:scrgbClr r="0" g="0" b="0"/>
+        </a:effectRef>
+        <a:fontRef idx="minor">
+          <a:schemeClr val="lt1"/>
+        </a:fontRef>
+      </dsp:style>
+      <dsp:txBody>
+        <a:bodyPr spcFirstLastPara="0" vert="horz" wrap="square" lIns="165322" tIns="0" rIns="165322" bIns="0" numCol="1" spcCol="1270" anchor="ctr" anchorCtr="0">
+          <a:noAutofit/>
+        </a:bodyPr>
+        <a:lstStyle/>
+        <a:p>
+          <a:pPr marL="0" lvl="0" indent="0" algn="l" defTabSz="977900">
+            <a:lnSpc>
+              <a:spcPct val="90000"/>
+            </a:lnSpc>
+            <a:spcBef>
+              <a:spcPct val="0"/>
+            </a:spcBef>
+            <a:spcAft>
+              <a:spcPct val="35000"/>
+            </a:spcAft>
+            <a:buNone/>
+          </a:pPr>
+          <a:r>
+            <a:rPr lang="en-US" sz="2200" kern="1200"/>
+            <a:t>Too many races &amp; insurance types</a:t>
+          </a:r>
+        </a:p>
+      </dsp:txBody>
+      <dsp:txXfrm>
+        <a:off x="344122" y="2728105"/>
+        <a:ext cx="4310472" cy="586034"/>
+      </dsp:txXfrm>
+    </dsp:sp>
+  </dsp:spTree>
+</dsp:drawing>
+</file>
+
+<file path=ppt/diagrams/drawing2.xml><?xml version="1.0" encoding="utf-8"?>
+<dsp:drawing xmlns:dgm="http://schemas.openxmlformats.org/drawingml/2006/diagram" xmlns:dsp="http://schemas.microsoft.com/office/drawing/2008/diagram" xmlns:a="http://schemas.openxmlformats.org/drawingml/2006/main">
+  <dsp:spTree>
+    <dsp:nvGrpSpPr>
+      <dsp:cNvPr id="0" name=""/>
+      <dsp:cNvGrpSpPr/>
+    </dsp:nvGrpSpPr>
+    <dsp:grpSpPr/>
+    <dsp:sp modelId="{2EC2483E-3BF5-4D19-A765-6E0E93E39F24}">
+      <dsp:nvSpPr>
+        <dsp:cNvPr id="0" name=""/>
+        <dsp:cNvSpPr/>
+      </dsp:nvSpPr>
+      <dsp:spPr>
+        <a:xfrm>
+          <a:off x="3125" y="170160"/>
+          <a:ext cx="2479476" cy="3471267"/>
+        </a:xfrm>
+        <a:prstGeom prst="rect">
+          <a:avLst/>
+        </a:prstGeom>
+        <a:solidFill>
+          <a:schemeClr val="accent1">
+            <a:alpha val="90000"/>
+            <a:tint val="40000"/>
+            <a:hueOff val="0"/>
+            <a:satOff val="0"/>
+            <a:lumOff val="0"/>
+            <a:alphaOff val="0"/>
+          </a:schemeClr>
+        </a:solidFill>
+        <a:ln w="12700" cap="flat" cmpd="sng" algn="in">
+          <a:solidFill>
+            <a:schemeClr val="accent1">
+              <a:alpha val="90000"/>
+              <a:tint val="40000"/>
+              <a:hueOff val="0"/>
+              <a:satOff val="0"/>
+              <a:lumOff val="0"/>
+              <a:alphaOff val="0"/>
+            </a:schemeClr>
+          </a:solidFill>
+          <a:prstDash val="solid"/>
+        </a:ln>
+        <a:effectLst/>
+      </dsp:spPr>
+      <dsp:style>
+        <a:lnRef idx="2">
+          <a:scrgbClr r="0" g="0" b="0"/>
+        </a:lnRef>
+        <a:fillRef idx="1">
+          <a:scrgbClr r="0" g="0" b="0"/>
+        </a:fillRef>
+        <a:effectRef idx="0">
+          <a:scrgbClr r="0" g="0" b="0"/>
+        </a:effectRef>
+        <a:fontRef idx="minor"/>
+      </dsp:style>
+      <dsp:txBody>
+        <a:bodyPr spcFirstLastPara="0" vert="horz" wrap="square" lIns="193310" tIns="330200" rIns="193310" bIns="330200" numCol="1" spcCol="1270" anchor="t" anchorCtr="0">
+          <a:noAutofit/>
+        </a:bodyPr>
+        <a:lstStyle/>
+        <a:p>
+          <a:pPr marL="0" lvl="0" indent="0" algn="l" defTabSz="1022350">
+            <a:lnSpc>
+              <a:spcPct val="90000"/>
+            </a:lnSpc>
+            <a:spcBef>
+              <a:spcPct val="0"/>
+            </a:spcBef>
+            <a:spcAft>
+              <a:spcPct val="35000"/>
+            </a:spcAft>
+            <a:buNone/>
+          </a:pPr>
+          <a:r>
+            <a:rPr lang="en-US" sz="2300" u="none" kern="1200" baseline="0" dirty="0"/>
+            <a:t>Develop </a:t>
+          </a:r>
+          <a:r>
+            <a:rPr lang="en-US" sz="2300" u="none" kern="1200" baseline="0" dirty="0" err="1"/>
+            <a:t>SQLLite</a:t>
+          </a:r>
+          <a:r>
+            <a:rPr lang="en-US" sz="2300" u="none" kern="1200" baseline="0" dirty="0"/>
+            <a:t> database</a:t>
+          </a:r>
+          <a:endParaRPr lang="en-US" sz="2300" u="none" kern="1200" dirty="0"/>
+        </a:p>
+      </dsp:txBody>
+      <dsp:txXfrm>
+        <a:off x="3125" y="1489241"/>
+        <a:ext cx="2479476" cy="2082760"/>
+      </dsp:txXfrm>
+    </dsp:sp>
+    <dsp:sp modelId="{17F44804-A7D4-4BE4-8298-10136539A828}">
+      <dsp:nvSpPr>
+        <dsp:cNvPr id="0" name=""/>
+        <dsp:cNvSpPr/>
+      </dsp:nvSpPr>
+      <dsp:spPr>
+        <a:xfrm>
+          <a:off x="722173" y="517287"/>
+          <a:ext cx="1041380" cy="1041380"/>
+        </a:xfrm>
+        <a:prstGeom prst="ellipse">
+          <a:avLst/>
+        </a:prstGeom>
+        <a:solidFill>
+          <a:schemeClr val="accent1">
+            <a:hueOff val="0"/>
+            <a:satOff val="0"/>
+            <a:lumOff val="0"/>
+            <a:alphaOff val="0"/>
+          </a:schemeClr>
+        </a:solidFill>
+        <a:ln w="12700" cap="flat" cmpd="sng" algn="in">
+          <a:solidFill>
+            <a:schemeClr val="accent1">
+              <a:hueOff val="0"/>
+              <a:satOff val="0"/>
+              <a:lumOff val="0"/>
+              <a:alphaOff val="0"/>
+            </a:schemeClr>
+          </a:solidFill>
+          <a:prstDash val="solid"/>
+        </a:ln>
+        <a:effectLst/>
+      </dsp:spPr>
+      <dsp:style>
+        <a:lnRef idx="2">
+          <a:scrgbClr r="0" g="0" b="0"/>
+        </a:lnRef>
+        <a:fillRef idx="1">
+          <a:scrgbClr r="0" g="0" b="0"/>
+        </a:fillRef>
+        <a:effectRef idx="0">
+          <a:scrgbClr r="0" g="0" b="0"/>
+        </a:effectRef>
+        <a:fontRef idx="minor">
+          <a:schemeClr val="lt1"/>
+        </a:fontRef>
+      </dsp:style>
+      <dsp:txBody>
+        <a:bodyPr spcFirstLastPara="0" vert="horz" wrap="square" lIns="81190" tIns="12700" rIns="81190" bIns="12700" numCol="1" spcCol="1270" anchor="ctr" anchorCtr="0">
+          <a:noAutofit/>
+        </a:bodyPr>
+        <a:lstStyle/>
+        <a:p>
+          <a:pPr marL="0" lvl="0" indent="0" algn="ctr" defTabSz="2133600">
+            <a:lnSpc>
+              <a:spcPct val="90000"/>
+            </a:lnSpc>
+            <a:spcBef>
+              <a:spcPct val="0"/>
+            </a:spcBef>
+            <a:spcAft>
+              <a:spcPct val="35000"/>
+            </a:spcAft>
+            <a:buNone/>
+          </a:pPr>
+          <a:r>
+            <a:rPr lang="en-US" sz="4800" kern="1200"/>
+            <a:t>1</a:t>
+          </a:r>
+        </a:p>
+      </dsp:txBody>
+      <dsp:txXfrm>
+        <a:off x="874680" y="669794"/>
+        <a:ext cx="736366" cy="736366"/>
+      </dsp:txXfrm>
+    </dsp:sp>
+    <dsp:sp modelId="{A9FFFE51-EAF6-4BAE-B457-8CF6251220FC}">
+      <dsp:nvSpPr>
+        <dsp:cNvPr id="0" name=""/>
+        <dsp:cNvSpPr/>
+      </dsp:nvSpPr>
+      <dsp:spPr>
+        <a:xfrm>
+          <a:off x="3125" y="3641355"/>
+          <a:ext cx="2479476" cy="72"/>
+        </a:xfrm>
+        <a:prstGeom prst="rect">
+          <a:avLst/>
+        </a:prstGeom>
+        <a:solidFill>
+          <a:schemeClr val="accent1">
+            <a:hueOff val="0"/>
+            <a:satOff val="0"/>
+            <a:lumOff val="0"/>
+            <a:alphaOff val="0"/>
+          </a:schemeClr>
+        </a:solidFill>
+        <a:ln w="12700" cap="flat" cmpd="sng" algn="in">
+          <a:solidFill>
+            <a:schemeClr val="accent1">
+              <a:hueOff val="0"/>
+              <a:satOff val="0"/>
+              <a:lumOff val="0"/>
+              <a:alphaOff val="0"/>
+            </a:schemeClr>
+          </a:solidFill>
+          <a:prstDash val="solid"/>
+        </a:ln>
+        <a:effectLst/>
+      </dsp:spPr>
+      <dsp:style>
+        <a:lnRef idx="2">
+          <a:scrgbClr r="0" g="0" b="0"/>
+        </a:lnRef>
+        <a:fillRef idx="1">
+          <a:scrgbClr r="0" g="0" b="0"/>
+        </a:fillRef>
+        <a:effectRef idx="0">
+          <a:scrgbClr r="0" g="0" b="0"/>
+        </a:effectRef>
+        <a:fontRef idx="minor">
+          <a:schemeClr val="lt1"/>
+        </a:fontRef>
+      </dsp:style>
+    </dsp:sp>
+    <dsp:sp modelId="{33A45C80-26B9-41EA-AE25-B345F530DAA2}">
+      <dsp:nvSpPr>
+        <dsp:cNvPr id="0" name=""/>
+        <dsp:cNvSpPr/>
+      </dsp:nvSpPr>
+      <dsp:spPr>
+        <a:xfrm>
+          <a:off x="2730549" y="170160"/>
+          <a:ext cx="2479476" cy="3471267"/>
+        </a:xfrm>
+        <a:prstGeom prst="rect">
+          <a:avLst/>
+        </a:prstGeom>
+        <a:solidFill>
+          <a:schemeClr val="accent1">
+            <a:alpha val="90000"/>
+            <a:tint val="40000"/>
+            <a:hueOff val="0"/>
+            <a:satOff val="0"/>
+            <a:lumOff val="0"/>
+            <a:alphaOff val="0"/>
+          </a:schemeClr>
+        </a:solidFill>
+        <a:ln w="12700" cap="flat" cmpd="sng" algn="in">
+          <a:solidFill>
+            <a:schemeClr val="accent1">
+              <a:alpha val="90000"/>
+              <a:tint val="40000"/>
+              <a:hueOff val="0"/>
+              <a:satOff val="0"/>
+              <a:lumOff val="0"/>
+              <a:alphaOff val="0"/>
+            </a:schemeClr>
+          </a:solidFill>
+          <a:prstDash val="solid"/>
+        </a:ln>
+        <a:effectLst/>
+      </dsp:spPr>
+      <dsp:style>
+        <a:lnRef idx="2">
+          <a:scrgbClr r="0" g="0" b="0"/>
+        </a:lnRef>
+        <a:fillRef idx="1">
+          <a:scrgbClr r="0" g="0" b="0"/>
+        </a:fillRef>
+        <a:effectRef idx="0">
+          <a:scrgbClr r="0" g="0" b="0"/>
+        </a:effectRef>
+        <a:fontRef idx="minor"/>
+      </dsp:style>
+      <dsp:txBody>
+        <a:bodyPr spcFirstLastPara="0" vert="horz" wrap="square" lIns="193310" tIns="330200" rIns="193310" bIns="330200" numCol="1" spcCol="1270" anchor="t" anchorCtr="0">
+          <a:noAutofit/>
+        </a:bodyPr>
+        <a:lstStyle/>
+        <a:p>
+          <a:pPr marL="0" lvl="0" indent="0" algn="l" defTabSz="1022350">
+            <a:lnSpc>
+              <a:spcPct val="90000"/>
+            </a:lnSpc>
+            <a:spcBef>
+              <a:spcPct val="0"/>
+            </a:spcBef>
+            <a:spcAft>
+              <a:spcPct val="35000"/>
+            </a:spcAft>
+            <a:buNone/>
+          </a:pPr>
+          <a:r>
+            <a:rPr lang="en-US" sz="2300" kern="1200" baseline="0"/>
+            <a:t>Deploy onto SQLLite database to AWS MySQL server</a:t>
+          </a:r>
+          <a:endParaRPr lang="en-US" sz="2300" kern="1200"/>
+        </a:p>
+      </dsp:txBody>
+      <dsp:txXfrm>
+        <a:off x="2730549" y="1489241"/>
+        <a:ext cx="2479476" cy="2082760"/>
+      </dsp:txXfrm>
+    </dsp:sp>
+    <dsp:sp modelId="{441076CA-52A8-4552-A778-FFDA7313D443}">
+      <dsp:nvSpPr>
+        <dsp:cNvPr id="0" name=""/>
+        <dsp:cNvSpPr/>
+      </dsp:nvSpPr>
+      <dsp:spPr>
+        <a:xfrm>
+          <a:off x="3449597" y="517287"/>
+          <a:ext cx="1041380" cy="1041380"/>
+        </a:xfrm>
+        <a:prstGeom prst="ellipse">
+          <a:avLst/>
+        </a:prstGeom>
+        <a:solidFill>
+          <a:schemeClr val="accent1">
+            <a:hueOff val="0"/>
+            <a:satOff val="0"/>
+            <a:lumOff val="0"/>
+            <a:alphaOff val="0"/>
+          </a:schemeClr>
+        </a:solidFill>
+        <a:ln w="12700" cap="flat" cmpd="sng" algn="in">
+          <a:solidFill>
+            <a:schemeClr val="accent1">
+              <a:hueOff val="0"/>
+              <a:satOff val="0"/>
+              <a:lumOff val="0"/>
+              <a:alphaOff val="0"/>
+            </a:schemeClr>
+          </a:solidFill>
+          <a:prstDash val="solid"/>
+        </a:ln>
+        <a:effectLst/>
+      </dsp:spPr>
+      <dsp:style>
+        <a:lnRef idx="2">
+          <a:scrgbClr r="0" g="0" b="0"/>
+        </a:lnRef>
+        <a:fillRef idx="1">
+          <a:scrgbClr r="0" g="0" b="0"/>
+        </a:fillRef>
+        <a:effectRef idx="0">
+          <a:scrgbClr r="0" g="0" b="0"/>
+        </a:effectRef>
+        <a:fontRef idx="minor">
+          <a:schemeClr val="lt1"/>
+        </a:fontRef>
+      </dsp:style>
+      <dsp:txBody>
+        <a:bodyPr spcFirstLastPara="0" vert="horz" wrap="square" lIns="81190" tIns="12700" rIns="81190" bIns="12700" numCol="1" spcCol="1270" anchor="ctr" anchorCtr="0">
+          <a:noAutofit/>
+        </a:bodyPr>
+        <a:lstStyle/>
+        <a:p>
+          <a:pPr marL="0" lvl="0" indent="0" algn="ctr" defTabSz="2133600">
+            <a:lnSpc>
+              <a:spcPct val="90000"/>
+            </a:lnSpc>
+            <a:spcBef>
+              <a:spcPct val="0"/>
+            </a:spcBef>
+            <a:spcAft>
+              <a:spcPct val="35000"/>
+            </a:spcAft>
+            <a:buNone/>
+          </a:pPr>
+          <a:r>
+            <a:rPr lang="en-US" sz="4800" kern="1200"/>
+            <a:t>2</a:t>
+          </a:r>
+        </a:p>
+      </dsp:txBody>
+      <dsp:txXfrm>
+        <a:off x="3602104" y="669794"/>
+        <a:ext cx="736366" cy="736366"/>
+      </dsp:txXfrm>
+    </dsp:sp>
+    <dsp:sp modelId="{A0B25325-1514-4AFA-BCF1-C3443A2063A2}">
+      <dsp:nvSpPr>
+        <dsp:cNvPr id="0" name=""/>
+        <dsp:cNvSpPr/>
+      </dsp:nvSpPr>
+      <dsp:spPr>
+        <a:xfrm>
+          <a:off x="2730549" y="3641355"/>
+          <a:ext cx="2479476" cy="72"/>
+        </a:xfrm>
+        <a:prstGeom prst="rect">
+          <a:avLst/>
+        </a:prstGeom>
+        <a:solidFill>
+          <a:schemeClr val="accent1">
+            <a:hueOff val="0"/>
+            <a:satOff val="0"/>
+            <a:lumOff val="0"/>
+            <a:alphaOff val="0"/>
+          </a:schemeClr>
+        </a:solidFill>
+        <a:ln w="12700" cap="flat" cmpd="sng" algn="in">
+          <a:solidFill>
+            <a:schemeClr val="accent1">
+              <a:hueOff val="0"/>
+              <a:satOff val="0"/>
+              <a:lumOff val="0"/>
+              <a:alphaOff val="0"/>
+            </a:schemeClr>
+          </a:solidFill>
+          <a:prstDash val="solid"/>
+        </a:ln>
+        <a:effectLst/>
+      </dsp:spPr>
+      <dsp:style>
+        <a:lnRef idx="2">
+          <a:scrgbClr r="0" g="0" b="0"/>
+        </a:lnRef>
+        <a:fillRef idx="1">
+          <a:scrgbClr r="0" g="0" b="0"/>
+        </a:fillRef>
+        <a:effectRef idx="0">
+          <a:scrgbClr r="0" g="0" b="0"/>
+        </a:effectRef>
+        <a:fontRef idx="minor">
+          <a:schemeClr val="lt1"/>
+        </a:fontRef>
+      </dsp:style>
+    </dsp:sp>
+    <dsp:sp modelId="{CD521EC8-9E56-4B55-9369-E5195EAC381F}">
+      <dsp:nvSpPr>
+        <dsp:cNvPr id="0" name=""/>
+        <dsp:cNvSpPr/>
+      </dsp:nvSpPr>
+      <dsp:spPr>
+        <a:xfrm>
+          <a:off x="5457973" y="170160"/>
+          <a:ext cx="2479476" cy="3471267"/>
+        </a:xfrm>
+        <a:prstGeom prst="rect">
+          <a:avLst/>
+        </a:prstGeom>
+        <a:solidFill>
+          <a:schemeClr val="accent1">
+            <a:alpha val="90000"/>
+            <a:tint val="40000"/>
+            <a:hueOff val="0"/>
+            <a:satOff val="0"/>
+            <a:lumOff val="0"/>
+            <a:alphaOff val="0"/>
+          </a:schemeClr>
+        </a:solidFill>
+        <a:ln w="12700" cap="flat" cmpd="sng" algn="in">
+          <a:solidFill>
+            <a:schemeClr val="accent1">
+              <a:alpha val="90000"/>
+              <a:tint val="40000"/>
+              <a:hueOff val="0"/>
+              <a:satOff val="0"/>
+              <a:lumOff val="0"/>
+              <a:alphaOff val="0"/>
+            </a:schemeClr>
+          </a:solidFill>
+          <a:prstDash val="solid"/>
+        </a:ln>
+        <a:effectLst/>
+      </dsp:spPr>
+      <dsp:style>
+        <a:lnRef idx="2">
+          <a:scrgbClr r="0" g="0" b="0"/>
+        </a:lnRef>
+        <a:fillRef idx="1">
+          <a:scrgbClr r="0" g="0" b="0"/>
+        </a:fillRef>
+        <a:effectRef idx="0">
+          <a:scrgbClr r="0" g="0" b="0"/>
+        </a:effectRef>
+        <a:fontRef idx="minor"/>
+      </dsp:style>
+      <dsp:txBody>
+        <a:bodyPr spcFirstLastPara="0" vert="horz" wrap="square" lIns="193310" tIns="330200" rIns="193310" bIns="330200" numCol="1" spcCol="1270" anchor="t" anchorCtr="0">
+          <a:noAutofit/>
+        </a:bodyPr>
+        <a:lstStyle/>
+        <a:p>
+          <a:pPr marL="0" lvl="0" indent="0" algn="l" defTabSz="1022350">
+            <a:lnSpc>
+              <a:spcPct val="90000"/>
+            </a:lnSpc>
+            <a:spcBef>
+              <a:spcPct val="0"/>
+            </a:spcBef>
+            <a:spcAft>
+              <a:spcPct val="35000"/>
+            </a:spcAft>
+            <a:buNone/>
+          </a:pPr>
+          <a:r>
+            <a:rPr lang="en-US" sz="2300" kern="1200" baseline="0" dirty="0"/>
+            <a:t>Deploy </a:t>
+          </a:r>
+          <a:r>
+            <a:rPr lang="en-US" sz="2300" kern="1200" baseline="0" dirty="0" err="1"/>
+            <a:t>Plolty</a:t>
+          </a:r>
+          <a:r>
+            <a:rPr lang="en-US" sz="2300" kern="1200" baseline="0" dirty="0"/>
+            <a:t> Dashboard to AWS</a:t>
+          </a:r>
+          <a:endParaRPr lang="en-US" sz="2300" kern="1200" dirty="0"/>
+        </a:p>
+      </dsp:txBody>
+      <dsp:txXfrm>
+        <a:off x="5457973" y="1489241"/>
+        <a:ext cx="2479476" cy="2082760"/>
+      </dsp:txXfrm>
+    </dsp:sp>
+    <dsp:sp modelId="{3E86B5E2-6F63-4436-BF56-F29187628333}">
+      <dsp:nvSpPr>
+        <dsp:cNvPr id="0" name=""/>
+        <dsp:cNvSpPr/>
+      </dsp:nvSpPr>
+      <dsp:spPr>
+        <a:xfrm>
+          <a:off x="6177022" y="517287"/>
+          <a:ext cx="1041380" cy="1041380"/>
+        </a:xfrm>
+        <a:prstGeom prst="ellipse">
+          <a:avLst/>
+        </a:prstGeom>
+        <a:solidFill>
+          <a:schemeClr val="accent1">
+            <a:hueOff val="0"/>
+            <a:satOff val="0"/>
+            <a:lumOff val="0"/>
+            <a:alphaOff val="0"/>
+          </a:schemeClr>
+        </a:solidFill>
+        <a:ln w="12700" cap="flat" cmpd="sng" algn="in">
+          <a:solidFill>
+            <a:schemeClr val="accent1">
+              <a:hueOff val="0"/>
+              <a:satOff val="0"/>
+              <a:lumOff val="0"/>
+              <a:alphaOff val="0"/>
+            </a:schemeClr>
+          </a:solidFill>
+          <a:prstDash val="solid"/>
+        </a:ln>
+        <a:effectLst/>
+      </dsp:spPr>
+      <dsp:style>
+        <a:lnRef idx="2">
+          <a:scrgbClr r="0" g="0" b="0"/>
+        </a:lnRef>
+        <a:fillRef idx="1">
+          <a:scrgbClr r="0" g="0" b="0"/>
+        </a:fillRef>
+        <a:effectRef idx="0">
+          <a:scrgbClr r="0" g="0" b="0"/>
+        </a:effectRef>
+        <a:fontRef idx="minor">
+          <a:schemeClr val="lt1"/>
+        </a:fontRef>
+      </dsp:style>
+      <dsp:txBody>
+        <a:bodyPr spcFirstLastPara="0" vert="horz" wrap="square" lIns="81190" tIns="12700" rIns="81190" bIns="12700" numCol="1" spcCol="1270" anchor="ctr" anchorCtr="0">
+          <a:noAutofit/>
+        </a:bodyPr>
+        <a:lstStyle/>
+        <a:p>
+          <a:pPr marL="0" lvl="0" indent="0" algn="ctr" defTabSz="2133600">
+            <a:lnSpc>
+              <a:spcPct val="90000"/>
+            </a:lnSpc>
+            <a:spcBef>
+              <a:spcPct val="0"/>
+            </a:spcBef>
+            <a:spcAft>
+              <a:spcPct val="35000"/>
+            </a:spcAft>
+            <a:buNone/>
+          </a:pPr>
+          <a:r>
+            <a:rPr lang="en-US" sz="4800" kern="1200"/>
+            <a:t>3</a:t>
+          </a:r>
+        </a:p>
+      </dsp:txBody>
+      <dsp:txXfrm>
+        <a:off x="6329529" y="669794"/>
+        <a:ext cx="736366" cy="736366"/>
+      </dsp:txXfrm>
+    </dsp:sp>
+    <dsp:sp modelId="{76A053B6-CEBC-41AA-A804-3A2FF29E7306}">
+      <dsp:nvSpPr>
+        <dsp:cNvPr id="0" name=""/>
+        <dsp:cNvSpPr/>
+      </dsp:nvSpPr>
+      <dsp:spPr>
+        <a:xfrm>
+          <a:off x="5457973" y="3641355"/>
+          <a:ext cx="2479476" cy="72"/>
+        </a:xfrm>
+        <a:prstGeom prst="rect">
+          <a:avLst/>
+        </a:prstGeom>
+        <a:solidFill>
+          <a:schemeClr val="accent1">
+            <a:hueOff val="0"/>
+            <a:satOff val="0"/>
+            <a:lumOff val="0"/>
+            <a:alphaOff val="0"/>
+          </a:schemeClr>
+        </a:solidFill>
+        <a:ln w="12700" cap="flat" cmpd="sng" algn="in">
+          <a:solidFill>
+            <a:schemeClr val="accent1">
+              <a:hueOff val="0"/>
+              <a:satOff val="0"/>
+              <a:lumOff val="0"/>
+              <a:alphaOff val="0"/>
+            </a:schemeClr>
+          </a:solidFill>
+          <a:prstDash val="solid"/>
+        </a:ln>
+        <a:effectLst/>
+      </dsp:spPr>
+      <dsp:style>
+        <a:lnRef idx="2">
+          <a:scrgbClr r="0" g="0" b="0"/>
+        </a:lnRef>
+        <a:fillRef idx="1">
+          <a:scrgbClr r="0" g="0" b="0"/>
+        </a:fillRef>
+        <a:effectRef idx="0">
+          <a:scrgbClr r="0" g="0" b="0"/>
+        </a:effectRef>
+        <a:fontRef idx="minor">
+          <a:schemeClr val="lt1"/>
+        </a:fontRef>
+      </dsp:style>
+    </dsp:sp>
+    <dsp:sp modelId="{CC862D38-49D8-4FC5-8B81-E683E374905F}">
+      <dsp:nvSpPr>
+        <dsp:cNvPr id="0" name=""/>
+        <dsp:cNvSpPr/>
+      </dsp:nvSpPr>
+      <dsp:spPr>
+        <a:xfrm>
+          <a:off x="8185398" y="170160"/>
+          <a:ext cx="2479476" cy="3471267"/>
+        </a:xfrm>
+        <a:prstGeom prst="rect">
+          <a:avLst/>
+        </a:prstGeom>
+        <a:solidFill>
+          <a:schemeClr val="accent1">
+            <a:alpha val="90000"/>
+            <a:tint val="40000"/>
+            <a:hueOff val="0"/>
+            <a:satOff val="0"/>
+            <a:lumOff val="0"/>
+            <a:alphaOff val="0"/>
+          </a:schemeClr>
+        </a:solidFill>
+        <a:ln w="12700" cap="flat" cmpd="sng" algn="in">
+          <a:solidFill>
+            <a:schemeClr val="accent1">
+              <a:alpha val="90000"/>
+              <a:tint val="40000"/>
+              <a:hueOff val="0"/>
+              <a:satOff val="0"/>
+              <a:lumOff val="0"/>
+              <a:alphaOff val="0"/>
+            </a:schemeClr>
+          </a:solidFill>
+          <a:prstDash val="solid"/>
+        </a:ln>
+        <a:effectLst/>
+      </dsp:spPr>
+      <dsp:style>
+        <a:lnRef idx="2">
+          <a:scrgbClr r="0" g="0" b="0"/>
+        </a:lnRef>
+        <a:fillRef idx="1">
+          <a:scrgbClr r="0" g="0" b="0"/>
+        </a:fillRef>
+        <a:effectRef idx="0">
+          <a:scrgbClr r="0" g="0" b="0"/>
+        </a:effectRef>
+        <a:fontRef idx="minor"/>
+      </dsp:style>
+      <dsp:txBody>
+        <a:bodyPr spcFirstLastPara="0" vert="horz" wrap="square" lIns="193310" tIns="330200" rIns="193310" bIns="330200" numCol="1" spcCol="1270" anchor="t" anchorCtr="0">
+          <a:noAutofit/>
+        </a:bodyPr>
+        <a:lstStyle/>
+        <a:p>
+          <a:pPr marL="0" lvl="0" indent="0" algn="l" defTabSz="1022350">
+            <a:lnSpc>
+              <a:spcPct val="90000"/>
+            </a:lnSpc>
+            <a:spcBef>
+              <a:spcPct val="0"/>
+            </a:spcBef>
+            <a:spcAft>
+              <a:spcPct val="35000"/>
+            </a:spcAft>
+            <a:buNone/>
+          </a:pPr>
+          <a:r>
+            <a:rPr lang="en-US" sz="2300" kern="1200" dirty="0"/>
+            <a:t>Acquire Charter Approval</a:t>
+          </a:r>
+        </a:p>
+      </dsp:txBody>
+      <dsp:txXfrm>
+        <a:off x="8185398" y="1489241"/>
+        <a:ext cx="2479476" cy="2082760"/>
+      </dsp:txXfrm>
+    </dsp:sp>
+    <dsp:sp modelId="{333C96A9-7011-46CF-8DEC-E63C668C46FF}">
+      <dsp:nvSpPr>
+        <dsp:cNvPr id="0" name=""/>
+        <dsp:cNvSpPr/>
+      </dsp:nvSpPr>
+      <dsp:spPr>
+        <a:xfrm>
+          <a:off x="8904446" y="517287"/>
+          <a:ext cx="1041380" cy="1041380"/>
+        </a:xfrm>
+        <a:prstGeom prst="ellipse">
+          <a:avLst/>
+        </a:prstGeom>
+        <a:solidFill>
+          <a:schemeClr val="accent1">
+            <a:hueOff val="0"/>
+            <a:satOff val="0"/>
+            <a:lumOff val="0"/>
+            <a:alphaOff val="0"/>
+          </a:schemeClr>
+        </a:solidFill>
+        <a:ln w="12700" cap="flat" cmpd="sng" algn="in">
+          <a:solidFill>
+            <a:schemeClr val="accent1">
+              <a:hueOff val="0"/>
+              <a:satOff val="0"/>
+              <a:lumOff val="0"/>
+              <a:alphaOff val="0"/>
+            </a:schemeClr>
+          </a:solidFill>
+          <a:prstDash val="solid"/>
+        </a:ln>
+        <a:effectLst/>
+      </dsp:spPr>
+      <dsp:style>
+        <a:lnRef idx="2">
+          <a:scrgbClr r="0" g="0" b="0"/>
+        </a:lnRef>
+        <a:fillRef idx="1">
+          <a:scrgbClr r="0" g="0" b="0"/>
+        </a:fillRef>
+        <a:effectRef idx="0">
+          <a:scrgbClr r="0" g="0" b="0"/>
+        </a:effectRef>
+        <a:fontRef idx="minor">
+          <a:schemeClr val="lt1"/>
+        </a:fontRef>
+      </dsp:style>
+      <dsp:txBody>
+        <a:bodyPr spcFirstLastPara="0" vert="horz" wrap="square" lIns="81190" tIns="12700" rIns="81190" bIns="12700" numCol="1" spcCol="1270" anchor="ctr" anchorCtr="0">
+          <a:noAutofit/>
+        </a:bodyPr>
+        <a:lstStyle/>
+        <a:p>
+          <a:pPr marL="0" lvl="0" indent="0" algn="ctr" defTabSz="2133600">
+            <a:lnSpc>
+              <a:spcPct val="90000"/>
+            </a:lnSpc>
+            <a:spcBef>
+              <a:spcPct val="0"/>
+            </a:spcBef>
+            <a:spcAft>
+              <a:spcPct val="35000"/>
+            </a:spcAft>
+            <a:buNone/>
+          </a:pPr>
+          <a:r>
+            <a:rPr lang="en-US" sz="4800" kern="1200"/>
+            <a:t>4</a:t>
+          </a:r>
+        </a:p>
+      </dsp:txBody>
+      <dsp:txXfrm>
+        <a:off x="9056953" y="669794"/>
+        <a:ext cx="736366" cy="736366"/>
+      </dsp:txXfrm>
+    </dsp:sp>
+    <dsp:sp modelId="{59218BC5-8C41-423B-95AC-666D9F9E01A5}">
+      <dsp:nvSpPr>
+        <dsp:cNvPr id="0" name=""/>
+        <dsp:cNvSpPr/>
+      </dsp:nvSpPr>
+      <dsp:spPr>
+        <a:xfrm>
+          <a:off x="8185398" y="3641355"/>
+          <a:ext cx="2479476" cy="72"/>
+        </a:xfrm>
+        <a:prstGeom prst="rect">
+          <a:avLst/>
+        </a:prstGeom>
+        <a:solidFill>
+          <a:schemeClr val="accent1">
+            <a:hueOff val="0"/>
+            <a:satOff val="0"/>
+            <a:lumOff val="0"/>
+            <a:alphaOff val="0"/>
+          </a:schemeClr>
+        </a:solidFill>
+        <a:ln w="12700" cap="flat" cmpd="sng" algn="in">
+          <a:solidFill>
+            <a:schemeClr val="accent1">
+              <a:hueOff val="0"/>
+              <a:satOff val="0"/>
+              <a:lumOff val="0"/>
+              <a:alphaOff val="0"/>
+            </a:schemeClr>
+          </a:solidFill>
+          <a:prstDash val="solid"/>
+        </a:ln>
+        <a:effectLst/>
+      </dsp:spPr>
+      <dsp:style>
+        <a:lnRef idx="2">
+          <a:scrgbClr r="0" g="0" b="0"/>
+        </a:lnRef>
+        <a:fillRef idx="1">
+          <a:scrgbClr r="0" g="0" b="0"/>
+        </a:fillRef>
+        <a:effectRef idx="0">
+          <a:scrgbClr r="0" g="0" b="0"/>
+        </a:effectRef>
+        <a:fontRef idx="minor">
+          <a:schemeClr val="lt1"/>
+        </a:fontRef>
+      </dsp:style>
+    </dsp:sp>
+  </dsp:spTree>
+</dsp:drawing>
+</file>
+
+<file path=ppt/diagrams/layout1.xml><?xml version="1.0" encoding="utf-8"?>
+<dgm:layoutDef xmlns:dgm="http://schemas.openxmlformats.org/drawingml/2006/diagram" xmlns:a="http://schemas.openxmlformats.org/drawingml/2006/main" uniqueId="urn:microsoft.com/office/officeart/2005/8/layout/list1">
+  <dgm:title val=""/>
+  <dgm:desc val=""/>
+  <dgm:catLst>
+    <dgm:cat type="list" pri="4000"/>
+  </dgm:catLst>
+  <dgm:sampData>
+    <dgm:dataModel>
+      <dgm:ptLst>
+        <dgm:pt modelId="0" type="doc"/>
+        <dgm:pt modelId="1">
+          <dgm:prSet phldr="1"/>
+        </dgm:pt>
+        <dgm:pt modelId="2">
+          <dgm:prSet phldr="1"/>
+        </dgm:pt>
+        <dgm:pt modelId="3">
+          <dgm:prSet phldr="1"/>
+        </dgm:pt>
+      </dgm:ptLst>
+      <dgm:cxnLst>
+        <dgm:cxn modelId="4" srcId="0" destId="1" srcOrd="0" destOrd="0"/>
+        <dgm:cxn modelId="5" srcId="0" destId="2" srcOrd="1" destOrd="0"/>
+        <dgm:cxn modelId="6" srcId="0" destId="3" srcOrd="2" destOrd="0"/>
+      </dgm:cxnLst>
+      <dgm:bg/>
+      <dgm:whole/>
+    </dgm:dataModel>
+  </dgm:sampData>
+  <dgm:styleData>
+    <dgm:dataModel>
+      <dgm:ptLst>
+        <dgm:pt modelId="0" type="doc"/>
+        <dgm:pt modelId="1"/>
+        <dgm:pt modelId="2"/>
+      </dgm:ptLst>
+      <dgm:cxnLst>
+        <dgm:cxn modelId="4" srcId="0" destId="1" srcOrd="0" destOrd="0"/>
+        <dgm:cxn modelId="5" srcId="0" destId="2" srcOrd="1" destOrd="0"/>
+      </dgm:cxnLst>
+      <dgm:bg/>
+      <dgm:whole/>
+    </dgm:dataModel>
+  </dgm:styleData>
+  <dgm:clrData>
+    <dgm:dataModel>
+      <dgm:ptLst>
+        <dgm:pt modelId="0" type="doc"/>
+        <dgm:pt modelId="1"/>
+        <dgm:pt modelId="2"/>
+        <dgm:pt modelId="3"/>
+        <dgm:pt modelId="4"/>
+      </dgm:ptLst>
+      <dgm:cxnLst>
+        <dgm:cxn modelId="5" srcId="0" destId="1" srcOrd="0" destOrd="0"/>
+        <dgm:cxn modelId="6" srcId="0" destId="2" srcOrd="1" destOrd="0"/>
+        <dgm:cxn modelId="7" srcId="0" destId="3" srcOrd="2" destOrd="0"/>
+        <dgm:cxn modelId="8" srcId="0" destId="4" srcOrd="3" destOrd="0"/>
+      </dgm:cxnLst>
+      <dgm:bg/>
+      <dgm:whole/>
+    </dgm:dataModel>
+  </dgm:clrData>
+  <dgm:layoutNode name="linear">
+    <dgm:varLst>
+      <dgm:dir/>
+      <dgm:animLvl val="lvl"/>
+      <dgm:resizeHandles val="exact"/>
+    </dgm:varLst>
+    <dgm:choose name="Name0">
+      <dgm:if name="Name1" func="var" arg="dir" op="equ" val="norm">
+        <dgm:alg type="lin">
+          <dgm:param type="linDir" val="fromT"/>
+          <dgm:param type="vertAlign" val="mid"/>
+          <dgm:param type="horzAlign" val="l"/>
+          <dgm:param type="nodeHorzAlign" val="l"/>
+        </dgm:alg>
+      </dgm:if>
+      <dgm:else name="Name2">
+        <dgm:alg type="lin">
+          <dgm:param type="linDir" val="fromT"/>
+          <dgm:param type="vertAlign" val="mid"/>
+          <dgm:param type="horzAlign" val="r"/>
+          <dgm:param type="nodeHorzAlign" val="r"/>
+        </dgm:alg>
+      </dgm:else>
+    </dgm:choose>
+    <dgm:shape xmlns:r="http://schemas.openxmlformats.org/officeDocument/2006/relationships" r:blip="">
+      <dgm:adjLst/>
+    </dgm:shape>
+    <dgm:presOf/>
+    <dgm:constrLst>
+      <dgm:constr type="w" for="ch" forName="parentLin" refType="w"/>
+      <dgm:constr type="h" for="ch" forName="parentLin" val="INF"/>
+      <dgm:constr type="w" for="des" forName="parentLeftMargin" refType="w" fact="0.05"/>
+      <dgm:constr type="w" for="des" forName="parentText" refType="w" fact="0.7"/>
+      <dgm:constr type="h" for="des" forName="parentText" refType="primFontSz" refFor="des" refForName="parentText" fact="0.82"/>
+      <dgm:constr type="h" for="ch" forName="negativeSpace" refType="primFontSz" refFor="des" refForName="parentText" fact="-0.41"/>
+      <dgm:constr type="h" for="ch" forName="negativeSpace" refType="h" refFor="des" refForName="parentText" op="lte" fact="-0.82"/>
+      <dgm:constr type="h" for="ch" forName="negativeSpace" refType="h" refFor="des" refForName="parentText" op="gte" fact="-0.82"/>
+      <dgm:constr type="w" for="ch" forName="childText" refType="w"/>
+      <dgm:constr type="h" for="ch" forName="childText" refType="primFontSz" refFor="des" refForName="parentText" fact="0.7"/>
+      <dgm:constr type="primFontSz" for="des" forName="parentText" val="65"/>
+      <dgm:constr type="primFontSz" for="ch" forName="childText" refType="primFontSz" refFor="des" refForName="parentText"/>
+      <dgm:constr type="tMarg" for="ch" forName="childText" refType="primFontSz" refFor="des" refForName="parentText" fact="1.64"/>
+      <dgm:constr type="tMarg" for="ch" forName="childText" refType="h" refFor="des" refForName="parentText" op="lte" fact="3.28"/>
+      <dgm:constr type="tMarg" for="ch" forName="childText" refType="h" refFor="des" refForName="parentText" op="gte" fact="3.28"/>
+      <dgm:constr type="lMarg" for="ch" forName="childText" refType="w" fact="0.22"/>
+      <dgm:constr type="rMarg" for="ch" forName="childText" refType="lMarg" refFor="ch" refForName="childText"/>
+      <dgm:constr type="lMarg" for="des" forName="parentText" refType="w" fact="0.075"/>
+      <dgm:constr type="rMarg" for="des" forName="parentText" refType="lMarg" refFor="des" refForName="parentText"/>
+      <dgm:constr type="h" for="ch" forName="spaceBetweenRectangles" refType="primFontSz" refFor="des" refForName="parentText" fact="0.15"/>
+    </dgm:constrLst>
+    <dgm:ruleLst>
+      <dgm:rule type="primFontSz" for="des" forName="parentText" val="5" fact="NaN" max="NaN"/>
+    </dgm:ruleLst>
+    <dgm:forEach name="Name3" axis="ch" ptType="node">
+      <dgm:layoutNode name="parentLin">
+        <dgm:choose name="Name4">
+          <dgm:if name="Name5" func="var" arg="dir" op="equ" val="norm">
+            <dgm:alg type="lin">
+              <dgm:param type="linDir" val="fromL"/>
+              <dgm:param type="horzAlign" val="l"/>
+              <dgm:param type="nodeHorzAlign" val="l"/>
+            </dgm:alg>
+          </dgm:if>
+          <dgm:else name="Name6">
+            <dgm:alg type="lin">
+              <dgm:param type="linDir" val="fromR"/>
+              <dgm:param type="horzAlign" val="r"/>
+              <dgm:param type="nodeHorzAlign" val="r"/>
+            </dgm:alg>
+          </dgm:else>
+        </dgm:choose>
+        <dgm:shape xmlns:r="http://schemas.openxmlformats.org/officeDocument/2006/relationships" r:blip="">
+          <dgm:adjLst/>
+        </dgm:shape>
+        <dgm:presOf/>
+        <dgm:constrLst/>
+        <dgm:ruleLst/>
+        <dgm:layoutNode name="parentLeftMargin">
+          <dgm:alg type="sp"/>
+          <dgm:shape xmlns:r="http://schemas.openxmlformats.org/officeDocument/2006/relationships" type="rect" r:blip="" hideGeom="1">
+            <dgm:adjLst/>
+          </dgm:shape>
+          <dgm:presOf axis="self"/>
+          <dgm:constrLst>
+            <dgm:constr type="h"/>
+          </dgm:constrLst>
+          <dgm:ruleLst/>
+        </dgm:layoutNode>
+        <dgm:layoutNode name="parentText" styleLbl="node1">
+          <dgm:varLst>
+            <dgm:chMax val="0"/>
+            <dgm:bulletEnabled val="1"/>
+          </dgm:varLst>
+          <dgm:choose name="Name7">
+            <dgm:if name="Name8" func="var" arg="dir" op="equ" val="norm">
+              <dgm:alg type="tx">
+                <dgm:param type="parTxLTRAlign" val="l"/>
+                <dgm:param type="parTxRTLAlign" val="l"/>
+              </dgm:alg>
+            </dgm:if>
+            <dgm:else name="Name9">
+              <dgm:alg type="tx">
+                <dgm:param type="parTxLTRAlign" val="r"/>
+                <dgm:param type="parTxRTLAlign" val="r"/>
+              </dgm:alg>
+            </dgm:else>
+          </dgm:choose>
+          <dgm:shape xmlns:r="http://schemas.openxmlformats.org/officeDocument/2006/relationships" type="roundRect" r:blip="">
+            <dgm:adjLst/>
+          </dgm:shape>
+          <dgm:presOf axis="self" ptType="node"/>
+          <dgm:constrLst>
+            <dgm:constr type="tMarg"/>
+            <dgm:constr type="bMarg"/>
+          </dgm:constrLst>
+          <dgm:ruleLst/>
+        </dgm:layoutNode>
+      </dgm:layoutNode>
+      <dgm:layoutNode name="negativeSpace">
+        <dgm:alg type="sp"/>
+        <dgm:shape xmlns:r="http://schemas.openxmlformats.org/officeDocument/2006/relationships" r:blip="">
+          <dgm:adjLst/>
+        </dgm:shape>
+        <dgm:presOf/>
+        <dgm:constrLst/>
+        <dgm:ruleLst/>
+      </dgm:layoutNode>
+      <dgm:layoutNode name="childText" styleLbl="conFgAcc1">
+        <dgm:varLst>
+          <dgm:bulletEnabled val="1"/>
+        </dgm:varLst>
+        <dgm:alg type="tx">
+          <dgm:param type="stBulletLvl" val="1"/>
+        </dgm:alg>
+        <dgm:shape xmlns:r="http://schemas.openxmlformats.org/officeDocument/2006/relationships" type="rect" r:blip="" zOrderOff="-2">
+          <dgm:adjLst/>
+        </dgm:shape>
+        <dgm:presOf axis="des" ptType="node"/>
+        <dgm:constrLst>
+          <dgm:constr type="secFontSz" refType="primFontSz"/>
+        </dgm:constrLst>
+        <dgm:ruleLst>
+          <dgm:rule type="h" val="INF" fact="NaN" max="NaN"/>
+        </dgm:ruleLst>
+      </dgm:layoutNode>
+      <dgm:forEach name="Name10" axis="followSib" ptType="sibTrans" cnt="1">
+        <dgm:layoutNode name="spaceBetweenRectangles">
+          <dgm:alg type="sp"/>
+          <dgm:shape xmlns:r="http://schemas.openxmlformats.org/officeDocument/2006/relationships" r:blip="">
+            <dgm:adjLst/>
+          </dgm:shape>
+          <dgm:presOf/>
+          <dgm:constrLst/>
+          <dgm:ruleLst/>
+        </dgm:layoutNode>
+      </dgm:forEach>
+    </dgm:forEach>
+  </dgm:layoutNode>
+</dgm:layoutDef>
+</file>
+
+<file path=ppt/diagrams/layout2.xml><?xml version="1.0" encoding="utf-8"?>
+<dgm:layoutDef xmlns:dgm="http://schemas.openxmlformats.org/drawingml/2006/diagram" xmlns:a="http://schemas.openxmlformats.org/drawingml/2006/main" uniqueId="urn:microsoft.com/office/officeart/2016/7/layout/BasicLinearProcessNumbered">
+  <dgm:title val="Basic Linear Process Numbered"/>
+  <dgm:desc val="Used to show a progression; a timeline; sequential steps in a task, process, or workflow; or to emphasize movement or direction. Automatic numbers have been introduced to show the steps of the process which appears in a circle. Level 1 and Level 2 text appear in a rectangle."/>
+  <dgm:catLst>
+    <dgm:cat type="process" pri="500"/>
+  </dgm:catLst>
+  <dgm:sampData>
+    <dgm:dataModel>
+      <dgm:ptLst>
+        <dgm:pt modelId="0" type="doc"/>
+        <dgm:pt modelId="1">
+          <dgm:prSet phldr="1"/>
+        </dgm:pt>
+        <dgm:pt modelId="11">
+          <dgm:prSet phldr="1"/>
+        </dgm:pt>
+        <dgm:pt modelId="2">
+          <dgm:prSet phldr="1"/>
+        </dgm:pt>
+        <dgm:pt modelId="21">
+          <dgm:prSet phldr="1"/>
+        </dgm:pt>
+        <dgm:pt modelId="3">
+          <dgm:prSet phldr="1"/>
+        </dgm:pt>
+        <dgm:pt modelId="31">
+          <dgm:prSet phldr="1"/>
+        </dgm:pt>
+        <dgm:pt modelId="101" type="sibTrans" cxnId="4">
+          <dgm:prSet phldrT="1"/>
+          <dgm:t>
+            <a:bodyPr/>
+            <a:lstStyle/>
+            <a:p>
+              <a:r>
+                <a:t>1</a:t>
+              </a:r>
+            </a:p>
+          </dgm:t>
+        </dgm:pt>
+        <dgm:pt modelId="201" type="sibTrans" cxnId="5">
+          <dgm:prSet phldrT="2"/>
+          <dgm:t>
+            <a:bodyPr/>
+            <a:lstStyle/>
+            <a:p>
+              <a:r>
+                <a:t>2</a:t>
+              </a:r>
+            </a:p>
+          </dgm:t>
+        </dgm:pt>
+        <dgm:pt modelId="301" type="sibTrans" cxnId="6">
+          <dgm:prSet phldrT="3"/>
+          <dgm:t>
+            <a:bodyPr/>
+            <a:lstStyle/>
+            <a:p>
+              <a:r>
+                <a:t>3</a:t>
+              </a:r>
+            </a:p>
+          </dgm:t>
+        </dgm:pt>
+      </dgm:ptLst>
+      <dgm:cxnLst>
+        <dgm:cxn modelId="4" srcId="0" destId="1" srcOrd="0" destOrd="0" sibTransId="101"/>
+        <dgm:cxn modelId="5" srcId="0" destId="2" srcOrd="1" destOrd="0" sibTransId="201"/>
+        <dgm:cxn modelId="6" srcId="0" destId="3" srcOrd="2" destOrd="0" sibTransId="301"/>
+        <dgm:cxn modelId="13" srcId="1" destId="11" srcOrd="0" destOrd="0"/>
+        <dgm:cxn modelId="23" srcId="2" destId="21" srcOrd="0" destOrd="0"/>
+        <dgm:cxn modelId="33" srcId="3" destId="31" srcOrd="0" destOrd="0"/>
+      </dgm:cxnLst>
+      <dgm:bg/>
+      <dgm:whole/>
+    </dgm:dataModel>
+  </dgm:sampData>
+  <dgm:styleData>
+    <dgm:dataModel>
+      <dgm:ptLst>
+        <dgm:pt modelId="0" type="doc"/>
+        <dgm:pt modelId="1"/>
+        <dgm:pt modelId="11"/>
+        <dgm:pt modelId="2"/>
+        <dgm:pt modelId="21"/>
+      </dgm:ptLst>
+      <dgm:cxnLst>
+        <dgm:cxn modelId="4" srcId="0" destId="1" srcOrd="0" destOrd="0"/>
+        <dgm:cxn modelId="5" srcId="0" destId="2" srcOrd="1" destOrd="0"/>
+        <dgm:cxn modelId="13" srcId="1" destId="11" srcOrd="0" destOrd="0"/>
+        <dgm:cxn modelId="23" srcId="2" destId="21" srcOrd="0" destOrd="0"/>
+      </dgm:cxnLst>
+      <dgm:bg/>
+      <dgm:whole/>
+    </dgm:dataModel>
+  </dgm:styleData>
+  <dgm:clrData>
+    <dgm:dataModel>
+      <dgm:ptLst>
+        <dgm:pt modelId="0" type="doc"/>
+        <dgm:pt modelId="1"/>
+        <dgm:pt modelId="11"/>
+        <dgm:pt modelId="2"/>
+        <dgm:pt modelId="21"/>
+        <dgm:pt modelId="3"/>
+        <dgm:pt modelId="31"/>
+        <dgm:pt modelId="4"/>
+        <dgm:pt modelId="41"/>
+      </dgm:ptLst>
+      <dgm:cxnLst>
+        <dgm:cxn modelId="5" srcId="0" destId="1" srcOrd="0" destOrd="0"/>
+        <dgm:cxn modelId="6" srcId="0" destId="2" srcOrd="1" destOrd="0"/>
+        <dgm:cxn modelId="7" srcId="0" destId="3" srcOrd="2" destOrd="0"/>
+        <dgm:cxn modelId="8" srcId="0" destId="4" srcOrd="3" destOrd="0"/>
+        <dgm:cxn modelId="13" srcId="1" destId="11" srcOrd="0" destOrd="0"/>
+        <dgm:cxn modelId="23" srcId="2" destId="21" srcOrd="0" destOrd="0"/>
+        <dgm:cxn modelId="33" srcId="3" destId="31" srcOrd="0" destOrd="0"/>
+        <dgm:cxn modelId="43" srcId="4" destId="41" srcOrd="0" destOrd="0"/>
+      </dgm:cxnLst>
+      <dgm:bg/>
+      <dgm:whole/>
+    </dgm:dataModel>
+  </dgm:clrData>
+  <dgm:layoutNode name="Name0">
+    <dgm:varLst>
+      <dgm:animLvl val="lvl"/>
+      <dgm:resizeHandles val="exact"/>
+    </dgm:varLst>
+    <dgm:alg type="lin">
+      <dgm:param type="linDir" val="fromL"/>
+      <dgm:param type="nodeVertAlign" val="t"/>
+    </dgm:alg>
+    <dgm:shape xmlns:r="http://schemas.openxmlformats.org/officeDocument/2006/relationships" r:blip="">
+      <dgm:adjLst/>
+    </dgm:shape>
+    <dgm:presOf/>
+    <dgm:constrLst>
+      <dgm:constr type="h" for="ch" forName="compositeNode" refType="h"/>
+      <dgm:constr type="w" for="ch" forName="compositeNode" refType="w"/>
+      <dgm:constr type="w" for="des" forName="simulatedConn" refType="w" refFor="ch" refForName="compositeNode" fact="0.15"/>
+      <dgm:constr type="h" for="des" forName="simulatedConn" refType="w" refFor="des" refForName="simulatedConn"/>
+      <dgm:constr type="h" for="des" forName="vSp1" refType="w" refFor="ch" refForName="compositeNode" fact="0.8"/>
+      <dgm:constr type="h" for="des" forName="vSp2" refType="w" refFor="ch" refForName="compositeNode" fact="0.07"/>
+      <dgm:constr type="w" for="ch" forName="vProcSp" refType="w" refFor="des" refForName="simulatedConn" op="equ"/>
+      <dgm:constr type="h" for="ch" forName="vProcSp" refType="h" refFor="ch" refForName="compositeNode" op="equ"/>
+      <dgm:constr type="w" for="ch" forName="sibTrans" refType="w" refFor="ch" refForName="compositeNode" fact="0.1"/>
+      <dgm:constr type="primFontSz" for="des" forName="sibTransNodeCircle" op="equ"/>
+      <dgm:constr type="primFontSz" for="des" forName="nodeText" op="equ"/>
+      <dgm:constr type="h" for="des" forName="sibTransNodeCircle" op="equ"/>
+      <dgm:constr type="w" for="des" forName="sibTransNodeCircle" op="equ"/>
+    </dgm:constrLst>
+    <dgm:ruleLst>
+      <dgm:rule type="h" val="NaN" fact="1.2" max="NaN"/>
+    </dgm:ruleLst>
+    <dgm:forEach name="Name4" axis="ch" ptType="node">
+      <dgm:layoutNode name="compositeNode">
+        <dgm:varLst>
+          <dgm:bulletEnabled val="1"/>
+        </dgm:varLst>
+        <dgm:alg type="composite"/>
+        <dgm:constrLst>
+          <dgm:constr type="h" refType="w" op="lte" fact="1.4"/>
+          <dgm:constr type="w" for="ch" forName="bgRect" refType="w"/>
+          <dgm:constr type="h" for="ch" forName="bgRect" refType="h"/>
+          <dgm:constr type="t" for="ch" forName="bgRect"/>
+          <dgm:constr type="l" for="ch" forName="bgRect"/>
+          <dgm:constr type="h" for="ch" forName="sibTransNodeCircle" refType="h" refFor="ch" refForName="bgRect" fact="0.3"/>
+          <dgm:constr type="w" for="ch" forName="sibTransNodeCircle" refType="h" refFor="ch" refForName="sibTransNodeCircle"/>
+          <dgm:constr type="ctrX" for="ch" forName="sibTransNodeCircle" refType="w" fact="0.5"/>
+          <dgm:constr type="ctrY" for="ch" forName="sibTransNodeCircle" refType="h" fact="0.25"/>
+          <dgm:constr type="r" for="ch" forName="nodeText" refType="r" refFor="ch" refForName="bgRect"/>
+          <dgm:constr type="h" for="ch" forName="nodeText" refType="h" refFor="ch" refForName="bgRect" fact="0.6"/>
+          <dgm:constr type="t" for="ch" forName="nodeText" refType="h" refFor="ch" refForName="bgRect" fact="0.38"/>
+          <dgm:constr type="b" for="ch" forName="bottomLine" refType="b" refFor="ch" refForName="bgRect"/>
+          <dgm:constr type="w" for="ch" forName="bottomLine" refType="w" refFor="ch" refForName="bgRect"/>
+          <dgm:constr type="h" for="ch" forName="bottomLine" val="0.002"/>
+        </dgm:constrLst>
+        <dgm:ruleLst/>
+        <dgm:layoutNode name="bgRect" styleLbl="bgAccFollowNode1">
+          <dgm:alg type="sp"/>
+          <dgm:shape xmlns:r="http://schemas.openxmlformats.org/officeDocument/2006/relationships" type="rect" r:blip="">
+            <dgm:adjLst/>
+          </dgm:shape>
+          <dgm:presOf axis="self"/>
+          <dgm:constrLst/>
+          <dgm:ruleLst/>
+        </dgm:layoutNode>
+        <dgm:forEach name="Name19" axis="followSib" ptType="sibTrans" hideLastTrans="0" cnt="1">
+          <dgm:layoutNode name="sibTransNodeCircle" styleLbl="alignNode1">
+            <dgm:varLst>
+              <dgm:chMax val="0"/>
+              <dgm:bulletEnabled/>
+            </dgm:varLst>
+            <dgm:presOf axis="self" ptType="sibTrans"/>
+            <dgm:alg type="tx">
+              <dgm:param type="txAnchorVert" val="mid"/>
+              <dgm:param type="txAnchorHorzCh" val="ctr"/>
+            </dgm:alg>
+            <dgm:shape xmlns:r="http://schemas.openxmlformats.org/officeDocument/2006/relationships" type="ellipse" r:blip="">
+              <dgm:adjLst/>
+            </dgm:shape>
+            <dgm:constrLst>
+              <dgm:constr type="w" refType="h" op="lte"/>
+              <dgm:constr type="primFontSz" val="48"/>
+              <dgm:constr type="tMarg" val="1"/>
+              <dgm:constr type="lMarg" refType="w" fact="0.221"/>
+              <dgm:constr type="rMarg" refType="w" fact="0.221"/>
+              <dgm:constr type="bMarg" val="1"/>
+            </dgm:constrLst>
+            <dgm:ruleLst>
+              <dgm:rule type="primFontSz" val="14" fact="NaN" max="NaN"/>
+            </dgm:ruleLst>
+          </dgm:layoutNode>
+        </dgm:forEach>
+        <dgm:layoutNode name="bottomLine" styleLbl="alignNode1">
+          <dgm:varLst/>
+          <dgm:presOf/>
+          <dgm:alg type="sp"/>
+          <dgm:shape xmlns:r="http://schemas.openxmlformats.org/officeDocument/2006/relationships" type="rect" r:blip="">
+            <dgm:adjLst/>
+          </dgm:shape>
+          <dgm:constrLst/>
+          <dgm:ruleLst/>
+        </dgm:layoutNode>
+        <dgm:layoutNode name="nodeText" styleLbl="bgAccFollowNode1" moveWith="bgRect">
+          <dgm:varLst>
+            <dgm:bulletEnabled val="1"/>
+          </dgm:varLst>
+          <dgm:alg type="tx">
+            <dgm:param type="parTxLTRAlign" val="l"/>
+            <dgm:param type="parTxRTLAlign" val="r"/>
+            <dgm:param type="txAnchorVert" val="t"/>
+          </dgm:alg>
+          <dgm:shape xmlns:r="http://schemas.openxmlformats.org/officeDocument/2006/relationships" type="rect" r:blip="" zOrderOff="-1" hideGeom="1">
+            <dgm:adjLst/>
+          </dgm:shape>
+          <dgm:presOf axis="desOrSelf" ptType="node"/>
+          <dgm:constrLst>
+            <dgm:constr type="primFontSz" val="26"/>
+            <dgm:constr type="tMarg" val="26"/>
+            <dgm:constr type="lMarg" refType="w" fact="0.221"/>
+            <dgm:constr type="rMarg" refType="w" fact="0.221"/>
+            <dgm:constr type="bMarg" val="26"/>
+          </dgm:constrLst>
+          <dgm:ruleLst>
+            <dgm:rule type="primFontSz" val="11" fact="NaN" max="NaN"/>
+          </dgm:ruleLst>
+        </dgm:layoutNode>
+      </dgm:layoutNode>
+      <dgm:forEach name="Name14" axis="followSib" ptType="sibTrans" cnt="1">
+        <dgm:layoutNode name="sibTrans">
+          <dgm:alg type="sp"/>
+          <dgm:shape xmlns:r="http://schemas.openxmlformats.org/officeDocument/2006/relationships" r:blip="">
+            <dgm:adjLst/>
+          </dgm:shape>
+          <dgm:presOf/>
+          <dgm:constrLst/>
+          <dgm:ruleLst/>
+        </dgm:layoutNode>
+      </dgm:forEach>
+    </dgm:forEach>
+  </dgm:layoutNode>
+  <dgm:extLst>
+    <a:ext uri="{4F341089-5ED1-44EC-B178-C955D00A3D55}">
+      <dgm1611:autoBuNodeInfoLst xmlns:dgm1611="http://schemas.microsoft.com/office/drawing/2016/11/diagram">
+        <dgm1611:autoBuNodeInfo lvl="1" ptType="sibTrans">
+          <dgm1611:buPr prefix="" leadZeros="0">
+            <a:buAutoNum type="arabicParenBoth"/>
+          </dgm1611:buPr>
+        </dgm1611:autoBuNodeInfo>
+      </dgm1611:autoBuNodeInfoLst>
+    </a:ext>
+  </dgm:extLst>
+</dgm:layoutDef>
+</file>
+
+<file path=ppt/diagrams/quickStyle1.xml><?xml version="1.0" encoding="utf-8"?>
+<dgm:styleDef xmlns:dgm="http://schemas.openxmlformats.org/drawingml/2006/diagram" xmlns:a="http://schemas.openxmlformats.org/drawingml/2006/main" uniqueId="urn:microsoft.com/office/officeart/2005/8/quickstyle/simple1">
+  <dgm:title val=""/>
+  <dgm:desc val=""/>
+  <dgm:catLst>
+    <dgm:cat type="simple" pri="10100"/>
+  </dgm:catLst>
+  <dgm:scene3d>
+    <a:camera prst="orthographicFront"/>
+    <a:lightRig rig="threePt" dir="t"/>
+  </dgm:scene3d>
+  <dgm:styleLbl name="node0">
+    <dgm:scene3d>
+      <a:camera prst="orthographicFront"/>
+      <a:lightRig rig="threePt" dir="t"/>
+    </dgm:scene3d>
+    <dgm:sp3d/>
+    <dgm:txPr/>
+    <dgm:style>
+      <a:lnRef idx="2">
+        <a:scrgbClr r="0" g="0" b="0"/>
+      </a:lnRef>
+      <a:fillRef idx="1">
+        <a:scrgbClr r="0" g="0" b="0"/>
+      </a:fillRef>
+      <a:effectRef idx="0">
+        <a:scrgbClr r="0" g="0" b="0"/>
+      </a:effectRef>
+      <a:fontRef idx="minor">
+        <a:schemeClr val="lt1"/>
+      </a:fontRef>
+    </dgm:style>
+  </dgm:styleLbl>
+  <dgm:styleLbl name="lnNode1">
+    <dgm:scene3d>
+      <a:camera prst="orthographicFront"/>
+      <a:lightRig rig="threePt" dir="t"/>
+    </dgm:scene3d>
+    <dgm:sp3d/>
+    <dgm:txPr/>
+    <dgm:style>
+      <a:lnRef idx="2">
+        <a:scrgbClr r="0" g="0" b="0"/>
+      </a:lnRef>
+      <a:fillRef idx="1">
+        <a:scrgbClr r="0" g="0" b="0"/>
+      </a:fillRef>
+      <a:effectRef idx="0">
+        <a:scrgbClr r="0" g="0" b="0"/>
+      </a:effectRef>
+      <a:fontRef idx="minor">
+        <a:schemeClr val="lt1"/>
+      </a:fontRef>
+    </dgm:style>
+  </dgm:styleLbl>
+  <dgm:styleLbl name="vennNode1">
+    <dgm:scene3d>
+      <a:camera prst="orthographicFront"/>
+      <a:lightRig rig="threePt" dir="t"/>
+    </dgm:scene3d>
+    <dgm:sp3d/>
+    <dgm:txPr/>
+    <dgm:style>
+      <a:lnRef idx="2">
+        <a:scrgbClr r="0" g="0" b="0"/>
+      </a:lnRef>
+      <a:fillRef idx="1">
+        <a:scrgbClr r="0" g="0" b="0"/>
+      </a:fillRef>
+      <a:effectRef idx="0">
+        <a:scrgbClr r="0" g="0" b="0"/>
+      </a:effectRef>
+      <a:fontRef idx="minor">
+        <a:schemeClr val="tx1"/>
+      </a:fontRef>
+    </dgm:style>
+  </dgm:styleLbl>
+  <dgm:styleLbl name="alignNode1">
+    <dgm:scene3d>
+      <a:camera prst="orthographicFront"/>
+      <a:lightRig rig="threePt" dir="t"/>
+    </dgm:scene3d>
+    <dgm:sp3d/>
+    <dgm:txPr/>
+    <dgm:style>
+      <a:lnRef idx="2">
+        <a:scrgbClr r="0" g="0" b="0"/>
+      </a:lnRef>
+      <a:fillRef idx="1">
+        <a:scrgbClr r="0" g="0" b="0"/>
+      </a:fillRef>
+      <a:effectRef idx="0">
+        <a:scrgbClr r="0" g="0" b="0"/>
+      </a:effectRef>
+      <a:fontRef idx="minor">
+        <a:schemeClr val="lt1"/>
+      </a:fontRef>
+    </dgm:style>
+  </dgm:styleLbl>
+  <dgm:styleLbl name="node1">
+    <dgm:scene3d>
+      <a:camera prst="orthographicFront"/>
+      <a:lightRig rig="threePt" dir="t"/>
+    </dgm:scene3d>
+    <dgm:sp3d/>
+    <dgm:txPr/>
+    <dgm:style>
+      <a:lnRef idx="2">
+        <a:scrgbClr r="0" g="0" b="0"/>
+      </a:lnRef>
+      <a:fillRef idx="1">
+        <a:scrgbClr r="0" g="0" b="0"/>
+      </a:fillRef>
+      <a:effectRef idx="0">
+        <a:scrgbClr r="0" g="0" b="0"/>
+      </a:effectRef>
+      <a:fontRef idx="minor">
+        <a:schemeClr val="lt1"/>
+      </a:fontRef>
+    </dgm:style>
+  </dgm:styleLbl>
+  <dgm:styleLbl name="node2">
+    <dgm:scene3d>
+      <a:camera prst="orthographicFront"/>
+      <a:lightRig rig="threePt" dir="t"/>
+    </dgm:scene3d>
+    <dgm:sp3d/>
+    <dgm:txPr/>
+    <dgm:style>
+      <a:lnRef idx="2">
+        <a:scrgbClr r="0" g="0" b="0"/>
+      </a:lnRef>
+      <a:fillRef idx="1">
+        <a:scrgbClr r="0" g="0" b="0"/>
+      </a:fillRef>
+      <a:effectRef idx="0">
+        <a:scrgbClr r="0" g="0" b="0"/>
+      </a:effectRef>
+      <a:fontRef idx="minor">
+        <a:schemeClr val="lt1"/>
+      </a:fontRef>
+    </dgm:style>
+  </dgm:styleLbl>
+  <dgm:styleLbl name="node3">
+    <dgm:scene3d>
+      <a:camera prst="orthographicFront"/>
+      <a:lightRig rig="threePt" dir="t"/>
+    </dgm:scene3d>
+    <dgm:sp3d/>
+    <dgm:txPr/>
+    <dgm:style>
+      <a:lnRef idx="2">
+        <a:scrgbClr r="0" g="0" b="0"/>
+      </a:lnRef>
+      <a:fillRef idx="1">
+        <a:scrgbClr r="0" g="0" b="0"/>
+      </a:fillRef>
+      <a:effectRef idx="0">
+        <a:scrgbClr r="0" g="0" b="0"/>
+      </a:effectRef>
+      <a:fontRef idx="minor">
+        <a:schemeClr val="lt1"/>
+      </a:fontRef>
+    </dgm:style>
+  </dgm:styleLbl>
+  <dgm:styleLbl name="node4">
+    <dgm:scene3d>
+      <a:camera prst="orthographicFront"/>
+      <a:lightRig rig="threePt" dir="t"/>
+    </dgm:scene3d>
+    <dgm:sp3d/>
+    <dgm:txPr/>
+    <dgm:style>
+      <a:lnRef idx="2">
+        <a:scrgbClr r="0" g="0" b="0"/>
+      </a:lnRef>
+      <a:fillRef idx="1">
+        <a:scrgbClr r="0" g="0" b="0"/>
+      </a:fillRef>
+      <a:effectRef idx="0">
+        <a:scrgbClr r="0" g="0" b="0"/>
+      </a:effectRef>
+      <a:fontRef idx="minor">
+        <a:schemeClr val="lt1"/>
+      </a:fontRef>
+    </dgm:style>
+  </dgm:styleLbl>
+  <dgm:styleLbl name="fgImgPlace1">
+    <dgm:scene3d>
+      <a:camera prst="orthographicFront"/>
+      <a:lightRig rig="threePt" dir="t"/>
+    </dgm:scene3d>
+    <dgm:sp3d/>
+    <dgm:txPr/>
+    <dgm:style>
+      <a:lnRef idx="2">
+        <a:scrgbClr r="0" g="0" b="0"/>
+      </a:lnRef>
+      <a:fillRef idx="1">
+        <a:scrgbClr r="0" g="0" b="0"/>
+      </a:fillRef>
+      <a:effectRef idx="0">
+        <a:scrgbClr r="0" g="0" b="0"/>
+      </a:effectRef>
+      <a:fontRef idx="minor"/>
+    </dgm:style>
+  </dgm:styleLbl>
+  <dgm:styleLbl name="alignImgPlace1">
+    <dgm:scene3d>
+      <a:camera prst="orthographicFront"/>
+      <a:lightRig rig="threePt" dir="t"/>
+    </dgm:scene3d>
+    <dgm:sp3d/>
+    <dgm:txPr/>
+    <dgm:style>
+      <a:lnRef idx="2">
+        <a:scrgbClr r="0" g="0" b="0"/>
+      </a:lnRef>
+      <a:fillRef idx="1">
+        <a:scrgbClr r="0" g="0" b="0"/>
+      </a:fillRef>
+      <a:effectRef idx="0">
+        <a:scrgbClr r="0" g="0" b="0"/>
+      </a:effectRef>
+      <a:fontRef idx="minor"/>
+    </dgm:style>
+  </dgm:styleLbl>
+  <dgm:styleLbl name="bgImgPlace1">
+    <dgm:scene3d>
+      <a:camera prst="orthographicFront"/>
+      <a:lightRig rig="threePt" dir="t"/>
+    </dgm:scene3d>
+    <dgm:sp3d/>
+    <dgm:txPr/>
+    <dgm:style>
+      <a:lnRef idx="2">
+        <a:scrgbClr r="0" g="0" b="0"/>
+      </a:lnRef>
+      <a:fillRef idx="1">
+        <a:scrgbClr r="0" g="0" b="0"/>
+      </a:fillRef>
+      <a:effectRef idx="0">
+        <a:scrgbClr r="0" g="0" b="0"/>
+      </a:effectRef>
+      <a:fontRef idx="minor"/>
+    </dgm:style>
+  </dgm:styleLbl>
+  <dgm:styleLbl name="sibTrans2D1">
+    <dgm:scene3d>
+      <a:camera prst="orthographicFront"/>
+      <a:lightRig rig="threePt" dir="t"/>
+    </dgm:scene3d>
+    <dgm:sp3d/>
+    <dgm:txPr/>
+    <dgm:style>
+      <a:lnRef idx="0">
+        <a:scrgbClr r="0" g="0" b="0"/>
+      </a:lnRef>
+      <a:fillRef idx="1">
+        <a:scrgbClr r="0" g="0" b="0"/>
+      </a:fillRef>
+      <a:effectRef idx="0">
+        <a:scrgbClr r="0" g="0" b="0"/>
+      </a:effectRef>
+      <a:fontRef idx="minor">
+        <a:schemeClr val="lt1"/>
+      </a:fontRef>
+    </dgm:style>
+  </dgm:styleLbl>
+  <dgm:styleLbl name="fgSibTrans2D1">
+    <dgm:scene3d>
+      <a:camera prst="orthographicFront"/>
+      <a:lightRig rig="threePt" dir="t"/>
+    </dgm:scene3d>
+    <dgm:sp3d/>
+    <dgm:txPr/>
+    <dgm:style>
+      <a:lnRef idx="0">
+        <a:scrgbClr r="0" g="0" b="0"/>
+      </a:lnRef>
+      <a:fillRef idx="1">
+        <a:scrgbClr r="0" g="0" b="0"/>
+      </a:fillRef>
+      <a:effectRef idx="0">
+        <a:scrgbClr r="0" g="0" b="0"/>
+      </a:effectRef>
+      <a:fontRef idx="minor">
+        <a:schemeClr val="lt1"/>
+      </a:fontRef>
+    </dgm:style>
+  </dgm:styleLbl>
+  <dgm:styleLbl name="bgSibTrans2D1">
+    <dgm:scene3d>
+      <a:camera prst="orthographicFront"/>
+      <a:lightRig rig="threePt" dir="t"/>
+    </dgm:scene3d>
+    <dgm:sp3d/>
+    <dgm:txPr/>
+    <dgm:style>
+      <a:lnRef idx="0">
+        <a:scrgbClr r="0" g="0" b="0"/>
+      </a:lnRef>
+      <a:fillRef idx="1">
+        <a:scrgbClr r="0" g="0" b="0"/>
+      </a:fillRef>
+      <a:effectRef idx="0">
+        <a:scrgbClr r="0" g="0" b="0"/>
+      </a:effectRef>
+      <a:fontRef idx="minor">
+        <a:schemeClr val="lt1"/>
+      </a:fontRef>
+    </dgm:style>
+  </dgm:styleLbl>
+  <dgm:styleLbl name="sibTrans1D1">
+    <dgm:scene3d>
+      <a:camera prst="orthographicFront"/>
+      <a:lightRig rig="threePt" dir="t"/>
+    </dgm:scene3d>
+    <dgm:sp3d/>
+    <dgm:txPr/>
+    <dgm:style>
+      <a:lnRef idx="1">
+        <a:scrgbClr r="0" g="0" b="0"/>
+      </a:lnRef>
+      <a:fillRef idx="0">
+        <a:scrgbClr r="0" g="0" b="0"/>
+      </a:fillRef>
+      <a:effectRef idx="0">
+        <a:scrgbClr r="0" g="0" b="0"/>
+      </a:effectRef>
+      <a:fontRef idx="minor"/>
+    </dgm:style>
+  </dgm:styleLbl>
+  <dgm:styleLbl name="callout">
+    <dgm:scene3d>
+      <a:camera prst="orthographicFront"/>
+      <a:lightRig rig="threePt" dir="t"/>
+    </dgm:scene3d>
+    <dgm:sp3d/>
+    <dgm:txPr/>
+    <dgm:style>
+      <a:lnRef idx="2">
+        <a:scrgbClr r="0" g="0" b="0"/>
+      </a:lnRef>
+      <a:fillRef idx="1">
+        <a:scrgbClr r="0" g="0" b="0"/>
+      </a:fillRef>
+      <a:effectRef idx="0">
+        <a:scrgbClr r="0" g="0" b="0"/>
+      </a:effectRef>
+      <a:fontRef idx="minor"/>
+    </dgm:style>
+  </dgm:styleLbl>
+  <dgm:styleLbl name="asst0">
+    <dgm:scene3d>
+      <a:camera prst="orthographicFront"/>
+      <a:lightRig rig="threePt" dir="t"/>
+    </dgm:scene3d>
+    <dgm:sp3d/>
+    <dgm:txPr/>
+    <dgm:style>
+      <a:lnRef idx="2">
+        <a:scrgbClr r="0" g="0" b="0"/>
+      </a:lnRef>
+      <a:fillRef idx="1">
+        <a:scrgbClr r="0" g="0" b="0"/>
+      </a:fillRef>
+      <a:effectRef idx="0">
+        <a:scrgbClr r="0" g="0" b="0"/>
+      </a:effectRef>
+      <a:fontRef idx="minor">
+        <a:schemeClr val="lt1"/>
+      </a:fontRef>
+    </dgm:style>
+  </dgm:styleLbl>
+  <dgm:styleLbl name="asst1">
+    <dgm:scene3d>
+      <a:camera prst="orthographicFront"/>
+      <a:lightRig rig="threePt" dir="t"/>
+    </dgm:scene3d>
+    <dgm:sp3d/>
+    <dgm:txPr/>
+    <dgm:style>
+      <a:lnRef idx="2">
+        <a:scrgbClr r="0" g="0" b="0"/>
+      </a:lnRef>
+      <a:fillRef idx="1">
+        <a:scrgbClr r="0" g="0" b="0"/>
+      </a:fillRef>
+      <a:effectRef idx="0">
+        <a:scrgbClr r="0" g="0" b="0"/>
+      </a:effectRef>
+      <a:fontRef idx="minor">
+        <a:schemeClr val="lt1"/>
+      </a:fontRef>
+    </dgm:style>
+  </dgm:styleLbl>
+  <dgm:styleLbl name="asst2">
+    <dgm:scene3d>
+      <a:camera prst="orthographicFront"/>
+      <a:lightRig rig="threePt" dir="t"/>
+    </dgm:scene3d>
+    <dgm:sp3d/>
+    <dgm:txPr/>
+    <dgm:style>
+      <a:lnRef idx="2">
+        <a:scrgbClr r="0" g="0" b="0"/>
+      </a:lnRef>
+      <a:fillRef idx="1">
+        <a:scrgbClr r="0" g="0" b="0"/>
+      </a:fillRef>
+      <a:effectRef idx="0">
+        <a:scrgbClr r="0" g="0" b="0"/>
+      </a:effectRef>
+      <a:fontRef idx="minor">
+        <a:schemeClr val="lt1"/>
+      </a:fontRef>
+    </dgm:style>
+  </dgm:styleLbl>
+  <dgm:styleLbl name="asst3">
+    <dgm:scene3d>
+      <a:camera prst="orthographicFront"/>
+      <a:lightRig rig="threePt" dir="t"/>
+    </dgm:scene3d>
+    <dgm:sp3d/>
+    <dgm:txPr/>
+    <dgm:style>
+      <a:lnRef idx="2">
+        <a:scrgbClr r="0" g="0" b="0"/>
+      </a:lnRef>
+      <a:fillRef idx="1">
+        <a:scrgbClr r="0" g="0" b="0"/>
+      </a:fillRef>
+      <a:effectRef idx="0">
+        <a:scrgbClr r="0" g="0" b="0"/>
+      </a:effectRef>
+      <a:fontRef idx="minor">
+        <a:schemeClr val="lt1"/>
+      </a:fontRef>
+    </dgm:style>
+  </dgm:styleLbl>
+  <dgm:styleLbl name="asst4">
+    <dgm:scene3d>
+      <a:camera prst="orthographicFront"/>
+      <a:lightRig rig="threePt" dir="t"/>
+    </dgm:scene3d>
+    <dgm:sp3d/>
+    <dgm:txPr/>
+    <dgm:style>
+      <a:lnRef idx="2">
+        <a:scrgbClr r="0" g="0" b="0"/>
+      </a:lnRef>
+      <a:fillRef idx="1">
+        <a:scrgbClr r="0" g="0" b="0"/>
+      </a:fillRef>
+      <a:effectRef idx="0">
+        <a:scrgbClr r="0" g="0" b="0"/>
+      </a:effectRef>
+      <a:fontRef idx="minor">
+        <a:schemeClr val="lt1"/>
+      </a:fontRef>
+    </dgm:style>
+  </dgm:styleLbl>
+  <dgm:styleLbl name="parChTrans2D1">
+    <dgm:scene3d>
+      <a:camera prst="orthographicFront"/>
+      <a:lightRig rig="threePt" dir="t"/>
+    </dgm:scene3d>
+    <dgm:sp3d/>
+    <dgm:txPr/>
+    <dgm:style>
+      <a:lnRef idx="2">
+        <a:scrgbClr r="0" g="0" b="0"/>
+      </a:lnRef>
+      <a:fillRef idx="1">
+        <a:scrgbClr r="0" g="0" b="0"/>
+      </a:fillRef>
+      <a:effectRef idx="0">
+        <a:scrgbClr r="0" g="0" b="0"/>
+      </a:effectRef>
+      <a:fontRef idx="minor">
+        <a:schemeClr val="lt1"/>
+      </a:fontRef>
+    </dgm:style>
+  </dgm:styleLbl>
+  <dgm:styleLbl name="parChTrans2D2">
+    <dgm:scene3d>
+      <a:camera prst="orthographicFront"/>
+      <a:lightRig rig="threePt" dir="t"/>
+    </dgm:scene3d>
+    <dgm:sp3d/>
+    <dgm:txPr/>
+    <dgm:style>
+      <a:lnRef idx="2">
+        <a:scrgbClr r="0" g="0" b="0"/>
+      </a:lnRef>
+      <a:fillRef idx="1">
+        <a:scrgbClr r="0" g="0" b="0"/>
+      </a:fillRef>
+      <a:effectRef idx="0">
+        <a:scrgbClr r="0" g="0" b="0"/>
+      </a:effectRef>
+      <a:fontRef idx="minor">
+        <a:schemeClr val="lt1"/>
+      </a:fontRef>
+    </dgm:style>
+  </dgm:styleLbl>
+  <dgm:styleLbl name="parChTrans2D3">
+    <dgm:scene3d>
+      <a:camera prst="orthographicFront"/>
+      <a:lightRig rig="threePt" dir="t"/>
+    </dgm:scene3d>
+    <dgm:sp3d/>
+    <dgm:txPr/>
+    <dgm:style>
+      <a:lnRef idx="2">
+        <a:scrgbClr r="0" g="0" b="0"/>
+      </a:lnRef>
+      <a:fillRef idx="1">
+        <a:scrgbClr r="0" g="0" b="0"/>
+      </a:fillRef>
+      <a:effectRef idx="0">
+        <a:scrgbClr r="0" g="0" b="0"/>
+      </a:effectRef>
+      <a:fontRef idx="minor">
+        <a:schemeClr val="lt1"/>
+      </a:fontRef>
+    </dgm:style>
+  </dgm:styleLbl>
+  <dgm:styleLbl name="parChTrans2D4">
+    <dgm:scene3d>
+      <a:camera prst="orthographicFront"/>
+      <a:lightRig rig="threePt" dir="t"/>
+    </dgm:scene3d>
+    <dgm:sp3d/>
+    <dgm:txPr/>
+    <dgm:style>
+      <a:lnRef idx="2">
+        <a:scrgbClr r="0" g="0" b="0"/>
+      </a:lnRef>
+      <a:fillRef idx="1">
+        <a:scrgbClr r="0" g="0" b="0"/>
+      </a:fillRef>
+      <a:effectRef idx="0">
+        <a:scrgbClr r="0" g="0" b="0"/>
+      </a:effectRef>
+      <a:fontRef idx="minor">
+        <a:schemeClr val="lt1"/>
+      </a:fontRef>
+    </dgm:style>
+  </dgm:styleLbl>
+  <dgm:styleLbl name="parChTrans1D1">
+    <dgm:scene3d>
+      <a:camera prst="orthographicFront"/>
+      <a:lightRig rig="threePt" dir="t"/>
+    </dgm:scene3d>
+    <dgm:sp3d/>
+    <dgm:txPr/>
+    <dgm:style>
+      <a:lnRef idx="2">
+        <a:scrgbClr r="0" g="0" b="0"/>
+      </a:lnRef>
+      <a:fillRef idx="0">
+        <a:scrgbClr r="0" g="0" b="0"/>
+      </a:fillRef>
+      <a:effectRef idx="0">
+        <a:scrgbClr r="0" g="0" b="0"/>
+      </a:effectRef>
+      <a:fontRef idx="minor"/>
+    </dgm:style>
+  </dgm:styleLbl>
+  <dgm:styleLbl name="parChTrans1D2">
+    <dgm:scene3d>
+      <a:camera prst="orthographicFront"/>
+      <a:lightRig rig="threePt" dir="t"/>
+    </dgm:scene3d>
+    <dgm:sp3d/>
+    <dgm:txPr/>
+    <dgm:style>
+      <a:lnRef idx="2">
+        <a:scrgbClr r="0" g="0" b="0"/>
+      </a:lnRef>
+      <a:fillRef idx="0">
+        <a:scrgbClr r="0" g="0" b="0"/>
+      </a:fillRef>
+      <a:effectRef idx="0">
+        <a:scrgbClr r="0" g="0" b="0"/>
+      </a:effectRef>
+      <a:fontRef idx="minor"/>
+    </dgm:style>
+  </dgm:styleLbl>
+  <dgm:styleLbl name="parChTrans1D3">
+    <dgm:scene3d>
+      <a:camera prst="orthographicFront"/>
+      <a:lightRig rig="threePt" dir="t"/>
+    </dgm:scene3d>
+    <dgm:sp3d/>
+    <dgm:txPr/>
+    <dgm:style>
+      <a:lnRef idx="2">
+        <a:scrgbClr r="0" g="0" b="0"/>
+      </a:lnRef>
+      <a:fillRef idx="0">
+        <a:scrgbClr r="0" g="0" b="0"/>
+      </a:fillRef>
+      <a:effectRef idx="0">
+        <a:scrgbClr r="0" g="0" b="0"/>
+      </a:effectRef>
+      <a:fontRef idx="minor"/>
+    </dgm:style>
+  </dgm:styleLbl>
+  <dgm:styleLbl name="parChTrans1D4">
+    <dgm:scene3d>
+      <a:camera prst="orthographicFront"/>
+      <a:lightRig rig="threePt" dir="t"/>
+    </dgm:scene3d>
+    <dgm:sp3d/>
+    <dgm:txPr/>
+    <dgm:style>
+      <a:lnRef idx="2">
+        <a:scrgbClr r="0" g="0" b="0"/>
+      </a:lnRef>
+      <a:fillRef idx="0">
+        <a:scrgbClr r="0" g="0" b="0"/>
+      </a:fillRef>
+      <a:effectRef idx="0">
+        <a:scrgbClr r="0" g="0" b="0"/>
+      </a:effectRef>
+      <a:fontRef idx="minor"/>
+    </dgm:style>
+  </dgm:styleLbl>
+  <dgm:styleLbl name="fgAcc1">
+    <dgm:scene3d>
+      <a:camera prst="orthographicFront"/>
+      <a:lightRig rig="threePt" dir="t"/>
+    </dgm:scene3d>
+    <dgm:sp3d/>
+    <dgm:txPr/>
+    <dgm:style>
+      <a:lnRef idx="2">
+        <a:scrgbClr r="0" g="0" b="0"/>
+      </a:lnRef>
+      <a:fillRef idx="1">
+        <a:scrgbClr r="0" g="0" b="0"/>
+      </a:fillRef>
+      <a:effectRef idx="0">
+        <a:scrgbClr r="0" g="0" b="0"/>
+      </a:effectRef>
+      <a:fontRef idx="minor"/>
+    </dgm:style>
+  </dgm:styleLbl>
+  <dgm:styleLbl name="conFgAcc1">
+    <dgm:scene3d>
+      <a:camera prst="orthographicFront"/>
+      <a:lightRig rig="threePt" dir="t"/>
+    </dgm:scene3d>
+    <dgm:sp3d/>
+    <dgm:txPr/>
+    <dgm:style>
+      <a:lnRef idx="2">
+        <a:scrgbClr r="0" g="0" b="0"/>
+      </a:lnRef>
+      <a:fillRef idx="1">
+        <a:scrgbClr r="0" g="0" b="0"/>
+      </a:fillRef>
+      <a:effectRef idx="0">
+        <a:scrgbClr r="0" g="0" b="0"/>
+      </a:effectRef>
+      <a:fontRef idx="minor"/>
+    </dgm:style>
+  </dgm:styleLbl>
+  <dgm:styleLbl name="alignAcc1">
+    <dgm:scene3d>
+      <a:camera prst="orthographicFront"/>
+      <a:lightRig rig="threePt" dir="t"/>
+    </dgm:scene3d>
+    <dgm:sp3d/>
+    <dgm:txPr/>
+    <dgm:style>
+      <a:lnRef idx="2">
+        <a:scrgbClr r="0" g="0" b="0"/>
+      </a:lnRef>
+      <a:fillRef idx="1">
+        <a:scrgbClr r="0" g="0" b="0"/>
+      </a:fillRef>
+      <a:effectRef idx="0">
+        <a:scrgbClr r="0" g="0" b="0"/>
+      </a:effectRef>
+      <a:fontRef idx="minor"/>
+    </dgm:style>
+  </dgm:styleLbl>
+  <dgm:styleLbl name="trAlignAcc1">
+    <dgm:scene3d>
+      <a:camera prst="orthographicFront"/>
+      <a:lightRig rig="threePt" dir="t"/>
+    </dgm:scene3d>
+    <dgm:sp3d/>
+    <dgm:txPr/>
+    <dgm:style>
+      <a:lnRef idx="1">
+        <a:scrgbClr r="0" g="0" b="0"/>
+      </a:lnRef>
+      <a:fillRef idx="1">
+        <a:scrgbClr r="0" g="0" b="0"/>
+      </a:fillRef>
+      <a:effectRef idx="0">
+        <a:scrgbClr r="0" g="0" b="0"/>
+      </a:effectRef>
+      <a:fontRef idx="minor"/>
+    </dgm:style>
+  </dgm:styleLbl>
+  <dgm:styleLbl name="bgAcc1">
+    <dgm:scene3d>
+      <a:camera prst="orthographicFront"/>
+      <a:lightRig rig="threePt" dir="t"/>
+    </dgm:scene3d>
+    <dgm:sp3d/>
+    <dgm:txPr/>
+    <dgm:style>
+      <a:lnRef idx="2">
+        <a:scrgbClr r="0" g="0" b="0"/>
+      </a:lnRef>
+      <a:fillRef idx="1">
+        <a:scrgbClr r="0" g="0" b="0"/>
+      </a:fillRef>
+      <a:effectRef idx="0">
+        <a:scrgbClr r="0" g="0" b="0"/>
+      </a:effectRef>
+      <a:fontRef idx="minor"/>
+    </dgm:style>
+  </dgm:styleLbl>
+  <dgm:styleLbl name="solidFgAcc1">
+    <dgm:scene3d>
+      <a:camera prst="orthographicFront"/>
+      <a:lightRig rig="threePt" dir="t"/>
+    </dgm:scene3d>
+    <dgm:sp3d/>
+    <dgm:txPr/>
+    <dgm:style>
+      <a:lnRef idx="2">
+        <a:scrgbClr r="0" g="0" b="0"/>
+      </a:lnRef>
+      <a:fillRef idx="1">
+        <a:scrgbClr r="0" g="0" b="0"/>
+      </a:fillRef>
+      <a:effectRef idx="0">
+        <a:scrgbClr r="0" g="0" b="0"/>
+      </a:effectRef>
+      <a:fontRef idx="minor"/>
+    </dgm:style>
+  </dgm:styleLbl>
+  <dgm:styleLbl name="solidAlignAcc1">
+    <dgm:scene3d>
+      <a:camera prst="orthographicFront"/>
+      <a:lightRig rig="threePt" dir="t"/>
+    </dgm:scene3d>
+    <dgm:sp3d/>
+    <dgm:txPr/>
+    <dgm:style>
+      <a:lnRef idx="2">
+        <a:scrgbClr r="0" g="0" b="0"/>
+      </a:lnRef>
+      <a:fillRef idx="1">
+        <a:scrgbClr r="0" g="0" b="0"/>
+      </a:fillRef>
+      <a:effectRef idx="0">
+        <a:scrgbClr r="0" g="0" b="0"/>
+      </a:effectRef>
+      <a:fontRef idx="minor"/>
+    </dgm:style>
+  </dgm:styleLbl>
+  <dgm:styleLbl name="solidBgAcc1">
+    <dgm:scene3d>
+      <a:camera prst="orthographicFront"/>
+      <a:lightRig rig="threePt" dir="t"/>
+    </dgm:scene3d>
+    <dgm:sp3d/>
+    <dgm:txPr/>
+    <dgm:style>
+      <a:lnRef idx="2">
+        <a:scrgbClr r="0" g="0" b="0"/>
+      </a:lnRef>
+      <a:fillRef idx="1">
+        <a:scrgbClr r="0" g="0" b="0"/>
+      </a:fillRef>
+      <a:effectRef idx="0">
+        <a:scrgbClr r="0" g="0" b="0"/>
+      </a:effectRef>
+      <a:fontRef idx="minor"/>
+    </dgm:style>
+  </dgm:styleLbl>
+  <dgm:styleLbl name="fgAccFollowNode1">
+    <dgm:scene3d>
+      <a:camera prst="orthographicFront"/>
+      <a:lightRig rig="threePt" dir="t"/>
+    </dgm:scene3d>
+    <dgm:sp3d/>
+    <dgm:txPr/>
+    <dgm:style>
+      <a:lnRef idx="2">
+        <a:scrgbClr r="0" g="0" b="0"/>
+      </a:lnRef>
+      <a:fillRef idx="1">
+        <a:scrgbClr r="0" g="0" b="0"/>
+      </a:fillRef>
+      <a:effectRef idx="0">
+        <a:scrgbClr r="0" g="0" b="0"/>
+      </a:effectRef>
+      <a:fontRef idx="minor"/>
+    </dgm:style>
+  </dgm:styleLbl>
+  <dgm:styleLbl name="alignAccFollowNode1">
+    <dgm:scene3d>
+      <a:camera prst="orthographicFront"/>
+      <a:lightRig rig="threePt" dir="t"/>
+    </dgm:scene3d>
+    <dgm:sp3d/>
+    <dgm:txPr/>
+    <dgm:style>
+      <a:lnRef idx="2">
+        <a:scrgbClr r="0" g="0" b="0"/>
+      </a:lnRef>
+      <a:fillRef idx="1">
+        <a:scrgbClr r="0" g="0" b="0"/>
+      </a:fillRef>
+      <a:effectRef idx="0">
+        <a:scrgbClr r="0" g="0" b="0"/>
+      </a:effectRef>
+      <a:fontRef idx="minor"/>
+    </dgm:style>
+  </dgm:styleLbl>
+  <dgm:styleLbl name="bgAccFollowNode1">
+    <dgm:scene3d>
+      <a:camera prst="orthographicFront"/>
+      <a:lightRig rig="threePt" dir="t"/>
+    </dgm:scene3d>
+    <dgm:sp3d/>
+    <dgm:txPr/>
+    <dgm:style>
+      <a:lnRef idx="2">
+        <a:scrgbClr r="0" g="0" b="0"/>
+      </a:lnRef>
+      <a:fillRef idx="1">
+        <a:scrgbClr r="0" g="0" b="0"/>
+      </a:fillRef>
+      <a:effectRef idx="0">
+        <a:scrgbClr r="0" g="0" b="0"/>
+      </a:effectRef>
+      <a:fontRef idx="minor"/>
+    </dgm:style>
+  </dgm:styleLbl>
+  <dgm:styleLbl name="fgAcc0">
+    <dgm:scene3d>
+      <a:camera prst="orthographicFront"/>
+      <a:lightRig rig="threePt" dir="t"/>
+    </dgm:scene3d>
+    <dgm:sp3d/>
+    <dgm:txPr/>
+    <dgm:style>
+      <a:lnRef idx="2">
+        <a:scrgbClr r="0" g="0" b="0"/>
+      </a:lnRef>
+      <a:fillRef idx="1">
+        <a:scrgbClr r="0" g="0" b="0"/>
+      </a:fillRef>
+      <a:effectRef idx="0">
+        <a:scrgbClr r="0" g="0" b="0"/>
+      </a:effectRef>
+      <a:fontRef idx="minor"/>
+    </dgm:style>
+  </dgm:styleLbl>
+  <dgm:styleLbl name="fgAcc2">
+    <dgm:scene3d>
+      <a:camera prst="orthographicFront"/>
+      <a:lightRig rig="threePt" dir="t"/>
+    </dgm:scene3d>
+    <dgm:sp3d/>
+    <dgm:txPr/>
+    <dgm:style>
+      <a:lnRef idx="2">
+        <a:scrgbClr r="0" g="0" b="0"/>
+      </a:lnRef>
+      <a:fillRef idx="1">
+        <a:scrgbClr r="0" g="0" b="0"/>
+      </a:fillRef>
+      <a:effectRef idx="0">
+        <a:scrgbClr r="0" g="0" b="0"/>
+      </a:effectRef>
+      <a:fontRef idx="minor"/>
+    </dgm:style>
+  </dgm:styleLbl>
+  <dgm:styleLbl name="fgAcc3">
+    <dgm:scene3d>
+      <a:camera prst="orthographicFront"/>
+      <a:lightRig rig="threePt" dir="t"/>
+    </dgm:scene3d>
+    <dgm:sp3d/>
+    <dgm:txPr/>
+    <dgm:style>
+      <a:lnRef idx="2">
+        <a:scrgbClr r="0" g="0" b="0"/>
+      </a:lnRef>
+      <a:fillRef idx="1">
+        <a:scrgbClr r="0" g="0" b="0"/>
+      </a:fillRef>
+      <a:effectRef idx="0">
+        <a:scrgbClr r="0" g="0" b="0"/>
+      </a:effectRef>
+      <a:fontRef idx="minor"/>
+    </dgm:style>
+  </dgm:styleLbl>
+  <dgm:styleLbl name="fgAcc4">
+    <dgm:scene3d>
+      <a:camera prst="orthographicFront"/>
+      <a:lightRig rig="threePt" dir="t"/>
+    </dgm:scene3d>
+    <dgm:sp3d/>
+    <dgm:txPr/>
+    <dgm:style>
+      <a:lnRef idx="2">
+        <a:scrgbClr r="0" g="0" b="0"/>
+      </a:lnRef>
+      <a:fillRef idx="1">
+        <a:scrgbClr r="0" g="0" b="0"/>
+      </a:fillRef>
+      <a:effectRef idx="0">
+        <a:scrgbClr r="0" g="0" b="0"/>
+      </a:effectRef>
+      <a:fontRef idx="minor"/>
+    </dgm:style>
+  </dgm:styleLbl>
+  <dgm:styleLbl name="bgShp">
+    <dgm:scene3d>
+      <a:camera prst="orthographicFront"/>
+      <a:lightRig rig="threePt" dir="t"/>
+    </dgm:scene3d>
+    <dgm:sp3d/>
+    <dgm:txPr/>
+    <dgm:style>
+      <a:lnRef idx="0">
+        <a:scrgbClr r="0" g="0" b="0"/>
+      </a:lnRef>
+      <a:fillRef idx="1">
+        <a:scrgbClr r="0" g="0" b="0"/>
+      </a:fillRef>
+      <a:effectRef idx="0">
+        <a:scrgbClr r="0" g="0" b="0"/>
+      </a:effectRef>
+      <a:fontRef idx="minor"/>
+    </dgm:style>
+  </dgm:styleLbl>
+  <dgm:styleLbl name="dkBgShp">
+    <dgm:scene3d>
+      <a:camera prst="orthographicFront"/>
+      <a:lightRig rig="threePt" dir="t"/>
+    </dgm:scene3d>
+    <dgm:sp3d/>
+    <dgm:txPr/>
+    <dgm:style>
+      <a:lnRef idx="0">
+        <a:scrgbClr r="0" g="0" b="0"/>
+      </a:lnRef>
+      <a:fillRef idx="1">
+        <a:scrgbClr r="0" g="0" b="0"/>
+      </a:fillRef>
+      <a:effectRef idx="0">
+        <a:scrgbClr r="0" g="0" b="0"/>
+      </a:effectRef>
+      <a:fontRef idx="minor"/>
+    </dgm:style>
+  </dgm:styleLbl>
+  <dgm:styleLbl name="trBgShp">
+    <dgm:scene3d>
+      <a:camera prst="orthographicFront"/>
+      <a:lightRig rig="threePt" dir="t"/>
+    </dgm:scene3d>
+    <dgm:sp3d/>
+    <dgm:txPr/>
+    <dgm:style>
+      <a:lnRef idx="0">
+        <a:scrgbClr r="0" g="0" b="0"/>
+      </a:lnRef>
+      <a:fillRef idx="1">
+        <a:scrgbClr r="0" g="0" b="0"/>
+      </a:fillRef>
+      <a:effectRef idx="0">
+        <a:scrgbClr r="0" g="0" b="0"/>
+      </a:effectRef>
+      <a:fontRef idx="minor"/>
+    </dgm:style>
+  </dgm:styleLbl>
+  <dgm:styleLbl name="fgShp">
+    <dgm:scene3d>
+      <a:camera prst="orthographicFront"/>
+      <a:lightRig rig="threePt" dir="t"/>
+    </dgm:scene3d>
+    <dgm:sp3d/>
+    <dgm:txPr/>
+    <dgm:style>
+      <a:lnRef idx="2">
+        <a:scrgbClr r="0" g="0" b="0"/>
+      </a:lnRef>
+      <a:fillRef idx="1">
+        <a:scrgbClr r="0" g="0" b="0"/>
+      </a:fillRef>
+      <a:effectRef idx="0">
+        <a:scrgbClr r="0" g="0" b="0"/>
+      </a:effectRef>
+      <a:fontRef idx="minor"/>
+    </dgm:style>
+  </dgm:styleLbl>
+  <dgm:styleLbl name="revTx">
+    <dgm:scene3d>
+      <a:camera prst="orthographicFront"/>
+      <a:lightRig rig="threePt" dir="t"/>
+    </dgm:scene3d>
+    <dgm:sp3d/>
+    <dgm:txPr/>
+    <dgm:style>
+      <a:lnRef idx="0">
+        <a:scrgbClr r="0" g="0" b="0"/>
+      </a:lnRef>
+      <a:fillRef idx="0">
+        <a:scrgbClr r="0" g="0" b="0"/>
+      </a:fillRef>
+      <a:effectRef idx="0">
+        <a:scrgbClr r="0" g="0" b="0"/>
+      </a:effectRef>
+      <a:fontRef idx="minor"/>
+    </dgm:style>
+  </dgm:styleLbl>
+</dgm:styleDef>
+</file>
+
+<file path=ppt/diagrams/quickStyle2.xml><?xml version="1.0" encoding="utf-8"?>
+<dgm:styleDef xmlns:dgm="http://schemas.openxmlformats.org/drawingml/2006/diagram" xmlns:a="http://schemas.openxmlformats.org/drawingml/2006/main" uniqueId="urn:microsoft.com/office/officeart/2005/8/quickstyle/simple1">
+  <dgm:title val=""/>
+  <dgm:desc val=""/>
+  <dgm:catLst>
+    <dgm:cat type="simple" pri="10100"/>
+  </dgm:catLst>
+  <dgm:scene3d>
+    <a:camera prst="orthographicFront"/>
+    <a:lightRig rig="threePt" dir="t"/>
+  </dgm:scene3d>
+  <dgm:styleLbl name="node0">
+    <dgm:scene3d>
+      <a:camera prst="orthographicFront"/>
+      <a:lightRig rig="threePt" dir="t"/>
+    </dgm:scene3d>
+    <dgm:sp3d/>
+    <dgm:txPr/>
+    <dgm:style>
+      <a:lnRef idx="2">
+        <a:scrgbClr r="0" g="0" b="0"/>
+      </a:lnRef>
+      <a:fillRef idx="1">
+        <a:scrgbClr r="0" g="0" b="0"/>
+      </a:fillRef>
+      <a:effectRef idx="0">
+        <a:scrgbClr r="0" g="0" b="0"/>
+      </a:effectRef>
+      <a:fontRef idx="minor">
+        <a:schemeClr val="lt1"/>
+      </a:fontRef>
+    </dgm:style>
+  </dgm:styleLbl>
+  <dgm:styleLbl name="lnNode1">
+    <dgm:scene3d>
+      <a:camera prst="orthographicFront"/>
+      <a:lightRig rig="threePt" dir="t"/>
+    </dgm:scene3d>
+    <dgm:sp3d/>
+    <dgm:txPr/>
+    <dgm:style>
+      <a:lnRef idx="2">
+        <a:scrgbClr r="0" g="0" b="0"/>
+      </a:lnRef>
+      <a:fillRef idx="1">
+        <a:scrgbClr r="0" g="0" b="0"/>
+      </a:fillRef>
+      <a:effectRef idx="0">
+        <a:scrgbClr r="0" g="0" b="0"/>
+      </a:effectRef>
+      <a:fontRef idx="minor">
+        <a:schemeClr val="lt1"/>
+      </a:fontRef>
+    </dgm:style>
+  </dgm:styleLbl>
+  <dgm:styleLbl name="vennNode1">
+    <dgm:scene3d>
+      <a:camera prst="orthographicFront"/>
+      <a:lightRig rig="threePt" dir="t"/>
+    </dgm:scene3d>
+    <dgm:sp3d/>
+    <dgm:txPr/>
+    <dgm:style>
+      <a:lnRef idx="2">
+        <a:scrgbClr r="0" g="0" b="0"/>
+      </a:lnRef>
+      <a:fillRef idx="1">
+        <a:scrgbClr r="0" g="0" b="0"/>
+      </a:fillRef>
+      <a:effectRef idx="0">
+        <a:scrgbClr r="0" g="0" b="0"/>
+      </a:effectRef>
+      <a:fontRef idx="minor">
+        <a:schemeClr val="tx1"/>
+      </a:fontRef>
+    </dgm:style>
+  </dgm:styleLbl>
+  <dgm:styleLbl name="alignNode1">
+    <dgm:scene3d>
+      <a:camera prst="orthographicFront"/>
+      <a:lightRig rig="threePt" dir="t"/>
+    </dgm:scene3d>
+    <dgm:sp3d/>
+    <dgm:txPr/>
+    <dgm:style>
+      <a:lnRef idx="2">
+        <a:scrgbClr r="0" g="0" b="0"/>
+      </a:lnRef>
+      <a:fillRef idx="1">
+        <a:scrgbClr r="0" g="0" b="0"/>
+      </a:fillRef>
+      <a:effectRef idx="0">
+        <a:scrgbClr r="0" g="0" b="0"/>
+      </a:effectRef>
+      <a:fontRef idx="minor">
+        <a:schemeClr val="lt1"/>
+      </a:fontRef>
+    </dgm:style>
+  </dgm:styleLbl>
+  <dgm:styleLbl name="node1">
+    <dgm:scene3d>
+      <a:camera prst="orthographicFront"/>
+      <a:lightRig rig="threePt" dir="t"/>
+    </dgm:scene3d>
+    <dgm:sp3d/>
+    <dgm:txPr/>
+    <dgm:style>
+      <a:lnRef idx="2">
+        <a:scrgbClr r="0" g="0" b="0"/>
+      </a:lnRef>
+      <a:fillRef idx="1">
+        <a:scrgbClr r="0" g="0" b="0"/>
+      </a:fillRef>
+      <a:effectRef idx="0">
+        <a:scrgbClr r="0" g="0" b="0"/>
+      </a:effectRef>
+      <a:fontRef idx="minor">
+        <a:schemeClr val="lt1"/>
+      </a:fontRef>
+    </dgm:style>
+  </dgm:styleLbl>
+  <dgm:styleLbl name="node2">
+    <dgm:scene3d>
+      <a:camera prst="orthographicFront"/>
+      <a:lightRig rig="threePt" dir="t"/>
+    </dgm:scene3d>
+    <dgm:sp3d/>
+    <dgm:txPr/>
+    <dgm:style>
+      <a:lnRef idx="2">
+        <a:scrgbClr r="0" g="0" b="0"/>
+      </a:lnRef>
+      <a:fillRef idx="1">
+        <a:scrgbClr r="0" g="0" b="0"/>
+      </a:fillRef>
+      <a:effectRef idx="0">
+        <a:scrgbClr r="0" g="0" b="0"/>
+      </a:effectRef>
+      <a:fontRef idx="minor">
+        <a:schemeClr val="lt1"/>
+      </a:fontRef>
+    </dgm:style>
+  </dgm:styleLbl>
+  <dgm:styleLbl name="node3">
+    <dgm:scene3d>
+      <a:camera prst="orthographicFront"/>
+      <a:lightRig rig="threePt" dir="t"/>
+    </dgm:scene3d>
+    <dgm:sp3d/>
+    <dgm:txPr/>
+    <dgm:style>
+      <a:lnRef idx="2">
+        <a:scrgbClr r="0" g="0" b="0"/>
+      </a:lnRef>
+      <a:fillRef idx="1">
+        <a:scrgbClr r="0" g="0" b="0"/>
+      </a:fillRef>
+      <a:effectRef idx="0">
+        <a:scrgbClr r="0" g="0" b="0"/>
+      </a:effectRef>
+      <a:fontRef idx="minor">
+        <a:schemeClr val="lt1"/>
+      </a:fontRef>
+    </dgm:style>
+  </dgm:styleLbl>
+  <dgm:styleLbl name="node4">
+    <dgm:scene3d>
+      <a:camera prst="orthographicFront"/>
+      <a:lightRig rig="threePt" dir="t"/>
+    </dgm:scene3d>
+    <dgm:sp3d/>
+    <dgm:txPr/>
+    <dgm:style>
+      <a:lnRef idx="2">
+        <a:scrgbClr r="0" g="0" b="0"/>
+      </a:lnRef>
+      <a:fillRef idx="1">
+        <a:scrgbClr r="0" g="0" b="0"/>
+      </a:fillRef>
+      <a:effectRef idx="0">
+        <a:scrgbClr r="0" g="0" b="0"/>
+      </a:effectRef>
+      <a:fontRef idx="minor">
+        <a:schemeClr val="lt1"/>
+      </a:fontRef>
+    </dgm:style>
+  </dgm:styleLbl>
+  <dgm:styleLbl name="fgImgPlace1">
+    <dgm:scene3d>
+      <a:camera prst="orthographicFront"/>
+      <a:lightRig rig="threePt" dir="t"/>
+    </dgm:scene3d>
+    <dgm:sp3d/>
+    <dgm:txPr/>
+    <dgm:style>
+      <a:lnRef idx="2">
+        <a:scrgbClr r="0" g="0" b="0"/>
+      </a:lnRef>
+      <a:fillRef idx="1">
+        <a:scrgbClr r="0" g="0" b="0"/>
+      </a:fillRef>
+      <a:effectRef idx="0">
+        <a:scrgbClr r="0" g="0" b="0"/>
+      </a:effectRef>
+      <a:fontRef idx="minor"/>
+    </dgm:style>
+  </dgm:styleLbl>
+  <dgm:styleLbl name="alignImgPlace1">
+    <dgm:scene3d>
+      <a:camera prst="orthographicFront"/>
+      <a:lightRig rig="threePt" dir="t"/>
+    </dgm:scene3d>
+    <dgm:sp3d/>
+    <dgm:txPr/>
+    <dgm:style>
+      <a:lnRef idx="2">
+        <a:scrgbClr r="0" g="0" b="0"/>
+      </a:lnRef>
+      <a:fillRef idx="1">
+        <a:scrgbClr r="0" g="0" b="0"/>
+      </a:fillRef>
+      <a:effectRef idx="0">
+        <a:scrgbClr r="0" g="0" b="0"/>
+      </a:effectRef>
+      <a:fontRef idx="minor"/>
+    </dgm:style>
+  </dgm:styleLbl>
+  <dgm:styleLbl name="bgImgPlace1">
+    <dgm:scene3d>
+      <a:camera prst="orthographicFront"/>
+      <a:lightRig rig="threePt" dir="t"/>
+    </dgm:scene3d>
+    <dgm:sp3d/>
+    <dgm:txPr/>
+    <dgm:style>
+      <a:lnRef idx="2">
+        <a:scrgbClr r="0" g="0" b="0"/>
+      </a:lnRef>
+      <a:fillRef idx="1">
+        <a:scrgbClr r="0" g="0" b="0"/>
+      </a:fillRef>
+      <a:effectRef idx="0">
+        <a:scrgbClr r="0" g="0" b="0"/>
+      </a:effectRef>
+      <a:fontRef idx="minor"/>
+    </dgm:style>
+  </dgm:styleLbl>
+  <dgm:styleLbl name="sibTrans2D1">
+    <dgm:scene3d>
+      <a:camera prst="orthographicFront"/>
+      <a:lightRig rig="threePt" dir="t"/>
+    </dgm:scene3d>
+    <dgm:sp3d/>
+    <dgm:txPr/>
+    <dgm:style>
+      <a:lnRef idx="0">
+        <a:scrgbClr r="0" g="0" b="0"/>
+      </a:lnRef>
+      <a:fillRef idx="1">
+        <a:scrgbClr r="0" g="0" b="0"/>
+      </a:fillRef>
+      <a:effectRef idx="0">
+        <a:scrgbClr r="0" g="0" b="0"/>
+      </a:effectRef>
+      <a:fontRef idx="minor">
+        <a:schemeClr val="lt1"/>
+      </a:fontRef>
+    </dgm:style>
+  </dgm:styleLbl>
+  <dgm:styleLbl name="fgSibTrans2D1">
+    <dgm:scene3d>
+      <a:camera prst="orthographicFront"/>
+      <a:lightRig rig="threePt" dir="t"/>
+    </dgm:scene3d>
+    <dgm:sp3d/>
+    <dgm:txPr/>
+    <dgm:style>
+      <a:lnRef idx="0">
+        <a:scrgbClr r="0" g="0" b="0"/>
+      </a:lnRef>
+      <a:fillRef idx="1">
+        <a:scrgbClr r="0" g="0" b="0"/>
+      </a:fillRef>
+      <a:effectRef idx="0">
+        <a:scrgbClr r="0" g="0" b="0"/>
+      </a:effectRef>
+      <a:fontRef idx="minor">
+        <a:schemeClr val="lt1"/>
+      </a:fontRef>
+    </dgm:style>
+  </dgm:styleLbl>
+  <dgm:styleLbl name="bgSibTrans2D1">
+    <dgm:scene3d>
+      <a:camera prst="orthographicFront"/>
+      <a:lightRig rig="threePt" dir="t"/>
+    </dgm:scene3d>
+    <dgm:sp3d/>
+    <dgm:txPr/>
+    <dgm:style>
+      <a:lnRef idx="0">
+        <a:scrgbClr r="0" g="0" b="0"/>
+      </a:lnRef>
+      <a:fillRef idx="1">
+        <a:scrgbClr r="0" g="0" b="0"/>
+      </a:fillRef>
+      <a:effectRef idx="0">
+        <a:scrgbClr r="0" g="0" b="0"/>
+      </a:effectRef>
+      <a:fontRef idx="minor">
+        <a:schemeClr val="lt1"/>
+      </a:fontRef>
+    </dgm:style>
+  </dgm:styleLbl>
+  <dgm:styleLbl name="sibTrans1D1">
+    <dgm:scene3d>
+      <a:camera prst="orthographicFront"/>
+      <a:lightRig rig="threePt" dir="t"/>
+    </dgm:scene3d>
+    <dgm:sp3d/>
+    <dgm:txPr/>
+    <dgm:style>
+      <a:lnRef idx="1">
+        <a:scrgbClr r="0" g="0" b="0"/>
+      </a:lnRef>
+      <a:fillRef idx="0">
+        <a:scrgbClr r="0" g="0" b="0"/>
+      </a:fillRef>
+      <a:effectRef idx="0">
+        <a:scrgbClr r="0" g="0" b="0"/>
+      </a:effectRef>
+      <a:fontRef idx="minor"/>
+    </dgm:style>
+  </dgm:styleLbl>
+  <dgm:styleLbl name="callout">
+    <dgm:scene3d>
+      <a:camera prst="orthographicFront"/>
+      <a:lightRig rig="threePt" dir="t"/>
+    </dgm:scene3d>
+    <dgm:sp3d/>
+    <dgm:txPr/>
+    <dgm:style>
+      <a:lnRef idx="2">
+        <a:scrgbClr r="0" g="0" b="0"/>
+      </a:lnRef>
+      <a:fillRef idx="1">
+        <a:scrgbClr r="0" g="0" b="0"/>
+      </a:fillRef>
+      <a:effectRef idx="0">
+        <a:scrgbClr r="0" g="0" b="0"/>
+      </a:effectRef>
+      <a:fontRef idx="minor"/>
+    </dgm:style>
+  </dgm:styleLbl>
+  <dgm:styleLbl name="asst0">
+    <dgm:scene3d>
+      <a:camera prst="orthographicFront"/>
+      <a:lightRig rig="threePt" dir="t"/>
+    </dgm:scene3d>
+    <dgm:sp3d/>
+    <dgm:txPr/>
+    <dgm:style>
+      <a:lnRef idx="2">
+        <a:scrgbClr r="0" g="0" b="0"/>
+      </a:lnRef>
+      <a:fillRef idx="1">
+        <a:scrgbClr r="0" g="0" b="0"/>
+      </a:fillRef>
+      <a:effectRef idx="0">
+        <a:scrgbClr r="0" g="0" b="0"/>
+      </a:effectRef>
+      <a:fontRef idx="minor">
+        <a:schemeClr val="lt1"/>
+      </a:fontRef>
+    </dgm:style>
+  </dgm:styleLbl>
+  <dgm:styleLbl name="asst1">
+    <dgm:scene3d>
+      <a:camera prst="orthographicFront"/>
+      <a:lightRig rig="threePt" dir="t"/>
+    </dgm:scene3d>
+    <dgm:sp3d/>
+    <dgm:txPr/>
+    <dgm:style>
+      <a:lnRef idx="2">
+        <a:scrgbClr r="0" g="0" b="0"/>
+      </a:lnRef>
+      <a:fillRef idx="1">
+        <a:scrgbClr r="0" g="0" b="0"/>
+      </a:fillRef>
+      <a:effectRef idx="0">
+        <a:scrgbClr r="0" g="0" b="0"/>
+      </a:effectRef>
+      <a:fontRef idx="minor">
+        <a:schemeClr val="lt1"/>
+      </a:fontRef>
+    </dgm:style>
+  </dgm:styleLbl>
+  <dgm:styleLbl name="asst2">
+    <dgm:scene3d>
+      <a:camera prst="orthographicFront"/>
+      <a:lightRig rig="threePt" dir="t"/>
+    </dgm:scene3d>
+    <dgm:sp3d/>
+    <dgm:txPr/>
+    <dgm:style>
+      <a:lnRef idx="2">
+        <a:scrgbClr r="0" g="0" b="0"/>
+      </a:lnRef>
+      <a:fillRef idx="1">
+        <a:scrgbClr r="0" g="0" b="0"/>
+      </a:fillRef>
+      <a:effectRef idx="0">
+        <a:scrgbClr r="0" g="0" b="0"/>
+      </a:effectRef>
+      <a:fontRef idx="minor">
+        <a:schemeClr val="lt1"/>
+      </a:fontRef>
+    </dgm:style>
+  </dgm:styleLbl>
+  <dgm:styleLbl name="asst3">
+    <dgm:scene3d>
+      <a:camera prst="orthographicFront"/>
+      <a:lightRig rig="threePt" dir="t"/>
+    </dgm:scene3d>
+    <dgm:sp3d/>
+    <dgm:txPr/>
+    <dgm:style>
+      <a:lnRef idx="2">
+        <a:scrgbClr r="0" g="0" b="0"/>
+      </a:lnRef>
+      <a:fillRef idx="1">
+        <a:scrgbClr r="0" g="0" b="0"/>
+      </a:fillRef>
+      <a:effectRef idx="0">
+        <a:scrgbClr r="0" g="0" b="0"/>
+      </a:effectRef>
+      <a:fontRef idx="minor">
+        <a:schemeClr val="lt1"/>
+      </a:fontRef>
+    </dgm:style>
+  </dgm:styleLbl>
+  <dgm:styleLbl name="asst4">
+    <dgm:scene3d>
+      <a:camera prst="orthographicFront"/>
+      <a:lightRig rig="threePt" dir="t"/>
+    </dgm:scene3d>
+    <dgm:sp3d/>
+    <dgm:txPr/>
+    <dgm:style>
+      <a:lnRef idx="2">
+        <a:scrgbClr r="0" g="0" b="0"/>
+      </a:lnRef>
+      <a:fillRef idx="1">
+        <a:scrgbClr r="0" g="0" b="0"/>
+      </a:fillRef>
+      <a:effectRef idx="0">
+        <a:scrgbClr r="0" g="0" b="0"/>
+      </a:effectRef>
+      <a:fontRef idx="minor">
+        <a:schemeClr val="lt1"/>
+      </a:fontRef>
+    </dgm:style>
+  </dgm:styleLbl>
+  <dgm:styleLbl name="parChTrans2D1">
+    <dgm:scene3d>
+      <a:camera prst="orthographicFront"/>
+      <a:lightRig rig="threePt" dir="t"/>
+    </dgm:scene3d>
+    <dgm:sp3d/>
+    <dgm:txPr/>
+    <dgm:style>
+      <a:lnRef idx="2">
+        <a:scrgbClr r="0" g="0" b="0"/>
+      </a:lnRef>
+      <a:fillRef idx="1">
+        <a:scrgbClr r="0" g="0" b="0"/>
+      </a:fillRef>
+      <a:effectRef idx="0">
+        <a:scrgbClr r="0" g="0" b="0"/>
+      </a:effectRef>
+      <a:fontRef idx="minor">
+        <a:schemeClr val="lt1"/>
+      </a:fontRef>
+    </dgm:style>
+  </dgm:styleLbl>
+  <dgm:styleLbl name="parChTrans2D2">
+    <dgm:scene3d>
+      <a:camera prst="orthographicFront"/>
+      <a:lightRig rig="threePt" dir="t"/>
+    </dgm:scene3d>
+    <dgm:sp3d/>
+    <dgm:txPr/>
+    <dgm:style>
+      <a:lnRef idx="2">
+        <a:scrgbClr r="0" g="0" b="0"/>
+      </a:lnRef>
+      <a:fillRef idx="1">
+        <a:scrgbClr r="0" g="0" b="0"/>
+      </a:fillRef>
+      <a:effectRef idx="0">
+        <a:scrgbClr r="0" g="0" b="0"/>
+      </a:effectRef>
+      <a:fontRef idx="minor">
+        <a:schemeClr val="lt1"/>
+      </a:fontRef>
+    </dgm:style>
+  </dgm:styleLbl>
+  <dgm:styleLbl name="parChTrans2D3">
+    <dgm:scene3d>
+      <a:camera prst="orthographicFront"/>
+      <a:lightRig rig="threePt" dir="t"/>
+    </dgm:scene3d>
+    <dgm:sp3d/>
+    <dgm:txPr/>
+    <dgm:style>
+      <a:lnRef idx="2">
+        <a:scrgbClr r="0" g="0" b="0"/>
+      </a:lnRef>
+      <a:fillRef idx="1">
+        <a:scrgbClr r="0" g="0" b="0"/>
+      </a:fillRef>
+      <a:effectRef idx="0">
+        <a:scrgbClr r="0" g="0" b="0"/>
+      </a:effectRef>
+      <a:fontRef idx="minor">
+        <a:schemeClr val="lt1"/>
+      </a:fontRef>
+    </dgm:style>
+  </dgm:styleLbl>
+  <dgm:styleLbl name="parChTrans2D4">
+    <dgm:scene3d>
+      <a:camera prst="orthographicFront"/>
+      <a:lightRig rig="threePt" dir="t"/>
+    </dgm:scene3d>
+    <dgm:sp3d/>
+    <dgm:txPr/>
+    <dgm:style>
+      <a:lnRef idx="2">
+        <a:scrgbClr r="0" g="0" b="0"/>
+      </a:lnRef>
+      <a:fillRef idx="1">
+        <a:scrgbClr r="0" g="0" b="0"/>
+      </a:fillRef>
+      <a:effectRef idx="0">
+        <a:scrgbClr r="0" g="0" b="0"/>
+      </a:effectRef>
+      <a:fontRef idx="minor">
+        <a:schemeClr val="lt1"/>
+      </a:fontRef>
+    </dgm:style>
+  </dgm:styleLbl>
+  <dgm:styleLbl name="parChTrans1D1">
+    <dgm:scene3d>
+      <a:camera prst="orthographicFront"/>
+      <a:lightRig rig="threePt" dir="t"/>
+    </dgm:scene3d>
+    <dgm:sp3d/>
+    <dgm:txPr/>
+    <dgm:style>
+      <a:lnRef idx="2">
+        <a:scrgbClr r="0" g="0" b="0"/>
+      </a:lnRef>
+      <a:fillRef idx="0">
+        <a:scrgbClr r="0" g="0" b="0"/>
+      </a:fillRef>
+      <a:effectRef idx="0">
+        <a:scrgbClr r="0" g="0" b="0"/>
+      </a:effectRef>
+      <a:fontRef idx="minor"/>
+    </dgm:style>
+  </dgm:styleLbl>
+  <dgm:styleLbl name="parChTrans1D2">
+    <dgm:scene3d>
+      <a:camera prst="orthographicFront"/>
+      <a:lightRig rig="threePt" dir="t"/>
+    </dgm:scene3d>
+    <dgm:sp3d/>
+    <dgm:txPr/>
+    <dgm:style>
+      <a:lnRef idx="2">
+        <a:scrgbClr r="0" g="0" b="0"/>
+      </a:lnRef>
+      <a:fillRef idx="0">
+        <a:scrgbClr r="0" g="0" b="0"/>
+      </a:fillRef>
+      <a:effectRef idx="0">
+        <a:scrgbClr r="0" g="0" b="0"/>
+      </a:effectRef>
+      <a:fontRef idx="minor"/>
+    </dgm:style>
+  </dgm:styleLbl>
+  <dgm:styleLbl name="parChTrans1D3">
+    <dgm:scene3d>
+      <a:camera prst="orthographicFront"/>
+      <a:lightRig rig="threePt" dir="t"/>
+    </dgm:scene3d>
+    <dgm:sp3d/>
+    <dgm:txPr/>
+    <dgm:style>
+      <a:lnRef idx="2">
+        <a:scrgbClr r="0" g="0" b="0"/>
+      </a:lnRef>
+      <a:fillRef idx="0">
+        <a:scrgbClr r="0" g="0" b="0"/>
+      </a:fillRef>
+      <a:effectRef idx="0">
+        <a:scrgbClr r="0" g="0" b="0"/>
+      </a:effectRef>
+      <a:fontRef idx="minor"/>
+    </dgm:style>
+  </dgm:styleLbl>
+  <dgm:styleLbl name="parChTrans1D4">
+    <dgm:scene3d>
+      <a:camera prst="orthographicFront"/>
+      <a:lightRig rig="threePt" dir="t"/>
+    </dgm:scene3d>
+    <dgm:sp3d/>
+    <dgm:txPr/>
+    <dgm:style>
+      <a:lnRef idx="2">
+        <a:scrgbClr r="0" g="0" b="0"/>
+      </a:lnRef>
+      <a:fillRef idx="0">
+        <a:scrgbClr r="0" g="0" b="0"/>
+      </a:fillRef>
+      <a:effectRef idx="0">
+        <a:scrgbClr r="0" g="0" b="0"/>
+      </a:effectRef>
+      <a:fontRef idx="minor"/>
+    </dgm:style>
+  </dgm:styleLbl>
+  <dgm:styleLbl name="fgAcc1">
+    <dgm:scene3d>
+      <a:camera prst="orthographicFront"/>
+      <a:lightRig rig="threePt" dir="t"/>
+    </dgm:scene3d>
+    <dgm:sp3d/>
+    <dgm:txPr/>
+    <dgm:style>
+      <a:lnRef idx="2">
+        <a:scrgbClr r="0" g="0" b="0"/>
+      </a:lnRef>
+      <a:fillRef idx="1">
+        <a:scrgbClr r="0" g="0" b="0"/>
+      </a:fillRef>
+      <a:effectRef idx="0">
+        <a:scrgbClr r="0" g="0" b="0"/>
+      </a:effectRef>
+      <a:fontRef idx="minor"/>
+    </dgm:style>
+  </dgm:styleLbl>
+  <dgm:styleLbl name="conFgAcc1">
+    <dgm:scene3d>
+      <a:camera prst="orthographicFront"/>
+      <a:lightRig rig="threePt" dir="t"/>
+    </dgm:scene3d>
+    <dgm:sp3d/>
+    <dgm:txPr/>
+    <dgm:style>
+      <a:lnRef idx="2">
+        <a:scrgbClr r="0" g="0" b="0"/>
+      </a:lnRef>
+      <a:fillRef idx="1">
+        <a:scrgbClr r="0" g="0" b="0"/>
+      </a:fillRef>
+      <a:effectRef idx="0">
+        <a:scrgbClr r="0" g="0" b="0"/>
+      </a:effectRef>
+      <a:fontRef idx="minor"/>
+    </dgm:style>
+  </dgm:styleLbl>
+  <dgm:styleLbl name="alignAcc1">
+    <dgm:scene3d>
+      <a:camera prst="orthographicFront"/>
+      <a:lightRig rig="threePt" dir="t"/>
+    </dgm:scene3d>
+    <dgm:sp3d/>
+    <dgm:txPr/>
+    <dgm:style>
+      <a:lnRef idx="2">
+        <a:scrgbClr r="0" g="0" b="0"/>
+      </a:lnRef>
+      <a:fillRef idx="1">
+        <a:scrgbClr r="0" g="0" b="0"/>
+      </a:fillRef>
+      <a:effectRef idx="0">
+        <a:scrgbClr r="0" g="0" b="0"/>
+      </a:effectRef>
+      <a:fontRef idx="minor"/>
+    </dgm:style>
+  </dgm:styleLbl>
+  <dgm:styleLbl name="trAlignAcc1">
+    <dgm:scene3d>
+      <a:camera prst="orthographicFront"/>
+      <a:lightRig rig="threePt" dir="t"/>
+    </dgm:scene3d>
+    <dgm:sp3d/>
+    <dgm:txPr/>
+    <dgm:style>
+      <a:lnRef idx="1">
+        <a:scrgbClr r="0" g="0" b="0"/>
+      </a:lnRef>
+      <a:fillRef idx="1">
+        <a:scrgbClr r="0" g="0" b="0"/>
+      </a:fillRef>
+      <a:effectRef idx="0">
+        <a:scrgbClr r="0" g="0" b="0"/>
+      </a:effectRef>
+      <a:fontRef idx="minor"/>
+    </dgm:style>
+  </dgm:styleLbl>
+  <dgm:styleLbl name="bgAcc1">
+    <dgm:scene3d>
+      <a:camera prst="orthographicFront"/>
+      <a:lightRig rig="threePt" dir="t"/>
+    </dgm:scene3d>
+    <dgm:sp3d/>
+    <dgm:txPr/>
+    <dgm:style>
+      <a:lnRef idx="2">
+        <a:scrgbClr r="0" g="0" b="0"/>
+      </a:lnRef>
+      <a:fillRef idx="1">
+        <a:scrgbClr r="0" g="0" b="0"/>
+      </a:fillRef>
+      <a:effectRef idx="0">
+        <a:scrgbClr r="0" g="0" b="0"/>
+      </a:effectRef>
+      <a:fontRef idx="minor"/>
+    </dgm:style>
+  </dgm:styleLbl>
+  <dgm:styleLbl name="solidFgAcc1">
+    <dgm:scene3d>
+      <a:camera prst="orthographicFront"/>
+      <a:lightRig rig="threePt" dir="t"/>
+    </dgm:scene3d>
+    <dgm:sp3d/>
+    <dgm:txPr/>
+    <dgm:style>
+      <a:lnRef idx="2">
+        <a:scrgbClr r="0" g="0" b="0"/>
+      </a:lnRef>
+      <a:fillRef idx="1">
+        <a:scrgbClr r="0" g="0" b="0"/>
+      </a:fillRef>
+      <a:effectRef idx="0">
+        <a:scrgbClr r="0" g="0" b="0"/>
+      </a:effectRef>
+      <a:fontRef idx="minor"/>
+    </dgm:style>
+  </dgm:styleLbl>
+  <dgm:styleLbl name="solidAlignAcc1">
+    <dgm:scene3d>
+      <a:camera prst="orthographicFront"/>
+      <a:lightRig rig="threePt" dir="t"/>
+    </dgm:scene3d>
+    <dgm:sp3d/>
+    <dgm:txPr/>
+    <dgm:style>
+      <a:lnRef idx="2">
+        <a:scrgbClr r="0" g="0" b="0"/>
+      </a:lnRef>
+      <a:fillRef idx="1">
+        <a:scrgbClr r="0" g="0" b="0"/>
+      </a:fillRef>
+      <a:effectRef idx="0">
+        <a:scrgbClr r="0" g="0" b="0"/>
+      </a:effectRef>
+      <a:fontRef idx="minor"/>
+    </dgm:style>
+  </dgm:styleLbl>
+  <dgm:styleLbl name="solidBgAcc1">
+    <dgm:scene3d>
+      <a:camera prst="orthographicFront"/>
+      <a:lightRig rig="threePt" dir="t"/>
+    </dgm:scene3d>
+    <dgm:sp3d/>
+    <dgm:txPr/>
+    <dgm:style>
+      <a:lnRef idx="2">
+        <a:scrgbClr r="0" g="0" b="0"/>
+      </a:lnRef>
+      <a:fillRef idx="1">
+        <a:scrgbClr r="0" g="0" b="0"/>
+      </a:fillRef>
+      <a:effectRef idx="0">
+        <a:scrgbClr r="0" g="0" b="0"/>
+      </a:effectRef>
+      <a:fontRef idx="minor"/>
+    </dgm:style>
+  </dgm:styleLbl>
+  <dgm:styleLbl name="fgAccFollowNode1">
+    <dgm:scene3d>
+      <a:camera prst="orthographicFront"/>
+      <a:lightRig rig="threePt" dir="t"/>
+    </dgm:scene3d>
+    <dgm:sp3d/>
+    <dgm:txPr/>
+    <dgm:style>
+      <a:lnRef idx="2">
+        <a:scrgbClr r="0" g="0" b="0"/>
+      </a:lnRef>
+      <a:fillRef idx="1">
+        <a:scrgbClr r="0" g="0" b="0"/>
+      </a:fillRef>
+      <a:effectRef idx="0">
+        <a:scrgbClr r="0" g="0" b="0"/>
+      </a:effectRef>
+      <a:fontRef idx="minor"/>
+    </dgm:style>
+  </dgm:styleLbl>
+  <dgm:styleLbl name="alignAccFollowNode1">
+    <dgm:scene3d>
+      <a:camera prst="orthographicFront"/>
+      <a:lightRig rig="threePt" dir="t"/>
+    </dgm:scene3d>
+    <dgm:sp3d/>
+    <dgm:txPr/>
+    <dgm:style>
+      <a:lnRef idx="2">
+        <a:scrgbClr r="0" g="0" b="0"/>
+      </a:lnRef>
+      <a:fillRef idx="1">
+        <a:scrgbClr r="0" g="0" b="0"/>
+      </a:fillRef>
+      <a:effectRef idx="0">
+        <a:scrgbClr r="0" g="0" b="0"/>
+      </a:effectRef>
+      <a:fontRef idx="minor"/>
+    </dgm:style>
+  </dgm:styleLbl>
+  <dgm:styleLbl name="bgAccFollowNode1">
+    <dgm:scene3d>
+      <a:camera prst="orthographicFront"/>
+      <a:lightRig rig="threePt" dir="t"/>
+    </dgm:scene3d>
+    <dgm:sp3d/>
+    <dgm:txPr/>
+    <dgm:style>
+      <a:lnRef idx="2">
+        <a:scrgbClr r="0" g="0" b="0"/>
+      </a:lnRef>
+      <a:fillRef idx="1">
+        <a:scrgbClr r="0" g="0" b="0"/>
+      </a:fillRef>
+      <a:effectRef idx="0">
+        <a:scrgbClr r="0" g="0" b="0"/>
+      </a:effectRef>
+      <a:fontRef idx="minor"/>
+    </dgm:style>
+  </dgm:styleLbl>
+  <dgm:styleLbl name="fgAcc0">
+    <dgm:scene3d>
+      <a:camera prst="orthographicFront"/>
+      <a:lightRig rig="threePt" dir="t"/>
+    </dgm:scene3d>
+    <dgm:sp3d/>
+    <dgm:txPr/>
+    <dgm:style>
+      <a:lnRef idx="2">
+        <a:scrgbClr r="0" g="0" b="0"/>
+      </a:lnRef>
+      <a:fillRef idx="1">
+        <a:scrgbClr r="0" g="0" b="0"/>
+      </a:fillRef>
+      <a:effectRef idx="0">
+        <a:scrgbClr r="0" g="0" b="0"/>
+      </a:effectRef>
+      <a:fontRef idx="minor"/>
+    </dgm:style>
+  </dgm:styleLbl>
+  <dgm:styleLbl name="fgAcc2">
+    <dgm:scene3d>
+      <a:camera prst="orthographicFront"/>
+      <a:lightRig rig="threePt" dir="t"/>
+    </dgm:scene3d>
+    <dgm:sp3d/>
+    <dgm:txPr/>
+    <dgm:style>
+      <a:lnRef idx="2">
+        <a:scrgbClr r="0" g="0" b="0"/>
+      </a:lnRef>
+      <a:fillRef idx="1">
+        <a:scrgbClr r="0" g="0" b="0"/>
+      </a:fillRef>
+      <a:effectRef idx="0">
+        <a:scrgbClr r="0" g="0" b="0"/>
+      </a:effectRef>
+      <a:fontRef idx="minor"/>
+    </dgm:style>
+  </dgm:styleLbl>
+  <dgm:styleLbl name="fgAcc3">
+    <dgm:scene3d>
+      <a:camera prst="orthographicFront"/>
+      <a:lightRig rig="threePt" dir="t"/>
+    </dgm:scene3d>
+    <dgm:sp3d/>
+    <dgm:txPr/>
+    <dgm:style>
+      <a:lnRef idx="2">
+        <a:scrgbClr r="0" g="0" b="0"/>
+      </a:lnRef>
+      <a:fillRef idx="1">
+        <a:scrgbClr r="0" g="0" b="0"/>
+      </a:fillRef>
+      <a:effectRef idx="0">
+        <a:scrgbClr r="0" g="0" b="0"/>
+      </a:effectRef>
+      <a:fontRef idx="minor"/>
+    </dgm:style>
+  </dgm:styleLbl>
+  <dgm:styleLbl name="fgAcc4">
+    <dgm:scene3d>
+      <a:camera prst="orthographicFront"/>
+      <a:lightRig rig="threePt" dir="t"/>
+    </dgm:scene3d>
+    <dgm:sp3d/>
+    <dgm:txPr/>
+    <dgm:style>
+      <a:lnRef idx="2">
+        <a:scrgbClr r="0" g="0" b="0"/>
+      </a:lnRef>
+      <a:fillRef idx="1">
+        <a:scrgbClr r="0" g="0" b="0"/>
+      </a:fillRef>
+      <a:effectRef idx="0">
+        <a:scrgbClr r="0" g="0" b="0"/>
+      </a:effectRef>
+      <a:fontRef idx="minor"/>
+    </dgm:style>
+  </dgm:styleLbl>
+  <dgm:styleLbl name="bgShp">
+    <dgm:scene3d>
+      <a:camera prst="orthographicFront"/>
+      <a:lightRig rig="threePt" dir="t"/>
+    </dgm:scene3d>
+    <dgm:sp3d/>
+    <dgm:txPr/>
+    <dgm:style>
+      <a:lnRef idx="0">
+        <a:scrgbClr r="0" g="0" b="0"/>
+      </a:lnRef>
+      <a:fillRef idx="1">
+        <a:scrgbClr r="0" g="0" b="0"/>
+      </a:fillRef>
+      <a:effectRef idx="0">
+        <a:scrgbClr r="0" g="0" b="0"/>
+      </a:effectRef>
+      <a:fontRef idx="minor"/>
+    </dgm:style>
+  </dgm:styleLbl>
+  <dgm:styleLbl name="dkBgShp">
+    <dgm:scene3d>
+      <a:camera prst="orthographicFront"/>
+      <a:lightRig rig="threePt" dir="t"/>
+    </dgm:scene3d>
+    <dgm:sp3d/>
+    <dgm:txPr/>
+    <dgm:style>
+      <a:lnRef idx="0">
+        <a:scrgbClr r="0" g="0" b="0"/>
+      </a:lnRef>
+      <a:fillRef idx="1">
+        <a:scrgbClr r="0" g="0" b="0"/>
+      </a:fillRef>
+      <a:effectRef idx="0">
+        <a:scrgbClr r="0" g="0" b="0"/>
+      </a:effectRef>
+      <a:fontRef idx="minor"/>
+    </dgm:style>
+  </dgm:styleLbl>
+  <dgm:styleLbl name="trBgShp">
+    <dgm:scene3d>
+      <a:camera prst="orthographicFront"/>
+      <a:lightRig rig="threePt" dir="t"/>
+    </dgm:scene3d>
+    <dgm:sp3d/>
+    <dgm:txPr/>
+    <dgm:style>
+      <a:lnRef idx="0">
+        <a:scrgbClr r="0" g="0" b="0"/>
+      </a:lnRef>
+      <a:fillRef idx="1">
+        <a:scrgbClr r="0" g="0" b="0"/>
+      </a:fillRef>
+      <a:effectRef idx="0">
+        <a:scrgbClr r="0" g="0" b="0"/>
+      </a:effectRef>
+      <a:fontRef idx="minor"/>
+    </dgm:style>
+  </dgm:styleLbl>
+  <dgm:styleLbl name="fgShp">
+    <dgm:scene3d>
+      <a:camera prst="orthographicFront"/>
+      <a:lightRig rig="threePt" dir="t"/>
+    </dgm:scene3d>
+    <dgm:sp3d/>
+    <dgm:txPr/>
+    <dgm:style>
+      <a:lnRef idx="2">
+        <a:scrgbClr r="0" g="0" b="0"/>
+      </a:lnRef>
+      <a:fillRef idx="1">
+        <a:scrgbClr r="0" g="0" b="0"/>
+      </a:fillRef>
+      <a:effectRef idx="0">
+        <a:scrgbClr r="0" g="0" b="0"/>
+      </a:effectRef>
+      <a:fontRef idx="minor"/>
+    </dgm:style>
+  </dgm:styleLbl>
+  <dgm:styleLbl name="revTx">
+    <dgm:scene3d>
+      <a:camera prst="orthographicFront"/>
+      <a:lightRig rig="threePt" dir="t"/>
+    </dgm:scene3d>
+    <dgm:sp3d/>
+    <dgm:txPr/>
+    <dgm:style>
+      <a:lnRef idx="0">
+        <a:scrgbClr r="0" g="0" b="0"/>
+      </a:lnRef>
+      <a:fillRef idx="0">
+        <a:scrgbClr r="0" g="0" b="0"/>
+      </a:fillRef>
+      <a:effectRef idx="0">
+        <a:scrgbClr r="0" g="0" b="0"/>
+      </a:effectRef>
+      <a:fontRef idx="minor"/>
+    </dgm:style>
+  </dgm:styleLbl>
+</dgm:styleDef>
+</file>
+
+<file path=ppt/notesMasters/notesMaster1.xml><?xml version="1.0" encoding="utf-8"?>
+<p:notesMaster xmlns:a="http://schemas.openxmlformats.org/drawingml/2006/main" xmlns:r="http://schemas.openxmlformats.org/officeDocument/2006/relationships" xmlns:p="http://schemas.openxmlformats.org/presentationml/2006/main">
+  <p:cSld>
+    <p:bg>
+      <p:bgRef idx="1001">
+        <a:schemeClr val="bg1"/>
+      </p:bgRef>
+    </p:bg>
+    <p:spTree>
+      <p:nvGrpSpPr>
+        <p:cNvPr id="1" name=""/>
+        <p:cNvGrpSpPr/>
+        <p:nvPr/>
+      </p:nvGrpSpPr>
+      <p:grpSpPr>
+        <a:xfrm>
+          <a:off x="0" y="0"/>
+          <a:ext cx="0" cy="0"/>
+          <a:chOff x="0" y="0"/>
+          <a:chExt cx="0" cy="0"/>
+        </a:xfrm>
+      </p:grpSpPr>
+      <p:sp>
+        <p:nvSpPr>
+          <p:cNvPr id="2" name="Header Placeholder 1"/>
+          <p:cNvSpPr>
+            <a:spLocks noGrp="1"/>
+          </p:cNvSpPr>
+          <p:nvPr>
+            <p:ph type="hdr" sz="quarter"/>
+          </p:nvPr>
+        </p:nvSpPr>
+        <p:spPr>
+          <a:xfrm>
+            <a:off x="0" y="0"/>
+            <a:ext cx="2971800" cy="458788"/>
+          </a:xfrm>
+          <a:prstGeom prst="rect">
+            <a:avLst/>
+          </a:prstGeom>
+        </p:spPr>
+        <p:txBody>
+          <a:bodyPr vert="horz" lIns="91440" tIns="45720" rIns="91440" bIns="45720" rtlCol="0"/>
+          <a:lstStyle>
+            <a:lvl1pPr algn="l">
+              <a:defRPr sz="1200"/>
+            </a:lvl1pPr>
+          </a:lstStyle>
+          <a:p>
+            <a:endParaRPr lang="en-US"/>
+          </a:p>
+        </p:txBody>
+      </p:sp>
+      <p:sp>
+        <p:nvSpPr>
+          <p:cNvPr id="3" name="Date Placeholder 2"/>
+          <p:cNvSpPr>
+            <a:spLocks noGrp="1"/>
+          </p:cNvSpPr>
+          <p:nvPr>
+            <p:ph type="dt" idx="1"/>
+          </p:nvPr>
+        </p:nvSpPr>
+        <p:spPr>
+          <a:xfrm>
+            <a:off x="3884613" y="0"/>
+            <a:ext cx="2971800" cy="458788"/>
+          </a:xfrm>
+          <a:prstGeom prst="rect">
+            <a:avLst/>
+          </a:prstGeom>
+        </p:spPr>
+        <p:txBody>
+          <a:bodyPr vert="horz" lIns="91440" tIns="45720" rIns="91440" bIns="45720" rtlCol="0"/>
+          <a:lstStyle>
+            <a:lvl1pPr algn="r">
+              <a:defRPr sz="1200"/>
+            </a:lvl1pPr>
+          </a:lstStyle>
+          <a:p>
+            <a:fld id="{B3F53A1C-DEA3-4CA0-B718-FFAEABFA2B49}" type="datetimeFigureOut">
+              <a:rPr lang="en-US" smtClean="0"/>
+              <a:t>2/16/2022</a:t>
+            </a:fld>
+            <a:endParaRPr lang="en-US"/>
+          </a:p>
+        </p:txBody>
+      </p:sp>
+      <p:sp>
+        <p:nvSpPr>
+          <p:cNvPr id="4" name="Slide Image Placeholder 3"/>
+          <p:cNvSpPr>
+            <a:spLocks noGrp="1" noRot="1" noChangeAspect="1"/>
+          </p:cNvSpPr>
+          <p:nvPr>
+            <p:ph type="sldImg" idx="2"/>
+          </p:nvPr>
+        </p:nvSpPr>
+        <p:spPr>
+          <a:xfrm>
+            <a:off x="685800" y="1143000"/>
+            <a:ext cx="5486400" cy="3086100"/>
+          </a:xfrm>
+          <a:prstGeom prst="rect">
+            <a:avLst/>
+          </a:prstGeom>
+          <a:noFill/>
+          <a:ln w="12700">
+            <a:solidFill>
+              <a:prstClr val="black"/>
+            </a:solidFill>
+          </a:ln>
+        </p:spPr>
+        <p:txBody>
+          <a:bodyPr vert="horz" lIns="91440" tIns="45720" rIns="91440" bIns="45720" rtlCol="0" anchor="ctr"/>
+          <a:lstStyle/>
+          <a:p>
+            <a:endParaRPr lang="en-US"/>
+          </a:p>
+        </p:txBody>
+      </p:sp>
+      <p:sp>
+        <p:nvSpPr>
+          <p:cNvPr id="5" name="Notes Placeholder 4"/>
+          <p:cNvSpPr>
+            <a:spLocks noGrp="1"/>
+          </p:cNvSpPr>
+          <p:nvPr>
+            <p:ph type="body" sz="quarter" idx="3"/>
+          </p:nvPr>
+        </p:nvSpPr>
+        <p:spPr>
+          <a:xfrm>
+            <a:off x="685800" y="4400550"/>
+            <a:ext cx="5486400" cy="3600450"/>
+          </a:xfrm>
+          <a:prstGeom prst="rect">
+            <a:avLst/>
+          </a:prstGeom>
+        </p:spPr>
+        <p:txBody>
+          <a:bodyPr vert="horz" lIns="91440" tIns="45720" rIns="91440" bIns="45720" rtlCol="0"/>
+          <a:lstStyle/>
+          <a:p>
+            <a:pPr lvl="0"/>
+            <a:r>
+              <a:rPr lang="en-US"/>
+              <a:t>Click to edit Master text styles</a:t>
+            </a:r>
+          </a:p>
+          <a:p>
+            <a:pPr lvl="1"/>
+            <a:r>
+              <a:rPr lang="en-US"/>
+              <a:t>Second level</a:t>
+            </a:r>
+          </a:p>
+          <a:p>
+            <a:pPr lvl="2"/>
+            <a:r>
+              <a:rPr lang="en-US"/>
+              <a:t>Third level</a:t>
+            </a:r>
+          </a:p>
+          <a:p>
+            <a:pPr lvl="3"/>
+            <a:r>
+              <a:rPr lang="en-US"/>
+              <a:t>Fourth level</a:t>
+            </a:r>
+          </a:p>
+          <a:p>
+            <a:pPr lvl="4"/>
+            <a:r>
+              <a:rPr lang="en-US"/>
+              <a:t>Fifth level</a:t>
+            </a:r>
+          </a:p>
+        </p:txBody>
+      </p:sp>
+      <p:sp>
+        <p:nvSpPr>
+          <p:cNvPr id="6" name="Footer Placeholder 5"/>
+          <p:cNvSpPr>
+            <a:spLocks noGrp="1"/>
+          </p:cNvSpPr>
+          <p:nvPr>
+            <p:ph type="ftr" sz="quarter" idx="4"/>
+          </p:nvPr>
+        </p:nvSpPr>
+        <p:spPr>
+          <a:xfrm>
+            <a:off x="0" y="8685213"/>
+            <a:ext cx="2971800" cy="458787"/>
+          </a:xfrm>
+          <a:prstGeom prst="rect">
+            <a:avLst/>
+          </a:prstGeom>
+        </p:spPr>
+        <p:txBody>
+          <a:bodyPr vert="horz" lIns="91440" tIns="45720" rIns="91440" bIns="45720" rtlCol="0" anchor="b"/>
+          <a:lstStyle>
+            <a:lvl1pPr algn="l">
+              <a:defRPr sz="1200"/>
+            </a:lvl1pPr>
+          </a:lstStyle>
+          <a:p>
+            <a:endParaRPr lang="en-US"/>
+          </a:p>
+        </p:txBody>
+      </p:sp>
+      <p:sp>
+        <p:nvSpPr>
+          <p:cNvPr id="7" name="Slide Number Placeholder 6"/>
+          <p:cNvSpPr>
+            <a:spLocks noGrp="1"/>
+          </p:cNvSpPr>
+          <p:nvPr>
+            <p:ph type="sldNum" sz="quarter" idx="5"/>
+          </p:nvPr>
+        </p:nvSpPr>
+        <p:spPr>
+          <a:xfrm>
+            <a:off x="3884613" y="8685213"/>
+            <a:ext cx="2971800" cy="458787"/>
+          </a:xfrm>
+          <a:prstGeom prst="rect">
+            <a:avLst/>
+          </a:prstGeom>
+        </p:spPr>
+        <p:txBody>
+          <a:bodyPr vert="horz" lIns="91440" tIns="45720" rIns="91440" bIns="45720" rtlCol="0" anchor="b"/>
+          <a:lstStyle>
+            <a:lvl1pPr algn="r">
+              <a:defRPr sz="1200"/>
+            </a:lvl1pPr>
+          </a:lstStyle>
+          <a:p>
+            <a:fld id="{9F2614DB-863C-4663-9A9A-3D9FB2F1EE8D}" type="slidenum">
+              <a:rPr lang="en-US" smtClean="0"/>
+              <a:t>‹#›</a:t>
+            </a:fld>
+            <a:endParaRPr lang="en-US"/>
+          </a:p>
+        </p:txBody>
+      </p:sp>
+    </p:spTree>
+    <p:extLst>
+      <p:ext uri="{BB962C8B-B14F-4D97-AF65-F5344CB8AC3E}">
+        <p14:creationId xmlns:p14="http://schemas.microsoft.com/office/powerpoint/2010/main" val="1000895041"/>
+      </p:ext>
+    </p:extLst>
+  </p:cSld>
+  <p:clrMap bg1="lt1" tx1="dk1" bg2="lt2" tx2="dk2" accent1="accent1" accent2="accent2" accent3="accent3" accent4="accent4" accent5="accent5" accent6="accent6" hlink="hlink" folHlink="folHlink"/>
+  <p:notesStyle>
+    <a:lvl1pPr marL="0" algn="l" defTabSz="914400" rtl="0" eaLnBrk="1" latinLnBrk="0" hangingPunct="1">
+      <a:defRPr sz="1200" kern="1200">
+        <a:solidFill>
+          <a:schemeClr val="tx1"/>
+        </a:solidFill>
+        <a:latin typeface="+mn-lt"/>
+        <a:ea typeface="+mn-ea"/>
+        <a:cs typeface="+mn-cs"/>
+      </a:defRPr>
+    </a:lvl1pPr>
+    <a:lvl2pPr marL="457200" algn="l" defTabSz="914400" rtl="0" eaLnBrk="1" latinLnBrk="0" hangingPunct="1">
+      <a:defRPr sz="1200" kern="1200">
+        <a:solidFill>
+          <a:schemeClr val="tx1"/>
+        </a:solidFill>
+        <a:latin typeface="+mn-lt"/>
+        <a:ea typeface="+mn-ea"/>
+        <a:cs typeface="+mn-cs"/>
+      </a:defRPr>
+    </a:lvl2pPr>
+    <a:lvl3pPr marL="914400" algn="l" defTabSz="914400" rtl="0" eaLnBrk="1" latinLnBrk="0" hangingPunct="1">
+      <a:defRPr sz="1200" kern="1200">
+        <a:solidFill>
+          <a:schemeClr val="tx1"/>
+        </a:solidFill>
+        <a:latin typeface="+mn-lt"/>
+        <a:ea typeface="+mn-ea"/>
+        <a:cs typeface="+mn-cs"/>
+      </a:defRPr>
+    </a:lvl3pPr>
+    <a:lvl4pPr marL="1371600" algn="l" defTabSz="914400" rtl="0" eaLnBrk="1" latinLnBrk="0" hangingPunct="1">
+      <a:defRPr sz="1200" kern="1200">
+        <a:solidFill>
+          <a:schemeClr val="tx1"/>
+        </a:solidFill>
+        <a:latin typeface="+mn-lt"/>
+        <a:ea typeface="+mn-ea"/>
+        <a:cs typeface="+mn-cs"/>
+      </a:defRPr>
+    </a:lvl4pPr>
+    <a:lvl5pPr marL="1828800" algn="l" defTabSz="914400" rtl="0" eaLnBrk="1" latinLnBrk="0" hangingPunct="1">
+      <a:defRPr sz="1200" kern="1200">
+        <a:solidFill>
+          <a:schemeClr val="tx1"/>
+        </a:solidFill>
+        <a:latin typeface="+mn-lt"/>
+        <a:ea typeface="+mn-ea"/>
+        <a:cs typeface="+mn-cs"/>
+      </a:defRPr>
+    </a:lvl5pPr>
+    <a:lvl6pPr marL="2286000" algn="l" defTabSz="914400" rtl="0" eaLnBrk="1" latinLnBrk="0" hangingPunct="1">
+      <a:defRPr sz="1200" kern="1200">
+        <a:solidFill>
+          <a:schemeClr val="tx1"/>
+        </a:solidFill>
+        <a:latin typeface="+mn-lt"/>
+        <a:ea typeface="+mn-ea"/>
+        <a:cs typeface="+mn-cs"/>
+      </a:defRPr>
+    </a:lvl6pPr>
+    <a:lvl7pPr marL="2743200" algn="l" defTabSz="914400" rtl="0" eaLnBrk="1" latinLnBrk="0" hangingPunct="1">
+      <a:defRPr sz="1200" kern="1200">
+        <a:solidFill>
+          <a:schemeClr val="tx1"/>
+        </a:solidFill>
+        <a:latin typeface="+mn-lt"/>
+        <a:ea typeface="+mn-ea"/>
+        <a:cs typeface="+mn-cs"/>
+      </a:defRPr>
+    </a:lvl7pPr>
+    <a:lvl8pPr marL="3200400" algn="l" defTabSz="914400" rtl="0" eaLnBrk="1" latinLnBrk="0" hangingPunct="1">
+      <a:defRPr sz="1200" kern="1200">
+        <a:solidFill>
+          <a:schemeClr val="tx1"/>
+        </a:solidFill>
+        <a:latin typeface="+mn-lt"/>
+        <a:ea typeface="+mn-ea"/>
+        <a:cs typeface="+mn-cs"/>
+      </a:defRPr>
+    </a:lvl8pPr>
+    <a:lvl9pPr marL="3657600" algn="l" defTabSz="914400" rtl="0" eaLnBrk="1" latinLnBrk="0" hangingPunct="1">
+      <a:defRPr sz="1200" kern="1200">
+        <a:solidFill>
+          <a:schemeClr val="tx1"/>
+        </a:solidFill>
+        <a:latin typeface="+mn-lt"/>
+        <a:ea typeface="+mn-ea"/>
+        <a:cs typeface="+mn-cs"/>
+      </a:defRPr>
+    </a:lvl9pPr>
+  </p:notesStyle>
+</p:notesMaster>
+</file>
+
+<file path=ppt/notesSlides/notesSlide1.xml><?xml version="1.0" encoding="utf-8"?>
+<p:notes xmlns:a="http://schemas.openxmlformats.org/drawingml/2006/main" xmlns:r="http://schemas.openxmlformats.org/officeDocument/2006/relationships" xmlns:p="http://schemas.openxmlformats.org/presentationml/2006/main">
+  <p:cSld>
+    <p:spTree>
+      <p:nvGrpSpPr>
+        <p:cNvPr id="1" name=""/>
+        <p:cNvGrpSpPr/>
+        <p:nvPr/>
+      </p:nvGrpSpPr>
+      <p:grpSpPr>
+        <a:xfrm>
+          <a:off x="0" y="0"/>
+          <a:ext cx="0" cy="0"/>
+          <a:chOff x="0" y="0"/>
+          <a:chExt cx="0" cy="0"/>
+        </a:xfrm>
+      </p:grpSpPr>
+      <p:sp>
+        <p:nvSpPr>
+          <p:cNvPr id="2" name="Slide Image Placeholder 1"/>
+          <p:cNvSpPr>
+            <a:spLocks noGrp="1" noRot="1" noChangeAspect="1"/>
+          </p:cNvSpPr>
+          <p:nvPr>
+            <p:ph type="sldImg"/>
+          </p:nvPr>
+        </p:nvSpPr>
+        <p:spPr/>
+      </p:sp>
+      <p:sp>
+        <p:nvSpPr>
+          <p:cNvPr id="3" name="Notes Placeholder 2"/>
+          <p:cNvSpPr>
+            <a:spLocks noGrp="1"/>
+          </p:cNvSpPr>
+          <p:nvPr>
+            <p:ph type="body" idx="1"/>
+          </p:nvPr>
+        </p:nvSpPr>
+        <p:spPr/>
+        <p:txBody>
+          <a:bodyPr/>
+          <a:lstStyle/>
+          <a:p>
+            <a:endParaRPr lang="en-US" dirty="0"/>
+          </a:p>
+        </p:txBody>
+      </p:sp>
+      <p:sp>
+        <p:nvSpPr>
+          <p:cNvPr id="4" name="Slide Number Placeholder 3"/>
+          <p:cNvSpPr>
+            <a:spLocks noGrp="1"/>
+          </p:cNvSpPr>
+          <p:nvPr>
+            <p:ph type="sldNum" sz="quarter" idx="5"/>
+          </p:nvPr>
+        </p:nvSpPr>
+        <p:spPr/>
+        <p:txBody>
+          <a:bodyPr/>
+          <a:lstStyle/>
+          <a:p>
+            <a:fld id="{9F2614DB-863C-4663-9A9A-3D9FB2F1EE8D}" type="slidenum">
+              <a:rPr lang="en-US" smtClean="0"/>
+              <a:t>6</a:t>
+            </a:fld>
+            <a:endParaRPr lang="en-US"/>
+          </a:p>
+        </p:txBody>
+      </p:sp>
+    </p:spTree>
+    <p:extLst>
+      <p:ext uri="{BB962C8B-B14F-4D97-AF65-F5344CB8AC3E}">
+        <p14:creationId xmlns:p14="http://schemas.microsoft.com/office/powerpoint/2010/main" val="251226416"/>
+      </p:ext>
+    </p:extLst>
+  </p:cSld>
+  <p:clrMapOvr>
+    <a:masterClrMapping/>
+  </p:clrMapOvr>
+</p:notes>
 </file>
 
 <file path=ppt/slideLayouts/slideLayout1.xml><?xml version="1.0" encoding="utf-8"?>
@@ -2199,7 +8641,7 @@
           <a:p>
             <a:fld id="{1D9F529C-DE3F-4713-B935-A2AF89258D6C}" type="datetimeFigureOut">
               <a:rPr lang="en-US" smtClean="0"/>
-              <a:t>2/9/2022</a:t>
+              <a:t>2/16/2022</a:t>
             </a:fld>
             <a:endParaRPr lang="en-US"/>
           </a:p>
@@ -2446,7 +8888,7 @@
           <a:p>
             <a:fld id="{1D9F529C-DE3F-4713-B935-A2AF89258D6C}" type="datetimeFigureOut">
               <a:rPr lang="en-US" smtClean="0"/>
-              <a:t>2/9/2022</a:t>
+              <a:t>2/16/2022</a:t>
             </a:fld>
             <a:endParaRPr lang="en-US"/>
           </a:p>
@@ -2832,7 +9274,7 @@
           <a:p>
             <a:fld id="{1D9F529C-DE3F-4713-B935-A2AF89258D6C}" type="datetimeFigureOut">
               <a:rPr lang="en-US" smtClean="0"/>
-              <a:t>2/9/2022</a:t>
+              <a:t>2/16/2022</a:t>
             </a:fld>
             <a:endParaRPr lang="en-US"/>
           </a:p>
@@ -3061,7 +9503,7 @@
           <a:p>
             <a:fld id="{1D9F529C-DE3F-4713-B935-A2AF89258D6C}" type="datetimeFigureOut">
               <a:rPr lang="en-US" smtClean="0"/>
-              <a:t>2/9/2022</a:t>
+              <a:t>2/16/2022</a:t>
             </a:fld>
             <a:endParaRPr lang="en-US"/>
           </a:p>
@@ -3552,7 +9994,7 @@
           <a:p>
             <a:fld id="{1D9F529C-DE3F-4713-B935-A2AF89258D6C}" type="datetimeFigureOut">
               <a:rPr lang="en-US" smtClean="0"/>
-              <a:t>2/9/2022</a:t>
+              <a:t>2/16/2022</a:t>
             </a:fld>
             <a:endParaRPr lang="en-US"/>
           </a:p>
@@ -3862,7 +10304,7 @@
           <a:p>
             <a:fld id="{1D9F529C-DE3F-4713-B935-A2AF89258D6C}" type="datetimeFigureOut">
               <a:rPr lang="en-US" smtClean="0"/>
-              <a:t>2/9/2022</a:t>
+              <a:t>2/16/2022</a:t>
             </a:fld>
             <a:endParaRPr lang="en-US"/>
           </a:p>
@@ -4253,7 +10695,7 @@
           <a:p>
             <a:fld id="{1D9F529C-DE3F-4713-B935-A2AF89258D6C}" type="datetimeFigureOut">
               <a:rPr lang="en-US" smtClean="0"/>
-              <a:t>2/9/2022</a:t>
+              <a:t>2/16/2022</a:t>
             </a:fld>
             <a:endParaRPr lang="en-US"/>
           </a:p>
@@ -4371,7 +10813,7 @@
           <a:p>
             <a:fld id="{1D9F529C-DE3F-4713-B935-A2AF89258D6C}" type="datetimeFigureOut">
               <a:rPr lang="en-US" smtClean="0"/>
-              <a:t>2/9/2022</a:t>
+              <a:t>2/16/2022</a:t>
             </a:fld>
             <a:endParaRPr lang="en-US"/>
           </a:p>
@@ -4466,7 +10908,7 @@
           <a:p>
             <a:fld id="{1D9F529C-DE3F-4713-B935-A2AF89258D6C}" type="datetimeFigureOut">
               <a:rPr lang="en-US" smtClean="0"/>
-              <a:t>2/9/2022</a:t>
+              <a:t>2/16/2022</a:t>
             </a:fld>
             <a:endParaRPr lang="en-US"/>
           </a:p>
@@ -4766,7 +11208,7 @@
           <a:p>
             <a:fld id="{1D9F529C-DE3F-4713-B935-A2AF89258D6C}" type="datetimeFigureOut">
               <a:rPr lang="en-US" smtClean="0"/>
-              <a:t>2/9/2022</a:t>
+              <a:t>2/16/2022</a:t>
             </a:fld>
             <a:endParaRPr lang="en-US"/>
           </a:p>
@@ -5031,7 +11473,7 @@
           <a:p>
             <a:fld id="{1D9F529C-DE3F-4713-B935-A2AF89258D6C}" type="datetimeFigureOut">
               <a:rPr lang="en-US" smtClean="0"/>
-              <a:t>2/9/2022</a:t>
+              <a:t>2/16/2022</a:t>
             </a:fld>
             <a:endParaRPr lang="en-US"/>
           </a:p>
@@ -5449,7 +11891,7 @@
           <a:p>
             <a:fld id="{1D9F529C-DE3F-4713-B935-A2AF89258D6C}" type="datetimeFigureOut">
               <a:rPr lang="en-US" smtClean="0"/>
-              <a:t>2/9/2022</a:t>
+              <a:t>2/16/2022</a:t>
             </a:fld>
             <a:endParaRPr lang="en-US"/>
           </a:p>
@@ -6026,6 +12468,14 @@
 <file path=ppt/slides/slide10.xml><?xml version="1.0" encoding="utf-8"?>
 <p:sld xmlns:a="http://schemas.openxmlformats.org/drawingml/2006/main" xmlns:r="http://schemas.openxmlformats.org/officeDocument/2006/relationships" xmlns:p="http://schemas.openxmlformats.org/presentationml/2006/main">
   <p:cSld>
+    <p:bg>
+      <p:bgPr>
+        <a:solidFill>
+          <a:schemeClr val="bg2"/>
+        </a:solidFill>
+        <a:effectLst/>
+      </p:bgPr>
+    </p:bg>
     <p:spTree>
       <p:nvGrpSpPr>
         <p:cNvPr id="1" name=""/>
@@ -6040,6 +12490,66 @@
           <a:chExt cx="0" cy="0"/>
         </a:xfrm>
       </p:grpSpPr>
+      <p:sp useBgFill="1">
+        <p:nvSpPr>
+          <p:cNvPr id="14" name="Rectangle 8">
+            <a:extLst>
+              <a:ext uri="{FF2B5EF4-FFF2-40B4-BE49-F238E27FC236}">
+                <a16:creationId xmlns:a16="http://schemas.microsoft.com/office/drawing/2014/main" id="{4E5D0BBB-3DC3-4295-988E-3AE51E700031}"/>
+              </a:ext>
+              <a:ext uri="{C183D7F6-B498-43B3-948B-1728B52AA6E4}">
+                <adec:decorative xmlns:adec="http://schemas.microsoft.com/office/drawing/2017/decorative" val="1"/>
+              </a:ext>
+            </a:extLst>
+          </p:cNvPr>
+          <p:cNvSpPr>
+            <a:spLocks noGrp="1" noRot="1" noChangeAspect="1" noMove="1" noResize="1" noEditPoints="1" noAdjustHandles="1" noChangeArrowheads="1" noChangeShapeType="1" noTextEdit="1"/>
+          </p:cNvSpPr>
+          <p:nvPr>
+            <p:extLst>
+              <p:ext uri="{386F3935-93C4-4BCD-93E2-E3B085C9AB24}">
+                <p16:designElem xmlns:p16="http://schemas.microsoft.com/office/powerpoint/2015/main" val="1"/>
+              </p:ext>
+            </p:extLst>
+          </p:nvPr>
+        </p:nvSpPr>
+        <p:spPr>
+          <a:xfrm>
+            <a:off x="0" y="0"/>
+            <a:ext cx="12192000" cy="6858000"/>
+          </a:xfrm>
+          <a:prstGeom prst="rect">
+            <a:avLst/>
+          </a:prstGeom>
+          <a:ln>
+            <a:noFill/>
+          </a:ln>
+        </p:spPr>
+        <p:style>
+          <a:lnRef idx="2">
+            <a:schemeClr val="accent1">
+              <a:shade val="50000"/>
+            </a:schemeClr>
+          </a:lnRef>
+          <a:fillRef idx="1">
+            <a:schemeClr val="accent1"/>
+          </a:fillRef>
+          <a:effectRef idx="0">
+            <a:schemeClr val="accent1"/>
+          </a:effectRef>
+          <a:fontRef idx="minor">
+            <a:schemeClr val="lt1"/>
+          </a:fontRef>
+        </p:style>
+        <p:txBody>
+          <a:bodyPr rtlCol="0" anchor="ctr"/>
+          <a:lstStyle/>
+          <a:p>
+            <a:pPr algn="ctr"/>
+            <a:endParaRPr lang="en-US"/>
+          </a:p>
+        </p:txBody>
+      </p:sp>
       <p:sp>
         <p:nvSpPr>
           <p:cNvPr id="2" name="Title 1">
@@ -6056,46 +12566,328 @@
             <p:ph type="title"/>
           </p:nvPr>
         </p:nvSpPr>
-        <p:spPr/>
+        <p:spPr>
+          <a:xfrm>
+            <a:off x="752272" y="5226735"/>
+            <a:ext cx="10667998" cy="936991"/>
+          </a:xfrm>
+        </p:spPr>
         <p:txBody>
-          <a:bodyPr/>
+          <a:bodyPr anchor="ctr">
+            <a:normAutofit/>
+          </a:bodyPr>
           <a:lstStyle/>
           <a:p>
             <a:r>
-              <a:rPr lang="en-US" dirty="0"/>
+              <a:rPr lang="en-US" sz="4400"/>
               <a:t>Next Steps</a:t>
             </a:r>
           </a:p>
         </p:txBody>
       </p:sp>
+      <p:cxnSp>
+        <p:nvCxnSpPr>
+          <p:cNvPr id="15" name="Straight Connector 10">
+            <a:extLst>
+              <a:ext uri="{FF2B5EF4-FFF2-40B4-BE49-F238E27FC236}">
+                <a16:creationId xmlns:a16="http://schemas.microsoft.com/office/drawing/2014/main" id="{3E650E83-BC4B-4446-939C-BEE5A892F823}"/>
+              </a:ext>
+              <a:ext uri="{C183D7F6-B498-43B3-948B-1728B52AA6E4}">
+                <adec:decorative xmlns:adec="http://schemas.microsoft.com/office/drawing/2017/decorative" val="1"/>
+              </a:ext>
+            </a:extLst>
+          </p:cNvPr>
+          <p:cNvCxnSpPr>
+            <a:cxnSpLocks noGrp="1" noRot="1" noChangeAspect="1" noMove="1" noResize="1" noEditPoints="1" noAdjustHandles="1" noChangeArrowheads="1" noChangeShapeType="1"/>
+          </p:cNvCxnSpPr>
+          <p:nvPr>
+            <p:extLst>
+              <p:ext uri="{386F3935-93C4-4BCD-93E2-E3B085C9AB24}">
+                <p16:designElem xmlns:p16="http://schemas.microsoft.com/office/powerpoint/2015/main" val="1"/>
+              </p:ext>
+            </p:extLst>
+          </p:nvPr>
+        </p:nvCxnSpPr>
+        <p:spPr>
+          <a:xfrm>
+            <a:off x="0" y="6199730"/>
+            <a:ext cx="11338560" cy="0"/>
+          </a:xfrm>
+          <a:prstGeom prst="line">
+            <a:avLst/>
+          </a:prstGeom>
+          <a:ln w="25400">
+            <a:solidFill>
+              <a:schemeClr val="tx1">
+                <a:lumMod val="85000"/>
+                <a:lumOff val="15000"/>
+              </a:schemeClr>
+            </a:solidFill>
+          </a:ln>
+        </p:spPr>
+        <p:style>
+          <a:lnRef idx="1">
+            <a:schemeClr val="accent1"/>
+          </a:lnRef>
+          <a:fillRef idx="0">
+            <a:schemeClr val="accent1"/>
+          </a:fillRef>
+          <a:effectRef idx="0">
+            <a:schemeClr val="accent1"/>
+          </a:effectRef>
+          <a:fontRef idx="minor">
+            <a:schemeClr val="tx1"/>
+          </a:fontRef>
+        </p:style>
+      </p:cxnSp>
       <p:sp>
         <p:nvSpPr>
-          <p:cNvPr id="3" name="Content Placeholder 2">
+          <p:cNvPr id="13" name="Freeform 6">
             <a:extLst>
               <a:ext uri="{FF2B5EF4-FFF2-40B4-BE49-F238E27FC236}">
-                <a16:creationId xmlns:a16="http://schemas.microsoft.com/office/drawing/2014/main" id="{3DA9E65B-F549-4843-AF20-8620532D132A}"/>
+                <a16:creationId xmlns:a16="http://schemas.microsoft.com/office/drawing/2014/main" id="{C27271CB-4E66-4C22-A01B-C1BBC3CFE6C6}"/>
+              </a:ext>
+              <a:ext uri="{C183D7F6-B498-43B3-948B-1728B52AA6E4}">
+                <adec:decorative xmlns:adec="http://schemas.microsoft.com/office/drawing/2017/decorative" val="1"/>
               </a:ext>
             </a:extLst>
           </p:cNvPr>
           <p:cNvSpPr>
-            <a:spLocks noGrp="1"/>
+            <a:spLocks noGrp="1" noRot="1" noChangeAspect="1" noMove="1" noResize="1" noEditPoints="1" noAdjustHandles="1" noChangeArrowheads="1" noChangeShapeType="1" noTextEdit="1"/>
           </p:cNvSpPr>
           <p:nvPr>
-            <p:ph idx="1"/>
+            <p:extLst>
+              <p:ext uri="{386F3935-93C4-4BCD-93E2-E3B085C9AB24}">
+                <p16:designElem xmlns:p16="http://schemas.microsoft.com/office/powerpoint/2015/main" val="1"/>
+              </p:ext>
+            </p:extLst>
           </p:nvPr>
         </p:nvSpPr>
-        <p:spPr/>
-        <p:txBody>
-          <a:bodyPr/>
-          <a:lstStyle/>
-          <a:p>
-            <a:pPr marL="0" indent="0">
-              <a:buNone/>
-            </a:pPr>
-            <a:endParaRPr lang="en-US" dirty="0"/>
-          </a:p>
-        </p:txBody>
+        <p:spPr bwMode="auto">
+          <a:xfrm>
+            <a:off x="11784011" y="5380580"/>
+            <a:ext cx="407988" cy="819150"/>
+          </a:xfrm>
+          <a:custGeom>
+            <a:avLst/>
+            <a:gdLst/>
+            <a:ahLst/>
+            <a:cxnLst/>
+            <a:rect l="0" t="0" r="r" b="b"/>
+            <a:pathLst>
+              <a:path w="1799" h="3612">
+                <a:moveTo>
+                  <a:pt x="1799" y="0"/>
+                </a:moveTo>
+                <a:lnTo>
+                  <a:pt x="1799" y="3612"/>
+                </a:lnTo>
+                <a:lnTo>
+                  <a:pt x="1686" y="3609"/>
+                </a:lnTo>
+                <a:lnTo>
+                  <a:pt x="1574" y="3598"/>
+                </a:lnTo>
+                <a:lnTo>
+                  <a:pt x="1464" y="3581"/>
+                </a:lnTo>
+                <a:lnTo>
+                  <a:pt x="1357" y="3557"/>
+                </a:lnTo>
+                <a:lnTo>
+                  <a:pt x="1251" y="3527"/>
+                </a:lnTo>
+                <a:lnTo>
+                  <a:pt x="1150" y="3490"/>
+                </a:lnTo>
+                <a:lnTo>
+                  <a:pt x="1050" y="3448"/>
+                </a:lnTo>
+                <a:lnTo>
+                  <a:pt x="953" y="3401"/>
+                </a:lnTo>
+                <a:lnTo>
+                  <a:pt x="860" y="3347"/>
+                </a:lnTo>
+                <a:lnTo>
+                  <a:pt x="771" y="3289"/>
+                </a:lnTo>
+                <a:lnTo>
+                  <a:pt x="686" y="3224"/>
+                </a:lnTo>
+                <a:lnTo>
+                  <a:pt x="604" y="3156"/>
+                </a:lnTo>
+                <a:lnTo>
+                  <a:pt x="527" y="3083"/>
+                </a:lnTo>
+                <a:lnTo>
+                  <a:pt x="454" y="3005"/>
+                </a:lnTo>
+                <a:lnTo>
+                  <a:pt x="386" y="2923"/>
+                </a:lnTo>
+                <a:lnTo>
+                  <a:pt x="323" y="2838"/>
+                </a:lnTo>
+                <a:lnTo>
+                  <a:pt x="265" y="2748"/>
+                </a:lnTo>
+                <a:lnTo>
+                  <a:pt x="211" y="2655"/>
+                </a:lnTo>
+                <a:lnTo>
+                  <a:pt x="163" y="2559"/>
+                </a:lnTo>
+                <a:lnTo>
+                  <a:pt x="121" y="2459"/>
+                </a:lnTo>
+                <a:lnTo>
+                  <a:pt x="85" y="2356"/>
+                </a:lnTo>
+                <a:lnTo>
+                  <a:pt x="55" y="2251"/>
+                </a:lnTo>
+                <a:lnTo>
+                  <a:pt x="32" y="2143"/>
+                </a:lnTo>
+                <a:lnTo>
+                  <a:pt x="14" y="2033"/>
+                </a:lnTo>
+                <a:lnTo>
+                  <a:pt x="4" y="1920"/>
+                </a:lnTo>
+                <a:lnTo>
+                  <a:pt x="0" y="1806"/>
+                </a:lnTo>
+                <a:lnTo>
+                  <a:pt x="4" y="1692"/>
+                </a:lnTo>
+                <a:lnTo>
+                  <a:pt x="14" y="1580"/>
+                </a:lnTo>
+                <a:lnTo>
+                  <a:pt x="32" y="1469"/>
+                </a:lnTo>
+                <a:lnTo>
+                  <a:pt x="55" y="1362"/>
+                </a:lnTo>
+                <a:lnTo>
+                  <a:pt x="85" y="1256"/>
+                </a:lnTo>
+                <a:lnTo>
+                  <a:pt x="121" y="1154"/>
+                </a:lnTo>
+                <a:lnTo>
+                  <a:pt x="163" y="1054"/>
+                </a:lnTo>
+                <a:lnTo>
+                  <a:pt x="211" y="958"/>
+                </a:lnTo>
+                <a:lnTo>
+                  <a:pt x="265" y="864"/>
+                </a:lnTo>
+                <a:lnTo>
+                  <a:pt x="323" y="774"/>
+                </a:lnTo>
+                <a:lnTo>
+                  <a:pt x="386" y="689"/>
+                </a:lnTo>
+                <a:lnTo>
+                  <a:pt x="454" y="607"/>
+                </a:lnTo>
+                <a:lnTo>
+                  <a:pt x="527" y="529"/>
+                </a:lnTo>
+                <a:lnTo>
+                  <a:pt x="604" y="456"/>
+                </a:lnTo>
+                <a:lnTo>
+                  <a:pt x="686" y="388"/>
+                </a:lnTo>
+                <a:lnTo>
+                  <a:pt x="771" y="325"/>
+                </a:lnTo>
+                <a:lnTo>
+                  <a:pt x="860" y="266"/>
+                </a:lnTo>
+                <a:lnTo>
+                  <a:pt x="953" y="212"/>
+                </a:lnTo>
+                <a:lnTo>
+                  <a:pt x="1050" y="164"/>
+                </a:lnTo>
+                <a:lnTo>
+                  <a:pt x="1150" y="122"/>
+                </a:lnTo>
+                <a:lnTo>
+                  <a:pt x="1251" y="85"/>
+                </a:lnTo>
+                <a:lnTo>
+                  <a:pt x="1357" y="55"/>
+                </a:lnTo>
+                <a:lnTo>
+                  <a:pt x="1464" y="32"/>
+                </a:lnTo>
+                <a:lnTo>
+                  <a:pt x="1574" y="14"/>
+                </a:lnTo>
+                <a:lnTo>
+                  <a:pt x="1686" y="5"/>
+                </a:lnTo>
+                <a:lnTo>
+                  <a:pt x="1799" y="0"/>
+                </a:lnTo>
+                <a:close/>
+              </a:path>
+            </a:pathLst>
+          </a:custGeom>
+          <a:solidFill>
+            <a:schemeClr val="tx1">
+              <a:lumMod val="85000"/>
+              <a:lumOff val="15000"/>
+            </a:schemeClr>
+          </a:solidFill>
+          <a:ln w="0">
+            <a:noFill/>
+            <a:prstDash val="solid"/>
+            <a:round/>
+            <a:headEnd/>
+            <a:tailEnd/>
+          </a:ln>
+        </p:spPr>
       </p:sp>
+      <p:graphicFrame>
+        <p:nvGraphicFramePr>
+          <p:cNvPr id="16" name="Content Placeholder 2">
+            <a:extLst>
+              <a:ext uri="{FF2B5EF4-FFF2-40B4-BE49-F238E27FC236}">
+                <a16:creationId xmlns:a16="http://schemas.microsoft.com/office/drawing/2014/main" id="{A7D40852-7654-4E22-8ACD-A70A426B6335}"/>
+              </a:ext>
+            </a:extLst>
+          </p:cNvPr>
+          <p:cNvGraphicFramePr>
+            <a:graphicFrameLocks noGrp="1"/>
+          </p:cNvGraphicFramePr>
+          <p:nvPr>
+            <p:ph idx="1"/>
+            <p:extLst>
+              <p:ext uri="{D42A27DB-BD31-4B8C-83A1-F6EECF244321}">
+                <p14:modId xmlns:p14="http://schemas.microsoft.com/office/powerpoint/2010/main" val="3439674431"/>
+              </p:ext>
+            </p:extLst>
+          </p:nvPr>
+        </p:nvGraphicFramePr>
+        <p:xfrm>
+          <a:off x="762000" y="758825"/>
+          <a:ext cx="10668000" cy="3811588"/>
+        </p:xfrm>
+        <a:graphic>
+          <a:graphicData uri="http://schemas.openxmlformats.org/drawingml/2006/diagram">
+            <dgm:relIds xmlns:dgm="http://schemas.openxmlformats.org/drawingml/2006/diagram" xmlns:r="http://schemas.openxmlformats.org/officeDocument/2006/relationships" r:dm="rId2" r:lo="rId3" r:qs="rId4" r:cs="rId5"/>
+          </a:graphicData>
+        </a:graphic>
+      </p:graphicFrame>
     </p:spTree>
     <p:extLst>
       <p:ext uri="{BB962C8B-B14F-4D97-AF65-F5344CB8AC3E}">
@@ -6162,6 +12954,36 @@
           </a:p>
         </p:txBody>
       </p:sp>
+      <p:pic>
+        <p:nvPicPr>
+          <p:cNvPr id="4" name="Picture 3">
+            <a:extLst>
+              <a:ext uri="{FF2B5EF4-FFF2-40B4-BE49-F238E27FC236}">
+                <a16:creationId xmlns:a16="http://schemas.microsoft.com/office/drawing/2014/main" id="{B263E7CC-65A6-41BD-B8AD-4813E328560C}"/>
+              </a:ext>
+            </a:extLst>
+          </p:cNvPr>
+          <p:cNvPicPr>
+            <a:picLocks noChangeAspect="1"/>
+          </p:cNvPicPr>
+          <p:nvPr/>
+        </p:nvPicPr>
+        <p:blipFill>
+          <a:blip r:embed="rId2"/>
+          <a:stretch>
+            <a:fillRect/>
+          </a:stretch>
+        </p:blipFill>
+        <p:spPr>
+          <a:xfrm>
+            <a:off x="150725" y="963962"/>
+            <a:ext cx="12041275" cy="4251133"/>
+          </a:xfrm>
+          <a:prstGeom prst="rect">
+            <a:avLst/>
+          </a:prstGeom>
+        </p:spPr>
+      </p:pic>
     </p:spTree>
     <p:extLst>
       <p:ext uri="{BB962C8B-B14F-4D97-AF65-F5344CB8AC3E}">
@@ -6886,10 +13708,54 @@
           <a:bodyPr/>
           <a:lstStyle/>
           <a:p>
-            <a:pPr marL="0" indent="0">
-              <a:buNone/>
+            <a:pPr marL="457200" indent="-457200">
+              <a:buFont typeface="+mj-lt"/>
+              <a:buAutoNum type="arabicPeriod"/>
             </a:pPr>
-            <a:endParaRPr lang="en-US" dirty="0"/>
+            <a:r>
+              <a:rPr lang="en-US" dirty="0"/>
+              <a:t>Reduce Race, Ethnicity, Insurance granularity</a:t>
+            </a:r>
+          </a:p>
+          <a:p>
+            <a:pPr marL="457200" indent="-457200">
+              <a:buFont typeface="+mj-lt"/>
+              <a:buAutoNum type="arabicPeriod"/>
+            </a:pPr>
+            <a:r>
+              <a:rPr lang="en-US" dirty="0"/>
+              <a:t>Acquire Charter Approval</a:t>
+            </a:r>
+          </a:p>
+          <a:p>
+            <a:pPr marL="457200" indent="-457200">
+              <a:buFont typeface="+mj-lt"/>
+              <a:buAutoNum type="arabicPeriod"/>
+            </a:pPr>
+            <a:r>
+              <a:rPr lang="en-US" dirty="0"/>
+              <a:t>Build SQL database</a:t>
+            </a:r>
+          </a:p>
+          <a:p>
+            <a:pPr marL="457200" indent="-457200">
+              <a:buFont typeface="+mj-lt"/>
+              <a:buAutoNum type="arabicPeriod"/>
+            </a:pPr>
+            <a:r>
+              <a:rPr lang="en-US" dirty="0"/>
+              <a:t>Identify relationship between COVID table and repeated encounters</a:t>
+            </a:r>
+          </a:p>
+          <a:p>
+            <a:pPr marL="457200" indent="-457200">
+              <a:buFont typeface="+mj-lt"/>
+              <a:buAutoNum type="arabicPeriod"/>
+            </a:pPr>
+            <a:r>
+              <a:rPr lang="en-US" dirty="0"/>
+              <a:t>Build Dashboard</a:t>
+            </a:r>
           </a:p>
         </p:txBody>
       </p:sp>
@@ -7615,18 +14481,84 @@
             <p:ph idx="1"/>
           </p:nvPr>
         </p:nvSpPr>
-        <p:spPr/>
+        <p:spPr>
+          <a:xfrm>
+            <a:off x="8305798" y="569066"/>
+            <a:ext cx="3886202" cy="5655156"/>
+          </a:xfrm>
+        </p:spPr>
         <p:txBody>
           <a:bodyPr/>
           <a:lstStyle/>
           <a:p>
-            <a:pPr marL="0" indent="0">
-              <a:buNone/>
-            </a:pPr>
-            <a:endParaRPr lang="en-US" dirty="0"/>
+            <a:r>
+              <a:rPr lang="en-US" dirty="0"/>
+              <a:t>Completed data security training</a:t>
+            </a:r>
+          </a:p>
+          <a:p>
+            <a:r>
+              <a:rPr lang="en-US" dirty="0"/>
+              <a:t>Acquired data</a:t>
+            </a:r>
+          </a:p>
+          <a:p>
+            <a:r>
+              <a:rPr lang="en-US" dirty="0"/>
+              <a:t>Completed Charter Draft</a:t>
+            </a:r>
+          </a:p>
+          <a:p>
+            <a:pPr lvl="1"/>
+            <a:r>
+              <a:rPr lang="en-US" dirty="0"/>
+              <a:t>Pending Approval</a:t>
+            </a:r>
+          </a:p>
+          <a:p>
+            <a:r>
+              <a:rPr lang="en-US" dirty="0"/>
+              <a:t>Built Data Model</a:t>
+            </a:r>
+          </a:p>
+          <a:p>
+            <a:r>
+              <a:rPr lang="en-US" dirty="0"/>
+              <a:t>Stood up web interface</a:t>
+            </a:r>
           </a:p>
         </p:txBody>
       </p:sp>
+      <p:pic>
+        <p:nvPicPr>
+          <p:cNvPr id="4" name="Picture 3">
+            <a:extLst>
+              <a:ext uri="{FF2B5EF4-FFF2-40B4-BE49-F238E27FC236}">
+                <a16:creationId xmlns:a16="http://schemas.microsoft.com/office/drawing/2014/main" id="{4F9F7F2D-182B-4321-BB4D-FBA86C74B858}"/>
+              </a:ext>
+            </a:extLst>
+          </p:cNvPr>
+          <p:cNvPicPr>
+            <a:picLocks noChangeAspect="1"/>
+          </p:cNvPicPr>
+          <p:nvPr/>
+        </p:nvPicPr>
+        <p:blipFill>
+          <a:blip r:embed="rId3"/>
+          <a:stretch>
+            <a:fillRect/>
+          </a:stretch>
+        </p:blipFill>
+        <p:spPr>
+          <a:xfrm>
+            <a:off x="103461" y="1944884"/>
+            <a:ext cx="8202338" cy="4197096"/>
+          </a:xfrm>
+          <a:prstGeom prst="rect">
+            <a:avLst/>
+          </a:prstGeom>
+        </p:spPr>
+      </p:pic>
     </p:spTree>
     <p:extLst>
       <p:ext uri="{BB962C8B-B14F-4D97-AF65-F5344CB8AC3E}">
@@ -8330,34 +15262,37 @@
           </a:p>
         </p:txBody>
       </p:sp>
-      <p:sp>
-        <p:nvSpPr>
-          <p:cNvPr id="3" name="Content Placeholder 2">
+      <p:graphicFrame>
+        <p:nvGraphicFramePr>
+          <p:cNvPr id="5" name="Content Placeholder 2">
             <a:extLst>
               <a:ext uri="{FF2B5EF4-FFF2-40B4-BE49-F238E27FC236}">
-                <a16:creationId xmlns:a16="http://schemas.microsoft.com/office/drawing/2014/main" id="{3DA9E65B-F549-4843-AF20-8620532D132A}"/>
+                <a16:creationId xmlns:a16="http://schemas.microsoft.com/office/drawing/2014/main" id="{3B634C81-2472-4D76-99A0-EBDFC6EA5A15}"/>
               </a:ext>
             </a:extLst>
           </p:cNvPr>
-          <p:cNvSpPr>
-            <a:spLocks noGrp="1"/>
-          </p:cNvSpPr>
+          <p:cNvGraphicFramePr>
+            <a:graphicFrameLocks noGrp="1"/>
+          </p:cNvGraphicFramePr>
           <p:nvPr>
             <p:ph idx="1"/>
+            <p:extLst>
+              <p:ext uri="{D42A27DB-BD31-4B8C-83A1-F6EECF244321}">
+                <p14:modId xmlns:p14="http://schemas.microsoft.com/office/powerpoint/2010/main" val="3536891315"/>
+              </p:ext>
+            </p:extLst>
           </p:nvPr>
-        </p:nvSpPr>
-        <p:spPr/>
-        <p:txBody>
-          <a:bodyPr/>
-          <a:lstStyle/>
-          <a:p>
-            <a:pPr marL="0" indent="0">
-              <a:buNone/>
-            </a:pPr>
-            <a:endParaRPr lang="en-US" dirty="0"/>
-          </a:p>
-        </p:txBody>
-      </p:sp>
+        </p:nvGraphicFramePr>
+        <p:xfrm>
+          <a:off x="5181600" y="569066"/>
+          <a:ext cx="6248398" cy="5655156"/>
+        </p:xfrm>
+        <a:graphic>
+          <a:graphicData uri="http://schemas.openxmlformats.org/drawingml/2006/diagram">
+            <dgm:relIds xmlns:dgm="http://schemas.openxmlformats.org/drawingml/2006/diagram" xmlns:r="http://schemas.openxmlformats.org/officeDocument/2006/relationships" r:dm="rId2" r:lo="rId3" r:qs="rId4" r:cs="rId5"/>
+          </a:graphicData>
+        </a:graphic>
+      </p:graphicFrame>
     </p:spTree>
     <p:extLst>
       <p:ext uri="{BB962C8B-B14F-4D97-AF65-F5344CB8AC3E}">
@@ -9259,4 +16194,299 @@
     </a:ext>
   </a:extLst>
 </a:theme>
+</file>
+
+<file path=ppt/theme/theme2.xml><?xml version="1.0" encoding="utf-8"?>
+<a:theme xmlns:a="http://schemas.openxmlformats.org/drawingml/2006/main" name="Office Theme">
+  <a:themeElements>
+    <a:clrScheme name="Office">
+      <a:dk1>
+        <a:sysClr val="windowText" lastClr="000000"/>
+      </a:dk1>
+      <a:lt1>
+        <a:sysClr val="window" lastClr="FFFFFF"/>
+      </a:lt1>
+      <a:dk2>
+        <a:srgbClr val="44546A"/>
+      </a:dk2>
+      <a:lt2>
+        <a:srgbClr val="E7E6E6"/>
+      </a:lt2>
+      <a:accent1>
+        <a:srgbClr val="4472C4"/>
+      </a:accent1>
+      <a:accent2>
+        <a:srgbClr val="ED7D31"/>
+      </a:accent2>
+      <a:accent3>
+        <a:srgbClr val="A5A5A5"/>
+      </a:accent3>
+      <a:accent4>
+        <a:srgbClr val="FFC000"/>
+      </a:accent4>
+      <a:accent5>
+        <a:srgbClr val="5B9BD5"/>
+      </a:accent5>
+      <a:accent6>
+        <a:srgbClr val="70AD47"/>
+      </a:accent6>
+      <a:hlink>
+        <a:srgbClr val="0563C1"/>
+      </a:hlink>
+      <a:folHlink>
+        <a:srgbClr val="954F72"/>
+      </a:folHlink>
+    </a:clrScheme>
+    <a:fontScheme name="Office">
+      <a:majorFont>
+        <a:latin typeface="Calibri Light" panose="020F0302020204030204"/>
+        <a:ea typeface=""/>
+        <a:cs typeface=""/>
+        <a:font script="Jpan" typeface="游ゴシック Light"/>
+        <a:font script="Hang" typeface="맑은 고딕"/>
+        <a:font script="Hans" typeface="等线 Light"/>
+        <a:font script="Hant" typeface="新細明體"/>
+        <a:font script="Arab" typeface="Times New Roman"/>
+        <a:font script="Hebr" typeface="Times New Roman"/>
+        <a:font script="Thai" typeface="Angsana New"/>
+        <a:font script="Ethi" typeface="Nyala"/>
+        <a:font script="Beng" typeface="Vrinda"/>
+        <a:font script="Gujr" typeface="Shruti"/>
+        <a:font script="Khmr" typeface="MoolBoran"/>
+        <a:font script="Knda" typeface="Tunga"/>
+        <a:font script="Guru" typeface="Raavi"/>
+        <a:font script="Cans" typeface="Euphemia"/>
+        <a:font script="Cher" typeface="Plantagenet Cherokee"/>
+        <a:font script="Yiii" typeface="Microsoft Yi Baiti"/>
+        <a:font script="Tibt" typeface="Microsoft Himalaya"/>
+        <a:font script="Thaa" typeface="MV Boli"/>
+        <a:font script="Deva" typeface="Mangal"/>
+        <a:font script="Telu" typeface="Gautami"/>
+        <a:font script="Taml" typeface="Latha"/>
+        <a:font script="Syrc" typeface="Estrangelo Edessa"/>
+        <a:font script="Orya" typeface="Kalinga"/>
+        <a:font script="Mlym" typeface="Kartika"/>
+        <a:font script="Laoo" typeface="DokChampa"/>
+        <a:font script="Sinh" typeface="Iskoola Pota"/>
+        <a:font script="Mong" typeface="Mongolian Baiti"/>
+        <a:font script="Viet" typeface="Times New Roman"/>
+        <a:font script="Uigh" typeface="Microsoft Uighur"/>
+        <a:font script="Geor" typeface="Sylfaen"/>
+        <a:font script="Armn" typeface="Arial"/>
+        <a:font script="Bugi" typeface="Leelawadee UI"/>
+        <a:font script="Bopo" typeface="Microsoft JhengHei"/>
+        <a:font script="Java" typeface="Javanese Text"/>
+        <a:font script="Lisu" typeface="Segoe UI"/>
+        <a:font script="Mymr" typeface="Myanmar Text"/>
+        <a:font script="Nkoo" typeface="Ebrima"/>
+        <a:font script="Olck" typeface="Nirmala UI"/>
+        <a:font script="Osma" typeface="Ebrima"/>
+        <a:font script="Phag" typeface="Phagspa"/>
+        <a:font script="Syrn" typeface="Estrangelo Edessa"/>
+        <a:font script="Syrj" typeface="Estrangelo Edessa"/>
+        <a:font script="Syre" typeface="Estrangelo Edessa"/>
+        <a:font script="Sora" typeface="Nirmala UI"/>
+        <a:font script="Tale" typeface="Microsoft Tai Le"/>
+        <a:font script="Talu" typeface="Microsoft New Tai Lue"/>
+        <a:font script="Tfng" typeface="Ebrima"/>
+      </a:majorFont>
+      <a:minorFont>
+        <a:latin typeface="Calibri" panose="020F0502020204030204"/>
+        <a:ea typeface=""/>
+        <a:cs typeface=""/>
+        <a:font script="Jpan" typeface="游ゴシック"/>
+        <a:font script="Hang" typeface="맑은 고딕"/>
+        <a:font script="Hans" typeface="等线"/>
+        <a:font script="Hant" typeface="新細明體"/>
+        <a:font script="Arab" typeface="Arial"/>
+        <a:font script="Hebr" typeface="Arial"/>
+        <a:font script="Thai" typeface="Cordia New"/>
+        <a:font script="Ethi" typeface="Nyala"/>
+        <a:font script="Beng" typeface="Vrinda"/>
+        <a:font script="Gujr" typeface="Shruti"/>
+        <a:font script="Khmr" typeface="DaunPenh"/>
+        <a:font script="Knda" typeface="Tunga"/>
+        <a:font script="Guru" typeface="Raavi"/>
+        <a:font script="Cans" typeface="Euphemia"/>
+        <a:font script="Cher" typeface="Plantagenet Cherokee"/>
+        <a:font script="Yiii" typeface="Microsoft Yi Baiti"/>
+        <a:font script="Tibt" typeface="Microsoft Himalaya"/>
+        <a:font script="Thaa" typeface="MV Boli"/>
+        <a:font script="Deva" typeface="Mangal"/>
+        <a:font script="Telu" typeface="Gautami"/>
+        <a:font script="Taml" typeface="Latha"/>
+        <a:font script="Syrc" typeface="Estrangelo Edessa"/>
+        <a:font script="Orya" typeface="Kalinga"/>
+        <a:font script="Mlym" typeface="Kartika"/>
+        <a:font script="Laoo" typeface="DokChampa"/>
+        <a:font script="Sinh" typeface="Iskoola Pota"/>
+        <a:font script="Mong" typeface="Mongolian Baiti"/>
+        <a:font script="Viet" typeface="Arial"/>
+        <a:font script="Uigh" typeface="Microsoft Uighur"/>
+        <a:font script="Geor" typeface="Sylfaen"/>
+        <a:font script="Armn" typeface="Arial"/>
+        <a:font script="Bugi" typeface="Leelawadee UI"/>
+        <a:font script="Bopo" typeface="Microsoft JhengHei"/>
+        <a:font script="Java" typeface="Javanese Text"/>
+        <a:font script="Lisu" typeface="Segoe UI"/>
+        <a:font script="Mymr" typeface="Myanmar Text"/>
+        <a:font script="Nkoo" typeface="Ebrima"/>
+        <a:font script="Olck" typeface="Nirmala UI"/>
+        <a:font script="Osma" typeface="Ebrima"/>
+        <a:font script="Phag" typeface="Phagspa"/>
+        <a:font script="Syrn" typeface="Estrangelo Edessa"/>
+        <a:font script="Syrj" typeface="Estrangelo Edessa"/>
+        <a:font script="Syre" typeface="Estrangelo Edessa"/>
+        <a:font script="Sora" typeface="Nirmala UI"/>
+        <a:font script="Tale" typeface="Microsoft Tai Le"/>
+        <a:font script="Talu" typeface="Microsoft New Tai Lue"/>
+        <a:font script="Tfng" typeface="Ebrima"/>
+      </a:minorFont>
+    </a:fontScheme>
+    <a:fmtScheme name="Office">
+      <a:fillStyleLst>
+        <a:solidFill>
+          <a:schemeClr val="phClr"/>
+        </a:solidFill>
+        <a:gradFill rotWithShape="1">
+          <a:gsLst>
+            <a:gs pos="0">
+              <a:schemeClr val="phClr">
+                <a:lumMod val="110000"/>
+                <a:satMod val="105000"/>
+                <a:tint val="67000"/>
+              </a:schemeClr>
+            </a:gs>
+            <a:gs pos="50000">
+              <a:schemeClr val="phClr">
+                <a:lumMod val="105000"/>
+                <a:satMod val="103000"/>
+                <a:tint val="73000"/>
+              </a:schemeClr>
+            </a:gs>
+            <a:gs pos="100000">
+              <a:schemeClr val="phClr">
+                <a:lumMod val="105000"/>
+                <a:satMod val="109000"/>
+                <a:tint val="81000"/>
+              </a:schemeClr>
+            </a:gs>
+          </a:gsLst>
+          <a:lin ang="5400000" scaled="0"/>
+        </a:gradFill>
+        <a:gradFill rotWithShape="1">
+          <a:gsLst>
+            <a:gs pos="0">
+              <a:schemeClr val="phClr">
+                <a:satMod val="103000"/>
+                <a:lumMod val="102000"/>
+                <a:tint val="94000"/>
+              </a:schemeClr>
+            </a:gs>
+            <a:gs pos="50000">
+              <a:schemeClr val="phClr">
+                <a:satMod val="110000"/>
+                <a:lumMod val="100000"/>
+                <a:shade val="100000"/>
+              </a:schemeClr>
+            </a:gs>
+            <a:gs pos="100000">
+              <a:schemeClr val="phClr">
+                <a:lumMod val="99000"/>
+                <a:satMod val="120000"/>
+                <a:shade val="78000"/>
+              </a:schemeClr>
+            </a:gs>
+          </a:gsLst>
+          <a:lin ang="5400000" scaled="0"/>
+        </a:gradFill>
+      </a:fillStyleLst>
+      <a:lnStyleLst>
+        <a:ln w="6350" cap="flat" cmpd="sng" algn="ctr">
+          <a:solidFill>
+            <a:schemeClr val="phClr"/>
+          </a:solidFill>
+          <a:prstDash val="solid"/>
+          <a:miter lim="800000"/>
+        </a:ln>
+        <a:ln w="12700" cap="flat" cmpd="sng" algn="ctr">
+          <a:solidFill>
+            <a:schemeClr val="phClr"/>
+          </a:solidFill>
+          <a:prstDash val="solid"/>
+          <a:miter lim="800000"/>
+        </a:ln>
+        <a:ln w="19050" cap="flat" cmpd="sng" algn="ctr">
+          <a:solidFill>
+            <a:schemeClr val="phClr"/>
+          </a:solidFill>
+          <a:prstDash val="solid"/>
+          <a:miter lim="800000"/>
+        </a:ln>
+      </a:lnStyleLst>
+      <a:effectStyleLst>
+        <a:effectStyle>
+          <a:effectLst/>
+        </a:effectStyle>
+        <a:effectStyle>
+          <a:effectLst/>
+        </a:effectStyle>
+        <a:effectStyle>
+          <a:effectLst>
+            <a:outerShdw blurRad="57150" dist="19050" dir="5400000" algn="ctr" rotWithShape="0">
+              <a:srgbClr val="000000">
+                <a:alpha val="63000"/>
+              </a:srgbClr>
+            </a:outerShdw>
+          </a:effectLst>
+        </a:effectStyle>
+      </a:effectStyleLst>
+      <a:bgFillStyleLst>
+        <a:solidFill>
+          <a:schemeClr val="phClr"/>
+        </a:solidFill>
+        <a:solidFill>
+          <a:schemeClr val="phClr">
+            <a:tint val="95000"/>
+            <a:satMod val="170000"/>
+          </a:schemeClr>
+        </a:solidFill>
+        <a:gradFill rotWithShape="1">
+          <a:gsLst>
+            <a:gs pos="0">
+              <a:schemeClr val="phClr">
+                <a:tint val="93000"/>
+                <a:satMod val="150000"/>
+                <a:shade val="98000"/>
+                <a:lumMod val="102000"/>
+              </a:schemeClr>
+            </a:gs>
+            <a:gs pos="50000">
+              <a:schemeClr val="phClr">
+                <a:tint val="98000"/>
+                <a:satMod val="130000"/>
+                <a:shade val="90000"/>
+                <a:lumMod val="103000"/>
+              </a:schemeClr>
+            </a:gs>
+            <a:gs pos="100000">
+              <a:schemeClr val="phClr">
+                <a:shade val="63000"/>
+                <a:satMod val="120000"/>
+              </a:schemeClr>
+            </a:gs>
+          </a:gsLst>
+          <a:lin ang="5400000" scaled="0"/>
+        </a:gradFill>
+      </a:bgFillStyleLst>
+    </a:fmtScheme>
+  </a:themeElements>
+  <a:objectDefaults/>
+  <a:extraClrSchemeLst/>
+  <a:extLst>
+    <a:ext uri="{05A4C25C-085E-4340-85A3-A5531E510DB2}">
+      <thm15:themeFamily xmlns:thm15="http://schemas.microsoft.com/office/thememl/2012/main" name="Office Theme" id="{62F939B6-93AF-4DB8-9C6B-D6C7DFDC589F}" vid="{4A3C46E8-61CC-4603-A589-7422A47A8E4A}"/>
+    </a:ext>
+  </a:extLst>
+</a:theme>
 </file>
--- a/Docs/ClassMeetings/2022_02_21_ClassMeeting.pptx
+++ b/Docs/ClassMeetings/2022_02_21_ClassMeeting.pptx
@@ -165,7 +165,7 @@
 <file path=ppt/revisionInfo.xml><?xml version="1.0" encoding="utf-8"?>
 <p1510:revInfo xmlns:a="http://schemas.openxmlformats.org/drawingml/2006/main" xmlns:r="http://schemas.openxmlformats.org/officeDocument/2006/relationships" xmlns:p1510="http://schemas.microsoft.com/office/powerpoint/2015/10/main">
   <p1510:revLst>
-    <p1510:client id="{D79CA1E1-9813-4F18-B9A1-91FE1AAB81A4}" v="28" dt="2022-02-16T20:30:58.790"/>
+    <p1510:client id="{D79CA1E1-9813-4F18-B9A1-91FE1AAB81A4}" v="61" dt="2022-02-22T21:16:23.015"/>
   </p1510:revLst>
 </p1510:revInfo>
 </file>
@@ -175,7 +175,7 @@
   <pc:docChgLst>
     <pc:chgData name="Derek Caramella" userId="286e2ff89c220aa4" providerId="LiveId" clId="{D79CA1E1-9813-4F18-B9A1-91FE1AAB81A4}"/>
     <pc:docChg chg="undo custSel modSld">
-      <pc:chgData name="Derek Caramella" userId="286e2ff89c220aa4" providerId="LiveId" clId="{D79CA1E1-9813-4F18-B9A1-91FE1AAB81A4}" dt="2022-02-16T20:31:28.329" v="700" actId="20577"/>
+      <pc:chgData name="Derek Caramella" userId="286e2ff89c220aa4" providerId="LiveId" clId="{D79CA1E1-9813-4F18-B9A1-91FE1AAB81A4}" dt="2022-02-22T21:16:23.014" v="939" actId="20577"/>
       <pc:docMkLst>
         <pc:docMk/>
       </pc:docMkLst>
@@ -195,13 +195,21 @@
         </pc:spChg>
       </pc:sldChg>
       <pc:sldChg chg="modSp mod">
-        <pc:chgData name="Derek Caramella" userId="286e2ff89c220aa4" providerId="LiveId" clId="{D79CA1E1-9813-4F18-B9A1-91FE1AAB81A4}" dt="2022-02-16T20:31:10.626" v="696" actId="20577"/>
+        <pc:chgData name="Derek Caramella" userId="286e2ff89c220aa4" providerId="LiveId" clId="{D79CA1E1-9813-4F18-B9A1-91FE1AAB81A4}" dt="2022-02-22T21:15:47.194" v="907" actId="20577"/>
         <pc:sldMkLst>
           <pc:docMk/>
           <pc:sldMk cId="437308345" sldId="263"/>
         </pc:sldMkLst>
         <pc:spChg chg="mod">
-          <ac:chgData name="Derek Caramella" userId="286e2ff89c220aa4" providerId="LiveId" clId="{D79CA1E1-9813-4F18-B9A1-91FE1AAB81A4}" dt="2022-02-16T20:31:10.626" v="696" actId="20577"/>
+          <ac:chgData name="Derek Caramella" userId="286e2ff89c220aa4" providerId="LiveId" clId="{D79CA1E1-9813-4F18-B9A1-91FE1AAB81A4}" dt="2022-02-22T21:14:31.053" v="790" actId="6549"/>
+          <ac:spMkLst>
+            <pc:docMk/>
+            <pc:sldMk cId="437308345" sldId="263"/>
+            <ac:spMk id="2" creationId="{C3663143-7595-4B6A-ACBB-D63506DC6D59}"/>
+          </ac:spMkLst>
+        </pc:spChg>
+        <pc:spChg chg="mod">
+          <ac:chgData name="Derek Caramella" userId="286e2ff89c220aa4" providerId="LiveId" clId="{D79CA1E1-9813-4F18-B9A1-91FE1AAB81A4}" dt="2022-02-22T21:15:47.194" v="907" actId="20577"/>
           <ac:spMkLst>
             <pc:docMk/>
             <pc:sldMk cId="437308345" sldId="263"/>
@@ -209,29 +217,93 @@
           </ac:spMkLst>
         </pc:spChg>
       </pc:sldChg>
-      <pc:sldChg chg="addSp modSp mod">
-        <pc:chgData name="Derek Caramella" userId="286e2ff89c220aa4" providerId="LiveId" clId="{D79CA1E1-9813-4F18-B9A1-91FE1AAB81A4}" dt="2022-02-16T20:25:51.093" v="208" actId="14100"/>
+      <pc:sldChg chg="addSp delSp modSp mod setBg">
+        <pc:chgData name="Derek Caramella" userId="286e2ff89c220aa4" providerId="LiveId" clId="{D79CA1E1-9813-4F18-B9A1-91FE1AAB81A4}" dt="2022-02-22T20:28:55.985" v="706" actId="14100"/>
         <pc:sldMkLst>
           <pc:docMk/>
           <pc:sldMk cId="3327278647" sldId="271"/>
         </pc:sldMkLst>
-        <pc:picChg chg="add mod">
-          <ac:chgData name="Derek Caramella" userId="286e2ff89c220aa4" providerId="LiveId" clId="{D79CA1E1-9813-4F18-B9A1-91FE1AAB81A4}" dt="2022-02-16T20:25:51.093" v="208" actId="14100"/>
+        <pc:spChg chg="mod">
+          <ac:chgData name="Derek Caramella" userId="286e2ff89c220aa4" providerId="LiveId" clId="{D79CA1E1-9813-4F18-B9A1-91FE1AAB81A4}" dt="2022-02-22T20:28:53.067" v="705" actId="26606"/>
+          <ac:spMkLst>
+            <pc:docMk/>
+            <pc:sldMk cId="3327278647" sldId="271"/>
+            <ac:spMk id="2" creationId="{95E5E508-929A-49F7-A59A-BC689FE2DE80}"/>
+          </ac:spMkLst>
+        </pc:spChg>
+        <pc:spChg chg="add">
+          <ac:chgData name="Derek Caramella" userId="286e2ff89c220aa4" providerId="LiveId" clId="{D79CA1E1-9813-4F18-B9A1-91FE1AAB81A4}" dt="2022-02-22T20:28:53.067" v="705" actId="26606"/>
+          <ac:spMkLst>
+            <pc:docMk/>
+            <pc:sldMk cId="3327278647" sldId="271"/>
+            <ac:spMk id="10" creationId="{49EC5C96-A5B7-48AF-865B-32EA92606F85}"/>
+          </ac:spMkLst>
+        </pc:spChg>
+        <pc:spChg chg="add">
+          <ac:chgData name="Derek Caramella" userId="286e2ff89c220aa4" providerId="LiveId" clId="{D79CA1E1-9813-4F18-B9A1-91FE1AAB81A4}" dt="2022-02-22T20:28:53.067" v="705" actId="26606"/>
+          <ac:spMkLst>
+            <pc:docMk/>
+            <pc:sldMk cId="3327278647" sldId="271"/>
+            <ac:spMk id="14" creationId="{9F8CD012-29F5-45B8-83DF-393C0A213BB2}"/>
+          </ac:spMkLst>
+        </pc:spChg>
+        <pc:spChg chg="add">
+          <ac:chgData name="Derek Caramella" userId="286e2ff89c220aa4" providerId="LiveId" clId="{D79CA1E1-9813-4F18-B9A1-91FE1AAB81A4}" dt="2022-02-22T20:28:53.067" v="705" actId="26606"/>
+          <ac:spMkLst>
+            <pc:docMk/>
+            <pc:sldMk cId="3327278647" sldId="271"/>
+            <ac:spMk id="16" creationId="{D5807261-5AA8-4462-847C-7789D26717C1}"/>
+          </ac:spMkLst>
+        </pc:spChg>
+        <pc:spChg chg="add">
+          <ac:chgData name="Derek Caramella" userId="286e2ff89c220aa4" providerId="LiveId" clId="{D79CA1E1-9813-4F18-B9A1-91FE1AAB81A4}" dt="2022-02-22T20:28:53.067" v="705" actId="26606"/>
+          <ac:spMkLst>
+            <pc:docMk/>
+            <pc:sldMk cId="3327278647" sldId="271"/>
+            <ac:spMk id="18" creationId="{5C9F31C1-4E46-4A89-877A-24BBC6D3F47D}"/>
+          </ac:spMkLst>
+        </pc:spChg>
+        <pc:picChg chg="add del mod">
+          <ac:chgData name="Derek Caramella" userId="286e2ff89c220aa4" providerId="LiveId" clId="{D79CA1E1-9813-4F18-B9A1-91FE1AAB81A4}" dt="2022-02-22T20:28:46.505" v="701" actId="478"/>
           <ac:picMkLst>
             <pc:docMk/>
             <pc:sldMk cId="3327278647" sldId="271"/>
             <ac:picMk id="4" creationId="{B263E7CC-65A6-41BD-B8AD-4813E328560C}"/>
           </ac:picMkLst>
         </pc:picChg>
+        <pc:picChg chg="add mod">
+          <ac:chgData name="Derek Caramella" userId="286e2ff89c220aa4" providerId="LiveId" clId="{D79CA1E1-9813-4F18-B9A1-91FE1AAB81A4}" dt="2022-02-22T20:28:55.985" v="706" actId="14100"/>
+          <ac:picMkLst>
+            <pc:docMk/>
+            <pc:sldMk cId="3327278647" sldId="271"/>
+            <ac:picMk id="5" creationId="{C5D649C9-1341-424C-94DA-3CCAF318D206}"/>
+          </ac:picMkLst>
+        </pc:picChg>
+        <pc:cxnChg chg="add">
+          <ac:chgData name="Derek Caramella" userId="286e2ff89c220aa4" providerId="LiveId" clId="{D79CA1E1-9813-4F18-B9A1-91FE1AAB81A4}" dt="2022-02-22T20:28:53.067" v="705" actId="26606"/>
+          <ac:cxnSpMkLst>
+            <pc:docMk/>
+            <pc:sldMk cId="3327278647" sldId="271"/>
+            <ac:cxnSpMk id="12" creationId="{87D3361C-8AD4-4C09-8E01-4332488617AB}"/>
+          </ac:cxnSpMkLst>
+        </pc:cxnChg>
+        <pc:cxnChg chg="add">
+          <ac:chgData name="Derek Caramella" userId="286e2ff89c220aa4" providerId="LiveId" clId="{D79CA1E1-9813-4F18-B9A1-91FE1AAB81A4}" dt="2022-02-22T20:28:53.067" v="705" actId="26606"/>
+          <ac:cxnSpMkLst>
+            <pc:docMk/>
+            <pc:sldMk cId="3327278647" sldId="271"/>
+            <ac:cxnSpMk id="20" creationId="{99B864D8-020F-455C-951E-BECB1D7E9E86}"/>
+          </ac:cxnSpMkLst>
+        </pc:cxnChg>
       </pc:sldChg>
       <pc:sldChg chg="addSp modSp mod">
-        <pc:chgData name="Derek Caramella" userId="286e2ff89c220aa4" providerId="LiveId" clId="{D79CA1E1-9813-4F18-B9A1-91FE1AAB81A4}" dt="2022-02-16T20:30:47.102" v="667" actId="20577"/>
+        <pc:chgData name="Derek Caramella" userId="286e2ff89c220aa4" providerId="LiveId" clId="{D79CA1E1-9813-4F18-B9A1-91FE1AAB81A4}" dt="2022-02-22T20:29:46.246" v="769" actId="20577"/>
         <pc:sldMkLst>
           <pc:docMk/>
           <pc:sldMk cId="1292194066" sldId="272"/>
         </pc:sldMkLst>
         <pc:spChg chg="mod">
-          <ac:chgData name="Derek Caramella" userId="286e2ff89c220aa4" providerId="LiveId" clId="{D79CA1E1-9813-4F18-B9A1-91FE1AAB81A4}" dt="2022-02-16T20:30:47.102" v="667" actId="20577"/>
+          <ac:chgData name="Derek Caramella" userId="286e2ff89c220aa4" providerId="LiveId" clId="{D79CA1E1-9813-4F18-B9A1-91FE1AAB81A4}" dt="2022-02-22T20:29:46.246" v="769" actId="20577"/>
           <ac:spMkLst>
             <pc:docMk/>
             <pc:sldMk cId="1292194066" sldId="272"/>
@@ -271,7 +343,7 @@
         </pc:graphicFrameChg>
       </pc:sldChg>
       <pc:sldChg chg="addSp delSp modSp mod setBg">
-        <pc:chgData name="Derek Caramella" userId="286e2ff89c220aa4" providerId="LiveId" clId="{D79CA1E1-9813-4F18-B9A1-91FE1AAB81A4}" dt="2022-02-16T20:30:58.790" v="692" actId="20577"/>
+        <pc:chgData name="Derek Caramella" userId="286e2ff89c220aa4" providerId="LiveId" clId="{D79CA1E1-9813-4F18-B9A1-91FE1AAB81A4}" dt="2022-02-22T21:16:23.014" v="939" actId="20577"/>
         <pc:sldMkLst>
           <pc:docMk/>
           <pc:sldMk cId="1761143524" sldId="274"/>
@@ -325,7 +397,7 @@
           </ac:graphicFrameMkLst>
         </pc:graphicFrameChg>
         <pc:graphicFrameChg chg="add mod">
-          <ac:chgData name="Derek Caramella" userId="286e2ff89c220aa4" providerId="LiveId" clId="{D79CA1E1-9813-4F18-B9A1-91FE1AAB81A4}" dt="2022-02-16T20:30:58.790" v="692" actId="20577"/>
+          <ac:chgData name="Derek Caramella" userId="286e2ff89c220aa4" providerId="LiveId" clId="{D79CA1E1-9813-4F18-B9A1-91FE1AAB81A4}" dt="2022-02-22T21:16:23.014" v="939" actId="20577"/>
           <ac:graphicFrameMkLst>
             <pc:docMk/>
             <pc:sldMk cId="1761143524" sldId="274"/>
@@ -3748,54 +3820,6 @@
         </a:p>
       </dgm:t>
     </dgm:pt>
-    <dgm:pt modelId="{5B94D14B-23B3-4714-88BE-73F9455B1C55}">
-      <dgm:prSet/>
-      <dgm:spPr/>
-      <dgm:t>
-        <a:bodyPr/>
-        <a:lstStyle/>
-        <a:p>
-          <a:r>
-            <a:rPr lang="en-US" u="none" baseline="0" dirty="0"/>
-            <a:t>Develop </a:t>
-          </a:r>
-          <a:r>
-            <a:rPr lang="en-US" u="none" baseline="0" dirty="0" err="1"/>
-            <a:t>SQLLite</a:t>
-          </a:r>
-          <a:r>
-            <a:rPr lang="en-US" u="none" baseline="0" dirty="0"/>
-            <a:t> database</a:t>
-          </a:r>
-          <a:endParaRPr lang="en-US" u="none" dirty="0"/>
-        </a:p>
-      </dgm:t>
-    </dgm:pt>
-    <dgm:pt modelId="{6AB2EDB8-CB45-4048-AD06-9EB474CD9CB5}" type="parTrans" cxnId="{6A415EC1-5803-4942-B0A4-A9D76B5027D5}">
-      <dgm:prSet/>
-      <dgm:spPr/>
-      <dgm:t>
-        <a:bodyPr/>
-        <a:lstStyle/>
-        <a:p>
-          <a:endParaRPr lang="en-US"/>
-        </a:p>
-      </dgm:t>
-    </dgm:pt>
-    <dgm:pt modelId="{3708AE3D-EDC3-48DD-A7A4-6EA54A920A63}" type="sibTrans" cxnId="{6A415EC1-5803-4942-B0A4-A9D76B5027D5}">
-      <dgm:prSet phldrT="1" phldr="0"/>
-      <dgm:spPr/>
-      <dgm:t>
-        <a:bodyPr/>
-        <a:lstStyle/>
-        <a:p>
-          <a:r>
-            <a:rPr lang="en-US"/>
-            <a:t>1</a:t>
-          </a:r>
-        </a:p>
-      </dgm:t>
-    </dgm:pt>
     <dgm:pt modelId="{C7060828-7C0F-468D-9894-2B7987E798E6}">
       <dgm:prSet/>
       <dgm:spPr/>
@@ -3804,10 +3828,18 @@
         <a:lstStyle/>
         <a:p>
           <a:r>
-            <a:rPr lang="en-US" baseline="0"/>
-            <a:t>Deploy onto SQLLite database to AWS MySQL server</a:t>
+            <a:rPr lang="en-US" baseline="0" dirty="0"/>
+            <a:t>Deploy </a:t>
           </a:r>
-          <a:endParaRPr lang="en-US"/>
+          <a:r>
+            <a:rPr lang="en-US" baseline="0" dirty="0" err="1"/>
+            <a:t>SQLLite</a:t>
+          </a:r>
+          <a:r>
+            <a:rPr lang="en-US" baseline="0" dirty="0"/>
+            <a:t> database to AWS MySQL server</a:t>
+          </a:r>
+          <a:endParaRPr lang="en-US" dirty="0"/>
         </a:p>
       </dgm:t>
     </dgm:pt>
@@ -3823,7 +3855,7 @@
       </dgm:t>
     </dgm:pt>
     <dgm:pt modelId="{D44E7D66-4410-4E2D-AF4E-55703E9EA7BB}" type="sibTrans" cxnId="{E0BE1E0D-AB84-4D35-A0FB-755444CE8F37}">
-      <dgm:prSet phldrT="2" phldr="0"/>
+      <dgm:prSet phldrT="1" phldr="0"/>
       <dgm:spPr/>
       <dgm:t>
         <a:bodyPr/>
@@ -3831,7 +3863,7 @@
         <a:p>
           <a:r>
             <a:rPr lang="en-US"/>
-            <a:t>2</a:t>
+            <a:t>1</a:t>
           </a:r>
         </a:p>
       </dgm:t>
@@ -3871,7 +3903,7 @@
       </dgm:t>
     </dgm:pt>
     <dgm:pt modelId="{4815E8B3-AE0A-4D37-BB24-AFCA482F7093}" type="sibTrans" cxnId="{954037A4-489C-4E3F-9D55-297F77BA3B3C}">
-      <dgm:prSet phldrT="3" phldr="0"/>
+      <dgm:prSet phldrT="2" phldr="0"/>
       <dgm:spPr/>
       <dgm:t>
         <a:bodyPr/>
@@ -3879,7 +3911,7 @@
         <a:p>
           <a:r>
             <a:rPr lang="en-US"/>
-            <a:t>3</a:t>
+            <a:t>2</a:t>
           </a:r>
         </a:p>
       </dgm:t>
@@ -3901,8 +3933,54 @@
     <dgm:pt modelId="{B953F1A7-4D8F-4768-B6E7-BAF8A7DAAA14}" type="parTrans" cxnId="{C6C47765-92EF-418D-A196-516A48A42CB3}">
       <dgm:prSet/>
       <dgm:spPr/>
+      <dgm:t>
+        <a:bodyPr/>
+        <a:lstStyle/>
+        <a:p>
+          <a:endParaRPr lang="en-US"/>
+        </a:p>
+      </dgm:t>
     </dgm:pt>
     <dgm:pt modelId="{4124690B-B1F5-4AD6-8A7C-EA72304A9AAA}" type="sibTrans" cxnId="{C6C47765-92EF-418D-A196-516A48A42CB3}">
+      <dgm:prSet phldrT="3" phldr="0"/>
+      <dgm:spPr/>
+      <dgm:t>
+        <a:bodyPr/>
+        <a:lstStyle/>
+        <a:p>
+          <a:r>
+            <a:rPr lang="en-US"/>
+            <a:t>3</a:t>
+          </a:r>
+        </a:p>
+      </dgm:t>
+    </dgm:pt>
+    <dgm:pt modelId="{F9F68EC2-F797-419A-B5EE-0B0F9FAB8559}">
+      <dgm:prSet/>
+      <dgm:spPr/>
+      <dgm:t>
+        <a:bodyPr/>
+        <a:lstStyle/>
+        <a:p>
+          <a:r>
+            <a:rPr lang="en-US" dirty="0"/>
+            <a:t>Begin Baseline Model</a:t>
+          </a:r>
+        </a:p>
+      </dgm:t>
+    </dgm:pt>
+    <dgm:pt modelId="{32FB17EC-C7AE-4A97-8514-99F81AE4ADA8}" type="parTrans" cxnId="{7ACA1E2E-8A18-4F19-9ABA-95C017C3E753}">
+      <dgm:prSet/>
+      <dgm:spPr/>
+      <dgm:t>
+        <a:bodyPr/>
+        <a:lstStyle/>
+        <a:p>
+          <a:endParaRPr lang="en-US"/>
+        </a:p>
+      </dgm:t>
+    </dgm:pt>
+    <dgm:pt modelId="{B92CBB65-2EFA-4E8F-9C84-94D5887993B4}" type="sibTrans" cxnId="{7ACA1E2E-8A18-4F19-9ABA-95C017C3E753}">
       <dgm:prSet phldrT="4" phldr="0"/>
       <dgm:spPr/>
       <dgm:t>
@@ -3925,45 +4003,6 @@
       </dgm:prSet>
       <dgm:spPr/>
     </dgm:pt>
-    <dgm:pt modelId="{27F8700F-2827-4D08-A5C9-52C5B1E827DF}" type="pres">
-      <dgm:prSet presAssocID="{5B94D14B-23B3-4714-88BE-73F9455B1C55}" presName="compositeNode" presStyleCnt="0">
-        <dgm:presLayoutVars>
-          <dgm:bulletEnabled val="1"/>
-        </dgm:presLayoutVars>
-      </dgm:prSet>
-      <dgm:spPr/>
-    </dgm:pt>
-    <dgm:pt modelId="{2EC2483E-3BF5-4D19-A765-6E0E93E39F24}" type="pres">
-      <dgm:prSet presAssocID="{5B94D14B-23B3-4714-88BE-73F9455B1C55}" presName="bgRect" presStyleLbl="bgAccFollowNode1" presStyleIdx="0" presStyleCnt="4"/>
-      <dgm:spPr/>
-    </dgm:pt>
-    <dgm:pt modelId="{17F44804-A7D4-4BE4-8298-10136539A828}" type="pres">
-      <dgm:prSet presAssocID="{3708AE3D-EDC3-48DD-A7A4-6EA54A920A63}" presName="sibTransNodeCircle" presStyleLbl="alignNode1" presStyleIdx="0" presStyleCnt="8">
-        <dgm:presLayoutVars>
-          <dgm:chMax val="0"/>
-          <dgm:bulletEnabled/>
-        </dgm:presLayoutVars>
-      </dgm:prSet>
-      <dgm:spPr/>
-    </dgm:pt>
-    <dgm:pt modelId="{A9FFFE51-EAF6-4BAE-B457-8CF6251220FC}" type="pres">
-      <dgm:prSet presAssocID="{5B94D14B-23B3-4714-88BE-73F9455B1C55}" presName="bottomLine" presStyleLbl="alignNode1" presStyleIdx="1" presStyleCnt="8">
-        <dgm:presLayoutVars/>
-      </dgm:prSet>
-      <dgm:spPr/>
-    </dgm:pt>
-    <dgm:pt modelId="{0B9B596B-E5BD-4608-8099-8B81229386FC}" type="pres">
-      <dgm:prSet presAssocID="{5B94D14B-23B3-4714-88BE-73F9455B1C55}" presName="nodeText" presStyleLbl="bgAccFollowNode1" presStyleIdx="0" presStyleCnt="4">
-        <dgm:presLayoutVars>
-          <dgm:bulletEnabled val="1"/>
-        </dgm:presLayoutVars>
-      </dgm:prSet>
-      <dgm:spPr/>
-    </dgm:pt>
-    <dgm:pt modelId="{940670C3-D063-44AF-8CD2-1C91EEE8B81A}" type="pres">
-      <dgm:prSet presAssocID="{3708AE3D-EDC3-48DD-A7A4-6EA54A920A63}" presName="sibTrans" presStyleCnt="0"/>
-      <dgm:spPr/>
-    </dgm:pt>
     <dgm:pt modelId="{BB41CC49-2EB1-42D7-BABE-B608F36535D5}" type="pres">
       <dgm:prSet presAssocID="{C7060828-7C0F-468D-9894-2B7987E798E6}" presName="compositeNode" presStyleCnt="0">
         <dgm:presLayoutVars>
@@ -3973,11 +4012,11 @@
       <dgm:spPr/>
     </dgm:pt>
     <dgm:pt modelId="{33A45C80-26B9-41EA-AE25-B345F530DAA2}" type="pres">
-      <dgm:prSet presAssocID="{C7060828-7C0F-468D-9894-2B7987E798E6}" presName="bgRect" presStyleLbl="bgAccFollowNode1" presStyleIdx="1" presStyleCnt="4"/>
+      <dgm:prSet presAssocID="{C7060828-7C0F-468D-9894-2B7987E798E6}" presName="bgRect" presStyleLbl="bgAccFollowNode1" presStyleIdx="0" presStyleCnt="4"/>
       <dgm:spPr/>
     </dgm:pt>
     <dgm:pt modelId="{441076CA-52A8-4552-A778-FFDA7313D443}" type="pres">
-      <dgm:prSet presAssocID="{D44E7D66-4410-4E2D-AF4E-55703E9EA7BB}" presName="sibTransNodeCircle" presStyleLbl="alignNode1" presStyleIdx="2" presStyleCnt="8">
+      <dgm:prSet presAssocID="{D44E7D66-4410-4E2D-AF4E-55703E9EA7BB}" presName="sibTransNodeCircle" presStyleLbl="alignNode1" presStyleIdx="0" presStyleCnt="8">
         <dgm:presLayoutVars>
           <dgm:chMax val="0"/>
           <dgm:bulletEnabled/>
@@ -3986,13 +4025,13 @@
       <dgm:spPr/>
     </dgm:pt>
     <dgm:pt modelId="{A0B25325-1514-4AFA-BCF1-C3443A2063A2}" type="pres">
-      <dgm:prSet presAssocID="{C7060828-7C0F-468D-9894-2B7987E798E6}" presName="bottomLine" presStyleLbl="alignNode1" presStyleIdx="3" presStyleCnt="8">
+      <dgm:prSet presAssocID="{C7060828-7C0F-468D-9894-2B7987E798E6}" presName="bottomLine" presStyleLbl="alignNode1" presStyleIdx="1" presStyleCnt="8">
         <dgm:presLayoutVars/>
       </dgm:prSet>
       <dgm:spPr/>
     </dgm:pt>
     <dgm:pt modelId="{4CACCB30-9852-4B9A-9697-D43CE4E40911}" type="pres">
-      <dgm:prSet presAssocID="{C7060828-7C0F-468D-9894-2B7987E798E6}" presName="nodeText" presStyleLbl="bgAccFollowNode1" presStyleIdx="1" presStyleCnt="4">
+      <dgm:prSet presAssocID="{C7060828-7C0F-468D-9894-2B7987E798E6}" presName="nodeText" presStyleLbl="bgAccFollowNode1" presStyleIdx="0" presStyleCnt="4">
         <dgm:presLayoutVars>
           <dgm:bulletEnabled val="1"/>
         </dgm:presLayoutVars>
@@ -4012,11 +4051,11 @@
       <dgm:spPr/>
     </dgm:pt>
     <dgm:pt modelId="{CD521EC8-9E56-4B55-9369-E5195EAC381F}" type="pres">
-      <dgm:prSet presAssocID="{5457031D-8094-49CE-B6BD-C947D1C9EEC2}" presName="bgRect" presStyleLbl="bgAccFollowNode1" presStyleIdx="2" presStyleCnt="4"/>
+      <dgm:prSet presAssocID="{5457031D-8094-49CE-B6BD-C947D1C9EEC2}" presName="bgRect" presStyleLbl="bgAccFollowNode1" presStyleIdx="1" presStyleCnt="4"/>
       <dgm:spPr/>
     </dgm:pt>
     <dgm:pt modelId="{3E86B5E2-6F63-4436-BF56-F29187628333}" type="pres">
-      <dgm:prSet presAssocID="{4815E8B3-AE0A-4D37-BB24-AFCA482F7093}" presName="sibTransNodeCircle" presStyleLbl="alignNode1" presStyleIdx="4" presStyleCnt="8">
+      <dgm:prSet presAssocID="{4815E8B3-AE0A-4D37-BB24-AFCA482F7093}" presName="sibTransNodeCircle" presStyleLbl="alignNode1" presStyleIdx="2" presStyleCnt="8">
         <dgm:presLayoutVars>
           <dgm:chMax val="0"/>
           <dgm:bulletEnabled/>
@@ -4025,13 +4064,13 @@
       <dgm:spPr/>
     </dgm:pt>
     <dgm:pt modelId="{76A053B6-CEBC-41AA-A804-3A2FF29E7306}" type="pres">
-      <dgm:prSet presAssocID="{5457031D-8094-49CE-B6BD-C947D1C9EEC2}" presName="bottomLine" presStyleLbl="alignNode1" presStyleIdx="5" presStyleCnt="8">
+      <dgm:prSet presAssocID="{5457031D-8094-49CE-B6BD-C947D1C9EEC2}" presName="bottomLine" presStyleLbl="alignNode1" presStyleIdx="3" presStyleCnt="8">
         <dgm:presLayoutVars/>
       </dgm:prSet>
       <dgm:spPr/>
     </dgm:pt>
     <dgm:pt modelId="{DDABE18C-56BE-4975-A9EE-595378A9EAC5}" type="pres">
-      <dgm:prSet presAssocID="{5457031D-8094-49CE-B6BD-C947D1C9EEC2}" presName="nodeText" presStyleLbl="bgAccFollowNode1" presStyleIdx="2" presStyleCnt="4">
+      <dgm:prSet presAssocID="{5457031D-8094-49CE-B6BD-C947D1C9EEC2}" presName="nodeText" presStyleLbl="bgAccFollowNode1" presStyleIdx="1" presStyleCnt="4">
         <dgm:presLayoutVars>
           <dgm:bulletEnabled val="1"/>
         </dgm:presLayoutVars>
@@ -4051,11 +4090,11 @@
       <dgm:spPr/>
     </dgm:pt>
     <dgm:pt modelId="{CC862D38-49D8-4FC5-8B81-E683E374905F}" type="pres">
-      <dgm:prSet presAssocID="{43C67B2C-D1E2-46F0-9350-93CE17343541}" presName="bgRect" presStyleLbl="bgAccFollowNode1" presStyleIdx="3" presStyleCnt="4"/>
+      <dgm:prSet presAssocID="{43C67B2C-D1E2-46F0-9350-93CE17343541}" presName="bgRect" presStyleLbl="bgAccFollowNode1" presStyleIdx="2" presStyleCnt="4"/>
       <dgm:spPr/>
     </dgm:pt>
     <dgm:pt modelId="{333C96A9-7011-46CF-8DEC-E63C668C46FF}" type="pres">
-      <dgm:prSet presAssocID="{4124690B-B1F5-4AD6-8A7C-EA72304A9AAA}" presName="sibTransNodeCircle" presStyleLbl="alignNode1" presStyleIdx="6" presStyleCnt="8">
+      <dgm:prSet presAssocID="{4124690B-B1F5-4AD6-8A7C-EA72304A9AAA}" presName="sibTransNodeCircle" presStyleLbl="alignNode1" presStyleIdx="4" presStyleCnt="8">
         <dgm:presLayoutVars>
           <dgm:chMax val="0"/>
           <dgm:bulletEnabled/>
@@ -4064,13 +4103,52 @@
       <dgm:spPr/>
     </dgm:pt>
     <dgm:pt modelId="{59218BC5-8C41-423B-95AC-666D9F9E01A5}" type="pres">
-      <dgm:prSet presAssocID="{43C67B2C-D1E2-46F0-9350-93CE17343541}" presName="bottomLine" presStyleLbl="alignNode1" presStyleIdx="7" presStyleCnt="8">
+      <dgm:prSet presAssocID="{43C67B2C-D1E2-46F0-9350-93CE17343541}" presName="bottomLine" presStyleLbl="alignNode1" presStyleIdx="5" presStyleCnt="8">
         <dgm:presLayoutVars/>
       </dgm:prSet>
       <dgm:spPr/>
     </dgm:pt>
     <dgm:pt modelId="{BC626CE5-DFD2-4EB7-B794-E72D052399DA}" type="pres">
-      <dgm:prSet presAssocID="{43C67B2C-D1E2-46F0-9350-93CE17343541}" presName="nodeText" presStyleLbl="bgAccFollowNode1" presStyleIdx="3" presStyleCnt="4">
+      <dgm:prSet presAssocID="{43C67B2C-D1E2-46F0-9350-93CE17343541}" presName="nodeText" presStyleLbl="bgAccFollowNode1" presStyleIdx="2" presStyleCnt="4">
+        <dgm:presLayoutVars>
+          <dgm:bulletEnabled val="1"/>
+        </dgm:presLayoutVars>
+      </dgm:prSet>
+      <dgm:spPr/>
+    </dgm:pt>
+    <dgm:pt modelId="{9E6CC7AB-49C1-4890-89B2-02CF181BEB01}" type="pres">
+      <dgm:prSet presAssocID="{4124690B-B1F5-4AD6-8A7C-EA72304A9AAA}" presName="sibTrans" presStyleCnt="0"/>
+      <dgm:spPr/>
+    </dgm:pt>
+    <dgm:pt modelId="{90674F04-2E65-4164-ABBF-6F37F8ADC2F7}" type="pres">
+      <dgm:prSet presAssocID="{F9F68EC2-F797-419A-B5EE-0B0F9FAB8559}" presName="compositeNode" presStyleCnt="0">
+        <dgm:presLayoutVars>
+          <dgm:bulletEnabled val="1"/>
+        </dgm:presLayoutVars>
+      </dgm:prSet>
+      <dgm:spPr/>
+    </dgm:pt>
+    <dgm:pt modelId="{7E8CF809-197D-410B-A421-A1B8A005AA88}" type="pres">
+      <dgm:prSet presAssocID="{F9F68EC2-F797-419A-B5EE-0B0F9FAB8559}" presName="bgRect" presStyleLbl="bgAccFollowNode1" presStyleIdx="3" presStyleCnt="4"/>
+      <dgm:spPr/>
+    </dgm:pt>
+    <dgm:pt modelId="{D32D60C3-FDD4-476E-AE87-1F29B11C1DAB}" type="pres">
+      <dgm:prSet presAssocID="{B92CBB65-2EFA-4E8F-9C84-94D5887993B4}" presName="sibTransNodeCircle" presStyleLbl="alignNode1" presStyleIdx="6" presStyleCnt="8">
+        <dgm:presLayoutVars>
+          <dgm:chMax val="0"/>
+          <dgm:bulletEnabled/>
+        </dgm:presLayoutVars>
+      </dgm:prSet>
+      <dgm:spPr/>
+    </dgm:pt>
+    <dgm:pt modelId="{3C03603D-F512-4799-B96B-FCB01D22BD53}" type="pres">
+      <dgm:prSet presAssocID="{F9F68EC2-F797-419A-B5EE-0B0F9FAB8559}" presName="bottomLine" presStyleLbl="alignNode1" presStyleIdx="7" presStyleCnt="8">
+        <dgm:presLayoutVars/>
+      </dgm:prSet>
+      <dgm:spPr/>
+    </dgm:pt>
+    <dgm:pt modelId="{7128B648-2482-4555-9D12-BC253A097CBC}" type="pres">
+      <dgm:prSet presAssocID="{F9F68EC2-F797-419A-B5EE-0B0F9FAB8559}" presName="nodeText" presStyleLbl="bgAccFollowNode1" presStyleIdx="3" presStyleCnt="4">
         <dgm:presLayoutVars>
           <dgm:bulletEnabled val="1"/>
         </dgm:presLayoutVars>
@@ -4079,46 +4157,46 @@
     </dgm:pt>
   </dgm:ptLst>
   <dgm:cxnLst>
-    <dgm:cxn modelId="{E0BE1E0D-AB84-4D35-A0FB-755444CE8F37}" srcId="{93C516BB-3CD4-4CD5-A27C-394A0E3E885C}" destId="{C7060828-7C0F-468D-9894-2B7987E798E6}" srcOrd="1" destOrd="0" parTransId="{8412DA66-8F6E-44D0-A18A-A750F3E43552}" sibTransId="{D44E7D66-4410-4E2D-AF4E-55703E9EA7BB}"/>
+    <dgm:cxn modelId="{E0BE1E0D-AB84-4D35-A0FB-755444CE8F37}" srcId="{93C516BB-3CD4-4CD5-A27C-394A0E3E885C}" destId="{C7060828-7C0F-468D-9894-2B7987E798E6}" srcOrd="0" destOrd="0" parTransId="{8412DA66-8F6E-44D0-A18A-A750F3E43552}" sibTransId="{D44E7D66-4410-4E2D-AF4E-55703E9EA7BB}"/>
     <dgm:cxn modelId="{CD9CC415-991B-42BC-9539-CA257278ED16}" type="presOf" srcId="{43C67B2C-D1E2-46F0-9350-93CE17343541}" destId="{CC862D38-49D8-4FC5-8B81-E683E374905F}" srcOrd="0" destOrd="0" presId="urn:microsoft.com/office/officeart/2016/7/layout/BasicLinearProcessNumbered"/>
     <dgm:cxn modelId="{E2214F26-9D17-4C3D-AD61-602EC980EAF7}" type="presOf" srcId="{43C67B2C-D1E2-46F0-9350-93CE17343541}" destId="{BC626CE5-DFD2-4EB7-B794-E72D052399DA}" srcOrd="1" destOrd="0" presId="urn:microsoft.com/office/officeart/2016/7/layout/BasicLinearProcessNumbered"/>
     <dgm:cxn modelId="{E0D30527-8656-4AD0-9E4C-D170DAF12E65}" type="presOf" srcId="{93C516BB-3CD4-4CD5-A27C-394A0E3E885C}" destId="{9F72DFA5-4BF7-4D00-9678-34B0681A5922}" srcOrd="0" destOrd="0" presId="urn:microsoft.com/office/officeart/2016/7/layout/BasicLinearProcessNumbered"/>
+    <dgm:cxn modelId="{3CE60328-B695-436F-A05D-289510873BC8}" type="presOf" srcId="{F9F68EC2-F797-419A-B5EE-0B0F9FAB8559}" destId="{7128B648-2482-4555-9D12-BC253A097CBC}" srcOrd="1" destOrd="0" presId="urn:microsoft.com/office/officeart/2016/7/layout/BasicLinearProcessNumbered"/>
+    <dgm:cxn modelId="{7ACA1E2E-8A18-4F19-9ABA-95C017C3E753}" srcId="{93C516BB-3CD4-4CD5-A27C-394A0E3E885C}" destId="{F9F68EC2-F797-419A-B5EE-0B0F9FAB8559}" srcOrd="3" destOrd="0" parTransId="{32FB17EC-C7AE-4A97-8514-99F81AE4ADA8}" sibTransId="{B92CBB65-2EFA-4E8F-9C84-94D5887993B4}"/>
     <dgm:cxn modelId="{9902515F-0373-41FA-81BB-6D1A8AD9F599}" type="presOf" srcId="{4124690B-B1F5-4AD6-8A7C-EA72304A9AAA}" destId="{333C96A9-7011-46CF-8DEC-E63C668C46FF}" srcOrd="0" destOrd="0" presId="urn:microsoft.com/office/officeart/2016/7/layout/BasicLinearProcessNumbered"/>
-    <dgm:cxn modelId="{72D27E42-94A9-404C-A7FC-0B5AB5D0F338}" type="presOf" srcId="{3708AE3D-EDC3-48DD-A7A4-6EA54A920A63}" destId="{17F44804-A7D4-4BE4-8298-10136539A828}" srcOrd="0" destOrd="0" presId="urn:microsoft.com/office/officeart/2016/7/layout/BasicLinearProcessNumbered"/>
-    <dgm:cxn modelId="{C6C47765-92EF-418D-A196-516A48A42CB3}" srcId="{93C516BB-3CD4-4CD5-A27C-394A0E3E885C}" destId="{43C67B2C-D1E2-46F0-9350-93CE17343541}" srcOrd="3" destOrd="0" parTransId="{B953F1A7-4D8F-4768-B6E7-BAF8A7DAAA14}" sibTransId="{4124690B-B1F5-4AD6-8A7C-EA72304A9AAA}"/>
+    <dgm:cxn modelId="{C6C47765-92EF-418D-A196-516A48A42CB3}" srcId="{93C516BB-3CD4-4CD5-A27C-394A0E3E885C}" destId="{43C67B2C-D1E2-46F0-9350-93CE17343541}" srcOrd="2" destOrd="0" parTransId="{B953F1A7-4D8F-4768-B6E7-BAF8A7DAAA14}" sibTransId="{4124690B-B1F5-4AD6-8A7C-EA72304A9AAA}"/>
     <dgm:cxn modelId="{CD22F24B-9310-4CBD-BD01-70449EB6DD0B}" type="presOf" srcId="{C7060828-7C0F-468D-9894-2B7987E798E6}" destId="{33A45C80-26B9-41EA-AE25-B345F530DAA2}" srcOrd="0" destOrd="0" presId="urn:microsoft.com/office/officeart/2016/7/layout/BasicLinearProcessNumbered"/>
     <dgm:cxn modelId="{C4E8244C-8C1D-4C4E-980A-03969A73DA2F}" type="presOf" srcId="{5457031D-8094-49CE-B6BD-C947D1C9EEC2}" destId="{CD521EC8-9E56-4B55-9369-E5195EAC381F}" srcOrd="0" destOrd="0" presId="urn:microsoft.com/office/officeart/2016/7/layout/BasicLinearProcessNumbered"/>
     <dgm:cxn modelId="{AA096C55-3747-4A3F-A385-0D3D9ED51776}" type="presOf" srcId="{5457031D-8094-49CE-B6BD-C947D1C9EEC2}" destId="{DDABE18C-56BE-4975-A9EE-595378A9EAC5}" srcOrd="1" destOrd="0" presId="urn:microsoft.com/office/officeart/2016/7/layout/BasicLinearProcessNumbered"/>
-    <dgm:cxn modelId="{B7DA9684-78A3-48F1-AF25-D54A7021010D}" type="presOf" srcId="{5B94D14B-23B3-4714-88BE-73F9455B1C55}" destId="{2EC2483E-3BF5-4D19-A765-6E0E93E39F24}" srcOrd="0" destOrd="0" presId="urn:microsoft.com/office/officeart/2016/7/layout/BasicLinearProcessNumbered"/>
-    <dgm:cxn modelId="{954037A4-489C-4E3F-9D55-297F77BA3B3C}" srcId="{93C516BB-3CD4-4CD5-A27C-394A0E3E885C}" destId="{5457031D-8094-49CE-B6BD-C947D1C9EEC2}" srcOrd="2" destOrd="0" parTransId="{5C2D562D-032B-4C48-854E-B32DA8C96B8A}" sibTransId="{4815E8B3-AE0A-4D37-BB24-AFCA482F7093}"/>
+    <dgm:cxn modelId="{37B58C83-3724-43DF-86F8-6477344E2706}" type="presOf" srcId="{F9F68EC2-F797-419A-B5EE-0B0F9FAB8559}" destId="{7E8CF809-197D-410B-A421-A1B8A005AA88}" srcOrd="0" destOrd="0" presId="urn:microsoft.com/office/officeart/2016/7/layout/BasicLinearProcessNumbered"/>
+    <dgm:cxn modelId="{954037A4-489C-4E3F-9D55-297F77BA3B3C}" srcId="{93C516BB-3CD4-4CD5-A27C-394A0E3E885C}" destId="{5457031D-8094-49CE-B6BD-C947D1C9EEC2}" srcOrd="1" destOrd="0" parTransId="{5C2D562D-032B-4C48-854E-B32DA8C96B8A}" sibTransId="{4815E8B3-AE0A-4D37-BB24-AFCA482F7093}"/>
     <dgm:cxn modelId="{AE9CE5A7-DE52-4AB3-A75C-632DE49D4873}" type="presOf" srcId="{4815E8B3-AE0A-4D37-BB24-AFCA482F7093}" destId="{3E86B5E2-6F63-4436-BF56-F29187628333}" srcOrd="0" destOrd="0" presId="urn:microsoft.com/office/officeart/2016/7/layout/BasicLinearProcessNumbered"/>
-    <dgm:cxn modelId="{6A415EC1-5803-4942-B0A4-A9D76B5027D5}" srcId="{93C516BB-3CD4-4CD5-A27C-394A0E3E885C}" destId="{5B94D14B-23B3-4714-88BE-73F9455B1C55}" srcOrd="0" destOrd="0" parTransId="{6AB2EDB8-CB45-4048-AD06-9EB474CD9CB5}" sibTransId="{3708AE3D-EDC3-48DD-A7A4-6EA54A920A63}"/>
-    <dgm:cxn modelId="{1D9B86D5-6E4E-42A9-AB7B-99A1EB02AA30}" type="presOf" srcId="{5B94D14B-23B3-4714-88BE-73F9455B1C55}" destId="{0B9B596B-E5BD-4608-8099-8B81229386FC}" srcOrd="1" destOrd="0" presId="urn:microsoft.com/office/officeart/2016/7/layout/BasicLinearProcessNumbered"/>
     <dgm:cxn modelId="{A4A279DA-939F-431C-8D5E-E78ABB2C3E2D}" type="presOf" srcId="{D44E7D66-4410-4E2D-AF4E-55703E9EA7BB}" destId="{441076CA-52A8-4552-A778-FFDA7313D443}" srcOrd="0" destOrd="0" presId="urn:microsoft.com/office/officeart/2016/7/layout/BasicLinearProcessNumbered"/>
+    <dgm:cxn modelId="{763D17E5-EEB1-463A-BABD-BC3CE1B1D29F}" type="presOf" srcId="{B92CBB65-2EFA-4E8F-9C84-94D5887993B4}" destId="{D32D60C3-FDD4-476E-AE87-1F29B11C1DAB}" srcOrd="0" destOrd="0" presId="urn:microsoft.com/office/officeart/2016/7/layout/BasicLinearProcessNumbered"/>
     <dgm:cxn modelId="{49A282FF-4FBD-4D84-A997-E205E678051F}" type="presOf" srcId="{C7060828-7C0F-468D-9894-2B7987E798E6}" destId="{4CACCB30-9852-4B9A-9697-D43CE4E40911}" srcOrd="1" destOrd="0" presId="urn:microsoft.com/office/officeart/2016/7/layout/BasicLinearProcessNumbered"/>
-    <dgm:cxn modelId="{3E674BC9-1677-43BF-99DF-4F2DB4236E8D}" type="presParOf" srcId="{9F72DFA5-4BF7-4D00-9678-34B0681A5922}" destId="{27F8700F-2827-4D08-A5C9-52C5B1E827DF}" srcOrd="0" destOrd="0" presId="urn:microsoft.com/office/officeart/2016/7/layout/BasicLinearProcessNumbered"/>
-    <dgm:cxn modelId="{077426AB-138C-49E0-A545-91ECC72B05A3}" type="presParOf" srcId="{27F8700F-2827-4D08-A5C9-52C5B1E827DF}" destId="{2EC2483E-3BF5-4D19-A765-6E0E93E39F24}" srcOrd="0" destOrd="0" presId="urn:microsoft.com/office/officeart/2016/7/layout/BasicLinearProcessNumbered"/>
-    <dgm:cxn modelId="{CCB87C26-E177-46BC-ABEE-A8E380425408}" type="presParOf" srcId="{27F8700F-2827-4D08-A5C9-52C5B1E827DF}" destId="{17F44804-A7D4-4BE4-8298-10136539A828}" srcOrd="1" destOrd="0" presId="urn:microsoft.com/office/officeart/2016/7/layout/BasicLinearProcessNumbered"/>
-    <dgm:cxn modelId="{BD8790EF-ED03-4B82-894E-102C6AAD79CA}" type="presParOf" srcId="{27F8700F-2827-4D08-A5C9-52C5B1E827DF}" destId="{A9FFFE51-EAF6-4BAE-B457-8CF6251220FC}" srcOrd="2" destOrd="0" presId="urn:microsoft.com/office/officeart/2016/7/layout/BasicLinearProcessNumbered"/>
-    <dgm:cxn modelId="{5BA76F2C-30DB-4EA7-8A33-E881390CD5A9}" type="presParOf" srcId="{27F8700F-2827-4D08-A5C9-52C5B1E827DF}" destId="{0B9B596B-E5BD-4608-8099-8B81229386FC}" srcOrd="3" destOrd="0" presId="urn:microsoft.com/office/officeart/2016/7/layout/BasicLinearProcessNumbered"/>
-    <dgm:cxn modelId="{C7F42A1D-B428-4D50-BC73-7C55707A30FF}" type="presParOf" srcId="{9F72DFA5-4BF7-4D00-9678-34B0681A5922}" destId="{940670C3-D063-44AF-8CD2-1C91EEE8B81A}" srcOrd="1" destOrd="0" presId="urn:microsoft.com/office/officeart/2016/7/layout/BasicLinearProcessNumbered"/>
-    <dgm:cxn modelId="{CCCEA2CE-1D44-4AD4-873F-DE53D9FDDB6F}" type="presParOf" srcId="{9F72DFA5-4BF7-4D00-9678-34B0681A5922}" destId="{BB41CC49-2EB1-42D7-BABE-B608F36535D5}" srcOrd="2" destOrd="0" presId="urn:microsoft.com/office/officeart/2016/7/layout/BasicLinearProcessNumbered"/>
+    <dgm:cxn modelId="{CCCEA2CE-1D44-4AD4-873F-DE53D9FDDB6F}" type="presParOf" srcId="{9F72DFA5-4BF7-4D00-9678-34B0681A5922}" destId="{BB41CC49-2EB1-42D7-BABE-B608F36535D5}" srcOrd="0" destOrd="0" presId="urn:microsoft.com/office/officeart/2016/7/layout/BasicLinearProcessNumbered"/>
     <dgm:cxn modelId="{184B4CDC-02CE-4C32-A7D2-25B217F01BBC}" type="presParOf" srcId="{BB41CC49-2EB1-42D7-BABE-B608F36535D5}" destId="{33A45C80-26B9-41EA-AE25-B345F530DAA2}" srcOrd="0" destOrd="0" presId="urn:microsoft.com/office/officeart/2016/7/layout/BasicLinearProcessNumbered"/>
     <dgm:cxn modelId="{BDC9FC85-7B50-43C0-A645-27B48CB9081A}" type="presParOf" srcId="{BB41CC49-2EB1-42D7-BABE-B608F36535D5}" destId="{441076CA-52A8-4552-A778-FFDA7313D443}" srcOrd="1" destOrd="0" presId="urn:microsoft.com/office/officeart/2016/7/layout/BasicLinearProcessNumbered"/>
     <dgm:cxn modelId="{E5C020C4-4694-45BE-B4CD-13CDBAF5B900}" type="presParOf" srcId="{BB41CC49-2EB1-42D7-BABE-B608F36535D5}" destId="{A0B25325-1514-4AFA-BCF1-C3443A2063A2}" srcOrd="2" destOrd="0" presId="urn:microsoft.com/office/officeart/2016/7/layout/BasicLinearProcessNumbered"/>
     <dgm:cxn modelId="{1418AFB0-35E2-4613-8DD0-E7A60E73FFB6}" type="presParOf" srcId="{BB41CC49-2EB1-42D7-BABE-B608F36535D5}" destId="{4CACCB30-9852-4B9A-9697-D43CE4E40911}" srcOrd="3" destOrd="0" presId="urn:microsoft.com/office/officeart/2016/7/layout/BasicLinearProcessNumbered"/>
-    <dgm:cxn modelId="{FF15E2FD-F8A8-4FF1-AF9C-22C78718FDC4}" type="presParOf" srcId="{9F72DFA5-4BF7-4D00-9678-34B0681A5922}" destId="{FD3B43E4-AD04-49BF-A5C3-C82F94BB7F3C}" srcOrd="3" destOrd="0" presId="urn:microsoft.com/office/officeart/2016/7/layout/BasicLinearProcessNumbered"/>
-    <dgm:cxn modelId="{37103C87-7F9A-4083-9EBA-9FB6B76A529F}" type="presParOf" srcId="{9F72DFA5-4BF7-4D00-9678-34B0681A5922}" destId="{861FF572-B908-4BE2-98CC-90124658691A}" srcOrd="4" destOrd="0" presId="urn:microsoft.com/office/officeart/2016/7/layout/BasicLinearProcessNumbered"/>
+    <dgm:cxn modelId="{FF15E2FD-F8A8-4FF1-AF9C-22C78718FDC4}" type="presParOf" srcId="{9F72DFA5-4BF7-4D00-9678-34B0681A5922}" destId="{FD3B43E4-AD04-49BF-A5C3-C82F94BB7F3C}" srcOrd="1" destOrd="0" presId="urn:microsoft.com/office/officeart/2016/7/layout/BasicLinearProcessNumbered"/>
+    <dgm:cxn modelId="{37103C87-7F9A-4083-9EBA-9FB6B76A529F}" type="presParOf" srcId="{9F72DFA5-4BF7-4D00-9678-34B0681A5922}" destId="{861FF572-B908-4BE2-98CC-90124658691A}" srcOrd="2" destOrd="0" presId="urn:microsoft.com/office/officeart/2016/7/layout/BasicLinearProcessNumbered"/>
     <dgm:cxn modelId="{75D937B1-26F4-4326-A95C-376602223DA6}" type="presParOf" srcId="{861FF572-B908-4BE2-98CC-90124658691A}" destId="{CD521EC8-9E56-4B55-9369-E5195EAC381F}" srcOrd="0" destOrd="0" presId="urn:microsoft.com/office/officeart/2016/7/layout/BasicLinearProcessNumbered"/>
     <dgm:cxn modelId="{38FEC303-11EA-4AC6-BA57-E6671585FAB6}" type="presParOf" srcId="{861FF572-B908-4BE2-98CC-90124658691A}" destId="{3E86B5E2-6F63-4436-BF56-F29187628333}" srcOrd="1" destOrd="0" presId="urn:microsoft.com/office/officeart/2016/7/layout/BasicLinearProcessNumbered"/>
     <dgm:cxn modelId="{1F173D7D-8D11-40CA-AFEE-0AED622F74EC}" type="presParOf" srcId="{861FF572-B908-4BE2-98CC-90124658691A}" destId="{76A053B6-CEBC-41AA-A804-3A2FF29E7306}" srcOrd="2" destOrd="0" presId="urn:microsoft.com/office/officeart/2016/7/layout/BasicLinearProcessNumbered"/>
     <dgm:cxn modelId="{6FFC868D-8E6F-4D88-9D42-EB82A6AD1F33}" type="presParOf" srcId="{861FF572-B908-4BE2-98CC-90124658691A}" destId="{DDABE18C-56BE-4975-A9EE-595378A9EAC5}" srcOrd="3" destOrd="0" presId="urn:microsoft.com/office/officeart/2016/7/layout/BasicLinearProcessNumbered"/>
-    <dgm:cxn modelId="{027728DD-8122-4CFF-9D55-68FC1B12B891}" type="presParOf" srcId="{9F72DFA5-4BF7-4D00-9678-34B0681A5922}" destId="{FBC537F1-24EF-4CE6-9965-0D4C1F2FE993}" srcOrd="5" destOrd="0" presId="urn:microsoft.com/office/officeart/2016/7/layout/BasicLinearProcessNumbered"/>
-    <dgm:cxn modelId="{91B1C606-86F8-46C7-85BF-EFA822D3167C}" type="presParOf" srcId="{9F72DFA5-4BF7-4D00-9678-34B0681A5922}" destId="{DDDD272C-6358-4825-B7A4-CD8FAC3D2CF1}" srcOrd="6" destOrd="0" presId="urn:microsoft.com/office/officeart/2016/7/layout/BasicLinearProcessNumbered"/>
+    <dgm:cxn modelId="{027728DD-8122-4CFF-9D55-68FC1B12B891}" type="presParOf" srcId="{9F72DFA5-4BF7-4D00-9678-34B0681A5922}" destId="{FBC537F1-24EF-4CE6-9965-0D4C1F2FE993}" srcOrd="3" destOrd="0" presId="urn:microsoft.com/office/officeart/2016/7/layout/BasicLinearProcessNumbered"/>
+    <dgm:cxn modelId="{91B1C606-86F8-46C7-85BF-EFA822D3167C}" type="presParOf" srcId="{9F72DFA5-4BF7-4D00-9678-34B0681A5922}" destId="{DDDD272C-6358-4825-B7A4-CD8FAC3D2CF1}" srcOrd="4" destOrd="0" presId="urn:microsoft.com/office/officeart/2016/7/layout/BasicLinearProcessNumbered"/>
     <dgm:cxn modelId="{510B9F10-2072-405C-B0DA-098E6002C02A}" type="presParOf" srcId="{DDDD272C-6358-4825-B7A4-CD8FAC3D2CF1}" destId="{CC862D38-49D8-4FC5-8B81-E683E374905F}" srcOrd="0" destOrd="0" presId="urn:microsoft.com/office/officeart/2016/7/layout/BasicLinearProcessNumbered"/>
     <dgm:cxn modelId="{FF49796F-D9A0-4F3B-B1DD-09A075A41700}" type="presParOf" srcId="{DDDD272C-6358-4825-B7A4-CD8FAC3D2CF1}" destId="{333C96A9-7011-46CF-8DEC-E63C668C46FF}" srcOrd="1" destOrd="0" presId="urn:microsoft.com/office/officeart/2016/7/layout/BasicLinearProcessNumbered"/>
     <dgm:cxn modelId="{D1028EA5-28B0-4B5C-B1B5-D79C629E9930}" type="presParOf" srcId="{DDDD272C-6358-4825-B7A4-CD8FAC3D2CF1}" destId="{59218BC5-8C41-423B-95AC-666D9F9E01A5}" srcOrd="2" destOrd="0" presId="urn:microsoft.com/office/officeart/2016/7/layout/BasicLinearProcessNumbered"/>
     <dgm:cxn modelId="{BB0A7090-55EC-4EA9-A368-4175DCA927E8}" type="presParOf" srcId="{DDDD272C-6358-4825-B7A4-CD8FAC3D2CF1}" destId="{BC626CE5-DFD2-4EB7-B794-E72D052399DA}" srcOrd="3" destOrd="0" presId="urn:microsoft.com/office/officeart/2016/7/layout/BasicLinearProcessNumbered"/>
+    <dgm:cxn modelId="{9DA181A8-2B00-4410-9610-A58AB0034585}" type="presParOf" srcId="{9F72DFA5-4BF7-4D00-9678-34B0681A5922}" destId="{9E6CC7AB-49C1-4890-89B2-02CF181BEB01}" srcOrd="5" destOrd="0" presId="urn:microsoft.com/office/officeart/2016/7/layout/BasicLinearProcessNumbered"/>
+    <dgm:cxn modelId="{D01D378B-9DC1-4EDC-88C5-5640885F04A2}" type="presParOf" srcId="{9F72DFA5-4BF7-4D00-9678-34B0681A5922}" destId="{90674F04-2E65-4164-ABBF-6F37F8ADC2F7}" srcOrd="6" destOrd="0" presId="urn:microsoft.com/office/officeart/2016/7/layout/BasicLinearProcessNumbered"/>
+    <dgm:cxn modelId="{538AE917-BF05-4F60-B67E-7326E985C02C}" type="presParOf" srcId="{90674F04-2E65-4164-ABBF-6F37F8ADC2F7}" destId="{7E8CF809-197D-410B-A421-A1B8A005AA88}" srcOrd="0" destOrd="0" presId="urn:microsoft.com/office/officeart/2016/7/layout/BasicLinearProcessNumbered"/>
+    <dgm:cxn modelId="{7D23E462-2CB0-4B3F-B65A-0FC61409FC80}" type="presParOf" srcId="{90674F04-2E65-4164-ABBF-6F37F8ADC2F7}" destId="{D32D60C3-FDD4-476E-AE87-1F29B11C1DAB}" srcOrd="1" destOrd="0" presId="urn:microsoft.com/office/officeart/2016/7/layout/BasicLinearProcessNumbered"/>
+    <dgm:cxn modelId="{9E48A54F-0D79-4D40-B7C9-E1D4C454A12F}" type="presParOf" srcId="{90674F04-2E65-4164-ABBF-6F37F8ADC2F7}" destId="{3C03603D-F512-4799-B96B-FCB01D22BD53}" srcOrd="2" destOrd="0" presId="urn:microsoft.com/office/officeart/2016/7/layout/BasicLinearProcessNumbered"/>
+    <dgm:cxn modelId="{DA730E16-0A80-4F61-A9C2-B8F9F50EA65A}" type="presParOf" srcId="{90674F04-2E65-4164-ABBF-6F37F8ADC2F7}" destId="{7128B648-2482-4555-9D12-BC253A097CBC}" srcOrd="3" destOrd="0" presId="urn:microsoft.com/office/officeart/2016/7/layout/BasicLinearProcessNumbered"/>
   </dgm:cxnLst>
   <dgm:bg/>
   <dgm:whole/>
@@ -4428,7 +4506,7 @@
       <dsp:cNvGrpSpPr/>
     </dsp:nvGrpSpPr>
     <dsp:grpSpPr/>
-    <dsp:sp modelId="{2EC2483E-3BF5-4D19-A765-6E0E93E39F24}">
+    <dsp:sp modelId="{33A45C80-26B9-41EA-AE25-B345F530DAA2}">
       <dsp:nvSpPr>
         <dsp:cNvPr id="0" name=""/>
         <dsp:cNvSpPr/>
@@ -4484,7 +4562,7 @@
         </a:bodyPr>
         <a:lstStyle/>
         <a:p>
-          <a:pPr marL="0" lvl="0" indent="0" algn="l" defTabSz="1022350">
+          <a:pPr marL="0" lvl="0" indent="0" algn="l" defTabSz="1111250">
             <a:lnSpc>
               <a:spcPct val="90000"/>
             </a:lnSpc>
@@ -4497,18 +4575,18 @@
             <a:buNone/>
           </a:pPr>
           <a:r>
-            <a:rPr lang="en-US" sz="2300" u="none" kern="1200" baseline="0" dirty="0"/>
-            <a:t>Develop </a:t>
+            <a:rPr lang="en-US" sz="2500" kern="1200" baseline="0" dirty="0"/>
+            <a:t>Deploy </a:t>
           </a:r>
           <a:r>
-            <a:rPr lang="en-US" sz="2300" u="none" kern="1200" baseline="0" dirty="0" err="1"/>
+            <a:rPr lang="en-US" sz="2500" kern="1200" baseline="0" dirty="0" err="1"/>
             <a:t>SQLLite</a:t>
           </a:r>
           <a:r>
-            <a:rPr lang="en-US" sz="2300" u="none" kern="1200" baseline="0" dirty="0"/>
-            <a:t> database</a:t>
+            <a:rPr lang="en-US" sz="2500" kern="1200" baseline="0" dirty="0"/>
+            <a:t> database to AWS MySQL server</a:t>
           </a:r>
-          <a:endParaRPr lang="en-US" sz="2300" u="none" kern="1200" dirty="0"/>
+          <a:endParaRPr lang="en-US" sz="2500" kern="1200" dirty="0"/>
         </a:p>
       </dsp:txBody>
       <dsp:txXfrm>
@@ -4516,7 +4594,7 @@
         <a:ext cx="2479476" cy="2082760"/>
       </dsp:txXfrm>
     </dsp:sp>
-    <dsp:sp modelId="{17F44804-A7D4-4BE4-8298-10136539A828}">
+    <dsp:sp modelId="{441076CA-52A8-4552-A778-FFDA7313D443}">
       <dsp:nvSpPr>
         <dsp:cNvPr id="0" name=""/>
         <dsp:cNvSpPr/>
@@ -4593,7 +4671,7 @@
         <a:ext cx="736366" cy="736366"/>
       </dsp:txXfrm>
     </dsp:sp>
-    <dsp:sp modelId="{A9FFFE51-EAF6-4BAE-B457-8CF6251220FC}">
+    <dsp:sp modelId="{A0B25325-1514-4AFA-BCF1-C3443A2063A2}">
       <dsp:nvSpPr>
         <dsp:cNvPr id="0" name=""/>
         <dsp:cNvSpPr/>
@@ -4642,7 +4720,7 @@
         </a:fontRef>
       </dsp:style>
     </dsp:sp>
-    <dsp:sp modelId="{33A45C80-26B9-41EA-AE25-B345F530DAA2}">
+    <dsp:sp modelId="{CD521EC8-9E56-4B55-9369-E5195EAC381F}">
       <dsp:nvSpPr>
         <dsp:cNvPr id="0" name=""/>
         <dsp:cNvSpPr/>
@@ -4698,7 +4776,7 @@
         </a:bodyPr>
         <a:lstStyle/>
         <a:p>
-          <a:pPr marL="0" lvl="0" indent="0" algn="l" defTabSz="1022350">
+          <a:pPr marL="0" lvl="0" indent="0" algn="l" defTabSz="1111250">
             <a:lnSpc>
               <a:spcPct val="90000"/>
             </a:lnSpc>
@@ -4711,10 +4789,18 @@
             <a:buNone/>
           </a:pPr>
           <a:r>
-            <a:rPr lang="en-US" sz="2300" kern="1200" baseline="0"/>
-            <a:t>Deploy onto SQLLite database to AWS MySQL server</a:t>
+            <a:rPr lang="en-US" sz="2500" kern="1200" baseline="0" dirty="0"/>
+            <a:t>Deploy </a:t>
           </a:r>
-          <a:endParaRPr lang="en-US" sz="2300" kern="1200"/>
+          <a:r>
+            <a:rPr lang="en-US" sz="2500" kern="1200" baseline="0" dirty="0" err="1"/>
+            <a:t>Plolty</a:t>
+          </a:r>
+          <a:r>
+            <a:rPr lang="en-US" sz="2500" kern="1200" baseline="0" dirty="0"/>
+            <a:t> Dashboard to AWS</a:t>
+          </a:r>
+          <a:endParaRPr lang="en-US" sz="2500" kern="1200" dirty="0"/>
         </a:p>
       </dsp:txBody>
       <dsp:txXfrm>
@@ -4722,7 +4808,7 @@
         <a:ext cx="2479476" cy="2082760"/>
       </dsp:txXfrm>
     </dsp:sp>
-    <dsp:sp modelId="{441076CA-52A8-4552-A778-FFDA7313D443}">
+    <dsp:sp modelId="{3E86B5E2-6F63-4436-BF56-F29187628333}">
       <dsp:nvSpPr>
         <dsp:cNvPr id="0" name=""/>
         <dsp:cNvSpPr/>
@@ -4799,7 +4885,7 @@
         <a:ext cx="736366" cy="736366"/>
       </dsp:txXfrm>
     </dsp:sp>
-    <dsp:sp modelId="{A0B25325-1514-4AFA-BCF1-C3443A2063A2}">
+    <dsp:sp modelId="{76A053B6-CEBC-41AA-A804-3A2FF29E7306}">
       <dsp:nvSpPr>
         <dsp:cNvPr id="0" name=""/>
         <dsp:cNvSpPr/>
@@ -4848,7 +4934,7 @@
         </a:fontRef>
       </dsp:style>
     </dsp:sp>
-    <dsp:sp modelId="{CD521EC8-9E56-4B55-9369-E5195EAC381F}">
+    <dsp:sp modelId="{CC862D38-49D8-4FC5-8B81-E683E374905F}">
       <dsp:nvSpPr>
         <dsp:cNvPr id="0" name=""/>
         <dsp:cNvSpPr/>
@@ -4904,7 +4990,7 @@
         </a:bodyPr>
         <a:lstStyle/>
         <a:p>
-          <a:pPr marL="0" lvl="0" indent="0" algn="l" defTabSz="1022350">
+          <a:pPr marL="0" lvl="0" indent="0" algn="l" defTabSz="1111250">
             <a:lnSpc>
               <a:spcPct val="90000"/>
             </a:lnSpc>
@@ -4917,18 +5003,9 @@
             <a:buNone/>
           </a:pPr>
           <a:r>
-            <a:rPr lang="en-US" sz="2300" kern="1200" baseline="0" dirty="0"/>
-            <a:t>Deploy </a:t>
+            <a:rPr lang="en-US" sz="2500" kern="1200" dirty="0"/>
+            <a:t>Acquire Charter Approval</a:t>
           </a:r>
-          <a:r>
-            <a:rPr lang="en-US" sz="2300" kern="1200" baseline="0" dirty="0" err="1"/>
-            <a:t>Plolty</a:t>
-          </a:r>
-          <a:r>
-            <a:rPr lang="en-US" sz="2300" kern="1200" baseline="0" dirty="0"/>
-            <a:t> Dashboard to AWS</a:t>
-          </a:r>
-          <a:endParaRPr lang="en-US" sz="2300" kern="1200" dirty="0"/>
         </a:p>
       </dsp:txBody>
       <dsp:txXfrm>
@@ -4936,7 +5013,7 @@
         <a:ext cx="2479476" cy="2082760"/>
       </dsp:txXfrm>
     </dsp:sp>
-    <dsp:sp modelId="{3E86B5E2-6F63-4436-BF56-F29187628333}">
+    <dsp:sp modelId="{333C96A9-7011-46CF-8DEC-E63C668C46FF}">
       <dsp:nvSpPr>
         <dsp:cNvPr id="0" name=""/>
         <dsp:cNvSpPr/>
@@ -5013,7 +5090,7 @@
         <a:ext cx="736366" cy="736366"/>
       </dsp:txXfrm>
     </dsp:sp>
-    <dsp:sp modelId="{76A053B6-CEBC-41AA-A804-3A2FF29E7306}">
+    <dsp:sp modelId="{59218BC5-8C41-423B-95AC-666D9F9E01A5}">
       <dsp:nvSpPr>
         <dsp:cNvPr id="0" name=""/>
         <dsp:cNvSpPr/>
@@ -5062,7 +5139,7 @@
         </a:fontRef>
       </dsp:style>
     </dsp:sp>
-    <dsp:sp modelId="{CC862D38-49D8-4FC5-8B81-E683E374905F}">
+    <dsp:sp modelId="{7E8CF809-197D-410B-A421-A1B8A005AA88}">
       <dsp:nvSpPr>
         <dsp:cNvPr id="0" name=""/>
         <dsp:cNvSpPr/>
@@ -5118,7 +5195,7 @@
         </a:bodyPr>
         <a:lstStyle/>
         <a:p>
-          <a:pPr marL="0" lvl="0" indent="0" algn="l" defTabSz="1022350">
+          <a:pPr marL="0" lvl="0" indent="0" algn="l" defTabSz="1111250">
             <a:lnSpc>
               <a:spcPct val="90000"/>
             </a:lnSpc>
@@ -5131,8 +5208,8 @@
             <a:buNone/>
           </a:pPr>
           <a:r>
-            <a:rPr lang="en-US" sz="2300" kern="1200" dirty="0"/>
-            <a:t>Acquire Charter Approval</a:t>
+            <a:rPr lang="en-US" sz="2500" kern="1200" dirty="0"/>
+            <a:t>Begin Baseline Model</a:t>
           </a:r>
         </a:p>
       </dsp:txBody>
@@ -5141,7 +5218,7 @@
         <a:ext cx="2479476" cy="2082760"/>
       </dsp:txXfrm>
     </dsp:sp>
-    <dsp:sp modelId="{333C96A9-7011-46CF-8DEC-E63C668C46FF}">
+    <dsp:sp modelId="{D32D60C3-FDD4-476E-AE87-1F29B11C1DAB}">
       <dsp:nvSpPr>
         <dsp:cNvPr id="0" name=""/>
         <dsp:cNvSpPr/>
@@ -5218,7 +5295,7 @@
         <a:ext cx="736366" cy="736366"/>
       </dsp:txXfrm>
     </dsp:sp>
-    <dsp:sp modelId="{59218BC5-8C41-423B-95AC-666D9F9E01A5}">
+    <dsp:sp modelId="{3C03603D-F512-4799-B96B-FCB01D22BD53}">
       <dsp:nvSpPr>
         <dsp:cNvPr id="0" name=""/>
         <dsp:cNvSpPr/>
@@ -7923,7 +8000,7 @@
           <a:p>
             <a:fld id="{B3F53A1C-DEA3-4CA0-B718-FFAEABFA2B49}" type="datetimeFigureOut">
               <a:rPr lang="en-US" smtClean="0"/>
-              <a:t>2/16/2022</a:t>
+              <a:t>2/22/2022</a:t>
             </a:fld>
             <a:endParaRPr lang="en-US"/>
           </a:p>
@@ -8641,7 +8718,7 @@
           <a:p>
             <a:fld id="{1D9F529C-DE3F-4713-B935-A2AF89258D6C}" type="datetimeFigureOut">
               <a:rPr lang="en-US" smtClean="0"/>
-              <a:t>2/16/2022</a:t>
+              <a:t>2/22/2022</a:t>
             </a:fld>
             <a:endParaRPr lang="en-US"/>
           </a:p>
@@ -8888,7 +8965,7 @@
           <a:p>
             <a:fld id="{1D9F529C-DE3F-4713-B935-A2AF89258D6C}" type="datetimeFigureOut">
               <a:rPr lang="en-US" smtClean="0"/>
-              <a:t>2/16/2022</a:t>
+              <a:t>2/22/2022</a:t>
             </a:fld>
             <a:endParaRPr lang="en-US"/>
           </a:p>
@@ -9274,7 +9351,7 @@
           <a:p>
             <a:fld id="{1D9F529C-DE3F-4713-B935-A2AF89258D6C}" type="datetimeFigureOut">
               <a:rPr lang="en-US" smtClean="0"/>
-              <a:t>2/16/2022</a:t>
+              <a:t>2/22/2022</a:t>
             </a:fld>
             <a:endParaRPr lang="en-US"/>
           </a:p>
@@ -9503,7 +9580,7 @@
           <a:p>
             <a:fld id="{1D9F529C-DE3F-4713-B935-A2AF89258D6C}" type="datetimeFigureOut">
               <a:rPr lang="en-US" smtClean="0"/>
-              <a:t>2/16/2022</a:t>
+              <a:t>2/22/2022</a:t>
             </a:fld>
             <a:endParaRPr lang="en-US"/>
           </a:p>
@@ -9994,7 +10071,7 @@
           <a:p>
             <a:fld id="{1D9F529C-DE3F-4713-B935-A2AF89258D6C}" type="datetimeFigureOut">
               <a:rPr lang="en-US" smtClean="0"/>
-              <a:t>2/16/2022</a:t>
+              <a:t>2/22/2022</a:t>
             </a:fld>
             <a:endParaRPr lang="en-US"/>
           </a:p>
@@ -10304,7 +10381,7 @@
           <a:p>
             <a:fld id="{1D9F529C-DE3F-4713-B935-A2AF89258D6C}" type="datetimeFigureOut">
               <a:rPr lang="en-US" smtClean="0"/>
-              <a:t>2/16/2022</a:t>
+              <a:t>2/22/2022</a:t>
             </a:fld>
             <a:endParaRPr lang="en-US"/>
           </a:p>
@@ -10695,7 +10772,7 @@
           <a:p>
             <a:fld id="{1D9F529C-DE3F-4713-B935-A2AF89258D6C}" type="datetimeFigureOut">
               <a:rPr lang="en-US" smtClean="0"/>
-              <a:t>2/16/2022</a:t>
+              <a:t>2/22/2022</a:t>
             </a:fld>
             <a:endParaRPr lang="en-US"/>
           </a:p>
@@ -10813,7 +10890,7 @@
           <a:p>
             <a:fld id="{1D9F529C-DE3F-4713-B935-A2AF89258D6C}" type="datetimeFigureOut">
               <a:rPr lang="en-US" smtClean="0"/>
-              <a:t>2/16/2022</a:t>
+              <a:t>2/22/2022</a:t>
             </a:fld>
             <a:endParaRPr lang="en-US"/>
           </a:p>
@@ -10908,7 +10985,7 @@
           <a:p>
             <a:fld id="{1D9F529C-DE3F-4713-B935-A2AF89258D6C}" type="datetimeFigureOut">
               <a:rPr lang="en-US" smtClean="0"/>
-              <a:t>2/16/2022</a:t>
+              <a:t>2/22/2022</a:t>
             </a:fld>
             <a:endParaRPr lang="en-US"/>
           </a:p>
@@ -11208,7 +11285,7 @@
           <a:p>
             <a:fld id="{1D9F529C-DE3F-4713-B935-A2AF89258D6C}" type="datetimeFigureOut">
               <a:rPr lang="en-US" smtClean="0"/>
-              <a:t>2/16/2022</a:t>
+              <a:t>2/22/2022</a:t>
             </a:fld>
             <a:endParaRPr lang="en-US"/>
           </a:p>
@@ -11473,7 +11550,7 @@
           <a:p>
             <a:fld id="{1D9F529C-DE3F-4713-B935-A2AF89258D6C}" type="datetimeFigureOut">
               <a:rPr lang="en-US" smtClean="0"/>
-              <a:t>2/16/2022</a:t>
+              <a:t>2/22/2022</a:t>
             </a:fld>
             <a:endParaRPr lang="en-US"/>
           </a:p>
@@ -11891,7 +11968,7 @@
           <a:p>
             <a:fld id="{1D9F529C-DE3F-4713-B935-A2AF89258D6C}" type="datetimeFigureOut">
               <a:rPr lang="en-US" smtClean="0"/>
-              <a:t>2/16/2022</a:t>
+              <a:t>2/22/2022</a:t>
             </a:fld>
             <a:endParaRPr lang="en-US"/>
           </a:p>
@@ -12873,7 +12950,7 @@
             <p:ph idx="1"/>
             <p:extLst>
               <p:ext uri="{D42A27DB-BD31-4B8C-83A1-F6EECF244321}">
-                <p14:modId xmlns:p14="http://schemas.microsoft.com/office/powerpoint/2010/main" val="3439674431"/>
+                <p14:modId xmlns:p14="http://schemas.microsoft.com/office/powerpoint/2010/main" val="3954997091"/>
               </p:ext>
             </p:extLst>
           </p:nvPr>
@@ -12904,6 +12981,14 @@
 <file path=ppt/slides/slide2.xml><?xml version="1.0" encoding="utf-8"?>
 <p:sld xmlns:a="http://schemas.openxmlformats.org/drawingml/2006/main" xmlns:r="http://schemas.openxmlformats.org/officeDocument/2006/relationships" xmlns:p="http://schemas.openxmlformats.org/presentationml/2006/main">
   <p:cSld>
+    <p:bg>
+      <p:bgPr>
+        <a:solidFill>
+          <a:schemeClr val="bg1"/>
+        </a:solidFill>
+        <a:effectLst/>
+      </p:bgPr>
+    </p:bg>
     <p:spTree>
       <p:nvGrpSpPr>
         <p:cNvPr id="1" name=""/>
@@ -12918,6 +13003,609 @@
           <a:chExt cx="0" cy="0"/>
         </a:xfrm>
       </p:grpSpPr>
+      <p:sp>
+        <p:nvSpPr>
+          <p:cNvPr id="10" name="Freeform 6">
+            <a:extLst>
+              <a:ext uri="{FF2B5EF4-FFF2-40B4-BE49-F238E27FC236}">
+                <a16:creationId xmlns:a16="http://schemas.microsoft.com/office/drawing/2014/main" id="{49EC5C96-A5B7-48AF-865B-32EA92606F85}"/>
+              </a:ext>
+              <a:ext uri="{C183D7F6-B498-43B3-948B-1728B52AA6E4}">
+                <adec:decorative xmlns:adec="http://schemas.microsoft.com/office/drawing/2017/decorative" val="1"/>
+              </a:ext>
+            </a:extLst>
+          </p:cNvPr>
+          <p:cNvSpPr>
+            <a:spLocks noGrp="1" noRot="1" noChangeAspect="1" noMove="1" noResize="1" noEditPoints="1" noAdjustHandles="1" noChangeArrowheads="1" noChangeShapeType="1" noTextEdit="1"/>
+          </p:cNvSpPr>
+          <p:nvPr>
+            <p:extLst>
+              <p:ext uri="{386F3935-93C4-4BCD-93E2-E3B085C9AB24}">
+                <p16:designElem xmlns:p16="http://schemas.microsoft.com/office/powerpoint/2015/main" val="1"/>
+              </p:ext>
+            </p:extLst>
+          </p:nvPr>
+        </p:nvSpPr>
+        <p:spPr bwMode="auto">
+          <a:xfrm>
+            <a:off x="11784011" y="1189204"/>
+            <a:ext cx="407988" cy="819150"/>
+          </a:xfrm>
+          <a:custGeom>
+            <a:avLst/>
+            <a:gdLst/>
+            <a:ahLst/>
+            <a:cxnLst/>
+            <a:rect l="0" t="0" r="r" b="b"/>
+            <a:pathLst>
+              <a:path w="1799" h="3612">
+                <a:moveTo>
+                  <a:pt x="1799" y="0"/>
+                </a:moveTo>
+                <a:lnTo>
+                  <a:pt x="1799" y="3612"/>
+                </a:lnTo>
+                <a:lnTo>
+                  <a:pt x="1686" y="3609"/>
+                </a:lnTo>
+                <a:lnTo>
+                  <a:pt x="1574" y="3598"/>
+                </a:lnTo>
+                <a:lnTo>
+                  <a:pt x="1464" y="3581"/>
+                </a:lnTo>
+                <a:lnTo>
+                  <a:pt x="1357" y="3557"/>
+                </a:lnTo>
+                <a:lnTo>
+                  <a:pt x="1251" y="3527"/>
+                </a:lnTo>
+                <a:lnTo>
+                  <a:pt x="1150" y="3490"/>
+                </a:lnTo>
+                <a:lnTo>
+                  <a:pt x="1050" y="3448"/>
+                </a:lnTo>
+                <a:lnTo>
+                  <a:pt x="953" y="3401"/>
+                </a:lnTo>
+                <a:lnTo>
+                  <a:pt x="860" y="3347"/>
+                </a:lnTo>
+                <a:lnTo>
+                  <a:pt x="771" y="3289"/>
+                </a:lnTo>
+                <a:lnTo>
+                  <a:pt x="686" y="3224"/>
+                </a:lnTo>
+                <a:lnTo>
+                  <a:pt x="604" y="3156"/>
+                </a:lnTo>
+                <a:lnTo>
+                  <a:pt x="527" y="3083"/>
+                </a:lnTo>
+                <a:lnTo>
+                  <a:pt x="454" y="3005"/>
+                </a:lnTo>
+                <a:lnTo>
+                  <a:pt x="386" y="2923"/>
+                </a:lnTo>
+                <a:lnTo>
+                  <a:pt x="323" y="2838"/>
+                </a:lnTo>
+                <a:lnTo>
+                  <a:pt x="265" y="2748"/>
+                </a:lnTo>
+                <a:lnTo>
+                  <a:pt x="211" y="2655"/>
+                </a:lnTo>
+                <a:lnTo>
+                  <a:pt x="163" y="2559"/>
+                </a:lnTo>
+                <a:lnTo>
+                  <a:pt x="121" y="2459"/>
+                </a:lnTo>
+                <a:lnTo>
+                  <a:pt x="85" y="2356"/>
+                </a:lnTo>
+                <a:lnTo>
+                  <a:pt x="55" y="2251"/>
+                </a:lnTo>
+                <a:lnTo>
+                  <a:pt x="32" y="2143"/>
+                </a:lnTo>
+                <a:lnTo>
+                  <a:pt x="14" y="2033"/>
+                </a:lnTo>
+                <a:lnTo>
+                  <a:pt x="4" y="1920"/>
+                </a:lnTo>
+                <a:lnTo>
+                  <a:pt x="0" y="1806"/>
+                </a:lnTo>
+                <a:lnTo>
+                  <a:pt x="4" y="1692"/>
+                </a:lnTo>
+                <a:lnTo>
+                  <a:pt x="14" y="1580"/>
+                </a:lnTo>
+                <a:lnTo>
+                  <a:pt x="32" y="1469"/>
+                </a:lnTo>
+                <a:lnTo>
+                  <a:pt x="55" y="1362"/>
+                </a:lnTo>
+                <a:lnTo>
+                  <a:pt x="85" y="1256"/>
+                </a:lnTo>
+                <a:lnTo>
+                  <a:pt x="121" y="1154"/>
+                </a:lnTo>
+                <a:lnTo>
+                  <a:pt x="163" y="1054"/>
+                </a:lnTo>
+                <a:lnTo>
+                  <a:pt x="211" y="958"/>
+                </a:lnTo>
+                <a:lnTo>
+                  <a:pt x="265" y="864"/>
+                </a:lnTo>
+                <a:lnTo>
+                  <a:pt x="323" y="774"/>
+                </a:lnTo>
+                <a:lnTo>
+                  <a:pt x="386" y="689"/>
+                </a:lnTo>
+                <a:lnTo>
+                  <a:pt x="454" y="607"/>
+                </a:lnTo>
+                <a:lnTo>
+                  <a:pt x="527" y="529"/>
+                </a:lnTo>
+                <a:lnTo>
+                  <a:pt x="604" y="456"/>
+                </a:lnTo>
+                <a:lnTo>
+                  <a:pt x="686" y="388"/>
+                </a:lnTo>
+                <a:lnTo>
+                  <a:pt x="771" y="325"/>
+                </a:lnTo>
+                <a:lnTo>
+                  <a:pt x="860" y="266"/>
+                </a:lnTo>
+                <a:lnTo>
+                  <a:pt x="953" y="212"/>
+                </a:lnTo>
+                <a:lnTo>
+                  <a:pt x="1050" y="164"/>
+                </a:lnTo>
+                <a:lnTo>
+                  <a:pt x="1150" y="122"/>
+                </a:lnTo>
+                <a:lnTo>
+                  <a:pt x="1251" y="85"/>
+                </a:lnTo>
+                <a:lnTo>
+                  <a:pt x="1357" y="55"/>
+                </a:lnTo>
+                <a:lnTo>
+                  <a:pt x="1464" y="32"/>
+                </a:lnTo>
+                <a:lnTo>
+                  <a:pt x="1574" y="14"/>
+                </a:lnTo>
+                <a:lnTo>
+                  <a:pt x="1686" y="5"/>
+                </a:lnTo>
+                <a:lnTo>
+                  <a:pt x="1799" y="0"/>
+                </a:lnTo>
+                <a:close/>
+              </a:path>
+            </a:pathLst>
+          </a:custGeom>
+          <a:solidFill>
+            <a:schemeClr val="tx2"/>
+          </a:solidFill>
+          <a:ln w="0">
+            <a:noFill/>
+            <a:prstDash val="solid"/>
+            <a:round/>
+            <a:headEnd/>
+            <a:tailEnd/>
+          </a:ln>
+        </p:spPr>
+      </p:sp>
+      <p:cxnSp>
+        <p:nvCxnSpPr>
+          <p:cNvPr id="12" name="Straight Connector 11">
+            <a:extLst>
+              <a:ext uri="{FF2B5EF4-FFF2-40B4-BE49-F238E27FC236}">
+                <a16:creationId xmlns:a16="http://schemas.microsoft.com/office/drawing/2014/main" id="{87D3361C-8AD4-4C09-8E01-4332488617AB}"/>
+              </a:ext>
+              <a:ext uri="{C183D7F6-B498-43B3-948B-1728B52AA6E4}">
+                <adec:decorative xmlns:adec="http://schemas.microsoft.com/office/drawing/2017/decorative" val="1"/>
+              </a:ext>
+            </a:extLst>
+          </p:cNvPr>
+          <p:cNvCxnSpPr>
+            <a:cxnSpLocks noGrp="1" noRot="1" noChangeAspect="1" noMove="1" noResize="1" noEditPoints="1" noAdjustHandles="1" noChangeArrowheads="1" noChangeShapeType="1"/>
+          </p:cNvCxnSpPr>
+          <p:nvPr>
+            <p:extLst>
+              <p:ext uri="{386F3935-93C4-4BCD-93E2-E3B085C9AB24}">
+                <p16:designElem xmlns:p16="http://schemas.microsoft.com/office/powerpoint/2015/main" val="1"/>
+              </p:ext>
+            </p:extLst>
+          </p:nvPr>
+        </p:nvCxnSpPr>
+        <p:spPr>
+          <a:xfrm>
+            <a:off x="773855" y="1257300"/>
+            <a:ext cx="0" cy="5600700"/>
+          </a:xfrm>
+          <a:prstGeom prst="line">
+            <a:avLst/>
+          </a:prstGeom>
+          <a:ln w="25400">
+            <a:solidFill>
+              <a:schemeClr val="tx2"/>
+            </a:solidFill>
+          </a:ln>
+        </p:spPr>
+        <p:style>
+          <a:lnRef idx="1">
+            <a:schemeClr val="accent1"/>
+          </a:lnRef>
+          <a:fillRef idx="0">
+            <a:schemeClr val="accent1"/>
+          </a:fillRef>
+          <a:effectRef idx="0">
+            <a:schemeClr val="accent1"/>
+          </a:effectRef>
+          <a:fontRef idx="minor">
+            <a:schemeClr val="tx1"/>
+          </a:fontRef>
+        </p:style>
+      </p:cxnSp>
+      <p:sp useBgFill="1">
+        <p:nvSpPr>
+          <p:cNvPr id="14" name="Rectangle 13">
+            <a:extLst>
+              <a:ext uri="{FF2B5EF4-FFF2-40B4-BE49-F238E27FC236}">
+                <a16:creationId xmlns:a16="http://schemas.microsoft.com/office/drawing/2014/main" id="{9F8CD012-29F5-45B8-83DF-393C0A213BB2}"/>
+              </a:ext>
+              <a:ext uri="{C183D7F6-B498-43B3-948B-1728B52AA6E4}">
+                <adec:decorative xmlns:adec="http://schemas.microsoft.com/office/drawing/2017/decorative" val="1"/>
+              </a:ext>
+            </a:extLst>
+          </p:cNvPr>
+          <p:cNvSpPr>
+            <a:spLocks noGrp="1" noRot="1" noChangeAspect="1" noMove="1" noResize="1" noEditPoints="1" noAdjustHandles="1" noChangeArrowheads="1" noChangeShapeType="1" noTextEdit="1"/>
+          </p:cNvSpPr>
+          <p:nvPr>
+            <p:extLst>
+              <p:ext uri="{386F3935-93C4-4BCD-93E2-E3B085C9AB24}">
+                <p16:designElem xmlns:p16="http://schemas.microsoft.com/office/powerpoint/2015/main" val="1"/>
+              </p:ext>
+            </p:extLst>
+          </p:nvPr>
+        </p:nvSpPr>
+        <p:spPr bwMode="grayWhite">
+          <a:xfrm>
+            <a:off x="0" y="0"/>
+            <a:ext cx="12191999" cy="4562007"/>
+          </a:xfrm>
+          <a:prstGeom prst="rect">
+            <a:avLst/>
+          </a:prstGeom>
+          <a:ln>
+            <a:noFill/>
+          </a:ln>
+        </p:spPr>
+        <p:style>
+          <a:lnRef idx="2">
+            <a:schemeClr val="accent1">
+              <a:shade val="50000"/>
+            </a:schemeClr>
+          </a:lnRef>
+          <a:fillRef idx="1">
+            <a:schemeClr val="accent1"/>
+          </a:fillRef>
+          <a:effectRef idx="0">
+            <a:schemeClr val="accent1"/>
+          </a:effectRef>
+          <a:fontRef idx="minor">
+            <a:schemeClr val="lt1"/>
+          </a:fontRef>
+        </p:style>
+        <p:txBody>
+          <a:bodyPr rtlCol="0" anchor="ctr"/>
+          <a:lstStyle/>
+          <a:p>
+            <a:pPr algn="ctr"/>
+            <a:endParaRPr lang="en-US"/>
+          </a:p>
+        </p:txBody>
+      </p:sp>
+      <p:sp>
+        <p:nvSpPr>
+          <p:cNvPr id="16" name="Freeform 6">
+            <a:extLst>
+              <a:ext uri="{FF2B5EF4-FFF2-40B4-BE49-F238E27FC236}">
+                <a16:creationId xmlns:a16="http://schemas.microsoft.com/office/drawing/2014/main" id="{D5807261-5AA8-4462-847C-7789D26717C1}"/>
+              </a:ext>
+              <a:ext uri="{C183D7F6-B498-43B3-948B-1728B52AA6E4}">
+                <adec:decorative xmlns:adec="http://schemas.microsoft.com/office/drawing/2017/decorative" val="1"/>
+              </a:ext>
+            </a:extLst>
+          </p:cNvPr>
+          <p:cNvSpPr>
+            <a:spLocks noGrp="1" noRot="1" noChangeAspect="1" noMove="1" noResize="1" noEditPoints="1" noAdjustHandles="1" noChangeArrowheads="1" noChangeShapeType="1" noTextEdit="1"/>
+          </p:cNvSpPr>
+          <p:nvPr>
+            <p:extLst>
+              <p:ext uri="{386F3935-93C4-4BCD-93E2-E3B085C9AB24}">
+                <p16:designElem xmlns:p16="http://schemas.microsoft.com/office/powerpoint/2015/main" val="1"/>
+              </p:ext>
+            </p:extLst>
+          </p:nvPr>
+        </p:nvSpPr>
+        <p:spPr bwMode="auto">
+          <a:xfrm>
+            <a:off x="11784011" y="1263417"/>
+            <a:ext cx="407988" cy="819150"/>
+          </a:xfrm>
+          <a:custGeom>
+            <a:avLst/>
+            <a:gdLst/>
+            <a:ahLst/>
+            <a:cxnLst/>
+            <a:rect l="0" t="0" r="r" b="b"/>
+            <a:pathLst>
+              <a:path w="1799" h="3612">
+                <a:moveTo>
+                  <a:pt x="1799" y="0"/>
+                </a:moveTo>
+                <a:lnTo>
+                  <a:pt x="1799" y="3612"/>
+                </a:lnTo>
+                <a:lnTo>
+                  <a:pt x="1686" y="3609"/>
+                </a:lnTo>
+                <a:lnTo>
+                  <a:pt x="1574" y="3598"/>
+                </a:lnTo>
+                <a:lnTo>
+                  <a:pt x="1464" y="3581"/>
+                </a:lnTo>
+                <a:lnTo>
+                  <a:pt x="1357" y="3557"/>
+                </a:lnTo>
+                <a:lnTo>
+                  <a:pt x="1251" y="3527"/>
+                </a:lnTo>
+                <a:lnTo>
+                  <a:pt x="1150" y="3490"/>
+                </a:lnTo>
+                <a:lnTo>
+                  <a:pt x="1050" y="3448"/>
+                </a:lnTo>
+                <a:lnTo>
+                  <a:pt x="953" y="3401"/>
+                </a:lnTo>
+                <a:lnTo>
+                  <a:pt x="860" y="3347"/>
+                </a:lnTo>
+                <a:lnTo>
+                  <a:pt x="771" y="3289"/>
+                </a:lnTo>
+                <a:lnTo>
+                  <a:pt x="686" y="3224"/>
+                </a:lnTo>
+                <a:lnTo>
+                  <a:pt x="604" y="3156"/>
+                </a:lnTo>
+                <a:lnTo>
+                  <a:pt x="527" y="3083"/>
+                </a:lnTo>
+                <a:lnTo>
+                  <a:pt x="454" y="3005"/>
+                </a:lnTo>
+                <a:lnTo>
+                  <a:pt x="386" y="2923"/>
+                </a:lnTo>
+                <a:lnTo>
+                  <a:pt x="323" y="2838"/>
+                </a:lnTo>
+                <a:lnTo>
+                  <a:pt x="265" y="2748"/>
+                </a:lnTo>
+                <a:lnTo>
+                  <a:pt x="211" y="2655"/>
+                </a:lnTo>
+                <a:lnTo>
+                  <a:pt x="163" y="2559"/>
+                </a:lnTo>
+                <a:lnTo>
+                  <a:pt x="121" y="2459"/>
+                </a:lnTo>
+                <a:lnTo>
+                  <a:pt x="85" y="2356"/>
+                </a:lnTo>
+                <a:lnTo>
+                  <a:pt x="55" y="2251"/>
+                </a:lnTo>
+                <a:lnTo>
+                  <a:pt x="32" y="2143"/>
+                </a:lnTo>
+                <a:lnTo>
+                  <a:pt x="14" y="2033"/>
+                </a:lnTo>
+                <a:lnTo>
+                  <a:pt x="4" y="1920"/>
+                </a:lnTo>
+                <a:lnTo>
+                  <a:pt x="0" y="1806"/>
+                </a:lnTo>
+                <a:lnTo>
+                  <a:pt x="4" y="1692"/>
+                </a:lnTo>
+                <a:lnTo>
+                  <a:pt x="14" y="1580"/>
+                </a:lnTo>
+                <a:lnTo>
+                  <a:pt x="32" y="1469"/>
+                </a:lnTo>
+                <a:lnTo>
+                  <a:pt x="55" y="1362"/>
+                </a:lnTo>
+                <a:lnTo>
+                  <a:pt x="85" y="1256"/>
+                </a:lnTo>
+                <a:lnTo>
+                  <a:pt x="121" y="1154"/>
+                </a:lnTo>
+                <a:lnTo>
+                  <a:pt x="163" y="1054"/>
+                </a:lnTo>
+                <a:lnTo>
+                  <a:pt x="211" y="958"/>
+                </a:lnTo>
+                <a:lnTo>
+                  <a:pt x="265" y="864"/>
+                </a:lnTo>
+                <a:lnTo>
+                  <a:pt x="323" y="774"/>
+                </a:lnTo>
+                <a:lnTo>
+                  <a:pt x="386" y="689"/>
+                </a:lnTo>
+                <a:lnTo>
+                  <a:pt x="454" y="607"/>
+                </a:lnTo>
+                <a:lnTo>
+                  <a:pt x="527" y="529"/>
+                </a:lnTo>
+                <a:lnTo>
+                  <a:pt x="604" y="456"/>
+                </a:lnTo>
+                <a:lnTo>
+                  <a:pt x="686" y="388"/>
+                </a:lnTo>
+                <a:lnTo>
+                  <a:pt x="771" y="325"/>
+                </a:lnTo>
+                <a:lnTo>
+                  <a:pt x="860" y="266"/>
+                </a:lnTo>
+                <a:lnTo>
+                  <a:pt x="953" y="212"/>
+                </a:lnTo>
+                <a:lnTo>
+                  <a:pt x="1050" y="164"/>
+                </a:lnTo>
+                <a:lnTo>
+                  <a:pt x="1150" y="122"/>
+                </a:lnTo>
+                <a:lnTo>
+                  <a:pt x="1251" y="85"/>
+                </a:lnTo>
+                <a:lnTo>
+                  <a:pt x="1357" y="55"/>
+                </a:lnTo>
+                <a:lnTo>
+                  <a:pt x="1464" y="32"/>
+                </a:lnTo>
+                <a:lnTo>
+                  <a:pt x="1574" y="14"/>
+                </a:lnTo>
+                <a:lnTo>
+                  <a:pt x="1686" y="5"/>
+                </a:lnTo>
+                <a:lnTo>
+                  <a:pt x="1799" y="0"/>
+                </a:lnTo>
+                <a:close/>
+              </a:path>
+            </a:pathLst>
+          </a:custGeom>
+          <a:solidFill>
+            <a:schemeClr val="tx2"/>
+          </a:solidFill>
+          <a:ln w="0">
+            <a:noFill/>
+            <a:prstDash val="solid"/>
+            <a:round/>
+            <a:headEnd/>
+            <a:tailEnd/>
+          </a:ln>
+        </p:spPr>
+      </p:sp>
+      <p:sp>
+        <p:nvSpPr>
+          <p:cNvPr id="18" name="Rectangle 17">
+            <a:extLst>
+              <a:ext uri="{FF2B5EF4-FFF2-40B4-BE49-F238E27FC236}">
+                <a16:creationId xmlns:a16="http://schemas.microsoft.com/office/drawing/2014/main" id="{5C9F31C1-4E46-4A89-877A-24BBC6D3F47D}"/>
+              </a:ext>
+              <a:ext uri="{C183D7F6-B498-43B3-948B-1728B52AA6E4}">
+                <adec:decorative xmlns:adec="http://schemas.microsoft.com/office/drawing/2017/decorative" val="1"/>
+              </a:ext>
+            </a:extLst>
+          </p:cNvPr>
+          <p:cNvSpPr>
+            <a:spLocks noGrp="1" noRot="1" noChangeAspect="1" noMove="1" noResize="1" noEditPoints="1" noAdjustHandles="1" noChangeArrowheads="1" noChangeShapeType="1" noTextEdit="1"/>
+          </p:cNvSpPr>
+          <p:nvPr>
+            <p:extLst>
+              <p:ext uri="{386F3935-93C4-4BCD-93E2-E3B085C9AB24}">
+                <p16:designElem xmlns:p16="http://schemas.microsoft.com/office/powerpoint/2015/main" val="1"/>
+              </p:ext>
+            </p:extLst>
+          </p:nvPr>
+        </p:nvSpPr>
+        <p:spPr bwMode="grayWhite">
+          <a:xfrm>
+            <a:off x="1" y="4553146"/>
+            <a:ext cx="12191999" cy="2304854"/>
+          </a:xfrm>
+          <a:prstGeom prst="rect">
+            <a:avLst/>
+          </a:prstGeom>
+          <a:solidFill>
+            <a:schemeClr val="tx2"/>
+          </a:solidFill>
+          <a:ln>
+            <a:noFill/>
+          </a:ln>
+        </p:spPr>
+        <p:style>
+          <a:lnRef idx="2">
+            <a:schemeClr val="accent1">
+              <a:shade val="50000"/>
+            </a:schemeClr>
+          </a:lnRef>
+          <a:fillRef idx="1">
+            <a:schemeClr val="accent1"/>
+          </a:fillRef>
+          <a:effectRef idx="0">
+            <a:schemeClr val="accent1"/>
+          </a:effectRef>
+          <a:fontRef idx="minor">
+            <a:schemeClr val="lt1"/>
+          </a:fontRef>
+        </p:style>
+        <p:txBody>
+          <a:bodyPr rtlCol="0" anchor="ctr"/>
+          <a:lstStyle/>
+          <a:p>
+            <a:pPr algn="ctr"/>
+            <a:endParaRPr lang="en-US"/>
+          </a:p>
+        </p:txBody>
+      </p:sp>
       <p:sp>
         <p:nvSpPr>
           <p:cNvPr id="2" name="Title 1">
@@ -12936,19 +13624,27 @@
         </p:nvSpPr>
         <p:spPr>
           <a:xfrm>
-            <a:off x="998912" y="137647"/>
-            <a:ext cx="10194175" cy="746608"/>
+            <a:off x="643464" y="5202087"/>
+            <a:ext cx="9600863" cy="894704"/>
           </a:xfrm>
         </p:spPr>
         <p:txBody>
-          <a:bodyPr>
-            <a:normAutofit fontScale="90000"/>
+          <a:bodyPr vert="horz" lIns="91440" tIns="45720" rIns="91440" bIns="45720" rtlCol="0" anchor="t">
+            <a:normAutofit/>
           </a:bodyPr>
           <a:lstStyle/>
           <a:p>
-            <a:pPr algn="ctr"/>
+            <a:pPr>
+              <a:lnSpc>
+                <a:spcPct val="85000"/>
+              </a:lnSpc>
+            </a:pPr>
             <a:r>
-              <a:rPr lang="en-US" dirty="0"/>
+              <a:rPr lang="en-US" sz="4800" cap="all">
+                <a:solidFill>
+                  <a:schemeClr val="bg2"/>
+                </a:solidFill>
+              </a:rPr>
               <a:t>Gantt Chart Review</a:t>
             </a:r>
           </a:p>
@@ -12956,10 +13652,10 @@
       </p:sp>
       <p:pic>
         <p:nvPicPr>
-          <p:cNvPr id="4" name="Picture 3">
+          <p:cNvPr id="5" name="Picture 4">
             <a:extLst>
               <a:ext uri="{FF2B5EF4-FFF2-40B4-BE49-F238E27FC236}">
-                <a16:creationId xmlns:a16="http://schemas.microsoft.com/office/drawing/2014/main" id="{B263E7CC-65A6-41BD-B8AD-4813E328560C}"/>
+                <a16:creationId xmlns:a16="http://schemas.microsoft.com/office/drawing/2014/main" id="{C5D649C9-1341-424C-94DA-3CCAF318D206}"/>
               </a:ext>
             </a:extLst>
           </p:cNvPr>
@@ -12976,14 +13672,66 @@
         </p:blipFill>
         <p:spPr>
           <a:xfrm>
-            <a:off x="150725" y="963962"/>
-            <a:ext cx="12041275" cy="4251133"/>
+            <a:off x="635457" y="687824"/>
+            <a:ext cx="11040727" cy="3483215"/>
           </a:xfrm>
           <a:prstGeom prst="rect">
             <a:avLst/>
           </a:prstGeom>
         </p:spPr>
       </p:pic>
+      <p:cxnSp>
+        <p:nvCxnSpPr>
+          <p:cNvPr id="20" name="Straight Connector 19">
+            <a:extLst>
+              <a:ext uri="{FF2B5EF4-FFF2-40B4-BE49-F238E27FC236}">
+                <a16:creationId xmlns:a16="http://schemas.microsoft.com/office/drawing/2014/main" id="{99B864D8-020F-455C-951E-BECB1D7E9E86}"/>
+              </a:ext>
+              <a:ext uri="{C183D7F6-B498-43B3-948B-1728B52AA6E4}">
+                <adec:decorative xmlns:adec="http://schemas.microsoft.com/office/drawing/2017/decorative" val="1"/>
+              </a:ext>
+            </a:extLst>
+          </p:cNvPr>
+          <p:cNvCxnSpPr>
+            <a:cxnSpLocks noGrp="1" noRot="1" noChangeAspect="1" noMove="1" noResize="1" noEditPoints="1" noAdjustHandles="1" noChangeArrowheads="1" noChangeShapeType="1"/>
+          </p:cNvCxnSpPr>
+          <p:nvPr>
+            <p:extLst>
+              <p:ext uri="{386F3935-93C4-4BCD-93E2-E3B085C9AB24}">
+                <p16:designElem xmlns:p16="http://schemas.microsoft.com/office/powerpoint/2015/main" val="1"/>
+              </p:ext>
+            </p:extLst>
+          </p:nvPr>
+        </p:nvCxnSpPr>
+        <p:spPr>
+          <a:xfrm flipH="1">
+            <a:off x="1" y="6178167"/>
+            <a:ext cx="10244326" cy="0"/>
+          </a:xfrm>
+          <a:prstGeom prst="line">
+            <a:avLst/>
+          </a:prstGeom>
+          <a:ln w="25400">
+            <a:solidFill>
+              <a:schemeClr val="bg2"/>
+            </a:solidFill>
+          </a:ln>
+        </p:spPr>
+        <p:style>
+          <a:lnRef idx="1">
+            <a:schemeClr val="accent1"/>
+          </a:lnRef>
+          <a:fillRef idx="0">
+            <a:schemeClr val="accent1"/>
+          </a:fillRef>
+          <a:effectRef idx="0">
+            <a:schemeClr val="accent1"/>
+          </a:effectRef>
+          <a:fontRef idx="minor">
+            <a:schemeClr val="tx1"/>
+          </a:fontRef>
+        </p:style>
+      </p:cxnSp>
     </p:spTree>
     <p:extLst>
       <p:ext uri="{BB962C8B-B14F-4D97-AF65-F5344CB8AC3E}">
@@ -13682,7 +14430,7 @@
           <a:p>
             <a:r>
               <a:rPr lang="en-US" dirty="0"/>
-              <a:t>Upcoming Objectives</a:t>
+              <a:t>Objectives</a:t>
             </a:r>
           </a:p>
         </p:txBody>
@@ -13714,7 +14462,7 @@
             </a:pPr>
             <a:r>
               <a:rPr lang="en-US" dirty="0"/>
-              <a:t>Reduce Race, Ethnicity, Insurance granularity</a:t>
+              <a:t>Identify if demographic disparities exist in survival outcomes</a:t>
             </a:r>
           </a:p>
           <a:p>
@@ -13724,7 +14472,7 @@
             </a:pPr>
             <a:r>
               <a:rPr lang="en-US" dirty="0"/>
-              <a:t>Acquire Charter Approval</a:t>
+              <a:t>Observe if demographic disparities exists in the predictive value of initial triage priority</a:t>
             </a:r>
           </a:p>
           <a:p>
@@ -13734,27 +14482,7 @@
             </a:pPr>
             <a:r>
               <a:rPr lang="en-US" dirty="0"/>
-              <a:t>Build SQL database</a:t>
-            </a:r>
-          </a:p>
-          <a:p>
-            <a:pPr marL="457200" indent="-457200">
-              <a:buFont typeface="+mj-lt"/>
-              <a:buAutoNum type="arabicPeriod"/>
-            </a:pPr>
-            <a:r>
-              <a:rPr lang="en-US" dirty="0"/>
-              <a:t>Identify relationship between COVID table and repeated encounters</a:t>
-            </a:r>
-          </a:p>
-          <a:p>
-            <a:pPr marL="457200" indent="-457200">
-              <a:buFont typeface="+mj-lt"/>
-              <a:buAutoNum type="arabicPeriod"/>
-            </a:pPr>
-            <a:r>
-              <a:rPr lang="en-US" dirty="0"/>
-              <a:t>Build Dashboard</a:t>
+              <a:t>Determine if initial triage priority is predictive of survival</a:t>
             </a:r>
           </a:p>
         </p:txBody>
@@ -14505,20 +15233,13 @@
           <a:p>
             <a:r>
               <a:rPr lang="en-US" dirty="0"/>
-              <a:t>Completed Charter Draft</a:t>
-            </a:r>
-          </a:p>
-          <a:p>
-            <a:pPr lvl="1"/>
-            <a:r>
-              <a:rPr lang="en-US" dirty="0"/>
-              <a:t>Pending Approval</a:t>
+              <a:t>Built Data Model</a:t>
             </a:r>
           </a:p>
           <a:p>
             <a:r>
               <a:rPr lang="en-US" dirty="0"/>
-              <a:t>Built Data Model</a:t>
+              <a:t>Built database with foreign key relationships</a:t>
             </a:r>
           </a:p>
           <a:p>

--- a/Docs/ClassMeetings/2022_02_21_ClassMeeting.pptx
+++ b/Docs/ClassMeetings/2022_02_21_ClassMeeting.pptx
@@ -5,7 +5,7 @@
     <p:sldMasterId id="2147483660" r:id="rId1"/>
   </p:sldMasterIdLst>
   <p:notesMasterIdLst>
-    <p:notesMasterId r:id="rId12"/>
+    <p:notesMasterId r:id="rId20"/>
   </p:notesMasterIdLst>
   <p:sldIdLst>
     <p:sldId id="256" r:id="rId2"/>
@@ -13,11 +13,19 @@
     <p:sldId id="260" r:id="rId4"/>
     <p:sldId id="263" r:id="rId5"/>
     <p:sldId id="264" r:id="rId6"/>
-    <p:sldId id="272" r:id="rId7"/>
-    <p:sldId id="267" r:id="rId8"/>
-    <p:sldId id="273" r:id="rId9"/>
-    <p:sldId id="269" r:id="rId10"/>
-    <p:sldId id="274" r:id="rId11"/>
+    <p:sldId id="270" r:id="rId7"/>
+    <p:sldId id="276" r:id="rId8"/>
+    <p:sldId id="277" r:id="rId9"/>
+    <p:sldId id="278" r:id="rId10"/>
+    <p:sldId id="284" r:id="rId11"/>
+    <p:sldId id="279" r:id="rId12"/>
+    <p:sldId id="280" r:id="rId13"/>
+    <p:sldId id="281" r:id="rId14"/>
+    <p:sldId id="272" r:id="rId15"/>
+    <p:sldId id="267" r:id="rId16"/>
+    <p:sldId id="273" r:id="rId17"/>
+    <p:sldId id="269" r:id="rId18"/>
+    <p:sldId id="274" r:id="rId19"/>
   </p:sldIdLst>
   <p:sldSz cx="12192000" cy="6858000"/>
   <p:notesSz cx="6858000" cy="9144000"/>
@@ -138,6 +146,14 @@
         <p14:section name="Achievements" id="{71A46C8F-565E-498C-8AB1-1EFBAB286C59}">
           <p14:sldIdLst>
             <p14:sldId id="264"/>
+            <p14:sldId id="270"/>
+            <p14:sldId id="276"/>
+            <p14:sldId id="277"/>
+            <p14:sldId id="278"/>
+            <p14:sldId id="284"/>
+            <p14:sldId id="279"/>
+            <p14:sldId id="280"/>
+            <p14:sldId id="281"/>
             <p14:sldId id="272"/>
           </p14:sldIdLst>
         </p14:section>
@@ -8332,7 +8348,7 @@
           <a:p>
             <a:fld id="{9F2614DB-863C-4663-9A9A-3D9FB2F1EE8D}" type="slidenum">
               <a:rPr lang="en-US" smtClean="0"/>
-              <a:t>6</a:t>
+              <a:t>14</a:t>
             </a:fld>
             <a:endParaRPr lang="en-US"/>
           </a:p>
@@ -12545,6 +12561,2539 @@
 <file path=ppt/slides/slide10.xml><?xml version="1.0" encoding="utf-8"?>
 <p:sld xmlns:a="http://schemas.openxmlformats.org/drawingml/2006/main" xmlns:r="http://schemas.openxmlformats.org/officeDocument/2006/relationships" xmlns:p="http://schemas.openxmlformats.org/presentationml/2006/main">
   <p:cSld>
+    <p:spTree>
+      <p:nvGrpSpPr>
+        <p:cNvPr id="1" name=""/>
+        <p:cNvGrpSpPr/>
+        <p:nvPr/>
+      </p:nvGrpSpPr>
+      <p:grpSpPr>
+        <a:xfrm>
+          <a:off x="0" y="0"/>
+          <a:ext cx="0" cy="0"/>
+          <a:chOff x="0" y="0"/>
+          <a:chExt cx="0" cy="0"/>
+        </a:xfrm>
+      </p:grpSpPr>
+      <p:pic>
+        <p:nvPicPr>
+          <p:cNvPr id="6" name="Content Placeholder 4">
+            <a:extLst>
+              <a:ext uri="{FF2B5EF4-FFF2-40B4-BE49-F238E27FC236}">
+                <a16:creationId xmlns:a16="http://schemas.microsoft.com/office/drawing/2014/main" id="{A47CAC1F-3698-4BBA-AA7F-85FF7B79E556}"/>
+              </a:ext>
+            </a:extLst>
+          </p:cNvPr>
+          <p:cNvPicPr>
+            <a:picLocks noChangeAspect="1" noChangeArrowheads="1"/>
+          </p:cNvPicPr>
+          <p:nvPr/>
+        </p:nvPicPr>
+        <p:blipFill>
+          <a:blip r:embed="rId2">
+            <a:extLst>
+              <a:ext uri="{28A0092B-C50C-407E-A947-70E740481C1C}">
+                <a14:useLocalDpi xmlns:a14="http://schemas.microsoft.com/office/drawing/2010/main" val="0"/>
+              </a:ext>
+            </a:extLst>
+          </a:blip>
+          <a:srcRect/>
+          <a:stretch>
+            <a:fillRect/>
+          </a:stretch>
+        </p:blipFill>
+        <p:spPr bwMode="auto">
+          <a:xfrm>
+            <a:off x="271809" y="1224469"/>
+            <a:ext cx="5317229" cy="2886747"/>
+          </a:xfrm>
+          <a:prstGeom prst="rect">
+            <a:avLst/>
+          </a:prstGeom>
+          <a:noFill/>
+          <a:extLst>
+            <a:ext uri="{909E8E84-426E-40DD-AFC4-6F175D3DCCD1}">
+              <a14:hiddenFill xmlns:a14="http://schemas.microsoft.com/office/drawing/2010/main">
+                <a:solidFill>
+                  <a:srgbClr val="FFFFFF"/>
+                </a:solidFill>
+              </a14:hiddenFill>
+            </a:ext>
+          </a:extLst>
+        </p:spPr>
+      </p:pic>
+      <p:pic>
+        <p:nvPicPr>
+          <p:cNvPr id="8" name="Picture 2">
+            <a:extLst>
+              <a:ext uri="{FF2B5EF4-FFF2-40B4-BE49-F238E27FC236}">
+                <a16:creationId xmlns:a16="http://schemas.microsoft.com/office/drawing/2014/main" id="{69A131AD-8A72-4445-99FB-4D23A525369D}"/>
+              </a:ext>
+            </a:extLst>
+          </p:cNvPr>
+          <p:cNvPicPr>
+            <a:picLocks noChangeAspect="1" noChangeArrowheads="1"/>
+          </p:cNvPicPr>
+          <p:nvPr/>
+        </p:nvPicPr>
+        <p:blipFill>
+          <a:blip r:embed="rId3">
+            <a:extLst>
+              <a:ext uri="{28A0092B-C50C-407E-A947-70E740481C1C}">
+                <a14:useLocalDpi xmlns:a14="http://schemas.microsoft.com/office/drawing/2010/main" val="0"/>
+              </a:ext>
+            </a:extLst>
+          </a:blip>
+          <a:srcRect/>
+          <a:stretch>
+            <a:fillRect/>
+          </a:stretch>
+        </p:blipFill>
+        <p:spPr bwMode="auto">
+          <a:xfrm>
+            <a:off x="5421015" y="1224469"/>
+            <a:ext cx="5844214" cy="5633531"/>
+          </a:xfrm>
+          <a:prstGeom prst="rect">
+            <a:avLst/>
+          </a:prstGeom>
+          <a:noFill/>
+          <a:extLst>
+            <a:ext uri="{909E8E84-426E-40DD-AFC4-6F175D3DCCD1}">
+              <a14:hiddenFill xmlns:a14="http://schemas.microsoft.com/office/drawing/2010/main">
+                <a:solidFill>
+                  <a:srgbClr val="FFFFFF"/>
+                </a:solidFill>
+              </a14:hiddenFill>
+            </a:ext>
+          </a:extLst>
+        </p:spPr>
+      </p:pic>
+    </p:spTree>
+    <p:extLst>
+      <p:ext uri="{BB962C8B-B14F-4D97-AF65-F5344CB8AC3E}">
+        <p14:creationId xmlns:p14="http://schemas.microsoft.com/office/powerpoint/2010/main" val="4015090984"/>
+      </p:ext>
+    </p:extLst>
+  </p:cSld>
+  <p:clrMapOvr>
+    <a:masterClrMapping/>
+  </p:clrMapOvr>
+</p:sld>
+</file>
+
+<file path=ppt/slides/slide11.xml><?xml version="1.0" encoding="utf-8"?>
+<p:sld xmlns:a="http://schemas.openxmlformats.org/drawingml/2006/main" xmlns:r="http://schemas.openxmlformats.org/officeDocument/2006/relationships" xmlns:p="http://schemas.openxmlformats.org/presentationml/2006/main">
+  <p:cSld>
+    <p:spTree>
+      <p:nvGrpSpPr>
+        <p:cNvPr id="1" name=""/>
+        <p:cNvGrpSpPr/>
+        <p:nvPr/>
+      </p:nvGrpSpPr>
+      <p:grpSpPr>
+        <a:xfrm>
+          <a:off x="0" y="0"/>
+          <a:ext cx="0" cy="0"/>
+          <a:chOff x="0" y="0"/>
+          <a:chExt cx="0" cy="0"/>
+        </a:xfrm>
+      </p:grpSpPr>
+      <p:sp>
+        <p:nvSpPr>
+          <p:cNvPr id="2" name="Title 1">
+            <a:extLst>
+              <a:ext uri="{FF2B5EF4-FFF2-40B4-BE49-F238E27FC236}">
+                <a16:creationId xmlns:a16="http://schemas.microsoft.com/office/drawing/2014/main" id="{11B5327C-22C8-4F50-843E-8F31C7381194}"/>
+              </a:ext>
+            </a:extLst>
+          </p:cNvPr>
+          <p:cNvSpPr>
+            <a:spLocks noGrp="1"/>
+          </p:cNvSpPr>
+          <p:nvPr>
+            <p:ph type="title"/>
+          </p:nvPr>
+        </p:nvSpPr>
+        <p:spPr/>
+        <p:txBody>
+          <a:bodyPr/>
+          <a:lstStyle/>
+          <a:p>
+            <a:r>
+              <a:rPr kumimoji="0" lang="en-US" sz="4400" b="0" i="0" u="none" strike="noStrike" kern="1200" cap="none" spc="0" normalizeH="0" baseline="0" noProof="0" dirty="0">
+                <a:ln>
+                  <a:noFill/>
+                </a:ln>
+                <a:solidFill>
+                  <a:srgbClr val="FF0000"/>
+                </a:solidFill>
+                <a:effectLst/>
+                <a:uLnTx/>
+                <a:uFillTx/>
+                <a:latin typeface="Calibri" panose="020F0502020204030204"/>
+                <a:ea typeface="+mn-ea"/>
+                <a:cs typeface="+mn-cs"/>
+              </a:rPr>
+              <a:t> </a:t>
+            </a:r>
+            <a:br>
+              <a:rPr kumimoji="0" lang="en-US" sz="4400" b="0" i="0" u="none" strike="noStrike" kern="1200" cap="none" spc="0" normalizeH="0" baseline="0" noProof="0" dirty="0">
+                <a:ln>
+                  <a:noFill/>
+                </a:ln>
+                <a:solidFill>
+                  <a:srgbClr val="FF0000"/>
+                </a:solidFill>
+                <a:effectLst/>
+                <a:uLnTx/>
+                <a:uFillTx/>
+                <a:latin typeface="Calibri" panose="020F0502020204030204"/>
+                <a:ea typeface="+mn-ea"/>
+                <a:cs typeface="+mn-cs"/>
+              </a:rPr>
+            </a:br>
+            <a:endParaRPr lang="en-US" dirty="0"/>
+          </a:p>
+        </p:txBody>
+      </p:sp>
+      <p:sp>
+        <p:nvSpPr>
+          <p:cNvPr id="8" name="Text Placeholder 7">
+            <a:extLst>
+              <a:ext uri="{FF2B5EF4-FFF2-40B4-BE49-F238E27FC236}">
+                <a16:creationId xmlns:a16="http://schemas.microsoft.com/office/drawing/2014/main" id="{9EFCF770-3B55-4A86-9FEF-14CB4232128F}"/>
+              </a:ext>
+            </a:extLst>
+          </p:cNvPr>
+          <p:cNvSpPr>
+            <a:spLocks noGrp="1"/>
+          </p:cNvSpPr>
+          <p:nvPr>
+            <p:ph type="body" idx="1"/>
+          </p:nvPr>
+        </p:nvSpPr>
+        <p:spPr>
+          <a:xfrm>
+            <a:off x="531628" y="520256"/>
+            <a:ext cx="5157787" cy="823912"/>
+          </a:xfrm>
+        </p:spPr>
+        <p:txBody>
+          <a:bodyPr/>
+          <a:lstStyle/>
+          <a:p>
+            <a:r>
+              <a:rPr kumimoji="0" lang="en-US" sz="2400" b="0" i="0" u="none" strike="noStrike" kern="1200" cap="none" spc="0" normalizeH="0" baseline="0" noProof="0" dirty="0" err="1">
+                <a:ln>
+                  <a:noFill/>
+                </a:ln>
+                <a:effectLst/>
+                <a:uLnTx/>
+                <a:uFillTx/>
+                <a:latin typeface="Calibri" panose="020F0502020204030204"/>
+                <a:ea typeface="+mn-ea"/>
+                <a:cs typeface="+mn-cs"/>
+              </a:rPr>
+              <a:t>Admission_DXs</a:t>
+            </a:r>
+            <a:endParaRPr kumimoji="0" lang="en-US" sz="2400" b="0" i="0" u="none" strike="noStrike" kern="1200" cap="none" spc="0" normalizeH="0" baseline="0" noProof="0" dirty="0">
+              <a:ln>
+                <a:noFill/>
+              </a:ln>
+              <a:effectLst/>
+              <a:uLnTx/>
+              <a:uFillTx/>
+              <a:latin typeface="Calibri" panose="020F0502020204030204"/>
+              <a:ea typeface="+mn-ea"/>
+              <a:cs typeface="+mn-cs"/>
+            </a:endParaRPr>
+          </a:p>
+        </p:txBody>
+      </p:sp>
+      <p:pic>
+        <p:nvPicPr>
+          <p:cNvPr id="6" name="Content Placeholder 5" descr="Table&#10;&#10;Description automatically generated">
+            <a:extLst>
+              <a:ext uri="{FF2B5EF4-FFF2-40B4-BE49-F238E27FC236}">
+                <a16:creationId xmlns:a16="http://schemas.microsoft.com/office/drawing/2014/main" id="{ACFEF519-C2C1-4D92-A544-58C8F9A26BF2}"/>
+              </a:ext>
+            </a:extLst>
+          </p:cNvPr>
+          <p:cNvPicPr>
+            <a:picLocks noGrp="1" noChangeAspect="1"/>
+          </p:cNvPicPr>
+          <p:nvPr>
+            <p:ph sz="half" idx="2"/>
+          </p:nvPr>
+        </p:nvPicPr>
+        <p:blipFill>
+          <a:blip r:embed="rId2">
+            <a:extLst>
+              <a:ext uri="{28A0092B-C50C-407E-A947-70E740481C1C}">
+                <a14:useLocalDpi xmlns:a14="http://schemas.microsoft.com/office/drawing/2010/main" val="0"/>
+              </a:ext>
+            </a:extLst>
+          </a:blip>
+          <a:stretch>
+            <a:fillRect/>
+          </a:stretch>
+        </p:blipFill>
+        <p:spPr>
+          <a:xfrm>
+            <a:off x="326264" y="2205870"/>
+            <a:ext cx="4758597" cy="1481326"/>
+          </a:xfrm>
+        </p:spPr>
+      </p:pic>
+      <p:sp>
+        <p:nvSpPr>
+          <p:cNvPr id="9" name="Text Placeholder 8">
+            <a:extLst>
+              <a:ext uri="{FF2B5EF4-FFF2-40B4-BE49-F238E27FC236}">
+                <a16:creationId xmlns:a16="http://schemas.microsoft.com/office/drawing/2014/main" id="{B922E035-7C3C-4490-B3B4-F3B4956B2BD9}"/>
+              </a:ext>
+            </a:extLst>
+          </p:cNvPr>
+          <p:cNvSpPr>
+            <a:spLocks noGrp="1"/>
+          </p:cNvSpPr>
+          <p:nvPr>
+            <p:ph type="body" sz="quarter" idx="3"/>
+          </p:nvPr>
+        </p:nvSpPr>
+        <p:spPr>
+          <a:xfrm>
+            <a:off x="6214585" y="524345"/>
+            <a:ext cx="5183188" cy="823912"/>
+          </a:xfrm>
+        </p:spPr>
+        <p:txBody>
+          <a:bodyPr/>
+          <a:lstStyle/>
+          <a:p>
+            <a:r>
+              <a:rPr lang="en-US" b="0" i="0" dirty="0">
+                <a:latin typeface="Calibri" panose="020F0502020204030204"/>
+              </a:rPr>
+              <a:t>Insurance</a:t>
+            </a:r>
+          </a:p>
+        </p:txBody>
+      </p:sp>
+      <p:pic>
+        <p:nvPicPr>
+          <p:cNvPr id="12" name="Content Placeholder 11" descr="A picture containing graphical user interface&#10;&#10;Description automatically generated">
+            <a:extLst>
+              <a:ext uri="{FF2B5EF4-FFF2-40B4-BE49-F238E27FC236}">
+                <a16:creationId xmlns:a16="http://schemas.microsoft.com/office/drawing/2014/main" id="{5638E57C-5037-4F71-BE81-82954EEE6E44}"/>
+              </a:ext>
+            </a:extLst>
+          </p:cNvPr>
+          <p:cNvPicPr>
+            <a:picLocks noGrp="1" noChangeAspect="1"/>
+          </p:cNvPicPr>
+          <p:nvPr>
+            <p:ph sz="quarter" idx="4"/>
+          </p:nvPr>
+        </p:nvPicPr>
+        <p:blipFill>
+          <a:blip r:embed="rId3">
+            <a:extLst>
+              <a:ext uri="{28A0092B-C50C-407E-A947-70E740481C1C}">
+                <a14:useLocalDpi xmlns:a14="http://schemas.microsoft.com/office/drawing/2010/main" val="0"/>
+              </a:ext>
+            </a:extLst>
+          </a:blip>
+          <a:stretch>
+            <a:fillRect/>
+          </a:stretch>
+        </p:blipFill>
+        <p:spPr>
+          <a:xfrm>
+            <a:off x="6246872" y="1912168"/>
+            <a:ext cx="4415349" cy="1034365"/>
+          </a:xfrm>
+        </p:spPr>
+      </p:pic>
+      <p:sp>
+        <p:nvSpPr>
+          <p:cNvPr id="14" name="TextBox 13">
+            <a:extLst>
+              <a:ext uri="{FF2B5EF4-FFF2-40B4-BE49-F238E27FC236}">
+                <a16:creationId xmlns:a16="http://schemas.microsoft.com/office/drawing/2014/main" id="{F8745560-DCBB-4871-AA8B-20D4D840AA7E}"/>
+              </a:ext>
+            </a:extLst>
+          </p:cNvPr>
+          <p:cNvSpPr txBox="1"/>
+          <p:nvPr/>
+        </p:nvSpPr>
+        <p:spPr>
+          <a:xfrm>
+            <a:off x="250559" y="1743759"/>
+            <a:ext cx="6094602" cy="369332"/>
+          </a:xfrm>
+          <a:prstGeom prst="rect">
+            <a:avLst/>
+          </a:prstGeom>
+          <a:noFill/>
+        </p:spPr>
+        <p:txBody>
+          <a:bodyPr wrap="square">
+            <a:spAutoFit/>
+          </a:bodyPr>
+          <a:lstStyle/>
+          <a:p>
+            <a:r>
+              <a:rPr kumimoji="0" lang="en-US" sz="1800" b="0" i="0" u="none" strike="noStrike" kern="1200" cap="none" spc="0" normalizeH="0" baseline="0" noProof="0" dirty="0">
+                <a:ln>
+                  <a:noFill/>
+                </a:ln>
+                <a:effectLst/>
+                <a:uLnTx/>
+                <a:uFillTx/>
+                <a:latin typeface="Calibri" panose="020F0502020204030204"/>
+                <a:ea typeface="+mn-ea"/>
+                <a:cs typeface="+mn-cs"/>
+              </a:rPr>
+              <a:t>Descriptive Statistics of </a:t>
+            </a:r>
+            <a:r>
+              <a:rPr kumimoji="0" lang="en-US" sz="1800" b="0" i="0" u="none" strike="noStrike" kern="1200" cap="none" spc="0" normalizeH="0" baseline="0" noProof="0" dirty="0" err="1">
+                <a:ln>
+                  <a:noFill/>
+                </a:ln>
+                <a:effectLst/>
+                <a:uLnTx/>
+                <a:uFillTx/>
+                <a:latin typeface="Calibri" panose="020F0502020204030204"/>
+                <a:ea typeface="+mn-ea"/>
+                <a:cs typeface="+mn-cs"/>
+              </a:rPr>
+              <a:t>Admission_DXs</a:t>
+            </a:r>
+            <a:r>
+              <a:rPr kumimoji="0" lang="en-US" sz="1800" b="0" i="0" u="none" strike="noStrike" kern="1200" cap="none" spc="0" normalizeH="0" baseline="0" noProof="0" dirty="0">
+                <a:ln>
+                  <a:noFill/>
+                </a:ln>
+                <a:effectLst/>
+                <a:uLnTx/>
+                <a:uFillTx/>
+                <a:latin typeface="Calibri" panose="020F0502020204030204"/>
+                <a:ea typeface="+mn-ea"/>
+                <a:cs typeface="+mn-cs"/>
+              </a:rPr>
+              <a:t> table</a:t>
+            </a:r>
+          </a:p>
+        </p:txBody>
+      </p:sp>
+      <p:sp>
+        <p:nvSpPr>
+          <p:cNvPr id="16" name="TextBox 15">
+            <a:extLst>
+              <a:ext uri="{FF2B5EF4-FFF2-40B4-BE49-F238E27FC236}">
+                <a16:creationId xmlns:a16="http://schemas.microsoft.com/office/drawing/2014/main" id="{14EC8CC5-5732-4EAB-86DE-7E6A8A1435D1}"/>
+              </a:ext>
+            </a:extLst>
+          </p:cNvPr>
+          <p:cNvSpPr txBox="1"/>
+          <p:nvPr/>
+        </p:nvSpPr>
+        <p:spPr>
+          <a:xfrm>
+            <a:off x="6214585" y="1453675"/>
+            <a:ext cx="6094602" cy="369332"/>
+          </a:xfrm>
+          <a:prstGeom prst="rect">
+            <a:avLst/>
+          </a:prstGeom>
+          <a:noFill/>
+        </p:spPr>
+        <p:txBody>
+          <a:bodyPr wrap="square">
+            <a:spAutoFit/>
+          </a:bodyPr>
+          <a:lstStyle/>
+          <a:p>
+            <a:r>
+              <a:rPr kumimoji="0" lang="en-US" sz="1800" b="0" i="0" u="none" strike="noStrike" kern="1200" cap="none" spc="0" normalizeH="0" baseline="0" noProof="0" dirty="0">
+                <a:ln>
+                  <a:noFill/>
+                </a:ln>
+                <a:effectLst/>
+                <a:uLnTx/>
+                <a:uFillTx/>
+                <a:latin typeface="Calibri" panose="020F0502020204030204"/>
+                <a:ea typeface="+mn-ea"/>
+                <a:cs typeface="+mn-cs"/>
+              </a:rPr>
+              <a:t>Descriptive Statistics of Insurance table</a:t>
+            </a:r>
+          </a:p>
+        </p:txBody>
+      </p:sp>
+      <p:pic>
+        <p:nvPicPr>
+          <p:cNvPr id="5122" name="Picture 2">
+            <a:extLst>
+              <a:ext uri="{FF2B5EF4-FFF2-40B4-BE49-F238E27FC236}">
+                <a16:creationId xmlns:a16="http://schemas.microsoft.com/office/drawing/2014/main" id="{AA737A7A-CF1A-4C71-A4AA-98DC426EB655}"/>
+              </a:ext>
+            </a:extLst>
+          </p:cNvPr>
+          <p:cNvPicPr>
+            <a:picLocks noChangeAspect="1" noChangeArrowheads="1"/>
+          </p:cNvPicPr>
+          <p:nvPr/>
+        </p:nvPicPr>
+        <p:blipFill>
+          <a:blip r:embed="rId4">
+            <a:extLst>
+              <a:ext uri="{28A0092B-C50C-407E-A947-70E740481C1C}">
+                <a14:useLocalDpi xmlns:a14="http://schemas.microsoft.com/office/drawing/2010/main" val="0"/>
+              </a:ext>
+            </a:extLst>
+          </a:blip>
+          <a:srcRect/>
+          <a:stretch>
+            <a:fillRect/>
+          </a:stretch>
+        </p:blipFill>
+        <p:spPr bwMode="auto">
+          <a:xfrm>
+            <a:off x="5911629" y="3096848"/>
+            <a:ext cx="5085836" cy="3653902"/>
+          </a:xfrm>
+          <a:prstGeom prst="rect">
+            <a:avLst/>
+          </a:prstGeom>
+          <a:noFill/>
+          <a:extLst>
+            <a:ext uri="{909E8E84-426E-40DD-AFC4-6F175D3DCCD1}">
+              <a14:hiddenFill xmlns:a14="http://schemas.microsoft.com/office/drawing/2010/main">
+                <a:solidFill>
+                  <a:srgbClr val="FFFFFF"/>
+                </a:solidFill>
+              </a14:hiddenFill>
+            </a:ext>
+          </a:extLst>
+        </p:spPr>
+      </p:pic>
+    </p:spTree>
+    <p:extLst>
+      <p:ext uri="{BB962C8B-B14F-4D97-AF65-F5344CB8AC3E}">
+        <p14:creationId xmlns:p14="http://schemas.microsoft.com/office/powerpoint/2010/main" val="1736412420"/>
+      </p:ext>
+    </p:extLst>
+  </p:cSld>
+  <p:clrMapOvr>
+    <a:masterClrMapping/>
+  </p:clrMapOvr>
+</p:sld>
+</file>
+
+<file path=ppt/slides/slide12.xml><?xml version="1.0" encoding="utf-8"?>
+<p:sld xmlns:a="http://schemas.openxmlformats.org/drawingml/2006/main" xmlns:r="http://schemas.openxmlformats.org/officeDocument/2006/relationships" xmlns:p="http://schemas.openxmlformats.org/presentationml/2006/main">
+  <p:cSld>
+    <p:spTree>
+      <p:nvGrpSpPr>
+        <p:cNvPr id="1" name=""/>
+        <p:cNvGrpSpPr/>
+        <p:nvPr/>
+      </p:nvGrpSpPr>
+      <p:grpSpPr>
+        <a:xfrm>
+          <a:off x="0" y="0"/>
+          <a:ext cx="0" cy="0"/>
+          <a:chOff x="0" y="0"/>
+          <a:chExt cx="0" cy="0"/>
+        </a:xfrm>
+      </p:grpSpPr>
+      <p:sp>
+        <p:nvSpPr>
+          <p:cNvPr id="2" name="Title 1">
+            <a:extLst>
+              <a:ext uri="{FF2B5EF4-FFF2-40B4-BE49-F238E27FC236}">
+                <a16:creationId xmlns:a16="http://schemas.microsoft.com/office/drawing/2014/main" id="{5CE0A65A-8641-4F99-AC5F-1F3648E0E93A}"/>
+              </a:ext>
+            </a:extLst>
+          </p:cNvPr>
+          <p:cNvSpPr>
+            <a:spLocks noGrp="1"/>
+          </p:cNvSpPr>
+          <p:nvPr>
+            <p:ph type="title"/>
+          </p:nvPr>
+        </p:nvSpPr>
+        <p:spPr/>
+        <p:txBody>
+          <a:bodyPr/>
+          <a:lstStyle/>
+          <a:p>
+            <a:pPr algn="l"/>
+            <a:r>
+              <a:rPr kumimoji="0" lang="en-US" sz="4400" i="0" u="none" strike="noStrike" kern="1200" cap="none" spc="0" normalizeH="0" baseline="0" noProof="0" dirty="0" err="1">
+                <a:ln>
+                  <a:noFill/>
+                </a:ln>
+                <a:effectLst/>
+                <a:uLnTx/>
+                <a:uFillTx/>
+                <a:latin typeface="Calibri" panose="020F0502020204030204"/>
+                <a:ea typeface="+mn-ea"/>
+                <a:cs typeface="+mn-cs"/>
+              </a:rPr>
+              <a:t>COVID_Status</a:t>
+            </a:r>
+            <a:br>
+              <a:rPr kumimoji="0" lang="en-US" sz="4400" b="0" i="0" u="none" strike="noStrike" kern="1200" cap="none" spc="0" normalizeH="0" baseline="0" noProof="0" dirty="0">
+                <a:ln>
+                  <a:noFill/>
+                </a:ln>
+                <a:solidFill>
+                  <a:srgbClr val="FF0000"/>
+                </a:solidFill>
+                <a:effectLst/>
+                <a:uLnTx/>
+                <a:uFillTx/>
+                <a:latin typeface="Calibri" panose="020F0502020204030204"/>
+                <a:ea typeface="+mn-ea"/>
+                <a:cs typeface="+mn-cs"/>
+              </a:rPr>
+            </a:br>
+            <a:endParaRPr lang="en-US" dirty="0"/>
+          </a:p>
+        </p:txBody>
+      </p:sp>
+      <p:pic>
+        <p:nvPicPr>
+          <p:cNvPr id="10" name="Content Placeholder 9">
+            <a:extLst>
+              <a:ext uri="{FF2B5EF4-FFF2-40B4-BE49-F238E27FC236}">
+                <a16:creationId xmlns:a16="http://schemas.microsoft.com/office/drawing/2014/main" id="{E2D1FC23-CF82-4ABF-845B-F6BFF31A030B}"/>
+              </a:ext>
+            </a:extLst>
+          </p:cNvPr>
+          <p:cNvPicPr>
+            <a:picLocks noGrp="1" noChangeAspect="1"/>
+          </p:cNvPicPr>
+          <p:nvPr>
+            <p:ph idx="1"/>
+          </p:nvPr>
+        </p:nvPicPr>
+        <p:blipFill>
+          <a:blip r:embed="rId2"/>
+          <a:stretch>
+            <a:fillRect/>
+          </a:stretch>
+        </p:blipFill>
+        <p:spPr>
+          <a:xfrm>
+            <a:off x="762000" y="2153849"/>
+            <a:ext cx="4639061" cy="1764150"/>
+          </a:xfrm>
+        </p:spPr>
+      </p:pic>
+      <p:sp>
+        <p:nvSpPr>
+          <p:cNvPr id="7" name="TextBox 6">
+            <a:extLst>
+              <a:ext uri="{FF2B5EF4-FFF2-40B4-BE49-F238E27FC236}">
+                <a16:creationId xmlns:a16="http://schemas.microsoft.com/office/drawing/2014/main" id="{81EF7BF9-1725-4AF8-AD67-8D6E40B09882}"/>
+              </a:ext>
+            </a:extLst>
+          </p:cNvPr>
+          <p:cNvSpPr txBox="1"/>
+          <p:nvPr/>
+        </p:nvSpPr>
+        <p:spPr>
+          <a:xfrm>
+            <a:off x="838200" y="1388825"/>
+            <a:ext cx="6094602" cy="369332"/>
+          </a:xfrm>
+          <a:prstGeom prst="rect">
+            <a:avLst/>
+          </a:prstGeom>
+          <a:noFill/>
+        </p:spPr>
+        <p:txBody>
+          <a:bodyPr wrap="square">
+            <a:spAutoFit/>
+          </a:bodyPr>
+          <a:lstStyle/>
+          <a:p>
+            <a:r>
+              <a:rPr kumimoji="0" lang="en-US" sz="1800" b="0" i="0" u="none" strike="noStrike" kern="1200" cap="none" spc="0" normalizeH="0" baseline="0" noProof="0" dirty="0">
+                <a:ln>
+                  <a:noFill/>
+                </a:ln>
+                <a:effectLst/>
+                <a:uLnTx/>
+                <a:uFillTx/>
+                <a:latin typeface="Calibri" panose="020F0502020204030204"/>
+                <a:ea typeface="+mn-ea"/>
+                <a:cs typeface="+mn-cs"/>
+              </a:rPr>
+              <a:t>Descriptive Statistics of </a:t>
+            </a:r>
+            <a:r>
+              <a:rPr kumimoji="0" lang="en-US" sz="1800" b="0" i="0" u="none" strike="noStrike" kern="1200" cap="none" spc="0" normalizeH="0" baseline="0" noProof="0" dirty="0" err="1">
+                <a:ln>
+                  <a:noFill/>
+                </a:ln>
+                <a:effectLst/>
+                <a:uLnTx/>
+                <a:uFillTx/>
+                <a:latin typeface="Calibri" panose="020F0502020204030204"/>
+                <a:ea typeface="+mn-ea"/>
+                <a:cs typeface="+mn-cs"/>
+              </a:rPr>
+              <a:t>COVID_Status</a:t>
+            </a:r>
+            <a:r>
+              <a:rPr kumimoji="0" lang="en-US" sz="1800" b="0" i="0" u="none" strike="noStrike" kern="1200" cap="none" spc="0" normalizeH="0" baseline="0" noProof="0" dirty="0">
+                <a:ln>
+                  <a:noFill/>
+                </a:ln>
+                <a:effectLst/>
+                <a:uLnTx/>
+                <a:uFillTx/>
+                <a:latin typeface="Calibri" panose="020F0502020204030204"/>
+                <a:ea typeface="+mn-ea"/>
+                <a:cs typeface="+mn-cs"/>
+              </a:rPr>
+              <a:t> table</a:t>
+            </a:r>
+          </a:p>
+        </p:txBody>
+      </p:sp>
+      <p:pic>
+        <p:nvPicPr>
+          <p:cNvPr id="6146" name="Picture 2">
+            <a:extLst>
+              <a:ext uri="{FF2B5EF4-FFF2-40B4-BE49-F238E27FC236}">
+                <a16:creationId xmlns:a16="http://schemas.microsoft.com/office/drawing/2014/main" id="{7BAA72BC-7C04-4834-81F0-38E452BD42F4}"/>
+              </a:ext>
+            </a:extLst>
+          </p:cNvPr>
+          <p:cNvPicPr>
+            <a:picLocks noChangeAspect="1" noChangeArrowheads="1"/>
+          </p:cNvPicPr>
+          <p:nvPr/>
+        </p:nvPicPr>
+        <p:blipFill>
+          <a:blip r:embed="rId3">
+            <a:extLst>
+              <a:ext uri="{28A0092B-C50C-407E-A947-70E740481C1C}">
+                <a14:useLocalDpi xmlns:a14="http://schemas.microsoft.com/office/drawing/2010/main" val="0"/>
+              </a:ext>
+            </a:extLst>
+          </a:blip>
+          <a:srcRect/>
+          <a:stretch>
+            <a:fillRect/>
+          </a:stretch>
+        </p:blipFill>
+        <p:spPr bwMode="auto">
+          <a:xfrm>
+            <a:off x="5770141" y="1586204"/>
+            <a:ext cx="5504067" cy="2841096"/>
+          </a:xfrm>
+          <a:prstGeom prst="rect">
+            <a:avLst/>
+          </a:prstGeom>
+          <a:noFill/>
+          <a:extLst>
+            <a:ext uri="{909E8E84-426E-40DD-AFC4-6F175D3DCCD1}">
+              <a14:hiddenFill xmlns:a14="http://schemas.microsoft.com/office/drawing/2010/main">
+                <a:solidFill>
+                  <a:srgbClr val="FFFFFF"/>
+                </a:solidFill>
+              </a14:hiddenFill>
+            </a:ext>
+          </a:extLst>
+        </p:spPr>
+      </p:pic>
+    </p:spTree>
+    <p:extLst>
+      <p:ext uri="{BB962C8B-B14F-4D97-AF65-F5344CB8AC3E}">
+        <p14:creationId xmlns:p14="http://schemas.microsoft.com/office/powerpoint/2010/main" val="3590724373"/>
+      </p:ext>
+    </p:extLst>
+  </p:cSld>
+  <p:clrMapOvr>
+    <a:masterClrMapping/>
+  </p:clrMapOvr>
+</p:sld>
+</file>
+
+<file path=ppt/slides/slide13.xml><?xml version="1.0" encoding="utf-8"?>
+<p:sld xmlns:a="http://schemas.openxmlformats.org/drawingml/2006/main" xmlns:r="http://schemas.openxmlformats.org/officeDocument/2006/relationships" xmlns:p="http://schemas.openxmlformats.org/presentationml/2006/main">
+  <p:cSld>
+    <p:spTree>
+      <p:nvGrpSpPr>
+        <p:cNvPr id="1" name=""/>
+        <p:cNvGrpSpPr/>
+        <p:nvPr/>
+      </p:nvGrpSpPr>
+      <p:grpSpPr>
+        <a:xfrm>
+          <a:off x="0" y="0"/>
+          <a:ext cx="0" cy="0"/>
+          <a:chOff x="0" y="0"/>
+          <a:chExt cx="0" cy="0"/>
+        </a:xfrm>
+      </p:grpSpPr>
+      <p:sp>
+        <p:nvSpPr>
+          <p:cNvPr id="2" name="Title 1">
+            <a:extLst>
+              <a:ext uri="{FF2B5EF4-FFF2-40B4-BE49-F238E27FC236}">
+                <a16:creationId xmlns:a16="http://schemas.microsoft.com/office/drawing/2014/main" id="{C905BAC6-1D0C-405A-9179-9E6FC83A243E}"/>
+              </a:ext>
+            </a:extLst>
+          </p:cNvPr>
+          <p:cNvSpPr>
+            <a:spLocks noGrp="1"/>
+          </p:cNvSpPr>
+          <p:nvPr>
+            <p:ph type="title"/>
+          </p:nvPr>
+        </p:nvSpPr>
+        <p:spPr>
+          <a:xfrm>
+            <a:off x="734744" y="214888"/>
+            <a:ext cx="10515600" cy="1325563"/>
+          </a:xfrm>
+        </p:spPr>
+        <p:txBody>
+          <a:bodyPr/>
+          <a:lstStyle/>
+          <a:p>
+            <a:pPr algn="l"/>
+            <a:r>
+              <a:rPr kumimoji="0" lang="en-US" sz="4400" i="0" u="none" strike="noStrike" kern="1200" cap="none" spc="0" normalizeH="0" baseline="0" noProof="0" dirty="0">
+                <a:ln>
+                  <a:noFill/>
+                </a:ln>
+                <a:effectLst/>
+                <a:uLnTx/>
+                <a:uFillTx/>
+                <a:latin typeface="Calibri" panose="020F0502020204030204"/>
+                <a:ea typeface="+mn-ea"/>
+                <a:cs typeface="+mn-cs"/>
+              </a:rPr>
+              <a:t>BLIS_ASSESSMENT</a:t>
+            </a:r>
+            <a:endParaRPr lang="en-US" dirty="0"/>
+          </a:p>
+        </p:txBody>
+      </p:sp>
+      <p:pic>
+        <p:nvPicPr>
+          <p:cNvPr id="6" name="Content Placeholder 5" descr="A picture containing table&#10;&#10;Description automatically generated">
+            <a:extLst>
+              <a:ext uri="{FF2B5EF4-FFF2-40B4-BE49-F238E27FC236}">
+                <a16:creationId xmlns:a16="http://schemas.microsoft.com/office/drawing/2014/main" id="{307289EC-FCE0-4E4E-AB1E-0FAC45FEDED6}"/>
+              </a:ext>
+            </a:extLst>
+          </p:cNvPr>
+          <p:cNvPicPr>
+            <a:picLocks noGrp="1" noChangeAspect="1"/>
+          </p:cNvPicPr>
+          <p:nvPr>
+            <p:ph sz="half" idx="2"/>
+          </p:nvPr>
+        </p:nvPicPr>
+        <p:blipFill>
+          <a:blip r:embed="rId2">
+            <a:extLst>
+              <a:ext uri="{28A0092B-C50C-407E-A947-70E740481C1C}">
+                <a14:useLocalDpi xmlns:a14="http://schemas.microsoft.com/office/drawing/2010/main" val="0"/>
+              </a:ext>
+            </a:extLst>
+          </a:blip>
+          <a:stretch>
+            <a:fillRect/>
+          </a:stretch>
+        </p:blipFill>
+        <p:spPr>
+          <a:xfrm>
+            <a:off x="6932802" y="1620284"/>
+            <a:ext cx="4187382" cy="3777342"/>
+          </a:xfrm>
+        </p:spPr>
+      </p:pic>
+      <p:pic>
+        <p:nvPicPr>
+          <p:cNvPr id="1026" name="Picture 2">
+            <a:extLst>
+              <a:ext uri="{FF2B5EF4-FFF2-40B4-BE49-F238E27FC236}">
+                <a16:creationId xmlns:a16="http://schemas.microsoft.com/office/drawing/2014/main" id="{0735EC61-D980-4DAF-A995-A1D39B59551B}"/>
+              </a:ext>
+            </a:extLst>
+          </p:cNvPr>
+          <p:cNvPicPr>
+            <a:picLocks noGrp="1" noChangeAspect="1" noChangeArrowheads="1"/>
+          </p:cNvPicPr>
+          <p:nvPr>
+            <p:ph sz="half" idx="1"/>
+          </p:nvPr>
+        </p:nvPicPr>
+        <p:blipFill>
+          <a:blip r:embed="rId3">
+            <a:extLst>
+              <a:ext uri="{28A0092B-C50C-407E-A947-70E740481C1C}">
+                <a14:useLocalDpi xmlns:a14="http://schemas.microsoft.com/office/drawing/2010/main" val="0"/>
+              </a:ext>
+            </a:extLst>
+          </a:blip>
+          <a:srcRect/>
+          <a:stretch>
+            <a:fillRect/>
+          </a:stretch>
+        </p:blipFill>
+        <p:spPr bwMode="auto">
+          <a:xfrm>
+            <a:off x="501658" y="3386639"/>
+            <a:ext cx="5181600" cy="2792026"/>
+          </a:xfrm>
+          <a:prstGeom prst="rect">
+            <a:avLst/>
+          </a:prstGeom>
+          <a:noFill/>
+          <a:extLst>
+            <a:ext uri="{909E8E84-426E-40DD-AFC4-6F175D3DCCD1}">
+              <a14:hiddenFill xmlns:a14="http://schemas.microsoft.com/office/drawing/2010/main">
+                <a:solidFill>
+                  <a:srgbClr val="FFFFFF"/>
+                </a:solidFill>
+              </a14:hiddenFill>
+            </a:ext>
+          </a:extLst>
+        </p:spPr>
+      </p:pic>
+      <p:pic>
+        <p:nvPicPr>
+          <p:cNvPr id="8" name="Picture 7">
+            <a:extLst>
+              <a:ext uri="{FF2B5EF4-FFF2-40B4-BE49-F238E27FC236}">
+                <a16:creationId xmlns:a16="http://schemas.microsoft.com/office/drawing/2014/main" id="{9560833B-80C4-41DE-8AC0-B4F35C99509F}"/>
+              </a:ext>
+            </a:extLst>
+          </p:cNvPr>
+          <p:cNvPicPr>
+            <a:picLocks noChangeAspect="1"/>
+          </p:cNvPicPr>
+          <p:nvPr/>
+        </p:nvPicPr>
+        <p:blipFill>
+          <a:blip r:embed="rId4"/>
+          <a:stretch>
+            <a:fillRect/>
+          </a:stretch>
+        </p:blipFill>
+        <p:spPr>
+          <a:xfrm>
+            <a:off x="941656" y="1300664"/>
+            <a:ext cx="4581525" cy="2085975"/>
+          </a:xfrm>
+          <a:prstGeom prst="rect">
+            <a:avLst/>
+          </a:prstGeom>
+        </p:spPr>
+      </p:pic>
+      <p:sp>
+        <p:nvSpPr>
+          <p:cNvPr id="11" name="TextBox 10">
+            <a:extLst>
+              <a:ext uri="{FF2B5EF4-FFF2-40B4-BE49-F238E27FC236}">
+                <a16:creationId xmlns:a16="http://schemas.microsoft.com/office/drawing/2014/main" id="{14753E97-9725-4FA7-B5D9-E9D4D71CBD36}"/>
+              </a:ext>
+            </a:extLst>
+          </p:cNvPr>
+          <p:cNvSpPr txBox="1"/>
+          <p:nvPr/>
+        </p:nvSpPr>
+        <p:spPr>
+          <a:xfrm>
+            <a:off x="838200" y="931332"/>
+            <a:ext cx="6094602" cy="369332"/>
+          </a:xfrm>
+          <a:prstGeom prst="rect">
+            <a:avLst/>
+          </a:prstGeom>
+          <a:noFill/>
+        </p:spPr>
+        <p:txBody>
+          <a:bodyPr wrap="square">
+            <a:spAutoFit/>
+          </a:bodyPr>
+          <a:lstStyle/>
+          <a:p>
+            <a:r>
+              <a:rPr kumimoji="0" lang="en-US" sz="1800" i="0" u="none" strike="noStrike" kern="1200" cap="none" spc="0" normalizeH="0" baseline="0" noProof="0" dirty="0">
+                <a:ln>
+                  <a:noFill/>
+                </a:ln>
+                <a:effectLst/>
+                <a:uLnTx/>
+                <a:uFillTx/>
+                <a:latin typeface="Calibri" panose="020F0502020204030204"/>
+                <a:ea typeface="+mn-ea"/>
+                <a:cs typeface="+mn-cs"/>
+              </a:rPr>
+              <a:t>Descriptive Statistics of BLIS_ASSESSMENT table</a:t>
+            </a:r>
+            <a:endParaRPr lang="en-US" dirty="0"/>
+          </a:p>
+        </p:txBody>
+      </p:sp>
+    </p:spTree>
+    <p:extLst>
+      <p:ext uri="{BB962C8B-B14F-4D97-AF65-F5344CB8AC3E}">
+        <p14:creationId xmlns:p14="http://schemas.microsoft.com/office/powerpoint/2010/main" val="1868652504"/>
+      </p:ext>
+    </p:extLst>
+  </p:cSld>
+  <p:clrMapOvr>
+    <a:masterClrMapping/>
+  </p:clrMapOvr>
+</p:sld>
+</file>
+
+<file path=ppt/slides/slide14.xml><?xml version="1.0" encoding="utf-8"?>
+<p:sld xmlns:a="http://schemas.openxmlformats.org/drawingml/2006/main" xmlns:r="http://schemas.openxmlformats.org/officeDocument/2006/relationships" xmlns:p="http://schemas.openxmlformats.org/presentationml/2006/main">
+  <p:cSld>
+    <p:spTree>
+      <p:nvGrpSpPr>
+        <p:cNvPr id="1" name=""/>
+        <p:cNvGrpSpPr/>
+        <p:nvPr/>
+      </p:nvGrpSpPr>
+      <p:grpSpPr>
+        <a:xfrm>
+          <a:off x="0" y="0"/>
+          <a:ext cx="0" cy="0"/>
+          <a:chOff x="0" y="0"/>
+          <a:chExt cx="0" cy="0"/>
+        </a:xfrm>
+      </p:grpSpPr>
+      <p:sp>
+        <p:nvSpPr>
+          <p:cNvPr id="2" name="Title 1">
+            <a:extLst>
+              <a:ext uri="{FF2B5EF4-FFF2-40B4-BE49-F238E27FC236}">
+                <a16:creationId xmlns:a16="http://schemas.microsoft.com/office/drawing/2014/main" id="{C3663143-7595-4B6A-ACBB-D63506DC6D59}"/>
+              </a:ext>
+            </a:extLst>
+          </p:cNvPr>
+          <p:cNvSpPr>
+            <a:spLocks noGrp="1"/>
+          </p:cNvSpPr>
+          <p:nvPr>
+            <p:ph type="title"/>
+          </p:nvPr>
+        </p:nvSpPr>
+        <p:spPr>
+          <a:xfrm>
+            <a:off x="332509" y="559678"/>
+            <a:ext cx="4263397" cy="4952492"/>
+          </a:xfrm>
+        </p:spPr>
+        <p:txBody>
+          <a:bodyPr/>
+          <a:lstStyle/>
+          <a:p>
+            <a:r>
+              <a:rPr lang="en-US" dirty="0"/>
+              <a:t>Achievements </a:t>
+            </a:r>
+          </a:p>
+        </p:txBody>
+      </p:sp>
+      <p:sp>
+        <p:nvSpPr>
+          <p:cNvPr id="3" name="Content Placeholder 2">
+            <a:extLst>
+              <a:ext uri="{FF2B5EF4-FFF2-40B4-BE49-F238E27FC236}">
+                <a16:creationId xmlns:a16="http://schemas.microsoft.com/office/drawing/2014/main" id="{3DA9E65B-F549-4843-AF20-8620532D132A}"/>
+              </a:ext>
+            </a:extLst>
+          </p:cNvPr>
+          <p:cNvSpPr>
+            <a:spLocks noGrp="1"/>
+          </p:cNvSpPr>
+          <p:nvPr>
+            <p:ph idx="1"/>
+          </p:nvPr>
+        </p:nvSpPr>
+        <p:spPr>
+          <a:xfrm>
+            <a:off x="8305798" y="569066"/>
+            <a:ext cx="3886202" cy="5655156"/>
+          </a:xfrm>
+        </p:spPr>
+        <p:txBody>
+          <a:bodyPr/>
+          <a:lstStyle/>
+          <a:p>
+            <a:r>
+              <a:rPr lang="en-US" dirty="0"/>
+              <a:t>Completed data security training</a:t>
+            </a:r>
+          </a:p>
+          <a:p>
+            <a:r>
+              <a:rPr lang="en-US" dirty="0"/>
+              <a:t>Acquired data</a:t>
+            </a:r>
+          </a:p>
+          <a:p>
+            <a:r>
+              <a:rPr lang="en-US" dirty="0"/>
+              <a:t>Built Data Model</a:t>
+            </a:r>
+          </a:p>
+          <a:p>
+            <a:r>
+              <a:rPr lang="en-US" dirty="0"/>
+              <a:t>Built database with foreign key relationships</a:t>
+            </a:r>
+          </a:p>
+          <a:p>
+            <a:r>
+              <a:rPr lang="en-US" dirty="0"/>
+              <a:t>Stood up web interface</a:t>
+            </a:r>
+          </a:p>
+        </p:txBody>
+      </p:sp>
+      <p:pic>
+        <p:nvPicPr>
+          <p:cNvPr id="4" name="Picture 3">
+            <a:extLst>
+              <a:ext uri="{FF2B5EF4-FFF2-40B4-BE49-F238E27FC236}">
+                <a16:creationId xmlns:a16="http://schemas.microsoft.com/office/drawing/2014/main" id="{4F9F7F2D-182B-4321-BB4D-FBA86C74B858}"/>
+              </a:ext>
+            </a:extLst>
+          </p:cNvPr>
+          <p:cNvPicPr>
+            <a:picLocks noChangeAspect="1"/>
+          </p:cNvPicPr>
+          <p:nvPr/>
+        </p:nvPicPr>
+        <p:blipFill>
+          <a:blip r:embed="rId3"/>
+          <a:stretch>
+            <a:fillRect/>
+          </a:stretch>
+        </p:blipFill>
+        <p:spPr>
+          <a:xfrm>
+            <a:off x="103461" y="1944884"/>
+            <a:ext cx="8202338" cy="4197096"/>
+          </a:xfrm>
+          <a:prstGeom prst="rect">
+            <a:avLst/>
+          </a:prstGeom>
+        </p:spPr>
+      </p:pic>
+    </p:spTree>
+    <p:extLst>
+      <p:ext uri="{BB962C8B-B14F-4D97-AF65-F5344CB8AC3E}">
+        <p14:creationId xmlns:p14="http://schemas.microsoft.com/office/powerpoint/2010/main" val="1292194066"/>
+      </p:ext>
+    </p:extLst>
+  </p:cSld>
+  <p:clrMapOvr>
+    <a:masterClrMapping/>
+  </p:clrMapOvr>
+</p:sld>
+</file>
+
+<file path=ppt/slides/slide15.xml><?xml version="1.0" encoding="utf-8"?>
+<p:sld xmlns:a="http://schemas.openxmlformats.org/drawingml/2006/main" xmlns:r="http://schemas.openxmlformats.org/officeDocument/2006/relationships" xmlns:p="http://schemas.openxmlformats.org/presentationml/2006/main">
+  <p:cSld>
+    <p:bg>
+      <p:bgPr>
+        <a:solidFill>
+          <a:schemeClr val="bg1"/>
+        </a:solidFill>
+        <a:effectLst/>
+      </p:bgPr>
+    </p:bg>
+    <p:spTree>
+      <p:nvGrpSpPr>
+        <p:cNvPr id="1" name=""/>
+        <p:cNvGrpSpPr/>
+        <p:nvPr/>
+      </p:nvGrpSpPr>
+      <p:grpSpPr>
+        <a:xfrm>
+          <a:off x="0" y="0"/>
+          <a:ext cx="0" cy="0"/>
+          <a:chOff x="0" y="0"/>
+          <a:chExt cx="0" cy="0"/>
+        </a:xfrm>
+      </p:grpSpPr>
+      <p:sp>
+        <p:nvSpPr>
+          <p:cNvPr id="35" name="Freeform 6">
+            <a:extLst>
+              <a:ext uri="{FF2B5EF4-FFF2-40B4-BE49-F238E27FC236}">
+                <a16:creationId xmlns:a16="http://schemas.microsoft.com/office/drawing/2014/main" id="{CEA861C5-3CE8-4AD0-925C-836509B24AF6}"/>
+              </a:ext>
+              <a:ext uri="{C183D7F6-B498-43B3-948B-1728B52AA6E4}">
+                <adec:decorative xmlns:adec="http://schemas.microsoft.com/office/drawing/2017/decorative" val="1"/>
+              </a:ext>
+            </a:extLst>
+          </p:cNvPr>
+          <p:cNvSpPr>
+            <a:spLocks noGrp="1" noRot="1" noChangeAspect="1" noMove="1" noResize="1" noEditPoints="1" noAdjustHandles="1" noChangeArrowheads="1" noChangeShapeType="1" noTextEdit="1"/>
+          </p:cNvSpPr>
+          <p:nvPr>
+            <p:extLst>
+              <p:ext uri="{386F3935-93C4-4BCD-93E2-E3B085C9AB24}">
+                <p16:designElem xmlns:p16="http://schemas.microsoft.com/office/powerpoint/2015/main" val="1"/>
+              </p:ext>
+            </p:extLst>
+          </p:nvPr>
+        </p:nvSpPr>
+        <p:spPr bwMode="auto">
+          <a:xfrm>
+            <a:off x="11784011" y="1189204"/>
+            <a:ext cx="407988" cy="819150"/>
+          </a:xfrm>
+          <a:custGeom>
+            <a:avLst/>
+            <a:gdLst/>
+            <a:ahLst/>
+            <a:cxnLst/>
+            <a:rect l="0" t="0" r="r" b="b"/>
+            <a:pathLst>
+              <a:path w="1799" h="3612">
+                <a:moveTo>
+                  <a:pt x="1799" y="0"/>
+                </a:moveTo>
+                <a:lnTo>
+                  <a:pt x="1799" y="3612"/>
+                </a:lnTo>
+                <a:lnTo>
+                  <a:pt x="1686" y="3609"/>
+                </a:lnTo>
+                <a:lnTo>
+                  <a:pt x="1574" y="3598"/>
+                </a:lnTo>
+                <a:lnTo>
+                  <a:pt x="1464" y="3581"/>
+                </a:lnTo>
+                <a:lnTo>
+                  <a:pt x="1357" y="3557"/>
+                </a:lnTo>
+                <a:lnTo>
+                  <a:pt x="1251" y="3527"/>
+                </a:lnTo>
+                <a:lnTo>
+                  <a:pt x="1150" y="3490"/>
+                </a:lnTo>
+                <a:lnTo>
+                  <a:pt x="1050" y="3448"/>
+                </a:lnTo>
+                <a:lnTo>
+                  <a:pt x="953" y="3401"/>
+                </a:lnTo>
+                <a:lnTo>
+                  <a:pt x="860" y="3347"/>
+                </a:lnTo>
+                <a:lnTo>
+                  <a:pt x="771" y="3289"/>
+                </a:lnTo>
+                <a:lnTo>
+                  <a:pt x="686" y="3224"/>
+                </a:lnTo>
+                <a:lnTo>
+                  <a:pt x="604" y="3156"/>
+                </a:lnTo>
+                <a:lnTo>
+                  <a:pt x="527" y="3083"/>
+                </a:lnTo>
+                <a:lnTo>
+                  <a:pt x="454" y="3005"/>
+                </a:lnTo>
+                <a:lnTo>
+                  <a:pt x="386" y="2923"/>
+                </a:lnTo>
+                <a:lnTo>
+                  <a:pt x="323" y="2838"/>
+                </a:lnTo>
+                <a:lnTo>
+                  <a:pt x="265" y="2748"/>
+                </a:lnTo>
+                <a:lnTo>
+                  <a:pt x="211" y="2655"/>
+                </a:lnTo>
+                <a:lnTo>
+                  <a:pt x="163" y="2559"/>
+                </a:lnTo>
+                <a:lnTo>
+                  <a:pt x="121" y="2459"/>
+                </a:lnTo>
+                <a:lnTo>
+                  <a:pt x="85" y="2356"/>
+                </a:lnTo>
+                <a:lnTo>
+                  <a:pt x="55" y="2251"/>
+                </a:lnTo>
+                <a:lnTo>
+                  <a:pt x="32" y="2143"/>
+                </a:lnTo>
+                <a:lnTo>
+                  <a:pt x="14" y="2033"/>
+                </a:lnTo>
+                <a:lnTo>
+                  <a:pt x="4" y="1920"/>
+                </a:lnTo>
+                <a:lnTo>
+                  <a:pt x="0" y="1806"/>
+                </a:lnTo>
+                <a:lnTo>
+                  <a:pt x="4" y="1692"/>
+                </a:lnTo>
+                <a:lnTo>
+                  <a:pt x="14" y="1580"/>
+                </a:lnTo>
+                <a:lnTo>
+                  <a:pt x="32" y="1469"/>
+                </a:lnTo>
+                <a:lnTo>
+                  <a:pt x="55" y="1362"/>
+                </a:lnTo>
+                <a:lnTo>
+                  <a:pt x="85" y="1256"/>
+                </a:lnTo>
+                <a:lnTo>
+                  <a:pt x="121" y="1154"/>
+                </a:lnTo>
+                <a:lnTo>
+                  <a:pt x="163" y="1054"/>
+                </a:lnTo>
+                <a:lnTo>
+                  <a:pt x="211" y="958"/>
+                </a:lnTo>
+                <a:lnTo>
+                  <a:pt x="265" y="864"/>
+                </a:lnTo>
+                <a:lnTo>
+                  <a:pt x="323" y="774"/>
+                </a:lnTo>
+                <a:lnTo>
+                  <a:pt x="386" y="689"/>
+                </a:lnTo>
+                <a:lnTo>
+                  <a:pt x="454" y="607"/>
+                </a:lnTo>
+                <a:lnTo>
+                  <a:pt x="527" y="529"/>
+                </a:lnTo>
+                <a:lnTo>
+                  <a:pt x="604" y="456"/>
+                </a:lnTo>
+                <a:lnTo>
+                  <a:pt x="686" y="388"/>
+                </a:lnTo>
+                <a:lnTo>
+                  <a:pt x="771" y="325"/>
+                </a:lnTo>
+                <a:lnTo>
+                  <a:pt x="860" y="266"/>
+                </a:lnTo>
+                <a:lnTo>
+                  <a:pt x="953" y="212"/>
+                </a:lnTo>
+                <a:lnTo>
+                  <a:pt x="1050" y="164"/>
+                </a:lnTo>
+                <a:lnTo>
+                  <a:pt x="1150" y="122"/>
+                </a:lnTo>
+                <a:lnTo>
+                  <a:pt x="1251" y="85"/>
+                </a:lnTo>
+                <a:lnTo>
+                  <a:pt x="1357" y="55"/>
+                </a:lnTo>
+                <a:lnTo>
+                  <a:pt x="1464" y="32"/>
+                </a:lnTo>
+                <a:lnTo>
+                  <a:pt x="1574" y="14"/>
+                </a:lnTo>
+                <a:lnTo>
+                  <a:pt x="1686" y="5"/>
+                </a:lnTo>
+                <a:lnTo>
+                  <a:pt x="1799" y="0"/>
+                </a:lnTo>
+                <a:close/>
+              </a:path>
+            </a:pathLst>
+          </a:custGeom>
+          <a:solidFill>
+            <a:schemeClr val="tx2"/>
+          </a:solidFill>
+          <a:ln w="0">
+            <a:noFill/>
+            <a:prstDash val="solid"/>
+            <a:round/>
+            <a:headEnd/>
+            <a:tailEnd/>
+          </a:ln>
+        </p:spPr>
+      </p:sp>
+      <p:cxnSp>
+        <p:nvCxnSpPr>
+          <p:cNvPr id="37" name="Straight Connector 36">
+            <a:extLst>
+              <a:ext uri="{FF2B5EF4-FFF2-40B4-BE49-F238E27FC236}">
+                <a16:creationId xmlns:a16="http://schemas.microsoft.com/office/drawing/2014/main" id="{EDB3FAAF-5FDF-4576-8E8B-8BE25DB82ABA}"/>
+              </a:ext>
+              <a:ext uri="{C183D7F6-B498-43B3-948B-1728B52AA6E4}">
+                <adec:decorative xmlns:adec="http://schemas.microsoft.com/office/drawing/2017/decorative" val="1"/>
+              </a:ext>
+            </a:extLst>
+          </p:cNvPr>
+          <p:cNvCxnSpPr>
+            <a:cxnSpLocks noGrp="1" noRot="1" noChangeAspect="1" noMove="1" noResize="1" noEditPoints="1" noAdjustHandles="1" noChangeArrowheads="1" noChangeShapeType="1"/>
+          </p:cNvCxnSpPr>
+          <p:nvPr>
+            <p:extLst>
+              <p:ext uri="{386F3935-93C4-4BCD-93E2-E3B085C9AB24}">
+                <p16:designElem xmlns:p16="http://schemas.microsoft.com/office/powerpoint/2015/main" val="1"/>
+              </p:ext>
+            </p:extLst>
+          </p:nvPr>
+        </p:nvCxnSpPr>
+        <p:spPr>
+          <a:xfrm>
+            <a:off x="773855" y="1257300"/>
+            <a:ext cx="0" cy="5600700"/>
+          </a:xfrm>
+          <a:prstGeom prst="line">
+            <a:avLst/>
+          </a:prstGeom>
+          <a:ln w="25400">
+            <a:solidFill>
+              <a:schemeClr val="tx2"/>
+            </a:solidFill>
+          </a:ln>
+        </p:spPr>
+        <p:style>
+          <a:lnRef idx="1">
+            <a:schemeClr val="accent1"/>
+          </a:lnRef>
+          <a:fillRef idx="0">
+            <a:schemeClr val="accent1"/>
+          </a:fillRef>
+          <a:effectRef idx="0">
+            <a:schemeClr val="accent1"/>
+          </a:effectRef>
+          <a:fontRef idx="minor">
+            <a:schemeClr val="tx1"/>
+          </a:fontRef>
+        </p:style>
+      </p:cxnSp>
+      <p:pic>
+        <p:nvPicPr>
+          <p:cNvPr id="31" name="Picture 30" descr="Person walking up a stairs">
+            <a:extLst>
+              <a:ext uri="{FF2B5EF4-FFF2-40B4-BE49-F238E27FC236}">
+                <a16:creationId xmlns:a16="http://schemas.microsoft.com/office/drawing/2014/main" id="{CF3838CE-B40A-48CD-B4D2-FA5FFDA4AC56}"/>
+              </a:ext>
+            </a:extLst>
+          </p:cNvPr>
+          <p:cNvPicPr>
+            <a:picLocks noChangeAspect="1"/>
+          </p:cNvPicPr>
+          <p:nvPr/>
+        </p:nvPicPr>
+        <p:blipFill rotWithShape="1">
+          <a:blip r:embed="rId2">
+            <a:alphaModFix amt="40000"/>
+          </a:blip>
+          <a:srcRect t="4365" b="11366"/>
+          <a:stretch/>
+        </p:blipFill>
+        <p:spPr>
+          <a:xfrm>
+            <a:off x="20" y="10"/>
+            <a:ext cx="12191980" cy="6857990"/>
+          </a:xfrm>
+          <a:prstGeom prst="rect">
+            <a:avLst/>
+          </a:prstGeom>
+        </p:spPr>
+      </p:pic>
+      <p:sp>
+        <p:nvSpPr>
+          <p:cNvPr id="7" name="Title 6">
+            <a:extLst>
+              <a:ext uri="{FF2B5EF4-FFF2-40B4-BE49-F238E27FC236}">
+                <a16:creationId xmlns:a16="http://schemas.microsoft.com/office/drawing/2014/main" id="{BEC26B80-FCB0-4333-A545-680781CA2C67}"/>
+              </a:ext>
+            </a:extLst>
+          </p:cNvPr>
+          <p:cNvSpPr>
+            <a:spLocks noGrp="1"/>
+          </p:cNvSpPr>
+          <p:nvPr>
+            <p:ph type="title"/>
+          </p:nvPr>
+        </p:nvSpPr>
+        <p:spPr>
+          <a:xfrm>
+            <a:off x="1088912" y="1143293"/>
+            <a:ext cx="7635987" cy="4268965"/>
+          </a:xfrm>
+        </p:spPr>
+        <p:txBody>
+          <a:bodyPr vert="horz" lIns="91440" tIns="45720" rIns="91440" bIns="45720" rtlCol="0" anchor="t">
+            <a:normAutofit/>
+          </a:bodyPr>
+          <a:lstStyle/>
+          <a:p>
+            <a:pPr algn="l">
+              <a:lnSpc>
+                <a:spcPct val="85000"/>
+              </a:lnSpc>
+            </a:pPr>
+            <a:r>
+              <a:rPr lang="en-US" sz="6000" cap="all">
+                <a:solidFill>
+                  <a:schemeClr val="tx2"/>
+                </a:solidFill>
+              </a:rPr>
+              <a:t>Challenges</a:t>
+            </a:r>
+          </a:p>
+        </p:txBody>
+      </p:sp>
+      <p:cxnSp>
+        <p:nvCxnSpPr>
+          <p:cNvPr id="39" name="Straight Connector 38">
+            <a:extLst>
+              <a:ext uri="{FF2B5EF4-FFF2-40B4-BE49-F238E27FC236}">
+                <a16:creationId xmlns:a16="http://schemas.microsoft.com/office/drawing/2014/main" id="{AA94FB8C-E571-44EE-B6FB-9D4D378B5CA7}"/>
+              </a:ext>
+              <a:ext uri="{C183D7F6-B498-43B3-948B-1728B52AA6E4}">
+                <adec:decorative xmlns:adec="http://schemas.microsoft.com/office/drawing/2017/decorative" val="1"/>
+              </a:ext>
+            </a:extLst>
+          </p:cNvPr>
+          <p:cNvCxnSpPr>
+            <a:cxnSpLocks noGrp="1" noRot="1" noChangeAspect="1" noMove="1" noResize="1" noEditPoints="1" noAdjustHandles="1" noChangeArrowheads="1" noChangeShapeType="1"/>
+          </p:cNvCxnSpPr>
+          <p:nvPr>
+            <p:extLst>
+              <p:ext uri="{386F3935-93C4-4BCD-93E2-E3B085C9AB24}">
+                <p16:designElem xmlns:p16="http://schemas.microsoft.com/office/powerpoint/2015/main" val="1"/>
+              </p:ext>
+            </p:extLst>
+          </p:nvPr>
+        </p:nvCxnSpPr>
+        <p:spPr>
+          <a:xfrm>
+            <a:off x="773855" y="1257300"/>
+            <a:ext cx="0" cy="5600700"/>
+          </a:xfrm>
+          <a:prstGeom prst="line">
+            <a:avLst/>
+          </a:prstGeom>
+          <a:ln w="25400">
+            <a:solidFill>
+              <a:schemeClr val="tx2"/>
+            </a:solidFill>
+          </a:ln>
+        </p:spPr>
+        <p:style>
+          <a:lnRef idx="1">
+            <a:schemeClr val="accent1"/>
+          </a:lnRef>
+          <a:fillRef idx="0">
+            <a:schemeClr val="accent1"/>
+          </a:fillRef>
+          <a:effectRef idx="0">
+            <a:schemeClr val="accent1"/>
+          </a:effectRef>
+          <a:fontRef idx="minor">
+            <a:schemeClr val="tx1"/>
+          </a:fontRef>
+        </p:style>
+      </p:cxnSp>
+      <p:sp>
+        <p:nvSpPr>
+          <p:cNvPr id="41" name="Freeform 6">
+            <a:extLst>
+              <a:ext uri="{FF2B5EF4-FFF2-40B4-BE49-F238E27FC236}">
+                <a16:creationId xmlns:a16="http://schemas.microsoft.com/office/drawing/2014/main" id="{97EF6CE1-A1CD-4E7C-836A-7FE57149AE5C}"/>
+              </a:ext>
+              <a:ext uri="{C183D7F6-B498-43B3-948B-1728B52AA6E4}">
+                <adec:decorative xmlns:adec="http://schemas.microsoft.com/office/drawing/2017/decorative" val="1"/>
+              </a:ext>
+            </a:extLst>
+          </p:cNvPr>
+          <p:cNvSpPr>
+            <a:spLocks noGrp="1" noRot="1" noChangeAspect="1" noMove="1" noResize="1" noEditPoints="1" noAdjustHandles="1" noChangeArrowheads="1" noChangeShapeType="1" noTextEdit="1"/>
+          </p:cNvSpPr>
+          <p:nvPr>
+            <p:extLst>
+              <p:ext uri="{386F3935-93C4-4BCD-93E2-E3B085C9AB24}">
+                <p16:designElem xmlns:p16="http://schemas.microsoft.com/office/powerpoint/2015/main" val="1"/>
+              </p:ext>
+            </p:extLst>
+          </p:nvPr>
+        </p:nvSpPr>
+        <p:spPr bwMode="auto">
+          <a:xfrm>
+            <a:off x="11784011" y="1189204"/>
+            <a:ext cx="407988" cy="819150"/>
+          </a:xfrm>
+          <a:custGeom>
+            <a:avLst/>
+            <a:gdLst/>
+            <a:ahLst/>
+            <a:cxnLst/>
+            <a:rect l="0" t="0" r="r" b="b"/>
+            <a:pathLst>
+              <a:path w="1799" h="3612">
+                <a:moveTo>
+                  <a:pt x="1799" y="0"/>
+                </a:moveTo>
+                <a:lnTo>
+                  <a:pt x="1799" y="3612"/>
+                </a:lnTo>
+                <a:lnTo>
+                  <a:pt x="1686" y="3609"/>
+                </a:lnTo>
+                <a:lnTo>
+                  <a:pt x="1574" y="3598"/>
+                </a:lnTo>
+                <a:lnTo>
+                  <a:pt x="1464" y="3581"/>
+                </a:lnTo>
+                <a:lnTo>
+                  <a:pt x="1357" y="3557"/>
+                </a:lnTo>
+                <a:lnTo>
+                  <a:pt x="1251" y="3527"/>
+                </a:lnTo>
+                <a:lnTo>
+                  <a:pt x="1150" y="3490"/>
+                </a:lnTo>
+                <a:lnTo>
+                  <a:pt x="1050" y="3448"/>
+                </a:lnTo>
+                <a:lnTo>
+                  <a:pt x="953" y="3401"/>
+                </a:lnTo>
+                <a:lnTo>
+                  <a:pt x="860" y="3347"/>
+                </a:lnTo>
+                <a:lnTo>
+                  <a:pt x="771" y="3289"/>
+                </a:lnTo>
+                <a:lnTo>
+                  <a:pt x="686" y="3224"/>
+                </a:lnTo>
+                <a:lnTo>
+                  <a:pt x="604" y="3156"/>
+                </a:lnTo>
+                <a:lnTo>
+                  <a:pt x="527" y="3083"/>
+                </a:lnTo>
+                <a:lnTo>
+                  <a:pt x="454" y="3005"/>
+                </a:lnTo>
+                <a:lnTo>
+                  <a:pt x="386" y="2923"/>
+                </a:lnTo>
+                <a:lnTo>
+                  <a:pt x="323" y="2838"/>
+                </a:lnTo>
+                <a:lnTo>
+                  <a:pt x="265" y="2748"/>
+                </a:lnTo>
+                <a:lnTo>
+                  <a:pt x="211" y="2655"/>
+                </a:lnTo>
+                <a:lnTo>
+                  <a:pt x="163" y="2559"/>
+                </a:lnTo>
+                <a:lnTo>
+                  <a:pt x="121" y="2459"/>
+                </a:lnTo>
+                <a:lnTo>
+                  <a:pt x="85" y="2356"/>
+                </a:lnTo>
+                <a:lnTo>
+                  <a:pt x="55" y="2251"/>
+                </a:lnTo>
+                <a:lnTo>
+                  <a:pt x="32" y="2143"/>
+                </a:lnTo>
+                <a:lnTo>
+                  <a:pt x="14" y="2033"/>
+                </a:lnTo>
+                <a:lnTo>
+                  <a:pt x="4" y="1920"/>
+                </a:lnTo>
+                <a:lnTo>
+                  <a:pt x="0" y="1806"/>
+                </a:lnTo>
+                <a:lnTo>
+                  <a:pt x="4" y="1692"/>
+                </a:lnTo>
+                <a:lnTo>
+                  <a:pt x="14" y="1580"/>
+                </a:lnTo>
+                <a:lnTo>
+                  <a:pt x="32" y="1469"/>
+                </a:lnTo>
+                <a:lnTo>
+                  <a:pt x="55" y="1362"/>
+                </a:lnTo>
+                <a:lnTo>
+                  <a:pt x="85" y="1256"/>
+                </a:lnTo>
+                <a:lnTo>
+                  <a:pt x="121" y="1154"/>
+                </a:lnTo>
+                <a:lnTo>
+                  <a:pt x="163" y="1054"/>
+                </a:lnTo>
+                <a:lnTo>
+                  <a:pt x="211" y="958"/>
+                </a:lnTo>
+                <a:lnTo>
+                  <a:pt x="265" y="864"/>
+                </a:lnTo>
+                <a:lnTo>
+                  <a:pt x="323" y="774"/>
+                </a:lnTo>
+                <a:lnTo>
+                  <a:pt x="386" y="689"/>
+                </a:lnTo>
+                <a:lnTo>
+                  <a:pt x="454" y="607"/>
+                </a:lnTo>
+                <a:lnTo>
+                  <a:pt x="527" y="529"/>
+                </a:lnTo>
+                <a:lnTo>
+                  <a:pt x="604" y="456"/>
+                </a:lnTo>
+                <a:lnTo>
+                  <a:pt x="686" y="388"/>
+                </a:lnTo>
+                <a:lnTo>
+                  <a:pt x="771" y="325"/>
+                </a:lnTo>
+                <a:lnTo>
+                  <a:pt x="860" y="266"/>
+                </a:lnTo>
+                <a:lnTo>
+                  <a:pt x="953" y="212"/>
+                </a:lnTo>
+                <a:lnTo>
+                  <a:pt x="1050" y="164"/>
+                </a:lnTo>
+                <a:lnTo>
+                  <a:pt x="1150" y="122"/>
+                </a:lnTo>
+                <a:lnTo>
+                  <a:pt x="1251" y="85"/>
+                </a:lnTo>
+                <a:lnTo>
+                  <a:pt x="1357" y="55"/>
+                </a:lnTo>
+                <a:lnTo>
+                  <a:pt x="1464" y="32"/>
+                </a:lnTo>
+                <a:lnTo>
+                  <a:pt x="1574" y="14"/>
+                </a:lnTo>
+                <a:lnTo>
+                  <a:pt x="1686" y="5"/>
+                </a:lnTo>
+                <a:lnTo>
+                  <a:pt x="1799" y="0"/>
+                </a:lnTo>
+                <a:close/>
+              </a:path>
+            </a:pathLst>
+          </a:custGeom>
+          <a:solidFill>
+            <a:schemeClr val="tx2"/>
+          </a:solidFill>
+          <a:ln w="0">
+            <a:noFill/>
+            <a:prstDash val="solid"/>
+            <a:round/>
+            <a:headEnd/>
+            <a:tailEnd/>
+          </a:ln>
+        </p:spPr>
+      </p:sp>
+    </p:spTree>
+    <p:extLst>
+      <p:ext uri="{BB962C8B-B14F-4D97-AF65-F5344CB8AC3E}">
+        <p14:creationId xmlns:p14="http://schemas.microsoft.com/office/powerpoint/2010/main" val="192792436"/>
+      </p:ext>
+    </p:extLst>
+  </p:cSld>
+  <p:clrMapOvr>
+    <a:overrideClrMapping bg1="dk1" tx1="lt1" bg2="dk2" tx2="lt2" accent1="accent1" accent2="accent2" accent3="accent3" accent4="accent4" accent5="accent5" accent6="accent6" hlink="hlink" folHlink="folHlink"/>
+  </p:clrMapOvr>
+</p:sld>
+</file>
+
+<file path=ppt/slides/slide16.xml><?xml version="1.0" encoding="utf-8"?>
+<p:sld xmlns:a="http://schemas.openxmlformats.org/drawingml/2006/main" xmlns:r="http://schemas.openxmlformats.org/officeDocument/2006/relationships" xmlns:p="http://schemas.openxmlformats.org/presentationml/2006/main">
+  <p:cSld>
+    <p:spTree>
+      <p:nvGrpSpPr>
+        <p:cNvPr id="1" name=""/>
+        <p:cNvGrpSpPr/>
+        <p:nvPr/>
+      </p:nvGrpSpPr>
+      <p:grpSpPr>
+        <a:xfrm>
+          <a:off x="0" y="0"/>
+          <a:ext cx="0" cy="0"/>
+          <a:chOff x="0" y="0"/>
+          <a:chExt cx="0" cy="0"/>
+        </a:xfrm>
+      </p:grpSpPr>
+      <p:sp>
+        <p:nvSpPr>
+          <p:cNvPr id="2" name="Title 1">
+            <a:extLst>
+              <a:ext uri="{FF2B5EF4-FFF2-40B4-BE49-F238E27FC236}">
+                <a16:creationId xmlns:a16="http://schemas.microsoft.com/office/drawing/2014/main" id="{C3663143-7595-4B6A-ACBB-D63506DC6D59}"/>
+              </a:ext>
+            </a:extLst>
+          </p:cNvPr>
+          <p:cNvSpPr>
+            <a:spLocks noGrp="1"/>
+          </p:cNvSpPr>
+          <p:nvPr>
+            <p:ph type="title"/>
+          </p:nvPr>
+        </p:nvSpPr>
+        <p:spPr/>
+        <p:txBody>
+          <a:bodyPr/>
+          <a:lstStyle/>
+          <a:p>
+            <a:r>
+              <a:rPr lang="en-US" dirty="0"/>
+              <a:t>Challenges</a:t>
+            </a:r>
+          </a:p>
+        </p:txBody>
+      </p:sp>
+      <p:graphicFrame>
+        <p:nvGraphicFramePr>
+          <p:cNvPr id="5" name="Content Placeholder 2">
+            <a:extLst>
+              <a:ext uri="{FF2B5EF4-FFF2-40B4-BE49-F238E27FC236}">
+                <a16:creationId xmlns:a16="http://schemas.microsoft.com/office/drawing/2014/main" id="{3B634C81-2472-4D76-99A0-EBDFC6EA5A15}"/>
+              </a:ext>
+            </a:extLst>
+          </p:cNvPr>
+          <p:cNvGraphicFramePr>
+            <a:graphicFrameLocks noGrp="1"/>
+          </p:cNvGraphicFramePr>
+          <p:nvPr>
+            <p:ph idx="1"/>
+            <p:extLst>
+              <p:ext uri="{D42A27DB-BD31-4B8C-83A1-F6EECF244321}">
+                <p14:modId xmlns:p14="http://schemas.microsoft.com/office/powerpoint/2010/main" val="3536891315"/>
+              </p:ext>
+            </p:extLst>
+          </p:nvPr>
+        </p:nvGraphicFramePr>
+        <p:xfrm>
+          <a:off x="5181600" y="569066"/>
+          <a:ext cx="6248398" cy="5655156"/>
+        </p:xfrm>
+        <a:graphic>
+          <a:graphicData uri="http://schemas.openxmlformats.org/drawingml/2006/diagram">
+            <dgm:relIds xmlns:dgm="http://schemas.openxmlformats.org/drawingml/2006/diagram" xmlns:r="http://schemas.openxmlformats.org/officeDocument/2006/relationships" r:dm="rId2" r:lo="rId3" r:qs="rId4" r:cs="rId5"/>
+          </a:graphicData>
+        </a:graphic>
+      </p:graphicFrame>
+    </p:spTree>
+    <p:extLst>
+      <p:ext uri="{BB962C8B-B14F-4D97-AF65-F5344CB8AC3E}">
+        <p14:creationId xmlns:p14="http://schemas.microsoft.com/office/powerpoint/2010/main" val="4200272784"/>
+      </p:ext>
+    </p:extLst>
+  </p:cSld>
+  <p:clrMapOvr>
+    <a:masterClrMapping/>
+  </p:clrMapOvr>
+</p:sld>
+</file>
+
+<file path=ppt/slides/slide17.xml><?xml version="1.0" encoding="utf-8"?>
+<p:sld xmlns:a="http://schemas.openxmlformats.org/drawingml/2006/main" xmlns:r="http://schemas.openxmlformats.org/officeDocument/2006/relationships" xmlns:p="http://schemas.openxmlformats.org/presentationml/2006/main">
+  <p:cSld>
+    <p:bg>
+      <p:bgPr>
+        <a:solidFill>
+          <a:schemeClr val="bg2"/>
+        </a:solidFill>
+        <a:effectLst/>
+      </p:bgPr>
+    </p:bg>
+    <p:spTree>
+      <p:nvGrpSpPr>
+        <p:cNvPr id="1" name=""/>
+        <p:cNvGrpSpPr/>
+        <p:nvPr/>
+      </p:nvGrpSpPr>
+      <p:grpSpPr>
+        <a:xfrm>
+          <a:off x="0" y="0"/>
+          <a:ext cx="0" cy="0"/>
+          <a:chOff x="0" y="0"/>
+          <a:chExt cx="0" cy="0"/>
+        </a:xfrm>
+      </p:grpSpPr>
+      <p:sp>
+        <p:nvSpPr>
+          <p:cNvPr id="24" name="Freeform 6">
+            <a:extLst>
+              <a:ext uri="{FF2B5EF4-FFF2-40B4-BE49-F238E27FC236}">
+                <a16:creationId xmlns:a16="http://schemas.microsoft.com/office/drawing/2014/main" id="{CEA861C5-3CE8-4AD0-925C-836509B24AF6}"/>
+              </a:ext>
+              <a:ext uri="{C183D7F6-B498-43B3-948B-1728B52AA6E4}">
+                <adec:decorative xmlns:adec="http://schemas.microsoft.com/office/drawing/2017/decorative" val="1"/>
+              </a:ext>
+            </a:extLst>
+          </p:cNvPr>
+          <p:cNvSpPr>
+            <a:spLocks noGrp="1" noRot="1" noChangeAspect="1" noMove="1" noResize="1" noEditPoints="1" noAdjustHandles="1" noChangeArrowheads="1" noChangeShapeType="1" noTextEdit="1"/>
+          </p:cNvSpPr>
+          <p:nvPr>
+            <p:extLst>
+              <p:ext uri="{386F3935-93C4-4BCD-93E2-E3B085C9AB24}">
+                <p16:designElem xmlns:p16="http://schemas.microsoft.com/office/powerpoint/2015/main" val="1"/>
+              </p:ext>
+            </p:extLst>
+          </p:nvPr>
+        </p:nvSpPr>
+        <p:spPr bwMode="auto">
+          <a:xfrm>
+            <a:off x="11784011" y="1189204"/>
+            <a:ext cx="407988" cy="819150"/>
+          </a:xfrm>
+          <a:custGeom>
+            <a:avLst/>
+            <a:gdLst/>
+            <a:ahLst/>
+            <a:cxnLst/>
+            <a:rect l="0" t="0" r="r" b="b"/>
+            <a:pathLst>
+              <a:path w="1799" h="3612">
+                <a:moveTo>
+                  <a:pt x="1799" y="0"/>
+                </a:moveTo>
+                <a:lnTo>
+                  <a:pt x="1799" y="3612"/>
+                </a:lnTo>
+                <a:lnTo>
+                  <a:pt x="1686" y="3609"/>
+                </a:lnTo>
+                <a:lnTo>
+                  <a:pt x="1574" y="3598"/>
+                </a:lnTo>
+                <a:lnTo>
+                  <a:pt x="1464" y="3581"/>
+                </a:lnTo>
+                <a:lnTo>
+                  <a:pt x="1357" y="3557"/>
+                </a:lnTo>
+                <a:lnTo>
+                  <a:pt x="1251" y="3527"/>
+                </a:lnTo>
+                <a:lnTo>
+                  <a:pt x="1150" y="3490"/>
+                </a:lnTo>
+                <a:lnTo>
+                  <a:pt x="1050" y="3448"/>
+                </a:lnTo>
+                <a:lnTo>
+                  <a:pt x="953" y="3401"/>
+                </a:lnTo>
+                <a:lnTo>
+                  <a:pt x="860" y="3347"/>
+                </a:lnTo>
+                <a:lnTo>
+                  <a:pt x="771" y="3289"/>
+                </a:lnTo>
+                <a:lnTo>
+                  <a:pt x="686" y="3224"/>
+                </a:lnTo>
+                <a:lnTo>
+                  <a:pt x="604" y="3156"/>
+                </a:lnTo>
+                <a:lnTo>
+                  <a:pt x="527" y="3083"/>
+                </a:lnTo>
+                <a:lnTo>
+                  <a:pt x="454" y="3005"/>
+                </a:lnTo>
+                <a:lnTo>
+                  <a:pt x="386" y="2923"/>
+                </a:lnTo>
+                <a:lnTo>
+                  <a:pt x="323" y="2838"/>
+                </a:lnTo>
+                <a:lnTo>
+                  <a:pt x="265" y="2748"/>
+                </a:lnTo>
+                <a:lnTo>
+                  <a:pt x="211" y="2655"/>
+                </a:lnTo>
+                <a:lnTo>
+                  <a:pt x="163" y="2559"/>
+                </a:lnTo>
+                <a:lnTo>
+                  <a:pt x="121" y="2459"/>
+                </a:lnTo>
+                <a:lnTo>
+                  <a:pt x="85" y="2356"/>
+                </a:lnTo>
+                <a:lnTo>
+                  <a:pt x="55" y="2251"/>
+                </a:lnTo>
+                <a:lnTo>
+                  <a:pt x="32" y="2143"/>
+                </a:lnTo>
+                <a:lnTo>
+                  <a:pt x="14" y="2033"/>
+                </a:lnTo>
+                <a:lnTo>
+                  <a:pt x="4" y="1920"/>
+                </a:lnTo>
+                <a:lnTo>
+                  <a:pt x="0" y="1806"/>
+                </a:lnTo>
+                <a:lnTo>
+                  <a:pt x="4" y="1692"/>
+                </a:lnTo>
+                <a:lnTo>
+                  <a:pt x="14" y="1580"/>
+                </a:lnTo>
+                <a:lnTo>
+                  <a:pt x="32" y="1469"/>
+                </a:lnTo>
+                <a:lnTo>
+                  <a:pt x="55" y="1362"/>
+                </a:lnTo>
+                <a:lnTo>
+                  <a:pt x="85" y="1256"/>
+                </a:lnTo>
+                <a:lnTo>
+                  <a:pt x="121" y="1154"/>
+                </a:lnTo>
+                <a:lnTo>
+                  <a:pt x="163" y="1054"/>
+                </a:lnTo>
+                <a:lnTo>
+                  <a:pt x="211" y="958"/>
+                </a:lnTo>
+                <a:lnTo>
+                  <a:pt x="265" y="864"/>
+                </a:lnTo>
+                <a:lnTo>
+                  <a:pt x="323" y="774"/>
+                </a:lnTo>
+                <a:lnTo>
+                  <a:pt x="386" y="689"/>
+                </a:lnTo>
+                <a:lnTo>
+                  <a:pt x="454" y="607"/>
+                </a:lnTo>
+                <a:lnTo>
+                  <a:pt x="527" y="529"/>
+                </a:lnTo>
+                <a:lnTo>
+                  <a:pt x="604" y="456"/>
+                </a:lnTo>
+                <a:lnTo>
+                  <a:pt x="686" y="388"/>
+                </a:lnTo>
+                <a:lnTo>
+                  <a:pt x="771" y="325"/>
+                </a:lnTo>
+                <a:lnTo>
+                  <a:pt x="860" y="266"/>
+                </a:lnTo>
+                <a:lnTo>
+                  <a:pt x="953" y="212"/>
+                </a:lnTo>
+                <a:lnTo>
+                  <a:pt x="1050" y="164"/>
+                </a:lnTo>
+                <a:lnTo>
+                  <a:pt x="1150" y="122"/>
+                </a:lnTo>
+                <a:lnTo>
+                  <a:pt x="1251" y="85"/>
+                </a:lnTo>
+                <a:lnTo>
+                  <a:pt x="1357" y="55"/>
+                </a:lnTo>
+                <a:lnTo>
+                  <a:pt x="1464" y="32"/>
+                </a:lnTo>
+                <a:lnTo>
+                  <a:pt x="1574" y="14"/>
+                </a:lnTo>
+                <a:lnTo>
+                  <a:pt x="1686" y="5"/>
+                </a:lnTo>
+                <a:lnTo>
+                  <a:pt x="1799" y="0"/>
+                </a:lnTo>
+                <a:close/>
+              </a:path>
+            </a:pathLst>
+          </a:custGeom>
+          <a:solidFill>
+            <a:schemeClr val="tx2"/>
+          </a:solidFill>
+          <a:ln w="0">
+            <a:noFill/>
+            <a:prstDash val="solid"/>
+            <a:round/>
+            <a:headEnd/>
+            <a:tailEnd/>
+          </a:ln>
+        </p:spPr>
+      </p:sp>
+      <p:cxnSp>
+        <p:nvCxnSpPr>
+          <p:cNvPr id="31" name="Straight Connector 27">
+            <a:extLst>
+              <a:ext uri="{FF2B5EF4-FFF2-40B4-BE49-F238E27FC236}">
+                <a16:creationId xmlns:a16="http://schemas.microsoft.com/office/drawing/2014/main" id="{EDB3FAAF-5FDF-4576-8E8B-8BE25DB82ABA}"/>
+              </a:ext>
+              <a:ext uri="{C183D7F6-B498-43B3-948B-1728B52AA6E4}">
+                <adec:decorative xmlns:adec="http://schemas.microsoft.com/office/drawing/2017/decorative" val="1"/>
+              </a:ext>
+            </a:extLst>
+          </p:cNvPr>
+          <p:cNvCxnSpPr>
+            <a:cxnSpLocks noGrp="1" noRot="1" noChangeAspect="1" noMove="1" noResize="1" noEditPoints="1" noAdjustHandles="1" noChangeArrowheads="1" noChangeShapeType="1"/>
+          </p:cNvCxnSpPr>
+          <p:nvPr>
+            <p:extLst>
+              <p:ext uri="{386F3935-93C4-4BCD-93E2-E3B085C9AB24}">
+                <p16:designElem xmlns:p16="http://schemas.microsoft.com/office/powerpoint/2015/main" val="1"/>
+              </p:ext>
+            </p:extLst>
+          </p:nvPr>
+        </p:nvCxnSpPr>
+        <p:spPr>
+          <a:xfrm>
+            <a:off x="773855" y="1257300"/>
+            <a:ext cx="0" cy="5600700"/>
+          </a:xfrm>
+          <a:prstGeom prst="line">
+            <a:avLst/>
+          </a:prstGeom>
+          <a:ln w="25400">
+            <a:solidFill>
+              <a:schemeClr val="tx2"/>
+            </a:solidFill>
+          </a:ln>
+        </p:spPr>
+        <p:style>
+          <a:lnRef idx="1">
+            <a:schemeClr val="accent1"/>
+          </a:lnRef>
+          <a:fillRef idx="0">
+            <a:schemeClr val="accent1"/>
+          </a:fillRef>
+          <a:effectRef idx="0">
+            <a:schemeClr val="accent1"/>
+          </a:effectRef>
+          <a:fontRef idx="minor">
+            <a:schemeClr val="tx1"/>
+          </a:fontRef>
+        </p:style>
+      </p:cxnSp>
+      <p:sp>
+        <p:nvSpPr>
+          <p:cNvPr id="7" name="Title 6">
+            <a:extLst>
+              <a:ext uri="{FF2B5EF4-FFF2-40B4-BE49-F238E27FC236}">
+                <a16:creationId xmlns:a16="http://schemas.microsoft.com/office/drawing/2014/main" id="{BEC26B80-FCB0-4333-A545-680781CA2C67}"/>
+              </a:ext>
+            </a:extLst>
+          </p:cNvPr>
+          <p:cNvSpPr>
+            <a:spLocks noGrp="1"/>
+          </p:cNvSpPr>
+          <p:nvPr>
+            <p:ph type="title"/>
+          </p:nvPr>
+        </p:nvSpPr>
+        <p:spPr>
+          <a:xfrm>
+            <a:off x="8508719" y="1143293"/>
+            <a:ext cx="3029688" cy="4268965"/>
+          </a:xfrm>
+        </p:spPr>
+        <p:txBody>
+          <a:bodyPr vert="horz" lIns="91440" tIns="45720" rIns="91440" bIns="45720" rtlCol="0" anchor="t">
+            <a:normAutofit/>
+          </a:bodyPr>
+          <a:lstStyle/>
+          <a:p>
+            <a:pPr algn="l">
+              <a:lnSpc>
+                <a:spcPct val="85000"/>
+              </a:lnSpc>
+            </a:pPr>
+            <a:r>
+              <a:rPr lang="en-US" sz="3600" cap="all">
+                <a:solidFill>
+                  <a:schemeClr val="tx2"/>
+                </a:solidFill>
+              </a:rPr>
+              <a:t>Next Steps</a:t>
+            </a:r>
+          </a:p>
+        </p:txBody>
+      </p:sp>
+      <p:pic>
+        <p:nvPicPr>
+          <p:cNvPr id="22" name="Picture 21" descr="White stairs with a blue arrow drawn in the middle pointing upwards">
+            <a:extLst>
+              <a:ext uri="{FF2B5EF4-FFF2-40B4-BE49-F238E27FC236}">
+                <a16:creationId xmlns:a16="http://schemas.microsoft.com/office/drawing/2014/main" id="{DEB40240-F098-45F9-8E35-31BACAF3B3CE}"/>
+              </a:ext>
+            </a:extLst>
+          </p:cNvPr>
+          <p:cNvPicPr>
+            <a:picLocks noChangeAspect="1"/>
+          </p:cNvPicPr>
+          <p:nvPr/>
+        </p:nvPicPr>
+        <p:blipFill rotWithShape="1">
+          <a:blip r:embed="rId2"/>
+          <a:srcRect t="7976" r="-2" b="1219"/>
+          <a:stretch/>
+        </p:blipFill>
+        <p:spPr>
+          <a:xfrm>
+            <a:off x="20" y="10"/>
+            <a:ext cx="7552558" cy="6857990"/>
+          </a:xfrm>
+          <a:prstGeom prst="rect">
+            <a:avLst/>
+          </a:prstGeom>
+        </p:spPr>
+      </p:pic>
+      <p:sp>
+        <p:nvSpPr>
+          <p:cNvPr id="30" name="Freeform 6">
+            <a:extLst>
+              <a:ext uri="{FF2B5EF4-FFF2-40B4-BE49-F238E27FC236}">
+                <a16:creationId xmlns:a16="http://schemas.microsoft.com/office/drawing/2014/main" id="{40D2F2B3-169C-4971-B11F-452C0E0A4EF8}"/>
+              </a:ext>
+              <a:ext uri="{C183D7F6-B498-43B3-948B-1728B52AA6E4}">
+                <adec:decorative xmlns:adec="http://schemas.microsoft.com/office/drawing/2017/decorative" val="1"/>
+              </a:ext>
+            </a:extLst>
+          </p:cNvPr>
+          <p:cNvSpPr>
+            <a:spLocks noGrp="1" noRot="1" noChangeAspect="1" noMove="1" noResize="1" noEditPoints="1" noAdjustHandles="1" noChangeArrowheads="1" noChangeShapeType="1" noTextEdit="1"/>
+          </p:cNvSpPr>
+          <p:nvPr>
+            <p:extLst>
+              <p:ext uri="{386F3935-93C4-4BCD-93E2-E3B085C9AB24}">
+                <p16:designElem xmlns:p16="http://schemas.microsoft.com/office/powerpoint/2015/main" val="1"/>
+              </p:ext>
+            </p:extLst>
+          </p:nvPr>
+        </p:nvSpPr>
+        <p:spPr bwMode="auto">
+          <a:xfrm>
+            <a:off x="11784011" y="1189204"/>
+            <a:ext cx="407988" cy="819150"/>
+          </a:xfrm>
+          <a:custGeom>
+            <a:avLst/>
+            <a:gdLst/>
+            <a:ahLst/>
+            <a:cxnLst/>
+            <a:rect l="0" t="0" r="r" b="b"/>
+            <a:pathLst>
+              <a:path w="1799" h="3612">
+                <a:moveTo>
+                  <a:pt x="1799" y="0"/>
+                </a:moveTo>
+                <a:lnTo>
+                  <a:pt x="1799" y="3612"/>
+                </a:lnTo>
+                <a:lnTo>
+                  <a:pt x="1686" y="3609"/>
+                </a:lnTo>
+                <a:lnTo>
+                  <a:pt x="1574" y="3598"/>
+                </a:lnTo>
+                <a:lnTo>
+                  <a:pt x="1464" y="3581"/>
+                </a:lnTo>
+                <a:lnTo>
+                  <a:pt x="1357" y="3557"/>
+                </a:lnTo>
+                <a:lnTo>
+                  <a:pt x="1251" y="3527"/>
+                </a:lnTo>
+                <a:lnTo>
+                  <a:pt x="1150" y="3490"/>
+                </a:lnTo>
+                <a:lnTo>
+                  <a:pt x="1050" y="3448"/>
+                </a:lnTo>
+                <a:lnTo>
+                  <a:pt x="953" y="3401"/>
+                </a:lnTo>
+                <a:lnTo>
+                  <a:pt x="860" y="3347"/>
+                </a:lnTo>
+                <a:lnTo>
+                  <a:pt x="771" y="3289"/>
+                </a:lnTo>
+                <a:lnTo>
+                  <a:pt x="686" y="3224"/>
+                </a:lnTo>
+                <a:lnTo>
+                  <a:pt x="604" y="3156"/>
+                </a:lnTo>
+                <a:lnTo>
+                  <a:pt x="527" y="3083"/>
+                </a:lnTo>
+                <a:lnTo>
+                  <a:pt x="454" y="3005"/>
+                </a:lnTo>
+                <a:lnTo>
+                  <a:pt x="386" y="2923"/>
+                </a:lnTo>
+                <a:lnTo>
+                  <a:pt x="323" y="2838"/>
+                </a:lnTo>
+                <a:lnTo>
+                  <a:pt x="265" y="2748"/>
+                </a:lnTo>
+                <a:lnTo>
+                  <a:pt x="211" y="2655"/>
+                </a:lnTo>
+                <a:lnTo>
+                  <a:pt x="163" y="2559"/>
+                </a:lnTo>
+                <a:lnTo>
+                  <a:pt x="121" y="2459"/>
+                </a:lnTo>
+                <a:lnTo>
+                  <a:pt x="85" y="2356"/>
+                </a:lnTo>
+                <a:lnTo>
+                  <a:pt x="55" y="2251"/>
+                </a:lnTo>
+                <a:lnTo>
+                  <a:pt x="32" y="2143"/>
+                </a:lnTo>
+                <a:lnTo>
+                  <a:pt x="14" y="2033"/>
+                </a:lnTo>
+                <a:lnTo>
+                  <a:pt x="4" y="1920"/>
+                </a:lnTo>
+                <a:lnTo>
+                  <a:pt x="0" y="1806"/>
+                </a:lnTo>
+                <a:lnTo>
+                  <a:pt x="4" y="1692"/>
+                </a:lnTo>
+                <a:lnTo>
+                  <a:pt x="14" y="1580"/>
+                </a:lnTo>
+                <a:lnTo>
+                  <a:pt x="32" y="1469"/>
+                </a:lnTo>
+                <a:lnTo>
+                  <a:pt x="55" y="1362"/>
+                </a:lnTo>
+                <a:lnTo>
+                  <a:pt x="85" y="1256"/>
+                </a:lnTo>
+                <a:lnTo>
+                  <a:pt x="121" y="1154"/>
+                </a:lnTo>
+                <a:lnTo>
+                  <a:pt x="163" y="1054"/>
+                </a:lnTo>
+                <a:lnTo>
+                  <a:pt x="211" y="958"/>
+                </a:lnTo>
+                <a:lnTo>
+                  <a:pt x="265" y="864"/>
+                </a:lnTo>
+                <a:lnTo>
+                  <a:pt x="323" y="774"/>
+                </a:lnTo>
+                <a:lnTo>
+                  <a:pt x="386" y="689"/>
+                </a:lnTo>
+                <a:lnTo>
+                  <a:pt x="454" y="607"/>
+                </a:lnTo>
+                <a:lnTo>
+                  <a:pt x="527" y="529"/>
+                </a:lnTo>
+                <a:lnTo>
+                  <a:pt x="604" y="456"/>
+                </a:lnTo>
+                <a:lnTo>
+                  <a:pt x="686" y="388"/>
+                </a:lnTo>
+                <a:lnTo>
+                  <a:pt x="771" y="325"/>
+                </a:lnTo>
+                <a:lnTo>
+                  <a:pt x="860" y="266"/>
+                </a:lnTo>
+                <a:lnTo>
+                  <a:pt x="953" y="212"/>
+                </a:lnTo>
+                <a:lnTo>
+                  <a:pt x="1050" y="164"/>
+                </a:lnTo>
+                <a:lnTo>
+                  <a:pt x="1150" y="122"/>
+                </a:lnTo>
+                <a:lnTo>
+                  <a:pt x="1251" y="85"/>
+                </a:lnTo>
+                <a:lnTo>
+                  <a:pt x="1357" y="55"/>
+                </a:lnTo>
+                <a:lnTo>
+                  <a:pt x="1464" y="32"/>
+                </a:lnTo>
+                <a:lnTo>
+                  <a:pt x="1574" y="14"/>
+                </a:lnTo>
+                <a:lnTo>
+                  <a:pt x="1686" y="5"/>
+                </a:lnTo>
+                <a:lnTo>
+                  <a:pt x="1799" y="0"/>
+                </a:lnTo>
+                <a:close/>
+              </a:path>
+            </a:pathLst>
+          </a:custGeom>
+          <a:solidFill>
+            <a:schemeClr val="tx2"/>
+          </a:solidFill>
+          <a:ln w="0">
+            <a:noFill/>
+            <a:prstDash val="solid"/>
+            <a:round/>
+            <a:headEnd/>
+            <a:tailEnd/>
+          </a:ln>
+        </p:spPr>
+      </p:sp>
+      <p:cxnSp>
+        <p:nvCxnSpPr>
+          <p:cNvPr id="32" name="Straight Connector 31">
+            <a:extLst>
+              <a:ext uri="{FF2B5EF4-FFF2-40B4-BE49-F238E27FC236}">
+                <a16:creationId xmlns:a16="http://schemas.microsoft.com/office/drawing/2014/main" id="{72FB39BF-4949-4117-AA41-066968DE9E2B}"/>
+              </a:ext>
+              <a:ext uri="{C183D7F6-B498-43B3-948B-1728B52AA6E4}">
+                <adec:decorative xmlns:adec="http://schemas.microsoft.com/office/drawing/2017/decorative" val="1"/>
+              </a:ext>
+            </a:extLst>
+          </p:cNvPr>
+          <p:cNvCxnSpPr>
+            <a:cxnSpLocks noGrp="1" noRot="1" noChangeAspect="1" noMove="1" noResize="1" noEditPoints="1" noAdjustHandles="1" noChangeArrowheads="1" noChangeShapeType="1"/>
+          </p:cNvCxnSpPr>
+          <p:nvPr>
+            <p:extLst>
+              <p:ext uri="{386F3935-93C4-4BCD-93E2-E3B085C9AB24}">
+                <p16:designElem xmlns:p16="http://schemas.microsoft.com/office/powerpoint/2015/main" val="1"/>
+              </p:ext>
+            </p:extLst>
+          </p:nvPr>
+        </p:nvCxnSpPr>
+        <p:spPr>
+          <a:xfrm>
+            <a:off x="8208101" y="1257300"/>
+            <a:ext cx="0" cy="5600700"/>
+          </a:xfrm>
+          <a:prstGeom prst="line">
+            <a:avLst/>
+          </a:prstGeom>
+          <a:ln w="25400">
+            <a:solidFill>
+              <a:schemeClr val="tx2"/>
+            </a:solidFill>
+          </a:ln>
+        </p:spPr>
+        <p:style>
+          <a:lnRef idx="1">
+            <a:schemeClr val="accent1"/>
+          </a:lnRef>
+          <a:fillRef idx="0">
+            <a:schemeClr val="accent1"/>
+          </a:fillRef>
+          <a:effectRef idx="0">
+            <a:schemeClr val="accent1"/>
+          </a:effectRef>
+          <a:fontRef idx="minor">
+            <a:schemeClr val="tx1"/>
+          </a:fontRef>
+        </p:style>
+      </p:cxnSp>
+    </p:spTree>
+    <p:extLst>
+      <p:ext uri="{BB962C8B-B14F-4D97-AF65-F5344CB8AC3E}">
+        <p14:creationId xmlns:p14="http://schemas.microsoft.com/office/powerpoint/2010/main" val="422126975"/>
+      </p:ext>
+    </p:extLst>
+  </p:cSld>
+  <p:clrMapOvr>
+    <a:masterClrMapping/>
+  </p:clrMapOvr>
+</p:sld>
+</file>
+
+<file path=ppt/slides/slide18.xml><?xml version="1.0" encoding="utf-8"?>
+<p:sld xmlns:a="http://schemas.openxmlformats.org/drawingml/2006/main" xmlns:r="http://schemas.openxmlformats.org/officeDocument/2006/relationships" xmlns:p="http://schemas.openxmlformats.org/presentationml/2006/main">
+  <p:cSld>
     <p:bg>
       <p:bgPr>
         <a:solidFill>
@@ -15165,7 +17714,7 @@
           <p:cNvPr id="2" name="Title 1">
             <a:extLst>
               <a:ext uri="{FF2B5EF4-FFF2-40B4-BE49-F238E27FC236}">
-                <a16:creationId xmlns:a16="http://schemas.microsoft.com/office/drawing/2014/main" id="{C3663143-7595-4B6A-ACBB-D63506DC6D59}"/>
+                <a16:creationId xmlns:a16="http://schemas.microsoft.com/office/drawing/2014/main" id="{47E40D7A-EB4B-4B4F-803F-F65B09579D7E}"/>
               </a:ext>
             </a:extLst>
           </p:cNvPr>
@@ -15176,19 +17725,14 @@
             <p:ph type="title"/>
           </p:nvPr>
         </p:nvSpPr>
-        <p:spPr>
-          <a:xfrm>
-            <a:off x="332509" y="559678"/>
-            <a:ext cx="4263397" cy="4952492"/>
-          </a:xfrm>
-        </p:spPr>
+        <p:spPr/>
         <p:txBody>
           <a:bodyPr/>
           <a:lstStyle/>
           <a:p>
             <a:r>
               <a:rPr lang="en-US" dirty="0"/>
-              <a:t>Achievements </a:t>
+              <a:t>Dataset</a:t>
             </a:r>
           </a:p>
         </p:txBody>
@@ -15198,7 +17742,7 @@
           <p:cNvPr id="3" name="Content Placeholder 2">
             <a:extLst>
               <a:ext uri="{FF2B5EF4-FFF2-40B4-BE49-F238E27FC236}">
-                <a16:creationId xmlns:a16="http://schemas.microsoft.com/office/drawing/2014/main" id="{3DA9E65B-F549-4843-AF20-8620532D132A}"/>
+                <a16:creationId xmlns:a16="http://schemas.microsoft.com/office/drawing/2014/main" id="{F49011A8-BB82-478C-B2C6-97B8CBD23F83}"/>
               </a:ext>
             </a:extLst>
           </p:cNvPr>
@@ -15206,84 +17750,497 @@
             <a:spLocks noGrp="1"/>
           </p:cNvSpPr>
           <p:nvPr>
-            <p:ph idx="1"/>
+            <p:ph sz="half" idx="1"/>
           </p:nvPr>
         </p:nvSpPr>
         <p:spPr>
           <a:xfrm>
-            <a:off x="8305798" y="569066"/>
-            <a:ext cx="3886202" cy="5655156"/>
+            <a:off x="1097279" y="1845734"/>
+            <a:ext cx="4937760" cy="4488564"/>
           </a:xfrm>
         </p:spPr>
         <p:txBody>
-          <a:bodyPr/>
+          <a:bodyPr>
+            <a:normAutofit fontScale="55000" lnSpcReduction="20000"/>
+          </a:bodyPr>
           <a:lstStyle/>
           <a:p>
+            <a:pPr>
+              <a:buFont typeface="Wingdings" panose="05000000000000000000" pitchFamily="2" charset="2"/>
+              <a:buChar char="§"/>
+            </a:pPr>
             <a:r>
-              <a:rPr lang="en-US" dirty="0"/>
-              <a:t>Completed data security training</a:t>
+              <a:rPr lang="en-US" sz="3200" dirty="0"/>
+              <a:t> </a:t>
+            </a:r>
+            <a:r>
+              <a:rPr lang="en-US" sz="3200" dirty="0">
+                <a:solidFill>
+                  <a:srgbClr val="FF0000"/>
+                </a:solidFill>
+              </a:rPr>
+              <a:t>4,605 encounters</a:t>
             </a:r>
           </a:p>
           <a:p>
+            <a:pPr lvl="1">
+              <a:buFont typeface="Wingdings" panose="05000000000000000000" pitchFamily="2" charset="2"/>
+              <a:buChar char="§"/>
+            </a:pPr>
             <a:r>
-              <a:rPr lang="en-US" dirty="0"/>
-              <a:t>Acquired data</a:t>
+              <a:rPr lang="en-US" sz="2400" dirty="0"/>
+              <a:t>Race</a:t>
             </a:r>
           </a:p>
           <a:p>
+            <a:pPr lvl="1">
+              <a:buFont typeface="Wingdings" panose="05000000000000000000" pitchFamily="2" charset="2"/>
+              <a:buChar char="§"/>
+            </a:pPr>
             <a:r>
-              <a:rPr lang="en-US" dirty="0"/>
-              <a:t>Built Data Model</a:t>
+              <a:rPr lang="en-US" sz="2400" dirty="0"/>
+              <a:t>Ethnicity</a:t>
             </a:r>
           </a:p>
           <a:p>
+            <a:pPr lvl="1">
+              <a:buFont typeface="Wingdings" panose="05000000000000000000" pitchFamily="2" charset="2"/>
+              <a:buChar char="§"/>
+            </a:pPr>
             <a:r>
-              <a:rPr lang="en-US" dirty="0"/>
-              <a:t>Built database with foreign key relationships</a:t>
+              <a:rPr lang="en-US" sz="2400" dirty="0"/>
+              <a:t>Sex</a:t>
             </a:r>
           </a:p>
           <a:p>
+            <a:pPr lvl="1">
+              <a:buFont typeface="Wingdings" panose="05000000000000000000" pitchFamily="2" charset="2"/>
+              <a:buChar char="§"/>
+            </a:pPr>
             <a:r>
-              <a:rPr lang="en-US" dirty="0"/>
-              <a:t>Stood up web interface</a:t>
+              <a:rPr lang="en-US" sz="2400" dirty="0"/>
+              <a:t>Discharge Status</a:t>
+            </a:r>
+          </a:p>
+          <a:p>
+            <a:pPr lvl="1">
+              <a:buFont typeface="Wingdings" panose="05000000000000000000" pitchFamily="2" charset="2"/>
+              <a:buChar char="§"/>
+            </a:pPr>
+            <a:r>
+              <a:rPr lang="en-US" sz="2400" dirty="0"/>
+              <a:t>Length of Stay</a:t>
+            </a:r>
+          </a:p>
+          <a:p>
+            <a:pPr lvl="1">
+              <a:buFont typeface="Wingdings" panose="05000000000000000000" pitchFamily="2" charset="2"/>
+              <a:buChar char="§"/>
+            </a:pPr>
+            <a:r>
+              <a:rPr lang="en-US" sz="2400" dirty="0"/>
+              <a:t>Age of Admission</a:t>
+            </a:r>
+          </a:p>
+          <a:p>
+            <a:pPr lvl="1">
+              <a:buFont typeface="Wingdings" panose="05000000000000000000" pitchFamily="2" charset="2"/>
+              <a:buChar char="§"/>
+            </a:pPr>
+            <a:endParaRPr lang="en-US" sz="2400" dirty="0"/>
+          </a:p>
+          <a:p>
+            <a:pPr>
+              <a:buFont typeface="Wingdings" panose="05000000000000000000" pitchFamily="2" charset="2"/>
+              <a:buChar char="§"/>
+            </a:pPr>
+            <a:r>
+              <a:rPr lang="en-US" sz="3200" dirty="0">
+                <a:solidFill>
+                  <a:srgbClr val="00B0F0"/>
+                </a:solidFill>
+              </a:rPr>
+              <a:t> 15,569 assessment points</a:t>
+            </a:r>
+          </a:p>
+          <a:p>
+            <a:pPr lvl="1">
+              <a:buFont typeface="Wingdings" panose="05000000000000000000" pitchFamily="2" charset="2"/>
+              <a:buChar char="§"/>
+            </a:pPr>
+            <a:r>
+              <a:rPr lang="en-US" sz="2400" dirty="0"/>
+              <a:t> SOFA score</a:t>
+            </a:r>
+          </a:p>
+          <a:p>
+            <a:pPr lvl="1">
+              <a:buFont typeface="Wingdings" panose="05000000000000000000" pitchFamily="2" charset="2"/>
+              <a:buChar char="§"/>
+            </a:pPr>
+            <a:r>
+              <a:rPr lang="en-US" sz="2400" dirty="0"/>
+              <a:t> Intubation number</a:t>
+            </a:r>
+          </a:p>
+          <a:p>
+            <a:pPr lvl="1">
+              <a:buFont typeface="Wingdings" panose="05000000000000000000" pitchFamily="2" charset="2"/>
+              <a:buChar char="§"/>
+            </a:pPr>
+            <a:r>
+              <a:rPr lang="en-US" sz="2400" dirty="0"/>
+              <a:t> Assessment time point</a:t>
+            </a:r>
+          </a:p>
+          <a:p>
+            <a:pPr lvl="1">
+              <a:buFont typeface="Wingdings" panose="05000000000000000000" pitchFamily="2" charset="2"/>
+              <a:buChar char="§"/>
+            </a:pPr>
+            <a:r>
+              <a:rPr lang="en-US" sz="2400" dirty="0"/>
+              <a:t> Duration on vent</a:t>
+            </a:r>
+          </a:p>
+          <a:p>
+            <a:pPr lvl="1">
+              <a:buFont typeface="Wingdings" panose="05000000000000000000" pitchFamily="2" charset="2"/>
+              <a:buChar char="§"/>
+            </a:pPr>
+            <a:r>
+              <a:rPr lang="en-US" sz="2400" dirty="0"/>
+              <a:t> Color code (red, yellow, blue)</a:t>
             </a:r>
           </a:p>
         </p:txBody>
       </p:sp>
-      <p:pic>
-        <p:nvPicPr>
-          <p:cNvPr id="4" name="Picture 3">
+      <p:sp>
+        <p:nvSpPr>
+          <p:cNvPr id="4" name="Content Placeholder 3">
             <a:extLst>
               <a:ext uri="{FF2B5EF4-FFF2-40B4-BE49-F238E27FC236}">
-                <a16:creationId xmlns:a16="http://schemas.microsoft.com/office/drawing/2014/main" id="{4F9F7F2D-182B-4321-BB4D-FBA86C74B858}"/>
+                <a16:creationId xmlns:a16="http://schemas.microsoft.com/office/drawing/2014/main" id="{9011A868-E6EC-4A6E-932D-875E5967A405}"/>
               </a:ext>
             </a:extLst>
           </p:cNvPr>
-          <p:cNvPicPr>
-            <a:picLocks noChangeAspect="1"/>
-          </p:cNvPicPr>
-          <p:nvPr/>
-        </p:nvPicPr>
-        <p:blipFill>
-          <a:blip r:embed="rId3"/>
-          <a:stretch>
-            <a:fillRect/>
-          </a:stretch>
-        </p:blipFill>
+          <p:cNvSpPr>
+            <a:spLocks noGrp="1"/>
+          </p:cNvSpPr>
+          <p:nvPr>
+            <p:ph sz="half" idx="2"/>
+          </p:nvPr>
+        </p:nvSpPr>
         <p:spPr>
           <a:xfrm>
-            <a:off x="103461" y="1944884"/>
-            <a:ext cx="8202338" cy="4197096"/>
+            <a:off x="6217920" y="1845734"/>
+            <a:ext cx="4937760" cy="4488564"/>
           </a:xfrm>
-          <a:prstGeom prst="rect">
-            <a:avLst/>
-          </a:prstGeom>
         </p:spPr>
-      </p:pic>
+        <p:txBody>
+          <a:bodyPr>
+            <a:normAutofit fontScale="55000" lnSpcReduction="20000"/>
+          </a:bodyPr>
+          <a:lstStyle/>
+          <a:p>
+            <a:pPr marL="91440" marR="0" lvl="0" indent="-91440" algn="l" defTabSz="914400" rtl="0" eaLnBrk="1" fontAlgn="auto" latinLnBrk="0" hangingPunct="1">
+              <a:lnSpc>
+                <a:spcPct val="90000"/>
+              </a:lnSpc>
+              <a:spcBef>
+                <a:spcPts val="1200"/>
+              </a:spcBef>
+              <a:spcAft>
+                <a:spcPts val="200"/>
+              </a:spcAft>
+              <a:buClr>
+                <a:srgbClr val="E48312"/>
+              </a:buClr>
+              <a:buSzPct val="100000"/>
+              <a:buFont typeface="Wingdings" panose="05000000000000000000" pitchFamily="2" charset="2"/>
+              <a:buChar char="§"/>
+              <a:tabLst/>
+              <a:defRPr/>
+            </a:pPr>
+            <a:r>
+              <a:rPr lang="en-US" sz="3200" dirty="0">
+                <a:solidFill>
+                  <a:schemeClr val="tx1"/>
+                </a:solidFill>
+                <a:latin typeface="Calibri" panose="020F0502020204030204"/>
+              </a:rPr>
+              <a:t> Five Tables</a:t>
+            </a:r>
+          </a:p>
+          <a:p>
+            <a:pPr lvl="1" indent="-91440">
+              <a:spcBef>
+                <a:spcPts val="1200"/>
+              </a:spcBef>
+              <a:spcAft>
+                <a:spcPts val="200"/>
+              </a:spcAft>
+              <a:buClr>
+                <a:srgbClr val="E48312"/>
+              </a:buClr>
+              <a:buSzPct val="100000"/>
+              <a:buFont typeface="Wingdings" panose="05000000000000000000" pitchFamily="2" charset="2"/>
+              <a:buChar char="§"/>
+              <a:defRPr/>
+            </a:pPr>
+            <a:r>
+              <a:rPr kumimoji="0" lang="en-US" sz="3000" b="0" i="0" u="none" strike="noStrike" kern="1200" cap="none" spc="0" normalizeH="0" baseline="0" noProof="0" dirty="0">
+                <a:ln>
+                  <a:noFill/>
+                </a:ln>
+                <a:solidFill>
+                  <a:srgbClr val="FF0000"/>
+                </a:solidFill>
+                <a:effectLst/>
+                <a:uLnTx/>
+                <a:uFillTx/>
+                <a:latin typeface="Calibri" panose="020F0502020204030204"/>
+                <a:ea typeface="+mn-ea"/>
+                <a:cs typeface="+mn-cs"/>
+              </a:rPr>
+              <a:t> </a:t>
+            </a:r>
+            <a:r>
+              <a:rPr kumimoji="0" lang="en-US" sz="3000" b="0" i="0" u="none" strike="noStrike" kern="1200" cap="none" spc="0" normalizeH="0" baseline="0" noProof="0" dirty="0" err="1">
+                <a:ln>
+                  <a:noFill/>
+                </a:ln>
+                <a:solidFill>
+                  <a:srgbClr val="FF0000"/>
+                </a:solidFill>
+                <a:effectLst/>
+                <a:uLnTx/>
+                <a:uFillTx/>
+                <a:latin typeface="Calibri" panose="020F0502020204030204"/>
+                <a:ea typeface="+mn-ea"/>
+                <a:cs typeface="+mn-cs"/>
+              </a:rPr>
+              <a:t>Study_Cohort</a:t>
+            </a:r>
+            <a:endParaRPr kumimoji="0" lang="en-US" sz="3000" b="0" i="0" u="none" strike="noStrike" kern="1200" cap="none" spc="0" normalizeH="0" baseline="0" noProof="0" dirty="0">
+              <a:ln>
+                <a:noFill/>
+              </a:ln>
+              <a:solidFill>
+                <a:srgbClr val="FF0000"/>
+              </a:solidFill>
+              <a:effectLst/>
+              <a:uLnTx/>
+              <a:uFillTx/>
+              <a:latin typeface="Calibri" panose="020F0502020204030204"/>
+              <a:ea typeface="+mn-ea"/>
+              <a:cs typeface="+mn-cs"/>
+            </a:endParaRPr>
+          </a:p>
+          <a:p>
+            <a:pPr lvl="1" indent="-91440">
+              <a:spcBef>
+                <a:spcPts val="1200"/>
+              </a:spcBef>
+              <a:spcAft>
+                <a:spcPts val="200"/>
+              </a:spcAft>
+              <a:buClr>
+                <a:srgbClr val="E48312"/>
+              </a:buClr>
+              <a:buSzPct val="100000"/>
+              <a:buFont typeface="Wingdings" panose="05000000000000000000" pitchFamily="2" charset="2"/>
+              <a:buChar char="§"/>
+              <a:defRPr/>
+            </a:pPr>
+            <a:r>
+              <a:rPr kumimoji="0" lang="en-US" sz="3000" b="0" i="0" u="none" strike="noStrike" kern="1200" cap="none" spc="0" normalizeH="0" baseline="0" noProof="0" dirty="0">
+                <a:ln>
+                  <a:noFill/>
+                </a:ln>
+                <a:solidFill>
+                  <a:srgbClr val="FF0000"/>
+                </a:solidFill>
+                <a:effectLst/>
+                <a:uLnTx/>
+                <a:uFillTx/>
+                <a:latin typeface="Calibri" panose="020F0502020204030204"/>
+                <a:ea typeface="+mn-ea"/>
+                <a:cs typeface="+mn-cs"/>
+              </a:rPr>
+              <a:t> </a:t>
+            </a:r>
+            <a:r>
+              <a:rPr kumimoji="0" lang="en-US" sz="3000" b="0" i="0" u="none" strike="noStrike" kern="1200" cap="none" spc="0" normalizeH="0" baseline="0" noProof="0" dirty="0" err="1">
+                <a:ln>
+                  <a:noFill/>
+                </a:ln>
+                <a:solidFill>
+                  <a:srgbClr val="FF0000"/>
+                </a:solidFill>
+                <a:effectLst/>
+                <a:uLnTx/>
+                <a:uFillTx/>
+                <a:latin typeface="Calibri" panose="020F0502020204030204"/>
+                <a:ea typeface="+mn-ea"/>
+                <a:cs typeface="+mn-cs"/>
+              </a:rPr>
+              <a:t>Admission_DXs</a:t>
+            </a:r>
+            <a:endParaRPr kumimoji="0" lang="en-US" sz="3000" b="0" i="0" u="none" strike="noStrike" kern="1200" cap="none" spc="0" normalizeH="0" baseline="0" noProof="0" dirty="0">
+              <a:ln>
+                <a:noFill/>
+              </a:ln>
+              <a:solidFill>
+                <a:srgbClr val="FF0000"/>
+              </a:solidFill>
+              <a:effectLst/>
+              <a:uLnTx/>
+              <a:uFillTx/>
+              <a:latin typeface="Calibri" panose="020F0502020204030204"/>
+              <a:ea typeface="+mn-ea"/>
+              <a:cs typeface="+mn-cs"/>
+            </a:endParaRPr>
+          </a:p>
+          <a:p>
+            <a:pPr lvl="1" indent="-91440">
+              <a:spcBef>
+                <a:spcPts val="1200"/>
+              </a:spcBef>
+              <a:spcAft>
+                <a:spcPts val="200"/>
+              </a:spcAft>
+              <a:buClr>
+                <a:srgbClr val="E48312"/>
+              </a:buClr>
+              <a:buSzPct val="100000"/>
+              <a:buFont typeface="Wingdings" panose="05000000000000000000" pitchFamily="2" charset="2"/>
+              <a:buChar char="§"/>
+              <a:defRPr/>
+            </a:pPr>
+            <a:r>
+              <a:rPr kumimoji="0" lang="en-US" sz="3000" b="0" i="0" u="none" strike="noStrike" kern="1200" cap="none" spc="0" normalizeH="0" baseline="0" noProof="0" dirty="0">
+                <a:ln>
+                  <a:noFill/>
+                </a:ln>
+                <a:solidFill>
+                  <a:srgbClr val="FF0000"/>
+                </a:solidFill>
+                <a:effectLst/>
+                <a:uLnTx/>
+                <a:uFillTx/>
+                <a:latin typeface="Calibri" panose="020F0502020204030204"/>
+                <a:ea typeface="+mn-ea"/>
+                <a:cs typeface="+mn-cs"/>
+              </a:rPr>
+              <a:t> Insurance</a:t>
+            </a:r>
+          </a:p>
+          <a:p>
+            <a:pPr lvl="1" indent="-91440">
+              <a:spcBef>
+                <a:spcPts val="1200"/>
+              </a:spcBef>
+              <a:spcAft>
+                <a:spcPts val="200"/>
+              </a:spcAft>
+              <a:buClr>
+                <a:srgbClr val="E48312"/>
+              </a:buClr>
+              <a:buSzPct val="100000"/>
+              <a:buFont typeface="Wingdings" panose="05000000000000000000" pitchFamily="2" charset="2"/>
+              <a:buChar char="§"/>
+              <a:defRPr/>
+            </a:pPr>
+            <a:r>
+              <a:rPr kumimoji="0" lang="en-US" sz="3000" b="0" i="0" u="none" strike="noStrike" kern="1200" cap="none" spc="0" normalizeH="0" baseline="0" noProof="0" dirty="0">
+                <a:ln>
+                  <a:noFill/>
+                </a:ln>
+                <a:solidFill>
+                  <a:srgbClr val="FF0000"/>
+                </a:solidFill>
+                <a:effectLst/>
+                <a:uLnTx/>
+                <a:uFillTx/>
+                <a:latin typeface="Calibri" panose="020F0502020204030204"/>
+                <a:ea typeface="+mn-ea"/>
+                <a:cs typeface="+mn-cs"/>
+              </a:rPr>
+              <a:t> </a:t>
+            </a:r>
+            <a:r>
+              <a:rPr kumimoji="0" lang="en-US" sz="3000" b="0" i="0" u="none" strike="noStrike" kern="1200" cap="none" spc="0" normalizeH="0" baseline="0" noProof="0" dirty="0" err="1">
+                <a:ln>
+                  <a:noFill/>
+                </a:ln>
+                <a:solidFill>
+                  <a:srgbClr val="FF0000"/>
+                </a:solidFill>
+                <a:effectLst/>
+                <a:uLnTx/>
+                <a:uFillTx/>
+                <a:latin typeface="Calibri" panose="020F0502020204030204"/>
+                <a:ea typeface="+mn-ea"/>
+                <a:cs typeface="+mn-cs"/>
+              </a:rPr>
+              <a:t>COVID_Status</a:t>
+            </a:r>
+            <a:endParaRPr kumimoji="0" lang="en-US" sz="3000" b="0" i="0" u="none" strike="noStrike" kern="1200" cap="none" spc="0" normalizeH="0" baseline="0" noProof="0" dirty="0">
+              <a:ln>
+                <a:noFill/>
+              </a:ln>
+              <a:solidFill>
+                <a:srgbClr val="FF0000"/>
+              </a:solidFill>
+              <a:effectLst/>
+              <a:uLnTx/>
+              <a:uFillTx/>
+              <a:latin typeface="Calibri" panose="020F0502020204030204"/>
+              <a:ea typeface="+mn-ea"/>
+              <a:cs typeface="+mn-cs"/>
+            </a:endParaRPr>
+          </a:p>
+          <a:p>
+            <a:pPr lvl="1" indent="-91440">
+              <a:spcBef>
+                <a:spcPts val="1200"/>
+              </a:spcBef>
+              <a:spcAft>
+                <a:spcPts val="200"/>
+              </a:spcAft>
+              <a:buClr>
+                <a:srgbClr val="E48312"/>
+              </a:buClr>
+              <a:buSzPct val="100000"/>
+              <a:buFont typeface="Wingdings" panose="05000000000000000000" pitchFamily="2" charset="2"/>
+              <a:buChar char="§"/>
+              <a:defRPr/>
+            </a:pPr>
+            <a:r>
+              <a:rPr kumimoji="0" lang="en-US" sz="3000" b="0" i="0" u="none" strike="noStrike" kern="1200" cap="none" spc="0" normalizeH="0" baseline="0" noProof="0" dirty="0">
+                <a:ln>
+                  <a:noFill/>
+                </a:ln>
+                <a:solidFill>
+                  <a:srgbClr val="00B0F0"/>
+                </a:solidFill>
+                <a:effectLst/>
+                <a:uLnTx/>
+                <a:uFillTx/>
+                <a:latin typeface="Calibri" panose="020F0502020204030204"/>
+                <a:ea typeface="+mn-ea"/>
+                <a:cs typeface="+mn-cs"/>
+              </a:rPr>
+              <a:t> BLIS_ASSESSMENT</a:t>
+            </a:r>
+          </a:p>
+        </p:txBody>
+      </p:sp>
     </p:spTree>
     <p:extLst>
       <p:ext uri="{BB962C8B-B14F-4D97-AF65-F5344CB8AC3E}">
-        <p14:creationId xmlns:p14="http://schemas.microsoft.com/office/powerpoint/2010/main" val="1292194066"/>
+        <p14:creationId xmlns:p14="http://schemas.microsoft.com/office/powerpoint/2010/main" val="1669667267"/>
       </p:ext>
     </p:extLst>
   </p:cSld>
@@ -15296,14 +18253,6 @@
 <file path=ppt/slides/slide7.xml><?xml version="1.0" encoding="utf-8"?>
 <p:sld xmlns:a="http://schemas.openxmlformats.org/drawingml/2006/main" xmlns:r="http://schemas.openxmlformats.org/officeDocument/2006/relationships" xmlns:p="http://schemas.openxmlformats.org/presentationml/2006/main">
   <p:cSld>
-    <p:bg>
-      <p:bgPr>
-        <a:solidFill>
-          <a:schemeClr val="bg1"/>
-        </a:solidFill>
-        <a:effectLst/>
-      </p:bgPr>
-    </p:bg>
     <p:spTree>
       <p:nvGrpSpPr>
         <p:cNvPr id="1" name=""/>
@@ -15320,307 +18269,10 @@
       </p:grpSpPr>
       <p:sp>
         <p:nvSpPr>
-          <p:cNvPr id="35" name="Freeform 6">
+          <p:cNvPr id="2" name="Title 1">
             <a:extLst>
               <a:ext uri="{FF2B5EF4-FFF2-40B4-BE49-F238E27FC236}">
-                <a16:creationId xmlns:a16="http://schemas.microsoft.com/office/drawing/2014/main" id="{CEA861C5-3CE8-4AD0-925C-836509B24AF6}"/>
-              </a:ext>
-              <a:ext uri="{C183D7F6-B498-43B3-948B-1728B52AA6E4}">
-                <adec:decorative xmlns:adec="http://schemas.microsoft.com/office/drawing/2017/decorative" val="1"/>
-              </a:ext>
-            </a:extLst>
-          </p:cNvPr>
-          <p:cNvSpPr>
-            <a:spLocks noGrp="1" noRot="1" noChangeAspect="1" noMove="1" noResize="1" noEditPoints="1" noAdjustHandles="1" noChangeArrowheads="1" noChangeShapeType="1" noTextEdit="1"/>
-          </p:cNvSpPr>
-          <p:nvPr>
-            <p:extLst>
-              <p:ext uri="{386F3935-93C4-4BCD-93E2-E3B085C9AB24}">
-                <p16:designElem xmlns:p16="http://schemas.microsoft.com/office/powerpoint/2015/main" val="1"/>
-              </p:ext>
-            </p:extLst>
-          </p:nvPr>
-        </p:nvSpPr>
-        <p:spPr bwMode="auto">
-          <a:xfrm>
-            <a:off x="11784011" y="1189204"/>
-            <a:ext cx="407988" cy="819150"/>
-          </a:xfrm>
-          <a:custGeom>
-            <a:avLst/>
-            <a:gdLst/>
-            <a:ahLst/>
-            <a:cxnLst/>
-            <a:rect l="0" t="0" r="r" b="b"/>
-            <a:pathLst>
-              <a:path w="1799" h="3612">
-                <a:moveTo>
-                  <a:pt x="1799" y="0"/>
-                </a:moveTo>
-                <a:lnTo>
-                  <a:pt x="1799" y="3612"/>
-                </a:lnTo>
-                <a:lnTo>
-                  <a:pt x="1686" y="3609"/>
-                </a:lnTo>
-                <a:lnTo>
-                  <a:pt x="1574" y="3598"/>
-                </a:lnTo>
-                <a:lnTo>
-                  <a:pt x="1464" y="3581"/>
-                </a:lnTo>
-                <a:lnTo>
-                  <a:pt x="1357" y="3557"/>
-                </a:lnTo>
-                <a:lnTo>
-                  <a:pt x="1251" y="3527"/>
-                </a:lnTo>
-                <a:lnTo>
-                  <a:pt x="1150" y="3490"/>
-                </a:lnTo>
-                <a:lnTo>
-                  <a:pt x="1050" y="3448"/>
-                </a:lnTo>
-                <a:lnTo>
-                  <a:pt x="953" y="3401"/>
-                </a:lnTo>
-                <a:lnTo>
-                  <a:pt x="860" y="3347"/>
-                </a:lnTo>
-                <a:lnTo>
-                  <a:pt x="771" y="3289"/>
-                </a:lnTo>
-                <a:lnTo>
-                  <a:pt x="686" y="3224"/>
-                </a:lnTo>
-                <a:lnTo>
-                  <a:pt x="604" y="3156"/>
-                </a:lnTo>
-                <a:lnTo>
-                  <a:pt x="527" y="3083"/>
-                </a:lnTo>
-                <a:lnTo>
-                  <a:pt x="454" y="3005"/>
-                </a:lnTo>
-                <a:lnTo>
-                  <a:pt x="386" y="2923"/>
-                </a:lnTo>
-                <a:lnTo>
-                  <a:pt x="323" y="2838"/>
-                </a:lnTo>
-                <a:lnTo>
-                  <a:pt x="265" y="2748"/>
-                </a:lnTo>
-                <a:lnTo>
-                  <a:pt x="211" y="2655"/>
-                </a:lnTo>
-                <a:lnTo>
-                  <a:pt x="163" y="2559"/>
-                </a:lnTo>
-                <a:lnTo>
-                  <a:pt x="121" y="2459"/>
-                </a:lnTo>
-                <a:lnTo>
-                  <a:pt x="85" y="2356"/>
-                </a:lnTo>
-                <a:lnTo>
-                  <a:pt x="55" y="2251"/>
-                </a:lnTo>
-                <a:lnTo>
-                  <a:pt x="32" y="2143"/>
-                </a:lnTo>
-                <a:lnTo>
-                  <a:pt x="14" y="2033"/>
-                </a:lnTo>
-                <a:lnTo>
-                  <a:pt x="4" y="1920"/>
-                </a:lnTo>
-                <a:lnTo>
-                  <a:pt x="0" y="1806"/>
-                </a:lnTo>
-                <a:lnTo>
-                  <a:pt x="4" y="1692"/>
-                </a:lnTo>
-                <a:lnTo>
-                  <a:pt x="14" y="1580"/>
-                </a:lnTo>
-                <a:lnTo>
-                  <a:pt x="32" y="1469"/>
-                </a:lnTo>
-                <a:lnTo>
-                  <a:pt x="55" y="1362"/>
-                </a:lnTo>
-                <a:lnTo>
-                  <a:pt x="85" y="1256"/>
-                </a:lnTo>
-                <a:lnTo>
-                  <a:pt x="121" y="1154"/>
-                </a:lnTo>
-                <a:lnTo>
-                  <a:pt x="163" y="1054"/>
-                </a:lnTo>
-                <a:lnTo>
-                  <a:pt x="211" y="958"/>
-                </a:lnTo>
-                <a:lnTo>
-                  <a:pt x="265" y="864"/>
-                </a:lnTo>
-                <a:lnTo>
-                  <a:pt x="323" y="774"/>
-                </a:lnTo>
-                <a:lnTo>
-                  <a:pt x="386" y="689"/>
-                </a:lnTo>
-                <a:lnTo>
-                  <a:pt x="454" y="607"/>
-                </a:lnTo>
-                <a:lnTo>
-                  <a:pt x="527" y="529"/>
-                </a:lnTo>
-                <a:lnTo>
-                  <a:pt x="604" y="456"/>
-                </a:lnTo>
-                <a:lnTo>
-                  <a:pt x="686" y="388"/>
-                </a:lnTo>
-                <a:lnTo>
-                  <a:pt x="771" y="325"/>
-                </a:lnTo>
-                <a:lnTo>
-                  <a:pt x="860" y="266"/>
-                </a:lnTo>
-                <a:lnTo>
-                  <a:pt x="953" y="212"/>
-                </a:lnTo>
-                <a:lnTo>
-                  <a:pt x="1050" y="164"/>
-                </a:lnTo>
-                <a:lnTo>
-                  <a:pt x="1150" y="122"/>
-                </a:lnTo>
-                <a:lnTo>
-                  <a:pt x="1251" y="85"/>
-                </a:lnTo>
-                <a:lnTo>
-                  <a:pt x="1357" y="55"/>
-                </a:lnTo>
-                <a:lnTo>
-                  <a:pt x="1464" y="32"/>
-                </a:lnTo>
-                <a:lnTo>
-                  <a:pt x="1574" y="14"/>
-                </a:lnTo>
-                <a:lnTo>
-                  <a:pt x="1686" y="5"/>
-                </a:lnTo>
-                <a:lnTo>
-                  <a:pt x="1799" y="0"/>
-                </a:lnTo>
-                <a:close/>
-              </a:path>
-            </a:pathLst>
-          </a:custGeom>
-          <a:solidFill>
-            <a:schemeClr val="tx2"/>
-          </a:solidFill>
-          <a:ln w="0">
-            <a:noFill/>
-            <a:prstDash val="solid"/>
-            <a:round/>
-            <a:headEnd/>
-            <a:tailEnd/>
-          </a:ln>
-        </p:spPr>
-      </p:sp>
-      <p:cxnSp>
-        <p:nvCxnSpPr>
-          <p:cNvPr id="37" name="Straight Connector 36">
-            <a:extLst>
-              <a:ext uri="{FF2B5EF4-FFF2-40B4-BE49-F238E27FC236}">
-                <a16:creationId xmlns:a16="http://schemas.microsoft.com/office/drawing/2014/main" id="{EDB3FAAF-5FDF-4576-8E8B-8BE25DB82ABA}"/>
-              </a:ext>
-              <a:ext uri="{C183D7F6-B498-43B3-948B-1728B52AA6E4}">
-                <adec:decorative xmlns:adec="http://schemas.microsoft.com/office/drawing/2017/decorative" val="1"/>
-              </a:ext>
-            </a:extLst>
-          </p:cNvPr>
-          <p:cNvCxnSpPr>
-            <a:cxnSpLocks noGrp="1" noRot="1" noChangeAspect="1" noMove="1" noResize="1" noEditPoints="1" noAdjustHandles="1" noChangeArrowheads="1" noChangeShapeType="1"/>
-          </p:cNvCxnSpPr>
-          <p:nvPr>
-            <p:extLst>
-              <p:ext uri="{386F3935-93C4-4BCD-93E2-E3B085C9AB24}">
-                <p16:designElem xmlns:p16="http://schemas.microsoft.com/office/powerpoint/2015/main" val="1"/>
-              </p:ext>
-            </p:extLst>
-          </p:nvPr>
-        </p:nvCxnSpPr>
-        <p:spPr>
-          <a:xfrm>
-            <a:off x="773855" y="1257300"/>
-            <a:ext cx="0" cy="5600700"/>
-          </a:xfrm>
-          <a:prstGeom prst="line">
-            <a:avLst/>
-          </a:prstGeom>
-          <a:ln w="25400">
-            <a:solidFill>
-              <a:schemeClr val="tx2"/>
-            </a:solidFill>
-          </a:ln>
-        </p:spPr>
-        <p:style>
-          <a:lnRef idx="1">
-            <a:schemeClr val="accent1"/>
-          </a:lnRef>
-          <a:fillRef idx="0">
-            <a:schemeClr val="accent1"/>
-          </a:fillRef>
-          <a:effectRef idx="0">
-            <a:schemeClr val="accent1"/>
-          </a:effectRef>
-          <a:fontRef idx="minor">
-            <a:schemeClr val="tx1"/>
-          </a:fontRef>
-        </p:style>
-      </p:cxnSp>
-      <p:pic>
-        <p:nvPicPr>
-          <p:cNvPr id="31" name="Picture 30" descr="Person walking up a stairs">
-            <a:extLst>
-              <a:ext uri="{FF2B5EF4-FFF2-40B4-BE49-F238E27FC236}">
-                <a16:creationId xmlns:a16="http://schemas.microsoft.com/office/drawing/2014/main" id="{CF3838CE-B40A-48CD-B4D2-FA5FFDA4AC56}"/>
-              </a:ext>
-            </a:extLst>
-          </p:cNvPr>
-          <p:cNvPicPr>
-            <a:picLocks noChangeAspect="1"/>
-          </p:cNvPicPr>
-          <p:nvPr/>
-        </p:nvPicPr>
-        <p:blipFill rotWithShape="1">
-          <a:blip r:embed="rId2">
-            <a:alphaModFix amt="40000"/>
-          </a:blip>
-          <a:srcRect t="4365" b="11366"/>
-          <a:stretch/>
-        </p:blipFill>
-        <p:spPr>
-          <a:xfrm>
-            <a:off x="20" y="10"/>
-            <a:ext cx="12191980" cy="6857990"/>
-          </a:xfrm>
-          <a:prstGeom prst="rect">
-            <a:avLst/>
-          </a:prstGeom>
-        </p:spPr>
-      </p:pic>
-      <p:sp>
-        <p:nvSpPr>
-          <p:cNvPr id="7" name="Title 6">
-            <a:extLst>
-              <a:ext uri="{FF2B5EF4-FFF2-40B4-BE49-F238E27FC236}">
-                <a16:creationId xmlns:a16="http://schemas.microsoft.com/office/drawing/2014/main" id="{BEC26B80-FCB0-4333-A545-680781CA2C67}"/>
+                <a16:creationId xmlns:a16="http://schemas.microsoft.com/office/drawing/2014/main" id="{A0A79C4D-873F-48D7-974A-9E527A4FB85F}"/>
               </a:ext>
             </a:extLst>
           </p:cNvPr>
@@ -15633,307 +18285,123 @@
         </p:nvSpPr>
         <p:spPr>
           <a:xfrm>
-            <a:off x="1088912" y="1143293"/>
-            <a:ext cx="7635987" cy="4268965"/>
+            <a:off x="723123" y="339500"/>
+            <a:ext cx="10515600" cy="1325563"/>
           </a:xfrm>
         </p:spPr>
         <p:txBody>
-          <a:bodyPr vert="horz" lIns="91440" tIns="45720" rIns="91440" bIns="45720" rtlCol="0" anchor="t">
+          <a:bodyPr/>
+          <a:lstStyle/>
+          <a:p>
+            <a:pPr algn="l"/>
+            <a:r>
+              <a:rPr kumimoji="0" lang="en-US" sz="5400" i="0" u="none" strike="noStrike" kern="1200" cap="none" spc="0" normalizeH="0" baseline="0" noProof="0" dirty="0" err="1">
+                <a:ln>
+                  <a:noFill/>
+                </a:ln>
+                <a:effectLst/>
+                <a:uLnTx/>
+                <a:uFillTx/>
+                <a:latin typeface="Calibri" panose="020F0502020204030204"/>
+                <a:ea typeface="+mn-ea"/>
+                <a:cs typeface="+mn-cs"/>
+              </a:rPr>
+              <a:t>Study_Cohort</a:t>
+            </a:r>
+            <a:endParaRPr lang="en-US" dirty="0"/>
+          </a:p>
+        </p:txBody>
+      </p:sp>
+      <p:pic>
+        <p:nvPicPr>
+          <p:cNvPr id="6" name="Content Placeholder 5" descr="Graphical user interface, text, application&#10;&#10;Description automatically generated">
+            <a:extLst>
+              <a:ext uri="{FF2B5EF4-FFF2-40B4-BE49-F238E27FC236}">
+                <a16:creationId xmlns:a16="http://schemas.microsoft.com/office/drawing/2014/main" id="{B3765DF7-C67F-4901-B464-666B482E2762}"/>
+              </a:ext>
+            </a:extLst>
+          </p:cNvPr>
+          <p:cNvPicPr>
+            <a:picLocks noGrp="1" noChangeAspect="1"/>
+          </p:cNvPicPr>
+          <p:nvPr>
+            <p:ph sz="half" idx="1"/>
+          </p:nvPr>
+        </p:nvPicPr>
+        <p:blipFill>
+          <a:blip r:embed="rId2">
+            <a:extLst>
+              <a:ext uri="{28A0092B-C50C-407E-A947-70E740481C1C}">
+                <a14:useLocalDpi xmlns:a14="http://schemas.microsoft.com/office/drawing/2010/main" val="0"/>
+              </a:ext>
+            </a:extLst>
+          </a:blip>
+          <a:stretch>
+            <a:fillRect/>
+          </a:stretch>
+        </p:blipFill>
+        <p:spPr>
+          <a:xfrm>
+            <a:off x="1052804" y="2609301"/>
+            <a:ext cx="8265768" cy="1944038"/>
+          </a:xfrm>
+        </p:spPr>
+      </p:pic>
+      <p:sp>
+        <p:nvSpPr>
+          <p:cNvPr id="4" name="Content Placeholder 3">
+            <a:extLst>
+              <a:ext uri="{FF2B5EF4-FFF2-40B4-BE49-F238E27FC236}">
+                <a16:creationId xmlns:a16="http://schemas.microsoft.com/office/drawing/2014/main" id="{AF3F54E2-B5D4-4F1A-9FAB-0C3762B57521}"/>
+              </a:ext>
+            </a:extLst>
+          </p:cNvPr>
+          <p:cNvSpPr>
+            <a:spLocks noGrp="1"/>
+          </p:cNvSpPr>
+          <p:nvPr>
+            <p:ph sz="half" idx="2"/>
+          </p:nvPr>
+        </p:nvSpPr>
+        <p:spPr>
+          <a:xfrm>
+            <a:off x="1152331" y="2018722"/>
+            <a:ext cx="6853334" cy="613454"/>
+          </a:xfrm>
+        </p:spPr>
+        <p:txBody>
+          <a:bodyPr>
             <a:normAutofit/>
           </a:bodyPr>
           <a:lstStyle/>
           <a:p>
-            <a:pPr algn="l">
-              <a:lnSpc>
-                <a:spcPct val="85000"/>
-              </a:lnSpc>
+            <a:pPr marL="0" indent="0">
+              <a:buNone/>
             </a:pPr>
             <a:r>
-              <a:rPr lang="en-US" sz="6000" cap="all">
-                <a:solidFill>
-                  <a:schemeClr val="tx2"/>
-                </a:solidFill>
-              </a:rPr>
-              <a:t>Challenges</a:t>
+              <a:rPr lang="en-US" dirty="0"/>
+              <a:t>Descriptive Statistics of </a:t>
+            </a:r>
+            <a:r>
+              <a:rPr lang="en-US" dirty="0" err="1"/>
+              <a:t>Study_Cohort</a:t>
+            </a:r>
+            <a:r>
+              <a:rPr lang="en-US" dirty="0"/>
+              <a:t> table</a:t>
             </a:r>
           </a:p>
         </p:txBody>
       </p:sp>
-      <p:cxnSp>
-        <p:nvCxnSpPr>
-          <p:cNvPr id="39" name="Straight Connector 38">
-            <a:extLst>
-              <a:ext uri="{FF2B5EF4-FFF2-40B4-BE49-F238E27FC236}">
-                <a16:creationId xmlns:a16="http://schemas.microsoft.com/office/drawing/2014/main" id="{AA94FB8C-E571-44EE-B6FB-9D4D378B5CA7}"/>
-              </a:ext>
-              <a:ext uri="{C183D7F6-B498-43B3-948B-1728B52AA6E4}">
-                <adec:decorative xmlns:adec="http://schemas.microsoft.com/office/drawing/2017/decorative" val="1"/>
-              </a:ext>
-            </a:extLst>
-          </p:cNvPr>
-          <p:cNvCxnSpPr>
-            <a:cxnSpLocks noGrp="1" noRot="1" noChangeAspect="1" noMove="1" noResize="1" noEditPoints="1" noAdjustHandles="1" noChangeArrowheads="1" noChangeShapeType="1"/>
-          </p:cNvCxnSpPr>
-          <p:nvPr>
-            <p:extLst>
-              <p:ext uri="{386F3935-93C4-4BCD-93E2-E3B085C9AB24}">
-                <p16:designElem xmlns:p16="http://schemas.microsoft.com/office/powerpoint/2015/main" val="1"/>
-              </p:ext>
-            </p:extLst>
-          </p:nvPr>
-        </p:nvCxnSpPr>
-        <p:spPr>
-          <a:xfrm>
-            <a:off x="773855" y="1257300"/>
-            <a:ext cx="0" cy="5600700"/>
-          </a:xfrm>
-          <a:prstGeom prst="line">
-            <a:avLst/>
-          </a:prstGeom>
-          <a:ln w="25400">
-            <a:solidFill>
-              <a:schemeClr val="tx2"/>
-            </a:solidFill>
-          </a:ln>
-        </p:spPr>
-        <p:style>
-          <a:lnRef idx="1">
-            <a:schemeClr val="accent1"/>
-          </a:lnRef>
-          <a:fillRef idx="0">
-            <a:schemeClr val="accent1"/>
-          </a:fillRef>
-          <a:effectRef idx="0">
-            <a:schemeClr val="accent1"/>
-          </a:effectRef>
-          <a:fontRef idx="minor">
-            <a:schemeClr val="tx1"/>
-          </a:fontRef>
-        </p:style>
-      </p:cxnSp>
-      <p:sp>
-        <p:nvSpPr>
-          <p:cNvPr id="41" name="Freeform 6">
-            <a:extLst>
-              <a:ext uri="{FF2B5EF4-FFF2-40B4-BE49-F238E27FC236}">
-                <a16:creationId xmlns:a16="http://schemas.microsoft.com/office/drawing/2014/main" id="{97EF6CE1-A1CD-4E7C-836A-7FE57149AE5C}"/>
-              </a:ext>
-              <a:ext uri="{C183D7F6-B498-43B3-948B-1728B52AA6E4}">
-                <adec:decorative xmlns:adec="http://schemas.microsoft.com/office/drawing/2017/decorative" val="1"/>
-              </a:ext>
-            </a:extLst>
-          </p:cNvPr>
-          <p:cNvSpPr>
-            <a:spLocks noGrp="1" noRot="1" noChangeAspect="1" noMove="1" noResize="1" noEditPoints="1" noAdjustHandles="1" noChangeArrowheads="1" noChangeShapeType="1" noTextEdit="1"/>
-          </p:cNvSpPr>
-          <p:nvPr>
-            <p:extLst>
-              <p:ext uri="{386F3935-93C4-4BCD-93E2-E3B085C9AB24}">
-                <p16:designElem xmlns:p16="http://schemas.microsoft.com/office/powerpoint/2015/main" val="1"/>
-              </p:ext>
-            </p:extLst>
-          </p:nvPr>
-        </p:nvSpPr>
-        <p:spPr bwMode="auto">
-          <a:xfrm>
-            <a:off x="11784011" y="1189204"/>
-            <a:ext cx="407988" cy="819150"/>
-          </a:xfrm>
-          <a:custGeom>
-            <a:avLst/>
-            <a:gdLst/>
-            <a:ahLst/>
-            <a:cxnLst/>
-            <a:rect l="0" t="0" r="r" b="b"/>
-            <a:pathLst>
-              <a:path w="1799" h="3612">
-                <a:moveTo>
-                  <a:pt x="1799" y="0"/>
-                </a:moveTo>
-                <a:lnTo>
-                  <a:pt x="1799" y="3612"/>
-                </a:lnTo>
-                <a:lnTo>
-                  <a:pt x="1686" y="3609"/>
-                </a:lnTo>
-                <a:lnTo>
-                  <a:pt x="1574" y="3598"/>
-                </a:lnTo>
-                <a:lnTo>
-                  <a:pt x="1464" y="3581"/>
-                </a:lnTo>
-                <a:lnTo>
-                  <a:pt x="1357" y="3557"/>
-                </a:lnTo>
-                <a:lnTo>
-                  <a:pt x="1251" y="3527"/>
-                </a:lnTo>
-                <a:lnTo>
-                  <a:pt x="1150" y="3490"/>
-                </a:lnTo>
-                <a:lnTo>
-                  <a:pt x="1050" y="3448"/>
-                </a:lnTo>
-                <a:lnTo>
-                  <a:pt x="953" y="3401"/>
-                </a:lnTo>
-                <a:lnTo>
-                  <a:pt x="860" y="3347"/>
-                </a:lnTo>
-                <a:lnTo>
-                  <a:pt x="771" y="3289"/>
-                </a:lnTo>
-                <a:lnTo>
-                  <a:pt x="686" y="3224"/>
-                </a:lnTo>
-                <a:lnTo>
-                  <a:pt x="604" y="3156"/>
-                </a:lnTo>
-                <a:lnTo>
-                  <a:pt x="527" y="3083"/>
-                </a:lnTo>
-                <a:lnTo>
-                  <a:pt x="454" y="3005"/>
-                </a:lnTo>
-                <a:lnTo>
-                  <a:pt x="386" y="2923"/>
-                </a:lnTo>
-                <a:lnTo>
-                  <a:pt x="323" y="2838"/>
-                </a:lnTo>
-                <a:lnTo>
-                  <a:pt x="265" y="2748"/>
-                </a:lnTo>
-                <a:lnTo>
-                  <a:pt x="211" y="2655"/>
-                </a:lnTo>
-                <a:lnTo>
-                  <a:pt x="163" y="2559"/>
-                </a:lnTo>
-                <a:lnTo>
-                  <a:pt x="121" y="2459"/>
-                </a:lnTo>
-                <a:lnTo>
-                  <a:pt x="85" y="2356"/>
-                </a:lnTo>
-                <a:lnTo>
-                  <a:pt x="55" y="2251"/>
-                </a:lnTo>
-                <a:lnTo>
-                  <a:pt x="32" y="2143"/>
-                </a:lnTo>
-                <a:lnTo>
-                  <a:pt x="14" y="2033"/>
-                </a:lnTo>
-                <a:lnTo>
-                  <a:pt x="4" y="1920"/>
-                </a:lnTo>
-                <a:lnTo>
-                  <a:pt x="0" y="1806"/>
-                </a:lnTo>
-                <a:lnTo>
-                  <a:pt x="4" y="1692"/>
-                </a:lnTo>
-                <a:lnTo>
-                  <a:pt x="14" y="1580"/>
-                </a:lnTo>
-                <a:lnTo>
-                  <a:pt x="32" y="1469"/>
-                </a:lnTo>
-                <a:lnTo>
-                  <a:pt x="55" y="1362"/>
-                </a:lnTo>
-                <a:lnTo>
-                  <a:pt x="85" y="1256"/>
-                </a:lnTo>
-                <a:lnTo>
-                  <a:pt x="121" y="1154"/>
-                </a:lnTo>
-                <a:lnTo>
-                  <a:pt x="163" y="1054"/>
-                </a:lnTo>
-                <a:lnTo>
-                  <a:pt x="211" y="958"/>
-                </a:lnTo>
-                <a:lnTo>
-                  <a:pt x="265" y="864"/>
-                </a:lnTo>
-                <a:lnTo>
-                  <a:pt x="323" y="774"/>
-                </a:lnTo>
-                <a:lnTo>
-                  <a:pt x="386" y="689"/>
-                </a:lnTo>
-                <a:lnTo>
-                  <a:pt x="454" y="607"/>
-                </a:lnTo>
-                <a:lnTo>
-                  <a:pt x="527" y="529"/>
-                </a:lnTo>
-                <a:lnTo>
-                  <a:pt x="604" y="456"/>
-                </a:lnTo>
-                <a:lnTo>
-                  <a:pt x="686" y="388"/>
-                </a:lnTo>
-                <a:lnTo>
-                  <a:pt x="771" y="325"/>
-                </a:lnTo>
-                <a:lnTo>
-                  <a:pt x="860" y="266"/>
-                </a:lnTo>
-                <a:lnTo>
-                  <a:pt x="953" y="212"/>
-                </a:lnTo>
-                <a:lnTo>
-                  <a:pt x="1050" y="164"/>
-                </a:lnTo>
-                <a:lnTo>
-                  <a:pt x="1150" y="122"/>
-                </a:lnTo>
-                <a:lnTo>
-                  <a:pt x="1251" y="85"/>
-                </a:lnTo>
-                <a:lnTo>
-                  <a:pt x="1357" y="55"/>
-                </a:lnTo>
-                <a:lnTo>
-                  <a:pt x="1464" y="32"/>
-                </a:lnTo>
-                <a:lnTo>
-                  <a:pt x="1574" y="14"/>
-                </a:lnTo>
-                <a:lnTo>
-                  <a:pt x="1686" y="5"/>
-                </a:lnTo>
-                <a:lnTo>
-                  <a:pt x="1799" y="0"/>
-                </a:lnTo>
-                <a:close/>
-              </a:path>
-            </a:pathLst>
-          </a:custGeom>
-          <a:solidFill>
-            <a:schemeClr val="tx2"/>
-          </a:solidFill>
-          <a:ln w="0">
-            <a:noFill/>
-            <a:prstDash val="solid"/>
-            <a:round/>
-            <a:headEnd/>
-            <a:tailEnd/>
-          </a:ln>
-        </p:spPr>
-      </p:sp>
     </p:spTree>
     <p:extLst>
       <p:ext uri="{BB962C8B-B14F-4D97-AF65-F5344CB8AC3E}">
-        <p14:creationId xmlns:p14="http://schemas.microsoft.com/office/powerpoint/2010/main" val="192792436"/>
+        <p14:creationId xmlns:p14="http://schemas.microsoft.com/office/powerpoint/2010/main" val="304778273"/>
       </p:ext>
     </p:extLst>
   </p:cSld>
   <p:clrMapOvr>
-    <a:overrideClrMapping bg1="dk1" tx1="lt1" bg2="dk2" tx2="lt2" accent1="accent1" accent2="accent2" accent3="accent3" accent4="accent4" accent5="accent5" accent6="accent6" hlink="hlink" folHlink="folHlink"/>
+    <a:masterClrMapping/>
   </p:clrMapOvr>
 </p:sld>
 </file>
@@ -15955,69 +18423,91 @@
           <a:chExt cx="0" cy="0"/>
         </a:xfrm>
       </p:grpSpPr>
-      <p:sp>
-        <p:nvSpPr>
-          <p:cNvPr id="2" name="Title 1">
+      <p:pic>
+        <p:nvPicPr>
+          <p:cNvPr id="5" name="Content Placeholder 4">
             <a:extLst>
               <a:ext uri="{FF2B5EF4-FFF2-40B4-BE49-F238E27FC236}">
-                <a16:creationId xmlns:a16="http://schemas.microsoft.com/office/drawing/2014/main" id="{C3663143-7595-4B6A-ACBB-D63506DC6D59}"/>
+                <a16:creationId xmlns:a16="http://schemas.microsoft.com/office/drawing/2014/main" id="{863479C6-7BC4-4C20-BFD5-48B3B43FFEDC}"/>
               </a:ext>
             </a:extLst>
           </p:cNvPr>
-          <p:cNvSpPr>
-            <a:spLocks noGrp="1"/>
-          </p:cNvSpPr>
+          <p:cNvPicPr>
+            <a:picLocks noGrp="1" noChangeAspect="1"/>
+          </p:cNvPicPr>
           <p:nvPr>
-            <p:ph type="title"/>
+            <p:ph sz="half" idx="1"/>
           </p:nvPr>
-        </p:nvSpPr>
-        <p:spPr/>
-        <p:txBody>
-          <a:bodyPr/>
-          <a:lstStyle/>
-          <a:p>
-            <a:r>
-              <a:rPr lang="en-US" dirty="0"/>
-              <a:t>Challenges</a:t>
-            </a:r>
-          </a:p>
-        </p:txBody>
-      </p:sp>
-      <p:graphicFrame>
-        <p:nvGraphicFramePr>
-          <p:cNvPr id="5" name="Content Placeholder 2">
+        </p:nvPicPr>
+        <p:blipFill>
+          <a:blip r:embed="rId2"/>
+          <a:stretch>
+            <a:fillRect/>
+          </a:stretch>
+        </p:blipFill>
+        <p:spPr>
+          <a:xfrm>
+            <a:off x="524149" y="1690688"/>
+            <a:ext cx="5131757" cy="4394017"/>
+          </a:xfrm>
+          <a:prstGeom prst="rect">
+            <a:avLst/>
+          </a:prstGeom>
+        </p:spPr>
+      </p:pic>
+      <p:pic>
+        <p:nvPicPr>
+          <p:cNvPr id="2050" name="Picture 2">
             <a:extLst>
               <a:ext uri="{FF2B5EF4-FFF2-40B4-BE49-F238E27FC236}">
-                <a16:creationId xmlns:a16="http://schemas.microsoft.com/office/drawing/2014/main" id="{3B634C81-2472-4D76-99A0-EBDFC6EA5A15}"/>
+                <a16:creationId xmlns:a16="http://schemas.microsoft.com/office/drawing/2014/main" id="{F33CB4EA-1445-4F63-BF87-1FCE7AC4F6D0}"/>
               </a:ext>
             </a:extLst>
           </p:cNvPr>
-          <p:cNvGraphicFramePr>
-            <a:graphicFrameLocks noGrp="1"/>
-          </p:cNvGraphicFramePr>
+          <p:cNvPicPr>
+            <a:picLocks noGrp="1" noChangeAspect="1" noChangeArrowheads="1"/>
+          </p:cNvPicPr>
           <p:nvPr>
-            <p:ph idx="1"/>
-            <p:extLst>
-              <p:ext uri="{D42A27DB-BD31-4B8C-83A1-F6EECF244321}">
-                <p14:modId xmlns:p14="http://schemas.microsoft.com/office/powerpoint/2010/main" val="3536891315"/>
-              </p:ext>
-            </p:extLst>
+            <p:ph sz="half" idx="2"/>
           </p:nvPr>
-        </p:nvGraphicFramePr>
-        <p:xfrm>
-          <a:off x="5181600" y="569066"/>
-          <a:ext cx="6248398" cy="5655156"/>
-        </p:xfrm>
-        <a:graphic>
-          <a:graphicData uri="http://schemas.openxmlformats.org/drawingml/2006/diagram">
-            <dgm:relIds xmlns:dgm="http://schemas.openxmlformats.org/drawingml/2006/diagram" xmlns:r="http://schemas.openxmlformats.org/officeDocument/2006/relationships" r:dm="rId2" r:lo="rId3" r:qs="rId4" r:cs="rId5"/>
-          </a:graphicData>
-        </a:graphic>
-      </p:graphicFrame>
+        </p:nvPicPr>
+        <p:blipFill>
+          <a:blip r:embed="rId3">
+            <a:extLst>
+              <a:ext uri="{28A0092B-C50C-407E-A947-70E740481C1C}">
+                <a14:useLocalDpi xmlns:a14="http://schemas.microsoft.com/office/drawing/2010/main" val="0"/>
+              </a:ext>
+            </a:extLst>
+          </a:blip>
+          <a:srcRect/>
+          <a:stretch>
+            <a:fillRect/>
+          </a:stretch>
+        </p:blipFill>
+        <p:spPr bwMode="auto">
+          <a:xfrm>
+            <a:off x="6237514" y="1690688"/>
+            <a:ext cx="5181600" cy="4137054"/>
+          </a:xfrm>
+          <a:prstGeom prst="rect">
+            <a:avLst/>
+          </a:prstGeom>
+          <a:noFill/>
+          <a:extLst>
+            <a:ext uri="{909E8E84-426E-40DD-AFC4-6F175D3DCCD1}">
+              <a14:hiddenFill xmlns:a14="http://schemas.microsoft.com/office/drawing/2010/main">
+                <a:solidFill>
+                  <a:srgbClr val="FFFFFF"/>
+                </a:solidFill>
+              </a14:hiddenFill>
+            </a:ext>
+          </a:extLst>
+        </p:spPr>
+      </p:pic>
     </p:spTree>
     <p:extLst>
       <p:ext uri="{BB962C8B-B14F-4D97-AF65-F5344CB8AC3E}">
-        <p14:creationId xmlns:p14="http://schemas.microsoft.com/office/powerpoint/2010/main" val="4200272784"/>
+        <p14:creationId xmlns:p14="http://schemas.microsoft.com/office/powerpoint/2010/main" val="1196037751"/>
       </p:ext>
     </p:extLst>
   </p:cSld>
@@ -16030,14 +18520,6 @@
 <file path=ppt/slides/slide9.xml><?xml version="1.0" encoding="utf-8"?>
 <p:sld xmlns:a="http://schemas.openxmlformats.org/drawingml/2006/main" xmlns:r="http://schemas.openxmlformats.org/officeDocument/2006/relationships" xmlns:p="http://schemas.openxmlformats.org/presentationml/2006/main">
   <p:cSld>
-    <p:bg>
-      <p:bgPr>
-        <a:solidFill>
-          <a:schemeClr val="bg2"/>
-        </a:solidFill>
-        <a:effectLst/>
-      </p:bgPr>
-    </p:bg>
     <p:spTree>
       <p:nvGrpSpPr>
         <p:cNvPr id="1" name=""/>
@@ -16052,615 +18534,106 @@
           <a:chExt cx="0" cy="0"/>
         </a:xfrm>
       </p:grpSpPr>
-      <p:sp>
-        <p:nvSpPr>
-          <p:cNvPr id="24" name="Freeform 6">
+      <p:pic>
+        <p:nvPicPr>
+          <p:cNvPr id="3074" name="Picture 2">
             <a:extLst>
               <a:ext uri="{FF2B5EF4-FFF2-40B4-BE49-F238E27FC236}">
-                <a16:creationId xmlns:a16="http://schemas.microsoft.com/office/drawing/2014/main" id="{CEA861C5-3CE8-4AD0-925C-836509B24AF6}"/>
-              </a:ext>
-              <a:ext uri="{C183D7F6-B498-43B3-948B-1728B52AA6E4}">
-                <adec:decorative xmlns:adec="http://schemas.microsoft.com/office/drawing/2017/decorative" val="1"/>
-              </a:ext>
-            </a:extLst>
-          </p:cNvPr>
-          <p:cNvSpPr>
-            <a:spLocks noGrp="1" noRot="1" noChangeAspect="1" noMove="1" noResize="1" noEditPoints="1" noAdjustHandles="1" noChangeArrowheads="1" noChangeShapeType="1" noTextEdit="1"/>
-          </p:cNvSpPr>
-          <p:nvPr>
-            <p:extLst>
-              <p:ext uri="{386F3935-93C4-4BCD-93E2-E3B085C9AB24}">
-                <p16:designElem xmlns:p16="http://schemas.microsoft.com/office/powerpoint/2015/main" val="1"/>
-              </p:ext>
-            </p:extLst>
-          </p:nvPr>
-        </p:nvSpPr>
-        <p:spPr bwMode="auto">
-          <a:xfrm>
-            <a:off x="11784011" y="1189204"/>
-            <a:ext cx="407988" cy="819150"/>
-          </a:xfrm>
-          <a:custGeom>
-            <a:avLst/>
-            <a:gdLst/>
-            <a:ahLst/>
-            <a:cxnLst/>
-            <a:rect l="0" t="0" r="r" b="b"/>
-            <a:pathLst>
-              <a:path w="1799" h="3612">
-                <a:moveTo>
-                  <a:pt x="1799" y="0"/>
-                </a:moveTo>
-                <a:lnTo>
-                  <a:pt x="1799" y="3612"/>
-                </a:lnTo>
-                <a:lnTo>
-                  <a:pt x="1686" y="3609"/>
-                </a:lnTo>
-                <a:lnTo>
-                  <a:pt x="1574" y="3598"/>
-                </a:lnTo>
-                <a:lnTo>
-                  <a:pt x="1464" y="3581"/>
-                </a:lnTo>
-                <a:lnTo>
-                  <a:pt x="1357" y="3557"/>
-                </a:lnTo>
-                <a:lnTo>
-                  <a:pt x="1251" y="3527"/>
-                </a:lnTo>
-                <a:lnTo>
-                  <a:pt x="1150" y="3490"/>
-                </a:lnTo>
-                <a:lnTo>
-                  <a:pt x="1050" y="3448"/>
-                </a:lnTo>
-                <a:lnTo>
-                  <a:pt x="953" y="3401"/>
-                </a:lnTo>
-                <a:lnTo>
-                  <a:pt x="860" y="3347"/>
-                </a:lnTo>
-                <a:lnTo>
-                  <a:pt x="771" y="3289"/>
-                </a:lnTo>
-                <a:lnTo>
-                  <a:pt x="686" y="3224"/>
-                </a:lnTo>
-                <a:lnTo>
-                  <a:pt x="604" y="3156"/>
-                </a:lnTo>
-                <a:lnTo>
-                  <a:pt x="527" y="3083"/>
-                </a:lnTo>
-                <a:lnTo>
-                  <a:pt x="454" y="3005"/>
-                </a:lnTo>
-                <a:lnTo>
-                  <a:pt x="386" y="2923"/>
-                </a:lnTo>
-                <a:lnTo>
-                  <a:pt x="323" y="2838"/>
-                </a:lnTo>
-                <a:lnTo>
-                  <a:pt x="265" y="2748"/>
-                </a:lnTo>
-                <a:lnTo>
-                  <a:pt x="211" y="2655"/>
-                </a:lnTo>
-                <a:lnTo>
-                  <a:pt x="163" y="2559"/>
-                </a:lnTo>
-                <a:lnTo>
-                  <a:pt x="121" y="2459"/>
-                </a:lnTo>
-                <a:lnTo>
-                  <a:pt x="85" y="2356"/>
-                </a:lnTo>
-                <a:lnTo>
-                  <a:pt x="55" y="2251"/>
-                </a:lnTo>
-                <a:lnTo>
-                  <a:pt x="32" y="2143"/>
-                </a:lnTo>
-                <a:lnTo>
-                  <a:pt x="14" y="2033"/>
-                </a:lnTo>
-                <a:lnTo>
-                  <a:pt x="4" y="1920"/>
-                </a:lnTo>
-                <a:lnTo>
-                  <a:pt x="0" y="1806"/>
-                </a:lnTo>
-                <a:lnTo>
-                  <a:pt x="4" y="1692"/>
-                </a:lnTo>
-                <a:lnTo>
-                  <a:pt x="14" y="1580"/>
-                </a:lnTo>
-                <a:lnTo>
-                  <a:pt x="32" y="1469"/>
-                </a:lnTo>
-                <a:lnTo>
-                  <a:pt x="55" y="1362"/>
-                </a:lnTo>
-                <a:lnTo>
-                  <a:pt x="85" y="1256"/>
-                </a:lnTo>
-                <a:lnTo>
-                  <a:pt x="121" y="1154"/>
-                </a:lnTo>
-                <a:lnTo>
-                  <a:pt x="163" y="1054"/>
-                </a:lnTo>
-                <a:lnTo>
-                  <a:pt x="211" y="958"/>
-                </a:lnTo>
-                <a:lnTo>
-                  <a:pt x="265" y="864"/>
-                </a:lnTo>
-                <a:lnTo>
-                  <a:pt x="323" y="774"/>
-                </a:lnTo>
-                <a:lnTo>
-                  <a:pt x="386" y="689"/>
-                </a:lnTo>
-                <a:lnTo>
-                  <a:pt x="454" y="607"/>
-                </a:lnTo>
-                <a:lnTo>
-                  <a:pt x="527" y="529"/>
-                </a:lnTo>
-                <a:lnTo>
-                  <a:pt x="604" y="456"/>
-                </a:lnTo>
-                <a:lnTo>
-                  <a:pt x="686" y="388"/>
-                </a:lnTo>
-                <a:lnTo>
-                  <a:pt x="771" y="325"/>
-                </a:lnTo>
-                <a:lnTo>
-                  <a:pt x="860" y="266"/>
-                </a:lnTo>
-                <a:lnTo>
-                  <a:pt x="953" y="212"/>
-                </a:lnTo>
-                <a:lnTo>
-                  <a:pt x="1050" y="164"/>
-                </a:lnTo>
-                <a:lnTo>
-                  <a:pt x="1150" y="122"/>
-                </a:lnTo>
-                <a:lnTo>
-                  <a:pt x="1251" y="85"/>
-                </a:lnTo>
-                <a:lnTo>
-                  <a:pt x="1357" y="55"/>
-                </a:lnTo>
-                <a:lnTo>
-                  <a:pt x="1464" y="32"/>
-                </a:lnTo>
-                <a:lnTo>
-                  <a:pt x="1574" y="14"/>
-                </a:lnTo>
-                <a:lnTo>
-                  <a:pt x="1686" y="5"/>
-                </a:lnTo>
-                <a:lnTo>
-                  <a:pt x="1799" y="0"/>
-                </a:lnTo>
-                <a:close/>
-              </a:path>
-            </a:pathLst>
-          </a:custGeom>
-          <a:solidFill>
-            <a:schemeClr val="tx2"/>
-          </a:solidFill>
-          <a:ln w="0">
-            <a:noFill/>
-            <a:prstDash val="solid"/>
-            <a:round/>
-            <a:headEnd/>
-            <a:tailEnd/>
-          </a:ln>
-        </p:spPr>
-      </p:sp>
-      <p:cxnSp>
-        <p:nvCxnSpPr>
-          <p:cNvPr id="31" name="Straight Connector 27">
-            <a:extLst>
-              <a:ext uri="{FF2B5EF4-FFF2-40B4-BE49-F238E27FC236}">
-                <a16:creationId xmlns:a16="http://schemas.microsoft.com/office/drawing/2014/main" id="{EDB3FAAF-5FDF-4576-8E8B-8BE25DB82ABA}"/>
-              </a:ext>
-              <a:ext uri="{C183D7F6-B498-43B3-948B-1728B52AA6E4}">
-                <adec:decorative xmlns:adec="http://schemas.microsoft.com/office/drawing/2017/decorative" val="1"/>
-              </a:ext>
-            </a:extLst>
-          </p:cNvPr>
-          <p:cNvCxnSpPr>
-            <a:cxnSpLocks noGrp="1" noRot="1" noChangeAspect="1" noMove="1" noResize="1" noEditPoints="1" noAdjustHandles="1" noChangeArrowheads="1" noChangeShapeType="1"/>
-          </p:cNvCxnSpPr>
-          <p:nvPr>
-            <p:extLst>
-              <p:ext uri="{386F3935-93C4-4BCD-93E2-E3B085C9AB24}">
-                <p16:designElem xmlns:p16="http://schemas.microsoft.com/office/powerpoint/2015/main" val="1"/>
-              </p:ext>
-            </p:extLst>
-          </p:nvPr>
-        </p:nvCxnSpPr>
-        <p:spPr>
-          <a:xfrm>
-            <a:off x="773855" y="1257300"/>
-            <a:ext cx="0" cy="5600700"/>
-          </a:xfrm>
-          <a:prstGeom prst="line">
-            <a:avLst/>
-          </a:prstGeom>
-          <a:ln w="25400">
-            <a:solidFill>
-              <a:schemeClr val="tx2"/>
-            </a:solidFill>
-          </a:ln>
-        </p:spPr>
-        <p:style>
-          <a:lnRef idx="1">
-            <a:schemeClr val="accent1"/>
-          </a:lnRef>
-          <a:fillRef idx="0">
-            <a:schemeClr val="accent1"/>
-          </a:fillRef>
-          <a:effectRef idx="0">
-            <a:schemeClr val="accent1"/>
-          </a:effectRef>
-          <a:fontRef idx="minor">
-            <a:schemeClr val="tx1"/>
-          </a:fontRef>
-        </p:style>
-      </p:cxnSp>
-      <p:sp>
-        <p:nvSpPr>
-          <p:cNvPr id="7" name="Title 6">
-            <a:extLst>
-              <a:ext uri="{FF2B5EF4-FFF2-40B4-BE49-F238E27FC236}">
-                <a16:creationId xmlns:a16="http://schemas.microsoft.com/office/drawing/2014/main" id="{BEC26B80-FCB0-4333-A545-680781CA2C67}"/>
-              </a:ext>
-            </a:extLst>
-          </p:cNvPr>
-          <p:cNvSpPr>
-            <a:spLocks noGrp="1"/>
-          </p:cNvSpPr>
-          <p:nvPr>
-            <p:ph type="title"/>
-          </p:nvPr>
-        </p:nvSpPr>
-        <p:spPr>
-          <a:xfrm>
-            <a:off x="8508719" y="1143293"/>
-            <a:ext cx="3029688" cy="4268965"/>
-          </a:xfrm>
-        </p:spPr>
-        <p:txBody>
-          <a:bodyPr vert="horz" lIns="91440" tIns="45720" rIns="91440" bIns="45720" rtlCol="0" anchor="t">
-            <a:normAutofit/>
-          </a:bodyPr>
-          <a:lstStyle/>
-          <a:p>
-            <a:pPr algn="l">
-              <a:lnSpc>
-                <a:spcPct val="85000"/>
-              </a:lnSpc>
-            </a:pPr>
-            <a:r>
-              <a:rPr lang="en-US" sz="3600" cap="all">
-                <a:solidFill>
-                  <a:schemeClr val="tx2"/>
-                </a:solidFill>
-              </a:rPr>
-              <a:t>Next Steps</a:t>
-            </a:r>
-          </a:p>
-        </p:txBody>
-      </p:sp>
-      <p:pic>
-        <p:nvPicPr>
-          <p:cNvPr id="22" name="Picture 21" descr="White stairs with a blue arrow drawn in the middle pointing upwards">
-            <a:extLst>
-              <a:ext uri="{FF2B5EF4-FFF2-40B4-BE49-F238E27FC236}">
-                <a16:creationId xmlns:a16="http://schemas.microsoft.com/office/drawing/2014/main" id="{DEB40240-F098-45F9-8E35-31BACAF3B3CE}"/>
+                <a16:creationId xmlns:a16="http://schemas.microsoft.com/office/drawing/2014/main" id="{C723C388-103E-4750-950B-D68C10DC5A79}"/>
               </a:ext>
             </a:extLst>
           </p:cNvPr>
           <p:cNvPicPr>
-            <a:picLocks noChangeAspect="1"/>
+            <a:picLocks noGrp="1" noChangeAspect="1" noChangeArrowheads="1"/>
           </p:cNvPicPr>
-          <p:nvPr/>
+          <p:nvPr>
+            <p:ph sz="half" idx="4294967295"/>
+          </p:nvPr>
         </p:nvPicPr>
-        <p:blipFill rotWithShape="1">
-          <a:blip r:embed="rId2"/>
-          <a:srcRect t="7976" r="-2" b="1219"/>
-          <a:stretch/>
+        <p:blipFill>
+          <a:blip r:embed="rId2">
+            <a:extLst>
+              <a:ext uri="{28A0092B-C50C-407E-A947-70E740481C1C}">
+                <a14:useLocalDpi xmlns:a14="http://schemas.microsoft.com/office/drawing/2010/main" val="0"/>
+              </a:ext>
+            </a:extLst>
+          </a:blip>
+          <a:srcRect/>
+          <a:stretch>
+            <a:fillRect/>
+          </a:stretch>
         </p:blipFill>
-        <p:spPr>
+        <p:spPr bwMode="auto">
           <a:xfrm>
-            <a:off x="20" y="10"/>
-            <a:ext cx="7552558" cy="6857990"/>
+            <a:off x="205273" y="1629715"/>
+            <a:ext cx="5314950" cy="2743200"/>
           </a:xfrm>
           <a:prstGeom prst="rect">
             <a:avLst/>
           </a:prstGeom>
+          <a:noFill/>
+          <a:extLst>
+            <a:ext uri="{909E8E84-426E-40DD-AFC4-6F175D3DCCD1}">
+              <a14:hiddenFill xmlns:a14="http://schemas.microsoft.com/office/drawing/2010/main">
+                <a:solidFill>
+                  <a:srgbClr val="FFFFFF"/>
+                </a:solidFill>
+              </a14:hiddenFill>
+            </a:ext>
+          </a:extLst>
         </p:spPr>
       </p:pic>
-      <p:sp>
-        <p:nvSpPr>
-          <p:cNvPr id="30" name="Freeform 6">
+      <p:pic>
+        <p:nvPicPr>
+          <p:cNvPr id="3078" name="Picture 6">
             <a:extLst>
               <a:ext uri="{FF2B5EF4-FFF2-40B4-BE49-F238E27FC236}">
-                <a16:creationId xmlns:a16="http://schemas.microsoft.com/office/drawing/2014/main" id="{40D2F2B3-169C-4971-B11F-452C0E0A4EF8}"/>
-              </a:ext>
-              <a:ext uri="{C183D7F6-B498-43B3-948B-1728B52AA6E4}">
-                <adec:decorative xmlns:adec="http://schemas.microsoft.com/office/drawing/2017/decorative" val="1"/>
+                <a16:creationId xmlns:a16="http://schemas.microsoft.com/office/drawing/2014/main" id="{88D5F3C0-12A6-4A39-A0A0-C6FF9F7EC7AB}"/>
               </a:ext>
             </a:extLst>
           </p:cNvPr>
-          <p:cNvSpPr>
-            <a:spLocks noGrp="1" noRot="1" noChangeAspect="1" noMove="1" noResize="1" noEditPoints="1" noAdjustHandles="1" noChangeArrowheads="1" noChangeShapeType="1" noTextEdit="1"/>
-          </p:cNvSpPr>
-          <p:nvPr>
-            <p:extLst>
-              <p:ext uri="{386F3935-93C4-4BCD-93E2-E3B085C9AB24}">
-                <p16:designElem xmlns:p16="http://schemas.microsoft.com/office/powerpoint/2015/main" val="1"/>
-              </p:ext>
-            </p:extLst>
-          </p:nvPr>
-        </p:nvSpPr>
+          <p:cNvPicPr>
+            <a:picLocks noChangeAspect="1" noChangeArrowheads="1"/>
+          </p:cNvPicPr>
+          <p:nvPr/>
+        </p:nvPicPr>
+        <p:blipFill>
+          <a:blip r:embed="rId3">
+            <a:extLst>
+              <a:ext uri="{28A0092B-C50C-407E-A947-70E740481C1C}">
+                <a14:useLocalDpi xmlns:a14="http://schemas.microsoft.com/office/drawing/2010/main" val="0"/>
+              </a:ext>
+            </a:extLst>
+          </a:blip>
+          <a:srcRect/>
+          <a:stretch>
+            <a:fillRect/>
+          </a:stretch>
+        </p:blipFill>
         <p:spPr bwMode="auto">
           <a:xfrm>
-            <a:off x="11784011" y="1189204"/>
-            <a:ext cx="407988" cy="819150"/>
+            <a:off x="6319935" y="1660683"/>
+            <a:ext cx="5107342" cy="2712232"/>
           </a:xfrm>
-          <a:custGeom>
-            <a:avLst/>
-            <a:gdLst/>
-            <a:ahLst/>
-            <a:cxnLst/>
-            <a:rect l="0" t="0" r="r" b="b"/>
-            <a:pathLst>
-              <a:path w="1799" h="3612">
-                <a:moveTo>
-                  <a:pt x="1799" y="0"/>
-                </a:moveTo>
-                <a:lnTo>
-                  <a:pt x="1799" y="3612"/>
-                </a:lnTo>
-                <a:lnTo>
-                  <a:pt x="1686" y="3609"/>
-                </a:lnTo>
-                <a:lnTo>
-                  <a:pt x="1574" y="3598"/>
-                </a:lnTo>
-                <a:lnTo>
-                  <a:pt x="1464" y="3581"/>
-                </a:lnTo>
-                <a:lnTo>
-                  <a:pt x="1357" y="3557"/>
-                </a:lnTo>
-                <a:lnTo>
-                  <a:pt x="1251" y="3527"/>
-                </a:lnTo>
-                <a:lnTo>
-                  <a:pt x="1150" y="3490"/>
-                </a:lnTo>
-                <a:lnTo>
-                  <a:pt x="1050" y="3448"/>
-                </a:lnTo>
-                <a:lnTo>
-                  <a:pt x="953" y="3401"/>
-                </a:lnTo>
-                <a:lnTo>
-                  <a:pt x="860" y="3347"/>
-                </a:lnTo>
-                <a:lnTo>
-                  <a:pt x="771" y="3289"/>
-                </a:lnTo>
-                <a:lnTo>
-                  <a:pt x="686" y="3224"/>
-                </a:lnTo>
-                <a:lnTo>
-                  <a:pt x="604" y="3156"/>
-                </a:lnTo>
-                <a:lnTo>
-                  <a:pt x="527" y="3083"/>
-                </a:lnTo>
-                <a:lnTo>
-                  <a:pt x="454" y="3005"/>
-                </a:lnTo>
-                <a:lnTo>
-                  <a:pt x="386" y="2923"/>
-                </a:lnTo>
-                <a:lnTo>
-                  <a:pt x="323" y="2838"/>
-                </a:lnTo>
-                <a:lnTo>
-                  <a:pt x="265" y="2748"/>
-                </a:lnTo>
-                <a:lnTo>
-                  <a:pt x="211" y="2655"/>
-                </a:lnTo>
-                <a:lnTo>
-                  <a:pt x="163" y="2559"/>
-                </a:lnTo>
-                <a:lnTo>
-                  <a:pt x="121" y="2459"/>
-                </a:lnTo>
-                <a:lnTo>
-                  <a:pt x="85" y="2356"/>
-                </a:lnTo>
-                <a:lnTo>
-                  <a:pt x="55" y="2251"/>
-                </a:lnTo>
-                <a:lnTo>
-                  <a:pt x="32" y="2143"/>
-                </a:lnTo>
-                <a:lnTo>
-                  <a:pt x="14" y="2033"/>
-                </a:lnTo>
-                <a:lnTo>
-                  <a:pt x="4" y="1920"/>
-                </a:lnTo>
-                <a:lnTo>
-                  <a:pt x="0" y="1806"/>
-                </a:lnTo>
-                <a:lnTo>
-                  <a:pt x="4" y="1692"/>
-                </a:lnTo>
-                <a:lnTo>
-                  <a:pt x="14" y="1580"/>
-                </a:lnTo>
-                <a:lnTo>
-                  <a:pt x="32" y="1469"/>
-                </a:lnTo>
-                <a:lnTo>
-                  <a:pt x="55" y="1362"/>
-                </a:lnTo>
-                <a:lnTo>
-                  <a:pt x="85" y="1256"/>
-                </a:lnTo>
-                <a:lnTo>
-                  <a:pt x="121" y="1154"/>
-                </a:lnTo>
-                <a:lnTo>
-                  <a:pt x="163" y="1054"/>
-                </a:lnTo>
-                <a:lnTo>
-                  <a:pt x="211" y="958"/>
-                </a:lnTo>
-                <a:lnTo>
-                  <a:pt x="265" y="864"/>
-                </a:lnTo>
-                <a:lnTo>
-                  <a:pt x="323" y="774"/>
-                </a:lnTo>
-                <a:lnTo>
-                  <a:pt x="386" y="689"/>
-                </a:lnTo>
-                <a:lnTo>
-                  <a:pt x="454" y="607"/>
-                </a:lnTo>
-                <a:lnTo>
-                  <a:pt x="527" y="529"/>
-                </a:lnTo>
-                <a:lnTo>
-                  <a:pt x="604" y="456"/>
-                </a:lnTo>
-                <a:lnTo>
-                  <a:pt x="686" y="388"/>
-                </a:lnTo>
-                <a:lnTo>
-                  <a:pt x="771" y="325"/>
-                </a:lnTo>
-                <a:lnTo>
-                  <a:pt x="860" y="266"/>
-                </a:lnTo>
-                <a:lnTo>
-                  <a:pt x="953" y="212"/>
-                </a:lnTo>
-                <a:lnTo>
-                  <a:pt x="1050" y="164"/>
-                </a:lnTo>
-                <a:lnTo>
-                  <a:pt x="1150" y="122"/>
-                </a:lnTo>
-                <a:lnTo>
-                  <a:pt x="1251" y="85"/>
-                </a:lnTo>
-                <a:lnTo>
-                  <a:pt x="1357" y="55"/>
-                </a:lnTo>
-                <a:lnTo>
-                  <a:pt x="1464" y="32"/>
-                </a:lnTo>
-                <a:lnTo>
-                  <a:pt x="1574" y="14"/>
-                </a:lnTo>
-                <a:lnTo>
-                  <a:pt x="1686" y="5"/>
-                </a:lnTo>
-                <a:lnTo>
-                  <a:pt x="1799" y="0"/>
-                </a:lnTo>
-                <a:close/>
-              </a:path>
-            </a:pathLst>
-          </a:custGeom>
-          <a:solidFill>
-            <a:schemeClr val="tx2"/>
-          </a:solidFill>
-          <a:ln w="0">
-            <a:noFill/>
-            <a:prstDash val="solid"/>
-            <a:round/>
-            <a:headEnd/>
-            <a:tailEnd/>
-          </a:ln>
-        </p:spPr>
-      </p:sp>
-      <p:cxnSp>
-        <p:nvCxnSpPr>
-          <p:cNvPr id="32" name="Straight Connector 31">
-            <a:extLst>
-              <a:ext uri="{FF2B5EF4-FFF2-40B4-BE49-F238E27FC236}">
-                <a16:creationId xmlns:a16="http://schemas.microsoft.com/office/drawing/2014/main" id="{72FB39BF-4949-4117-AA41-066968DE9E2B}"/>
-              </a:ext>
-              <a:ext uri="{C183D7F6-B498-43B3-948B-1728B52AA6E4}">
-                <adec:decorative xmlns:adec="http://schemas.microsoft.com/office/drawing/2017/decorative" val="1"/>
-              </a:ext>
-            </a:extLst>
-          </p:cNvPr>
-          <p:cNvCxnSpPr>
-            <a:cxnSpLocks noGrp="1" noRot="1" noChangeAspect="1" noMove="1" noResize="1" noEditPoints="1" noAdjustHandles="1" noChangeArrowheads="1" noChangeShapeType="1"/>
-          </p:cNvCxnSpPr>
-          <p:nvPr>
-            <p:extLst>
-              <p:ext uri="{386F3935-93C4-4BCD-93E2-E3B085C9AB24}">
-                <p16:designElem xmlns:p16="http://schemas.microsoft.com/office/powerpoint/2015/main" val="1"/>
-              </p:ext>
-            </p:extLst>
-          </p:nvPr>
-        </p:nvCxnSpPr>
-        <p:spPr>
-          <a:xfrm>
-            <a:off x="8208101" y="1257300"/>
-            <a:ext cx="0" cy="5600700"/>
-          </a:xfrm>
-          <a:prstGeom prst="line">
+          <a:prstGeom prst="rect">
             <a:avLst/>
           </a:prstGeom>
-          <a:ln w="25400">
-            <a:solidFill>
-              <a:schemeClr val="tx2"/>
-            </a:solidFill>
-          </a:ln>
+          <a:noFill/>
+          <a:extLst>
+            <a:ext uri="{909E8E84-426E-40DD-AFC4-6F175D3DCCD1}">
+              <a14:hiddenFill xmlns:a14="http://schemas.microsoft.com/office/drawing/2010/main">
+                <a:solidFill>
+                  <a:srgbClr val="FFFFFF"/>
+                </a:solidFill>
+              </a14:hiddenFill>
+            </a:ext>
+          </a:extLst>
         </p:spPr>
-        <p:style>
-          <a:lnRef idx="1">
-            <a:schemeClr val="accent1"/>
-          </a:lnRef>
-          <a:fillRef idx="0">
-            <a:schemeClr val="accent1"/>
-          </a:fillRef>
-          <a:effectRef idx="0">
-            <a:schemeClr val="accent1"/>
-          </a:effectRef>
-          <a:fontRef idx="minor">
-            <a:schemeClr val="tx1"/>
-          </a:fontRef>
-        </p:style>
-      </p:cxnSp>
+      </p:pic>
     </p:spTree>
     <p:extLst>
       <p:ext uri="{BB962C8B-B14F-4D97-AF65-F5344CB8AC3E}">
-        <p14:creationId xmlns:p14="http://schemas.microsoft.com/office/powerpoint/2010/main" val="422126975"/>
+        <p14:creationId xmlns:p14="http://schemas.microsoft.com/office/powerpoint/2010/main" val="2574773409"/>
       </p:ext>
     </p:extLst>
   </p:cSld>
